--- a/Note/component.pptx
+++ b/Note/component.pptx
@@ -9,6 +9,11 @@
     <p:sldId id="257" r:id="rId3"/>
     <p:sldId id="258" r:id="rId4"/>
     <p:sldId id="259" r:id="rId5"/>
+    <p:sldId id="260" r:id="rId6"/>
+    <p:sldId id="261" r:id="rId7"/>
+    <p:sldId id="264" r:id="rId8"/>
+    <p:sldId id="262" r:id="rId9"/>
+    <p:sldId id="263" r:id="rId10"/>
   </p:sldIdLst>
   <p:sldSz cx="12192000" cy="6858000"/>
   <p:notesSz cx="6858000" cy="9144000"/>
@@ -115,7 +120,7 @@
             <a:srgbClr val="A4A3A4"/>
           </p15:clr>
         </p15:guide>
-        <p15:guide id="2" pos="3840" userDrawn="1">
+        <p15:guide id="2" pos="3817" userDrawn="1">
           <p15:clr>
             <a:srgbClr val="A4A3A4"/>
           </p15:clr>
@@ -257,7 +262,7 @@
           <a:p>
             <a:fld id="{3F170F1F-D865-4EB8-ACA1-7F3D21CD77A5}" type="datetimeFigureOut">
               <a:rPr lang="zh-CN" altLang="en-US" smtClean="0"/>
-              <a:t>2018/1/5</a:t>
+              <a:t>2018/1/24</a:t>
             </a:fld>
             <a:endParaRPr lang="zh-CN" altLang="en-US"/>
           </a:p>
@@ -427,7 +432,7 @@
           <a:p>
             <a:fld id="{3F170F1F-D865-4EB8-ACA1-7F3D21CD77A5}" type="datetimeFigureOut">
               <a:rPr lang="zh-CN" altLang="en-US" smtClean="0"/>
-              <a:t>2018/1/5</a:t>
+              <a:t>2018/1/24</a:t>
             </a:fld>
             <a:endParaRPr lang="zh-CN" altLang="en-US"/>
           </a:p>
@@ -607,7 +612,7 @@
           <a:p>
             <a:fld id="{3F170F1F-D865-4EB8-ACA1-7F3D21CD77A5}" type="datetimeFigureOut">
               <a:rPr lang="zh-CN" altLang="en-US" smtClean="0"/>
-              <a:t>2018/1/5</a:t>
+              <a:t>2018/1/24</a:t>
             </a:fld>
             <a:endParaRPr lang="zh-CN" altLang="en-US"/>
           </a:p>
@@ -777,7 +782,7 @@
           <a:p>
             <a:fld id="{3F170F1F-D865-4EB8-ACA1-7F3D21CD77A5}" type="datetimeFigureOut">
               <a:rPr lang="zh-CN" altLang="en-US" smtClean="0"/>
-              <a:t>2018/1/5</a:t>
+              <a:t>2018/1/24</a:t>
             </a:fld>
             <a:endParaRPr lang="zh-CN" altLang="en-US"/>
           </a:p>
@@ -1023,7 +1028,7 @@
           <a:p>
             <a:fld id="{3F170F1F-D865-4EB8-ACA1-7F3D21CD77A5}" type="datetimeFigureOut">
               <a:rPr lang="zh-CN" altLang="en-US" smtClean="0"/>
-              <a:t>2018/1/5</a:t>
+              <a:t>2018/1/24</a:t>
             </a:fld>
             <a:endParaRPr lang="zh-CN" altLang="en-US"/>
           </a:p>
@@ -1255,7 +1260,7 @@
           <a:p>
             <a:fld id="{3F170F1F-D865-4EB8-ACA1-7F3D21CD77A5}" type="datetimeFigureOut">
               <a:rPr lang="zh-CN" altLang="en-US" smtClean="0"/>
-              <a:t>2018/1/5</a:t>
+              <a:t>2018/1/24</a:t>
             </a:fld>
             <a:endParaRPr lang="zh-CN" altLang="en-US"/>
           </a:p>
@@ -1622,7 +1627,7 @@
           <a:p>
             <a:fld id="{3F170F1F-D865-4EB8-ACA1-7F3D21CD77A5}" type="datetimeFigureOut">
               <a:rPr lang="zh-CN" altLang="en-US" smtClean="0"/>
-              <a:t>2018/1/5</a:t>
+              <a:t>2018/1/24</a:t>
             </a:fld>
             <a:endParaRPr lang="zh-CN" altLang="en-US"/>
           </a:p>
@@ -1740,7 +1745,7 @@
           <a:p>
             <a:fld id="{3F170F1F-D865-4EB8-ACA1-7F3D21CD77A5}" type="datetimeFigureOut">
               <a:rPr lang="zh-CN" altLang="en-US" smtClean="0"/>
-              <a:t>2018/1/5</a:t>
+              <a:t>2018/1/24</a:t>
             </a:fld>
             <a:endParaRPr lang="zh-CN" altLang="en-US"/>
           </a:p>
@@ -1835,7 +1840,7 @@
           <a:p>
             <a:fld id="{3F170F1F-D865-4EB8-ACA1-7F3D21CD77A5}" type="datetimeFigureOut">
               <a:rPr lang="zh-CN" altLang="en-US" smtClean="0"/>
-              <a:t>2018/1/5</a:t>
+              <a:t>2018/1/24</a:t>
             </a:fld>
             <a:endParaRPr lang="zh-CN" altLang="en-US"/>
           </a:p>
@@ -2112,7 +2117,7 @@
           <a:p>
             <a:fld id="{3F170F1F-D865-4EB8-ACA1-7F3D21CD77A5}" type="datetimeFigureOut">
               <a:rPr lang="zh-CN" altLang="en-US" smtClean="0"/>
-              <a:t>2018/1/5</a:t>
+              <a:t>2018/1/24</a:t>
             </a:fld>
             <a:endParaRPr lang="zh-CN" altLang="en-US"/>
           </a:p>
@@ -2365,7 +2370,7 @@
           <a:p>
             <a:fld id="{3F170F1F-D865-4EB8-ACA1-7F3D21CD77A5}" type="datetimeFigureOut">
               <a:rPr lang="zh-CN" altLang="en-US" smtClean="0"/>
-              <a:t>2018/1/5</a:t>
+              <a:t>2018/1/24</a:t>
             </a:fld>
             <a:endParaRPr lang="zh-CN" altLang="en-US"/>
           </a:p>
@@ -2578,7 +2583,7 @@
           <a:p>
             <a:fld id="{3F170F1F-D865-4EB8-ACA1-7F3D21CD77A5}" type="datetimeFigureOut">
               <a:rPr lang="zh-CN" altLang="en-US" smtClean="0"/>
-              <a:t>2018/1/5</a:t>
+              <a:t>2018/1/24</a:t>
             </a:fld>
             <a:endParaRPr lang="zh-CN" altLang="en-US"/>
           </a:p>
@@ -4859,6 +4864,5947 @@
 </p:sld>
 </file>
 
+<file path=ppt/slides/slide5.xml><?xml version="1.0" encoding="utf-8"?>
+<p:sld xmlns:a="http://schemas.openxmlformats.org/drawingml/2006/main" xmlns:r="http://schemas.openxmlformats.org/officeDocument/2006/relationships" xmlns:p="http://schemas.openxmlformats.org/presentationml/2006/main">
+  <p:cSld>
+    <p:spTree>
+      <p:nvGrpSpPr>
+        <p:cNvPr id="1" name=""/>
+        <p:cNvGrpSpPr/>
+        <p:nvPr/>
+      </p:nvGrpSpPr>
+      <p:grpSpPr>
+        <a:xfrm>
+          <a:off x="0" y="0"/>
+          <a:ext cx="0" cy="0"/>
+          <a:chOff x="0" y="0"/>
+          <a:chExt cx="0" cy="0"/>
+        </a:xfrm>
+      </p:grpSpPr>
+      <p:sp>
+        <p:nvSpPr>
+          <p:cNvPr id="2" name="矩形 1"/>
+          <p:cNvSpPr/>
+          <p:nvPr/>
+        </p:nvSpPr>
+        <p:spPr>
+          <a:xfrm>
+            <a:off x="1190445" y="819508"/>
+            <a:ext cx="940280" cy="293299"/>
+          </a:xfrm>
+          <a:prstGeom prst="rect">
+            <a:avLst/>
+          </a:prstGeom>
+          <a:solidFill>
+            <a:schemeClr val="bg1"/>
+          </a:solidFill>
+          <a:ln>
+            <a:solidFill>
+              <a:schemeClr val="tx1"/>
+            </a:solidFill>
+          </a:ln>
+        </p:spPr>
+        <p:style>
+          <a:lnRef idx="2">
+            <a:schemeClr val="accent1">
+              <a:shade val="50000"/>
+            </a:schemeClr>
+          </a:lnRef>
+          <a:fillRef idx="1">
+            <a:schemeClr val="accent1"/>
+          </a:fillRef>
+          <a:effectRef idx="0">
+            <a:schemeClr val="accent1"/>
+          </a:effectRef>
+          <a:fontRef idx="minor">
+            <a:schemeClr val="lt1"/>
+          </a:fontRef>
+        </p:style>
+        <p:txBody>
+          <a:bodyPr rtlCol="0" anchor="ctr"/>
+          <a:lstStyle/>
+          <a:p>
+            <a:pPr algn="ctr"/>
+            <a:r>
+              <a:rPr lang="zh-CN" altLang="en-US" sz="1000" dirty="0" smtClean="0">
+                <a:solidFill>
+                  <a:schemeClr val="tx1"/>
+                </a:solidFill>
+                <a:latin typeface="微软雅黑" panose="020B0503020204020204" pitchFamily="34" charset="-122"/>
+                <a:ea typeface="微软雅黑" panose="020B0503020204020204" pitchFamily="34" charset="-122"/>
+              </a:rPr>
+              <a:t>应用层</a:t>
+            </a:r>
+            <a:endParaRPr lang="zh-CN" altLang="en-US" sz="1000" dirty="0">
+              <a:solidFill>
+                <a:schemeClr val="tx1"/>
+              </a:solidFill>
+              <a:latin typeface="微软雅黑" panose="020B0503020204020204" pitchFamily="34" charset="-122"/>
+              <a:ea typeface="微软雅黑" panose="020B0503020204020204" pitchFamily="34" charset="-122"/>
+            </a:endParaRPr>
+          </a:p>
+        </p:txBody>
+      </p:sp>
+      <p:sp>
+        <p:nvSpPr>
+          <p:cNvPr id="3" name="矩形 2"/>
+          <p:cNvSpPr/>
+          <p:nvPr/>
+        </p:nvSpPr>
+        <p:spPr>
+          <a:xfrm>
+            <a:off x="1190445" y="1112808"/>
+            <a:ext cx="940280" cy="301925"/>
+          </a:xfrm>
+          <a:prstGeom prst="rect">
+            <a:avLst/>
+          </a:prstGeom>
+          <a:solidFill>
+            <a:schemeClr val="bg1"/>
+          </a:solidFill>
+          <a:ln>
+            <a:solidFill>
+              <a:schemeClr val="tx1"/>
+            </a:solidFill>
+          </a:ln>
+        </p:spPr>
+        <p:style>
+          <a:lnRef idx="2">
+            <a:schemeClr val="accent1">
+              <a:shade val="50000"/>
+            </a:schemeClr>
+          </a:lnRef>
+          <a:fillRef idx="1">
+            <a:schemeClr val="accent1"/>
+          </a:fillRef>
+          <a:effectRef idx="0">
+            <a:schemeClr val="accent1"/>
+          </a:effectRef>
+          <a:fontRef idx="minor">
+            <a:schemeClr val="lt1"/>
+          </a:fontRef>
+        </p:style>
+        <p:txBody>
+          <a:bodyPr rtlCol="0" anchor="ctr"/>
+          <a:lstStyle/>
+          <a:p>
+            <a:pPr algn="ctr"/>
+            <a:r>
+              <a:rPr lang="zh-CN" altLang="en-US" sz="1000" dirty="0" smtClean="0">
+                <a:solidFill>
+                  <a:schemeClr val="tx1"/>
+                </a:solidFill>
+                <a:latin typeface="微软雅黑" panose="020B0503020204020204" pitchFamily="34" charset="-122"/>
+                <a:ea typeface="微软雅黑" panose="020B0503020204020204" pitchFamily="34" charset="-122"/>
+              </a:rPr>
+              <a:t>传输层</a:t>
+            </a:r>
+            <a:endParaRPr lang="zh-CN" altLang="en-US" sz="1000" dirty="0">
+              <a:solidFill>
+                <a:schemeClr val="tx1"/>
+              </a:solidFill>
+              <a:latin typeface="微软雅黑" panose="020B0503020204020204" pitchFamily="34" charset="-122"/>
+              <a:ea typeface="微软雅黑" panose="020B0503020204020204" pitchFamily="34" charset="-122"/>
+            </a:endParaRPr>
+          </a:p>
+        </p:txBody>
+      </p:sp>
+      <p:sp>
+        <p:nvSpPr>
+          <p:cNvPr id="4" name="矩形 3"/>
+          <p:cNvSpPr/>
+          <p:nvPr/>
+        </p:nvSpPr>
+        <p:spPr>
+          <a:xfrm>
+            <a:off x="1190445" y="1414732"/>
+            <a:ext cx="940280" cy="301925"/>
+          </a:xfrm>
+          <a:prstGeom prst="rect">
+            <a:avLst/>
+          </a:prstGeom>
+          <a:solidFill>
+            <a:schemeClr val="bg1"/>
+          </a:solidFill>
+          <a:ln>
+            <a:solidFill>
+              <a:schemeClr val="tx1"/>
+            </a:solidFill>
+          </a:ln>
+        </p:spPr>
+        <p:style>
+          <a:lnRef idx="2">
+            <a:schemeClr val="accent1">
+              <a:shade val="50000"/>
+            </a:schemeClr>
+          </a:lnRef>
+          <a:fillRef idx="1">
+            <a:schemeClr val="accent1"/>
+          </a:fillRef>
+          <a:effectRef idx="0">
+            <a:schemeClr val="accent1"/>
+          </a:effectRef>
+          <a:fontRef idx="minor">
+            <a:schemeClr val="lt1"/>
+          </a:fontRef>
+        </p:style>
+        <p:txBody>
+          <a:bodyPr rtlCol="0" anchor="ctr"/>
+          <a:lstStyle/>
+          <a:p>
+            <a:pPr algn="ctr"/>
+            <a:r>
+              <a:rPr lang="zh-CN" altLang="en-US" sz="1000" dirty="0" smtClean="0">
+                <a:solidFill>
+                  <a:schemeClr val="tx1"/>
+                </a:solidFill>
+                <a:latin typeface="微软雅黑" panose="020B0503020204020204" pitchFamily="34" charset="-122"/>
+                <a:ea typeface="微软雅黑" panose="020B0503020204020204" pitchFamily="34" charset="-122"/>
+              </a:rPr>
+              <a:t>网际层</a:t>
+            </a:r>
+            <a:endParaRPr lang="zh-CN" altLang="en-US" sz="1000" dirty="0">
+              <a:solidFill>
+                <a:schemeClr val="tx1"/>
+              </a:solidFill>
+              <a:latin typeface="微软雅黑" panose="020B0503020204020204" pitchFamily="34" charset="-122"/>
+              <a:ea typeface="微软雅黑" panose="020B0503020204020204" pitchFamily="34" charset="-122"/>
+            </a:endParaRPr>
+          </a:p>
+        </p:txBody>
+      </p:sp>
+      <p:sp>
+        <p:nvSpPr>
+          <p:cNvPr id="5" name="矩形 4"/>
+          <p:cNvSpPr/>
+          <p:nvPr/>
+        </p:nvSpPr>
+        <p:spPr>
+          <a:xfrm>
+            <a:off x="1190445" y="1716658"/>
+            <a:ext cx="940280" cy="301925"/>
+          </a:xfrm>
+          <a:prstGeom prst="rect">
+            <a:avLst/>
+          </a:prstGeom>
+          <a:solidFill>
+            <a:schemeClr val="bg1"/>
+          </a:solidFill>
+          <a:ln>
+            <a:solidFill>
+              <a:schemeClr val="tx1"/>
+            </a:solidFill>
+          </a:ln>
+        </p:spPr>
+        <p:style>
+          <a:lnRef idx="2">
+            <a:schemeClr val="accent1">
+              <a:shade val="50000"/>
+            </a:schemeClr>
+          </a:lnRef>
+          <a:fillRef idx="1">
+            <a:schemeClr val="accent1"/>
+          </a:fillRef>
+          <a:effectRef idx="0">
+            <a:schemeClr val="accent1"/>
+          </a:effectRef>
+          <a:fontRef idx="minor">
+            <a:schemeClr val="lt1"/>
+          </a:fontRef>
+        </p:style>
+        <p:txBody>
+          <a:bodyPr rtlCol="0" anchor="ctr"/>
+          <a:lstStyle/>
+          <a:p>
+            <a:pPr algn="ctr"/>
+            <a:r>
+              <a:rPr lang="zh-CN" altLang="en-US" sz="1000" dirty="0" smtClean="0">
+                <a:solidFill>
+                  <a:schemeClr val="tx1"/>
+                </a:solidFill>
+                <a:latin typeface="微软雅黑" panose="020B0503020204020204" pitchFamily="34" charset="-122"/>
+                <a:ea typeface="微软雅黑" panose="020B0503020204020204" pitchFamily="34" charset="-122"/>
+              </a:rPr>
+              <a:t>网络访问层</a:t>
+            </a:r>
+            <a:endParaRPr lang="zh-CN" altLang="en-US" sz="1000" dirty="0">
+              <a:solidFill>
+                <a:schemeClr val="tx1"/>
+              </a:solidFill>
+              <a:latin typeface="微软雅黑" panose="020B0503020204020204" pitchFamily="34" charset="-122"/>
+              <a:ea typeface="微软雅黑" panose="020B0503020204020204" pitchFamily="34" charset="-122"/>
+            </a:endParaRPr>
+          </a:p>
+        </p:txBody>
+      </p:sp>
+      <p:sp>
+        <p:nvSpPr>
+          <p:cNvPr id="7" name="矩形 6"/>
+          <p:cNvSpPr/>
+          <p:nvPr/>
+        </p:nvSpPr>
+        <p:spPr>
+          <a:xfrm>
+            <a:off x="2826588" y="810883"/>
+            <a:ext cx="940280" cy="301925"/>
+          </a:xfrm>
+          <a:prstGeom prst="rect">
+            <a:avLst/>
+          </a:prstGeom>
+          <a:solidFill>
+            <a:schemeClr val="bg1"/>
+          </a:solidFill>
+          <a:ln>
+            <a:solidFill>
+              <a:schemeClr val="tx1"/>
+            </a:solidFill>
+          </a:ln>
+        </p:spPr>
+        <p:style>
+          <a:lnRef idx="2">
+            <a:schemeClr val="accent1">
+              <a:shade val="50000"/>
+            </a:schemeClr>
+          </a:lnRef>
+          <a:fillRef idx="1">
+            <a:schemeClr val="accent1"/>
+          </a:fillRef>
+          <a:effectRef idx="0">
+            <a:schemeClr val="accent1"/>
+          </a:effectRef>
+          <a:fontRef idx="minor">
+            <a:schemeClr val="lt1"/>
+          </a:fontRef>
+        </p:style>
+        <p:txBody>
+          <a:bodyPr rtlCol="0" anchor="ctr"/>
+          <a:lstStyle/>
+          <a:p>
+            <a:pPr algn="ctr"/>
+            <a:r>
+              <a:rPr lang="zh-CN" altLang="en-US" sz="1000" dirty="0" smtClean="0">
+                <a:solidFill>
+                  <a:schemeClr val="tx1"/>
+                </a:solidFill>
+                <a:latin typeface="微软雅黑" panose="020B0503020204020204" pitchFamily="34" charset="-122"/>
+                <a:ea typeface="微软雅黑" panose="020B0503020204020204" pitchFamily="34" charset="-122"/>
+              </a:rPr>
+              <a:t>会话层</a:t>
+            </a:r>
+            <a:endParaRPr lang="zh-CN" altLang="en-US" sz="1000" dirty="0">
+              <a:solidFill>
+                <a:schemeClr val="tx1"/>
+              </a:solidFill>
+              <a:latin typeface="微软雅黑" panose="020B0503020204020204" pitchFamily="34" charset="-122"/>
+              <a:ea typeface="微软雅黑" panose="020B0503020204020204" pitchFamily="34" charset="-122"/>
+            </a:endParaRPr>
+          </a:p>
+        </p:txBody>
+      </p:sp>
+      <p:sp>
+        <p:nvSpPr>
+          <p:cNvPr id="8" name="矩形 7"/>
+          <p:cNvSpPr/>
+          <p:nvPr/>
+        </p:nvSpPr>
+        <p:spPr>
+          <a:xfrm>
+            <a:off x="2826588" y="1112808"/>
+            <a:ext cx="940280" cy="301925"/>
+          </a:xfrm>
+          <a:prstGeom prst="rect">
+            <a:avLst/>
+          </a:prstGeom>
+          <a:solidFill>
+            <a:schemeClr val="bg1"/>
+          </a:solidFill>
+          <a:ln>
+            <a:solidFill>
+              <a:schemeClr val="tx1"/>
+            </a:solidFill>
+          </a:ln>
+        </p:spPr>
+        <p:style>
+          <a:lnRef idx="2">
+            <a:schemeClr val="accent1">
+              <a:shade val="50000"/>
+            </a:schemeClr>
+          </a:lnRef>
+          <a:fillRef idx="1">
+            <a:schemeClr val="accent1"/>
+          </a:fillRef>
+          <a:effectRef idx="0">
+            <a:schemeClr val="accent1"/>
+          </a:effectRef>
+          <a:fontRef idx="minor">
+            <a:schemeClr val="lt1"/>
+          </a:fontRef>
+        </p:style>
+        <p:txBody>
+          <a:bodyPr rtlCol="0" anchor="ctr"/>
+          <a:lstStyle/>
+          <a:p>
+            <a:pPr algn="ctr"/>
+            <a:r>
+              <a:rPr lang="zh-CN" altLang="en-US" sz="1000" dirty="0" smtClean="0">
+                <a:solidFill>
+                  <a:schemeClr val="tx1"/>
+                </a:solidFill>
+                <a:latin typeface="微软雅黑" panose="020B0503020204020204" pitchFamily="34" charset="-122"/>
+                <a:ea typeface="微软雅黑" panose="020B0503020204020204" pitchFamily="34" charset="-122"/>
+              </a:rPr>
+              <a:t>传输层</a:t>
+            </a:r>
+            <a:endParaRPr lang="zh-CN" altLang="en-US" sz="1000" dirty="0">
+              <a:solidFill>
+                <a:schemeClr val="tx1"/>
+              </a:solidFill>
+              <a:latin typeface="微软雅黑" panose="020B0503020204020204" pitchFamily="34" charset="-122"/>
+              <a:ea typeface="微软雅黑" panose="020B0503020204020204" pitchFamily="34" charset="-122"/>
+            </a:endParaRPr>
+          </a:p>
+        </p:txBody>
+      </p:sp>
+      <p:sp>
+        <p:nvSpPr>
+          <p:cNvPr id="9" name="矩形 8"/>
+          <p:cNvSpPr/>
+          <p:nvPr/>
+        </p:nvSpPr>
+        <p:spPr>
+          <a:xfrm>
+            <a:off x="2826588" y="1414733"/>
+            <a:ext cx="940280" cy="301925"/>
+          </a:xfrm>
+          <a:prstGeom prst="rect">
+            <a:avLst/>
+          </a:prstGeom>
+          <a:solidFill>
+            <a:schemeClr val="bg1"/>
+          </a:solidFill>
+          <a:ln>
+            <a:solidFill>
+              <a:schemeClr val="tx1"/>
+            </a:solidFill>
+          </a:ln>
+        </p:spPr>
+        <p:style>
+          <a:lnRef idx="2">
+            <a:schemeClr val="accent1">
+              <a:shade val="50000"/>
+            </a:schemeClr>
+          </a:lnRef>
+          <a:fillRef idx="1">
+            <a:schemeClr val="accent1"/>
+          </a:fillRef>
+          <a:effectRef idx="0">
+            <a:schemeClr val="accent1"/>
+          </a:effectRef>
+          <a:fontRef idx="minor">
+            <a:schemeClr val="lt1"/>
+          </a:fontRef>
+        </p:style>
+        <p:txBody>
+          <a:bodyPr rtlCol="0" anchor="ctr"/>
+          <a:lstStyle/>
+          <a:p>
+            <a:pPr algn="ctr"/>
+            <a:r>
+              <a:rPr lang="zh-CN" altLang="en-US" sz="1000" dirty="0" smtClean="0">
+                <a:solidFill>
+                  <a:schemeClr val="tx1"/>
+                </a:solidFill>
+                <a:latin typeface="微软雅黑" panose="020B0503020204020204" pitchFamily="34" charset="-122"/>
+                <a:ea typeface="微软雅黑" panose="020B0503020204020204" pitchFamily="34" charset="-122"/>
+              </a:rPr>
+              <a:t>网络层</a:t>
+            </a:r>
+            <a:endParaRPr lang="zh-CN" altLang="en-US" sz="1000" dirty="0">
+              <a:solidFill>
+                <a:schemeClr val="tx1"/>
+              </a:solidFill>
+              <a:latin typeface="微软雅黑" panose="020B0503020204020204" pitchFamily="34" charset="-122"/>
+              <a:ea typeface="微软雅黑" panose="020B0503020204020204" pitchFamily="34" charset="-122"/>
+            </a:endParaRPr>
+          </a:p>
+        </p:txBody>
+      </p:sp>
+      <p:sp>
+        <p:nvSpPr>
+          <p:cNvPr id="10" name="矩形 9"/>
+          <p:cNvSpPr/>
+          <p:nvPr/>
+        </p:nvSpPr>
+        <p:spPr>
+          <a:xfrm>
+            <a:off x="2826588" y="1716658"/>
+            <a:ext cx="940280" cy="301925"/>
+          </a:xfrm>
+          <a:prstGeom prst="rect">
+            <a:avLst/>
+          </a:prstGeom>
+          <a:solidFill>
+            <a:schemeClr val="bg1"/>
+          </a:solidFill>
+          <a:ln>
+            <a:solidFill>
+              <a:schemeClr val="tx1"/>
+            </a:solidFill>
+          </a:ln>
+        </p:spPr>
+        <p:style>
+          <a:lnRef idx="2">
+            <a:schemeClr val="accent1">
+              <a:shade val="50000"/>
+            </a:schemeClr>
+          </a:lnRef>
+          <a:fillRef idx="1">
+            <a:schemeClr val="accent1"/>
+          </a:fillRef>
+          <a:effectRef idx="0">
+            <a:schemeClr val="accent1"/>
+          </a:effectRef>
+          <a:fontRef idx="minor">
+            <a:schemeClr val="lt1"/>
+          </a:fontRef>
+        </p:style>
+        <p:txBody>
+          <a:bodyPr rtlCol="0" anchor="ctr"/>
+          <a:lstStyle/>
+          <a:p>
+            <a:pPr algn="ctr"/>
+            <a:r>
+              <a:rPr lang="zh-CN" altLang="en-US" sz="1000" dirty="0" smtClean="0">
+                <a:solidFill>
+                  <a:schemeClr val="tx1"/>
+                </a:solidFill>
+                <a:latin typeface="微软雅黑" panose="020B0503020204020204" pitchFamily="34" charset="-122"/>
+                <a:ea typeface="微软雅黑" panose="020B0503020204020204" pitchFamily="34" charset="-122"/>
+              </a:rPr>
+              <a:t>数据链路层</a:t>
+            </a:r>
+            <a:endParaRPr lang="zh-CN" altLang="en-US" sz="1000" dirty="0">
+              <a:solidFill>
+                <a:schemeClr val="tx1"/>
+              </a:solidFill>
+              <a:latin typeface="微软雅黑" panose="020B0503020204020204" pitchFamily="34" charset="-122"/>
+              <a:ea typeface="微软雅黑" panose="020B0503020204020204" pitchFamily="34" charset="-122"/>
+            </a:endParaRPr>
+          </a:p>
+        </p:txBody>
+      </p:sp>
+      <p:sp>
+        <p:nvSpPr>
+          <p:cNvPr id="11" name="矩形 10"/>
+          <p:cNvSpPr/>
+          <p:nvPr/>
+        </p:nvSpPr>
+        <p:spPr>
+          <a:xfrm>
+            <a:off x="2826588" y="517584"/>
+            <a:ext cx="940280" cy="301925"/>
+          </a:xfrm>
+          <a:prstGeom prst="rect">
+            <a:avLst/>
+          </a:prstGeom>
+          <a:solidFill>
+            <a:schemeClr val="bg1"/>
+          </a:solidFill>
+          <a:ln>
+            <a:solidFill>
+              <a:schemeClr val="tx1"/>
+            </a:solidFill>
+          </a:ln>
+        </p:spPr>
+        <p:style>
+          <a:lnRef idx="2">
+            <a:schemeClr val="accent1">
+              <a:shade val="50000"/>
+            </a:schemeClr>
+          </a:lnRef>
+          <a:fillRef idx="1">
+            <a:schemeClr val="accent1"/>
+          </a:fillRef>
+          <a:effectRef idx="0">
+            <a:schemeClr val="accent1"/>
+          </a:effectRef>
+          <a:fontRef idx="minor">
+            <a:schemeClr val="lt1"/>
+          </a:fontRef>
+        </p:style>
+        <p:txBody>
+          <a:bodyPr rtlCol="0" anchor="ctr"/>
+          <a:lstStyle/>
+          <a:p>
+            <a:pPr algn="ctr"/>
+            <a:r>
+              <a:rPr lang="zh-CN" altLang="en-US" sz="1000" dirty="0" smtClean="0">
+                <a:solidFill>
+                  <a:schemeClr val="tx1"/>
+                </a:solidFill>
+                <a:latin typeface="微软雅黑" panose="020B0503020204020204" pitchFamily="34" charset="-122"/>
+                <a:ea typeface="微软雅黑" panose="020B0503020204020204" pitchFamily="34" charset="-122"/>
+              </a:rPr>
+              <a:t>表示层</a:t>
+            </a:r>
+            <a:endParaRPr lang="zh-CN" altLang="en-US" sz="1000" dirty="0">
+              <a:solidFill>
+                <a:schemeClr val="tx1"/>
+              </a:solidFill>
+              <a:latin typeface="微软雅黑" panose="020B0503020204020204" pitchFamily="34" charset="-122"/>
+              <a:ea typeface="微软雅黑" panose="020B0503020204020204" pitchFamily="34" charset="-122"/>
+            </a:endParaRPr>
+          </a:p>
+        </p:txBody>
+      </p:sp>
+      <p:sp>
+        <p:nvSpPr>
+          <p:cNvPr id="12" name="矩形 11"/>
+          <p:cNvSpPr/>
+          <p:nvPr/>
+        </p:nvSpPr>
+        <p:spPr>
+          <a:xfrm>
+            <a:off x="2826588" y="215659"/>
+            <a:ext cx="940280" cy="301925"/>
+          </a:xfrm>
+          <a:prstGeom prst="rect">
+            <a:avLst/>
+          </a:prstGeom>
+          <a:solidFill>
+            <a:schemeClr val="bg1"/>
+          </a:solidFill>
+          <a:ln>
+            <a:solidFill>
+              <a:schemeClr val="tx1"/>
+            </a:solidFill>
+          </a:ln>
+        </p:spPr>
+        <p:style>
+          <a:lnRef idx="2">
+            <a:schemeClr val="accent1">
+              <a:shade val="50000"/>
+            </a:schemeClr>
+          </a:lnRef>
+          <a:fillRef idx="1">
+            <a:schemeClr val="accent1"/>
+          </a:fillRef>
+          <a:effectRef idx="0">
+            <a:schemeClr val="accent1"/>
+          </a:effectRef>
+          <a:fontRef idx="minor">
+            <a:schemeClr val="lt1"/>
+          </a:fontRef>
+        </p:style>
+        <p:txBody>
+          <a:bodyPr rtlCol="0" anchor="ctr"/>
+          <a:lstStyle/>
+          <a:p>
+            <a:pPr algn="ctr"/>
+            <a:r>
+              <a:rPr lang="zh-CN" altLang="en-US" sz="1000" dirty="0" smtClean="0">
+                <a:solidFill>
+                  <a:schemeClr val="tx1"/>
+                </a:solidFill>
+                <a:latin typeface="微软雅黑" panose="020B0503020204020204" pitchFamily="34" charset="-122"/>
+                <a:ea typeface="微软雅黑" panose="020B0503020204020204" pitchFamily="34" charset="-122"/>
+              </a:rPr>
+              <a:t>应用层</a:t>
+            </a:r>
+            <a:endParaRPr lang="zh-CN" altLang="en-US" sz="1000" dirty="0">
+              <a:solidFill>
+                <a:schemeClr val="tx1"/>
+              </a:solidFill>
+              <a:latin typeface="微软雅黑" panose="020B0503020204020204" pitchFamily="34" charset="-122"/>
+              <a:ea typeface="微软雅黑" panose="020B0503020204020204" pitchFamily="34" charset="-122"/>
+            </a:endParaRPr>
+          </a:p>
+        </p:txBody>
+      </p:sp>
+      <p:sp>
+        <p:nvSpPr>
+          <p:cNvPr id="13" name="矩形 12"/>
+          <p:cNvSpPr/>
+          <p:nvPr/>
+        </p:nvSpPr>
+        <p:spPr>
+          <a:xfrm>
+            <a:off x="2826588" y="2018583"/>
+            <a:ext cx="940280" cy="301925"/>
+          </a:xfrm>
+          <a:prstGeom prst="rect">
+            <a:avLst/>
+          </a:prstGeom>
+          <a:solidFill>
+            <a:schemeClr val="bg1"/>
+          </a:solidFill>
+          <a:ln>
+            <a:solidFill>
+              <a:schemeClr val="tx1"/>
+            </a:solidFill>
+          </a:ln>
+        </p:spPr>
+        <p:style>
+          <a:lnRef idx="2">
+            <a:schemeClr val="accent1">
+              <a:shade val="50000"/>
+            </a:schemeClr>
+          </a:lnRef>
+          <a:fillRef idx="1">
+            <a:schemeClr val="accent1"/>
+          </a:fillRef>
+          <a:effectRef idx="0">
+            <a:schemeClr val="accent1"/>
+          </a:effectRef>
+          <a:fontRef idx="minor">
+            <a:schemeClr val="lt1"/>
+          </a:fontRef>
+        </p:style>
+        <p:txBody>
+          <a:bodyPr rtlCol="0" anchor="ctr"/>
+          <a:lstStyle/>
+          <a:p>
+            <a:pPr algn="ctr"/>
+            <a:r>
+              <a:rPr lang="zh-CN" altLang="en-US" sz="1000" dirty="0" smtClean="0">
+                <a:solidFill>
+                  <a:schemeClr val="tx1"/>
+                </a:solidFill>
+                <a:latin typeface="微软雅黑" panose="020B0503020204020204" pitchFamily="34" charset="-122"/>
+                <a:ea typeface="微软雅黑" panose="020B0503020204020204" pitchFamily="34" charset="-122"/>
+              </a:rPr>
+              <a:t>物理层</a:t>
+            </a:r>
+            <a:endParaRPr lang="zh-CN" altLang="en-US" sz="1000" dirty="0">
+              <a:solidFill>
+                <a:schemeClr val="tx1"/>
+              </a:solidFill>
+              <a:latin typeface="微软雅黑" panose="020B0503020204020204" pitchFamily="34" charset="-122"/>
+              <a:ea typeface="微软雅黑" panose="020B0503020204020204" pitchFamily="34" charset="-122"/>
+            </a:endParaRPr>
+          </a:p>
+        </p:txBody>
+      </p:sp>
+      <p:grpSp>
+        <p:nvGrpSpPr>
+          <p:cNvPr id="35" name="组合 34"/>
+          <p:cNvGrpSpPr/>
+          <p:nvPr/>
+        </p:nvGrpSpPr>
+        <p:grpSpPr>
+          <a:xfrm>
+            <a:off x="3766868" y="3302042"/>
+            <a:ext cx="3269412" cy="1551756"/>
+            <a:chOff x="3766868" y="3302042"/>
+            <a:chExt cx="3269412" cy="1551756"/>
+          </a:xfrm>
+        </p:grpSpPr>
+        <p:sp>
+          <p:nvSpPr>
+            <p:cNvPr id="15" name="矩形 14"/>
+            <p:cNvSpPr/>
+            <p:nvPr/>
+          </p:nvSpPr>
+          <p:spPr>
+            <a:xfrm>
+              <a:off x="6096000" y="3654723"/>
+              <a:ext cx="940280" cy="293299"/>
+            </a:xfrm>
+            <a:prstGeom prst="rect">
+              <a:avLst/>
+            </a:prstGeom>
+            <a:solidFill>
+              <a:schemeClr val="bg1"/>
+            </a:solidFill>
+            <a:ln>
+              <a:solidFill>
+                <a:schemeClr val="tx1"/>
+              </a:solidFill>
+            </a:ln>
+          </p:spPr>
+          <p:style>
+            <a:lnRef idx="2">
+              <a:schemeClr val="accent1">
+                <a:shade val="50000"/>
+              </a:schemeClr>
+            </a:lnRef>
+            <a:fillRef idx="1">
+              <a:schemeClr val="accent1"/>
+            </a:fillRef>
+            <a:effectRef idx="0">
+              <a:schemeClr val="accent1"/>
+            </a:effectRef>
+            <a:fontRef idx="minor">
+              <a:schemeClr val="lt1"/>
+            </a:fontRef>
+          </p:style>
+          <p:txBody>
+            <a:bodyPr rtlCol="0" anchor="ctr"/>
+            <a:lstStyle/>
+            <a:p>
+              <a:pPr algn="ctr"/>
+              <a:r>
+                <a:rPr lang="zh-CN" altLang="en-US" sz="1000" dirty="0" smtClean="0">
+                  <a:solidFill>
+                    <a:schemeClr val="tx1"/>
+                  </a:solidFill>
+                  <a:latin typeface="微软雅黑" panose="020B0503020204020204" pitchFamily="34" charset="-122"/>
+                  <a:ea typeface="微软雅黑" panose="020B0503020204020204" pitchFamily="34" charset="-122"/>
+                </a:rPr>
+                <a:t>应用层</a:t>
+              </a:r>
+              <a:endParaRPr lang="zh-CN" altLang="en-US" sz="1000" dirty="0">
+                <a:solidFill>
+                  <a:schemeClr val="tx1"/>
+                </a:solidFill>
+                <a:latin typeface="微软雅黑" panose="020B0503020204020204" pitchFamily="34" charset="-122"/>
+                <a:ea typeface="微软雅黑" panose="020B0503020204020204" pitchFamily="34" charset="-122"/>
+              </a:endParaRPr>
+            </a:p>
+          </p:txBody>
+        </p:sp>
+        <p:sp>
+          <p:nvSpPr>
+            <p:cNvPr id="16" name="矩形 15"/>
+            <p:cNvSpPr/>
+            <p:nvPr/>
+          </p:nvSpPr>
+          <p:spPr>
+            <a:xfrm>
+              <a:off x="6096000" y="3948023"/>
+              <a:ext cx="940280" cy="301925"/>
+            </a:xfrm>
+            <a:prstGeom prst="rect">
+              <a:avLst/>
+            </a:prstGeom>
+            <a:solidFill>
+              <a:schemeClr val="bg1"/>
+            </a:solidFill>
+            <a:ln>
+              <a:solidFill>
+                <a:schemeClr val="tx1"/>
+              </a:solidFill>
+            </a:ln>
+          </p:spPr>
+          <p:style>
+            <a:lnRef idx="2">
+              <a:schemeClr val="accent1">
+                <a:shade val="50000"/>
+              </a:schemeClr>
+            </a:lnRef>
+            <a:fillRef idx="1">
+              <a:schemeClr val="accent1"/>
+            </a:fillRef>
+            <a:effectRef idx="0">
+              <a:schemeClr val="accent1"/>
+            </a:effectRef>
+            <a:fontRef idx="minor">
+              <a:schemeClr val="lt1"/>
+            </a:fontRef>
+          </p:style>
+          <p:txBody>
+            <a:bodyPr rtlCol="0" anchor="ctr"/>
+            <a:lstStyle/>
+            <a:p>
+              <a:pPr algn="ctr"/>
+              <a:r>
+                <a:rPr lang="zh-CN" altLang="en-US" sz="1000" dirty="0" smtClean="0">
+                  <a:solidFill>
+                    <a:schemeClr val="tx1"/>
+                  </a:solidFill>
+                  <a:latin typeface="微软雅黑" panose="020B0503020204020204" pitchFamily="34" charset="-122"/>
+                  <a:ea typeface="微软雅黑" panose="020B0503020204020204" pitchFamily="34" charset="-122"/>
+                </a:rPr>
+                <a:t>传输层</a:t>
+              </a:r>
+              <a:endParaRPr lang="zh-CN" altLang="en-US" sz="1000" dirty="0">
+                <a:solidFill>
+                  <a:schemeClr val="tx1"/>
+                </a:solidFill>
+                <a:latin typeface="微软雅黑" panose="020B0503020204020204" pitchFamily="34" charset="-122"/>
+                <a:ea typeface="微软雅黑" panose="020B0503020204020204" pitchFamily="34" charset="-122"/>
+              </a:endParaRPr>
+            </a:p>
+          </p:txBody>
+        </p:sp>
+        <p:sp>
+          <p:nvSpPr>
+            <p:cNvPr id="17" name="矩形 16"/>
+            <p:cNvSpPr/>
+            <p:nvPr/>
+          </p:nvSpPr>
+          <p:spPr>
+            <a:xfrm>
+              <a:off x="6096000" y="4249947"/>
+              <a:ext cx="940280" cy="301925"/>
+            </a:xfrm>
+            <a:prstGeom prst="rect">
+              <a:avLst/>
+            </a:prstGeom>
+            <a:solidFill>
+              <a:schemeClr val="bg1"/>
+            </a:solidFill>
+            <a:ln>
+              <a:solidFill>
+                <a:schemeClr val="tx1"/>
+              </a:solidFill>
+            </a:ln>
+          </p:spPr>
+          <p:style>
+            <a:lnRef idx="2">
+              <a:schemeClr val="accent1">
+                <a:shade val="50000"/>
+              </a:schemeClr>
+            </a:lnRef>
+            <a:fillRef idx="1">
+              <a:schemeClr val="accent1"/>
+            </a:fillRef>
+            <a:effectRef idx="0">
+              <a:schemeClr val="accent1"/>
+            </a:effectRef>
+            <a:fontRef idx="minor">
+              <a:schemeClr val="lt1"/>
+            </a:fontRef>
+          </p:style>
+          <p:txBody>
+            <a:bodyPr rtlCol="0" anchor="ctr"/>
+            <a:lstStyle/>
+            <a:p>
+              <a:pPr algn="ctr"/>
+              <a:r>
+                <a:rPr lang="zh-CN" altLang="en-US" sz="1000" dirty="0" smtClean="0">
+                  <a:solidFill>
+                    <a:schemeClr val="tx1"/>
+                  </a:solidFill>
+                  <a:latin typeface="微软雅黑" panose="020B0503020204020204" pitchFamily="34" charset="-122"/>
+                  <a:ea typeface="微软雅黑" panose="020B0503020204020204" pitchFamily="34" charset="-122"/>
+                </a:rPr>
+                <a:t>网际层</a:t>
+              </a:r>
+              <a:endParaRPr lang="zh-CN" altLang="en-US" sz="1000" dirty="0">
+                <a:solidFill>
+                  <a:schemeClr val="tx1"/>
+                </a:solidFill>
+                <a:latin typeface="微软雅黑" panose="020B0503020204020204" pitchFamily="34" charset="-122"/>
+                <a:ea typeface="微软雅黑" panose="020B0503020204020204" pitchFamily="34" charset="-122"/>
+              </a:endParaRPr>
+            </a:p>
+          </p:txBody>
+        </p:sp>
+        <p:sp>
+          <p:nvSpPr>
+            <p:cNvPr id="18" name="矩形 17"/>
+            <p:cNvSpPr/>
+            <p:nvPr/>
+          </p:nvSpPr>
+          <p:spPr>
+            <a:xfrm>
+              <a:off x="6096000" y="4551873"/>
+              <a:ext cx="940280" cy="301925"/>
+            </a:xfrm>
+            <a:prstGeom prst="rect">
+              <a:avLst/>
+            </a:prstGeom>
+            <a:solidFill>
+              <a:schemeClr val="bg1"/>
+            </a:solidFill>
+            <a:ln>
+              <a:solidFill>
+                <a:schemeClr val="tx1"/>
+              </a:solidFill>
+            </a:ln>
+          </p:spPr>
+          <p:style>
+            <a:lnRef idx="2">
+              <a:schemeClr val="accent1">
+                <a:shade val="50000"/>
+              </a:schemeClr>
+            </a:lnRef>
+            <a:fillRef idx="1">
+              <a:schemeClr val="accent1"/>
+            </a:fillRef>
+            <a:effectRef idx="0">
+              <a:schemeClr val="accent1"/>
+            </a:effectRef>
+            <a:fontRef idx="minor">
+              <a:schemeClr val="lt1"/>
+            </a:fontRef>
+          </p:style>
+          <p:txBody>
+            <a:bodyPr rtlCol="0" anchor="ctr"/>
+            <a:lstStyle/>
+            <a:p>
+              <a:pPr algn="ctr"/>
+              <a:r>
+                <a:rPr lang="zh-CN" altLang="en-US" sz="1000" dirty="0" smtClean="0">
+                  <a:solidFill>
+                    <a:schemeClr val="tx1"/>
+                  </a:solidFill>
+                  <a:latin typeface="微软雅黑" panose="020B0503020204020204" pitchFamily="34" charset="-122"/>
+                  <a:ea typeface="微软雅黑" panose="020B0503020204020204" pitchFamily="34" charset="-122"/>
+                </a:rPr>
+                <a:t>网络访问层</a:t>
+              </a:r>
+              <a:endParaRPr lang="zh-CN" altLang="en-US" sz="1000" dirty="0">
+                <a:solidFill>
+                  <a:schemeClr val="tx1"/>
+                </a:solidFill>
+                <a:latin typeface="微软雅黑" panose="020B0503020204020204" pitchFamily="34" charset="-122"/>
+                <a:ea typeface="微软雅黑" panose="020B0503020204020204" pitchFamily="34" charset="-122"/>
+              </a:endParaRPr>
+            </a:p>
+          </p:txBody>
+        </p:sp>
+        <p:sp>
+          <p:nvSpPr>
+            <p:cNvPr id="19" name="矩形 18"/>
+            <p:cNvSpPr/>
+            <p:nvPr/>
+          </p:nvSpPr>
+          <p:spPr>
+            <a:xfrm>
+              <a:off x="3893388" y="3654723"/>
+              <a:ext cx="531963" cy="293299"/>
+            </a:xfrm>
+            <a:prstGeom prst="rect">
+              <a:avLst/>
+            </a:prstGeom>
+            <a:solidFill>
+              <a:schemeClr val="bg1"/>
+            </a:solidFill>
+            <a:ln>
+              <a:solidFill>
+                <a:schemeClr val="tx1"/>
+              </a:solidFill>
+            </a:ln>
+          </p:spPr>
+          <p:style>
+            <a:lnRef idx="2">
+              <a:schemeClr val="accent1">
+                <a:shade val="50000"/>
+              </a:schemeClr>
+            </a:lnRef>
+            <a:fillRef idx="1">
+              <a:schemeClr val="accent1"/>
+            </a:fillRef>
+            <a:effectRef idx="0">
+              <a:schemeClr val="accent1"/>
+            </a:effectRef>
+            <a:fontRef idx="minor">
+              <a:schemeClr val="lt1"/>
+            </a:fontRef>
+          </p:style>
+          <p:txBody>
+            <a:bodyPr rtlCol="0" anchor="ctr"/>
+            <a:lstStyle/>
+            <a:p>
+              <a:pPr algn="ctr"/>
+              <a:endParaRPr lang="zh-CN" altLang="en-US" sz="1000" dirty="0">
+                <a:solidFill>
+                  <a:schemeClr val="tx1"/>
+                </a:solidFill>
+                <a:latin typeface="微软雅黑" panose="020B0503020204020204" pitchFamily="34" charset="-122"/>
+                <a:ea typeface="微软雅黑" panose="020B0503020204020204" pitchFamily="34" charset="-122"/>
+              </a:endParaRPr>
+            </a:p>
+          </p:txBody>
+        </p:sp>
+        <p:sp>
+          <p:nvSpPr>
+            <p:cNvPr id="20" name="矩形 19"/>
+            <p:cNvSpPr/>
+            <p:nvPr/>
+          </p:nvSpPr>
+          <p:spPr>
+            <a:xfrm>
+              <a:off x="4425352" y="3654723"/>
+              <a:ext cx="301924" cy="293299"/>
+            </a:xfrm>
+            <a:prstGeom prst="rect">
+              <a:avLst/>
+            </a:prstGeom>
+            <a:solidFill>
+              <a:schemeClr val="tx2">
+                <a:lumMod val="40000"/>
+                <a:lumOff val="60000"/>
+              </a:schemeClr>
+            </a:solidFill>
+            <a:ln>
+              <a:solidFill>
+                <a:schemeClr val="tx1"/>
+              </a:solidFill>
+            </a:ln>
+          </p:spPr>
+          <p:style>
+            <a:lnRef idx="2">
+              <a:schemeClr val="accent1">
+                <a:shade val="50000"/>
+              </a:schemeClr>
+            </a:lnRef>
+            <a:fillRef idx="1">
+              <a:schemeClr val="accent1"/>
+            </a:fillRef>
+            <a:effectRef idx="0">
+              <a:schemeClr val="accent1"/>
+            </a:effectRef>
+            <a:fontRef idx="minor">
+              <a:schemeClr val="lt1"/>
+            </a:fontRef>
+          </p:style>
+          <p:txBody>
+            <a:bodyPr rtlCol="0" anchor="ctr"/>
+            <a:lstStyle/>
+            <a:p>
+              <a:pPr algn="ctr"/>
+              <a:endParaRPr lang="zh-CN" altLang="en-US" sz="1000" dirty="0">
+                <a:solidFill>
+                  <a:schemeClr val="tx1"/>
+                </a:solidFill>
+                <a:latin typeface="微软雅黑" panose="020B0503020204020204" pitchFamily="34" charset="-122"/>
+                <a:ea typeface="微软雅黑" panose="020B0503020204020204" pitchFamily="34" charset="-122"/>
+              </a:endParaRPr>
+            </a:p>
+          </p:txBody>
+        </p:sp>
+        <p:sp>
+          <p:nvSpPr>
+            <p:cNvPr id="21" name="文本框 20"/>
+            <p:cNvSpPr txBox="1"/>
+            <p:nvPr/>
+          </p:nvSpPr>
+          <p:spPr>
+            <a:xfrm>
+              <a:off x="3893387" y="3302042"/>
+              <a:ext cx="531963" cy="253916"/>
+            </a:xfrm>
+            <a:prstGeom prst="rect">
+              <a:avLst/>
+            </a:prstGeom>
+            <a:noFill/>
+          </p:spPr>
+          <p:txBody>
+            <a:bodyPr wrap="square" rtlCol="0">
+              <a:spAutoFit/>
+            </a:bodyPr>
+            <a:lstStyle/>
+            <a:p>
+              <a:pPr algn="ctr"/>
+              <a:r>
+                <a:rPr lang="zh-CN" altLang="en-US" sz="1050" dirty="0" smtClean="0">
+                  <a:latin typeface="微软雅黑" panose="020B0503020204020204" pitchFamily="34" charset="-122"/>
+                  <a:ea typeface="微软雅黑" panose="020B0503020204020204" pitchFamily="34" charset="-122"/>
+                </a:rPr>
+                <a:t>数据</a:t>
+              </a:r>
+              <a:endParaRPr lang="zh-CN" altLang="en-US" sz="1050" dirty="0">
+                <a:latin typeface="微软雅黑" panose="020B0503020204020204" pitchFamily="34" charset="-122"/>
+                <a:ea typeface="微软雅黑" panose="020B0503020204020204" pitchFamily="34" charset="-122"/>
+              </a:endParaRPr>
+            </a:p>
+          </p:txBody>
+        </p:sp>
+        <p:sp>
+          <p:nvSpPr>
+            <p:cNvPr id="22" name="矩形 21"/>
+            <p:cNvSpPr/>
+            <p:nvPr/>
+          </p:nvSpPr>
+          <p:spPr>
+            <a:xfrm>
+              <a:off x="3893387" y="3956648"/>
+              <a:ext cx="833889" cy="293299"/>
+            </a:xfrm>
+            <a:prstGeom prst="rect">
+              <a:avLst/>
+            </a:prstGeom>
+            <a:solidFill>
+              <a:schemeClr val="bg1"/>
+            </a:solidFill>
+            <a:ln>
+              <a:solidFill>
+                <a:schemeClr val="tx1"/>
+              </a:solidFill>
+            </a:ln>
+          </p:spPr>
+          <p:style>
+            <a:lnRef idx="2">
+              <a:schemeClr val="accent1">
+                <a:shade val="50000"/>
+              </a:schemeClr>
+            </a:lnRef>
+            <a:fillRef idx="1">
+              <a:schemeClr val="accent1"/>
+            </a:fillRef>
+            <a:effectRef idx="0">
+              <a:schemeClr val="accent1"/>
+            </a:effectRef>
+            <a:fontRef idx="minor">
+              <a:schemeClr val="lt1"/>
+            </a:fontRef>
+          </p:style>
+          <p:txBody>
+            <a:bodyPr rtlCol="0" anchor="ctr"/>
+            <a:lstStyle/>
+            <a:p>
+              <a:pPr algn="ctr"/>
+              <a:endParaRPr lang="zh-CN" altLang="en-US" sz="1000" dirty="0">
+                <a:solidFill>
+                  <a:schemeClr val="tx1"/>
+                </a:solidFill>
+                <a:latin typeface="微软雅黑" panose="020B0503020204020204" pitchFamily="34" charset="-122"/>
+                <a:ea typeface="微软雅黑" panose="020B0503020204020204" pitchFamily="34" charset="-122"/>
+              </a:endParaRPr>
+            </a:p>
+          </p:txBody>
+        </p:sp>
+        <p:sp>
+          <p:nvSpPr>
+            <p:cNvPr id="23" name="矩形 22"/>
+            <p:cNvSpPr/>
+            <p:nvPr/>
+          </p:nvSpPr>
+          <p:spPr>
+            <a:xfrm>
+              <a:off x="4727276" y="3956708"/>
+              <a:ext cx="301924" cy="293299"/>
+            </a:xfrm>
+            <a:prstGeom prst="rect">
+              <a:avLst/>
+            </a:prstGeom>
+            <a:solidFill>
+              <a:schemeClr val="tx2">
+                <a:lumMod val="40000"/>
+                <a:lumOff val="60000"/>
+              </a:schemeClr>
+            </a:solidFill>
+            <a:ln>
+              <a:solidFill>
+                <a:schemeClr val="tx1"/>
+              </a:solidFill>
+            </a:ln>
+          </p:spPr>
+          <p:style>
+            <a:lnRef idx="2">
+              <a:schemeClr val="accent1">
+                <a:shade val="50000"/>
+              </a:schemeClr>
+            </a:lnRef>
+            <a:fillRef idx="1">
+              <a:schemeClr val="accent1"/>
+            </a:fillRef>
+            <a:effectRef idx="0">
+              <a:schemeClr val="accent1"/>
+            </a:effectRef>
+            <a:fontRef idx="minor">
+              <a:schemeClr val="lt1"/>
+            </a:fontRef>
+          </p:style>
+          <p:txBody>
+            <a:bodyPr rtlCol="0" anchor="ctr"/>
+            <a:lstStyle/>
+            <a:p>
+              <a:pPr algn="ctr"/>
+              <a:endParaRPr lang="zh-CN" altLang="en-US" sz="1000" dirty="0">
+                <a:solidFill>
+                  <a:schemeClr val="tx1"/>
+                </a:solidFill>
+                <a:latin typeface="微软雅黑" panose="020B0503020204020204" pitchFamily="34" charset="-122"/>
+                <a:ea typeface="微软雅黑" panose="020B0503020204020204" pitchFamily="34" charset="-122"/>
+              </a:endParaRPr>
+            </a:p>
+          </p:txBody>
+        </p:sp>
+        <p:sp>
+          <p:nvSpPr>
+            <p:cNvPr id="24" name="矩形 23"/>
+            <p:cNvSpPr/>
+            <p:nvPr/>
+          </p:nvSpPr>
+          <p:spPr>
+            <a:xfrm>
+              <a:off x="3893386" y="4258573"/>
+              <a:ext cx="1135814" cy="293299"/>
+            </a:xfrm>
+            <a:prstGeom prst="rect">
+              <a:avLst/>
+            </a:prstGeom>
+            <a:solidFill>
+              <a:schemeClr val="bg1"/>
+            </a:solidFill>
+            <a:ln>
+              <a:solidFill>
+                <a:schemeClr val="tx1"/>
+              </a:solidFill>
+            </a:ln>
+          </p:spPr>
+          <p:style>
+            <a:lnRef idx="2">
+              <a:schemeClr val="accent1">
+                <a:shade val="50000"/>
+              </a:schemeClr>
+            </a:lnRef>
+            <a:fillRef idx="1">
+              <a:schemeClr val="accent1"/>
+            </a:fillRef>
+            <a:effectRef idx="0">
+              <a:schemeClr val="accent1"/>
+            </a:effectRef>
+            <a:fontRef idx="minor">
+              <a:schemeClr val="lt1"/>
+            </a:fontRef>
+          </p:style>
+          <p:txBody>
+            <a:bodyPr rtlCol="0" anchor="ctr"/>
+            <a:lstStyle/>
+            <a:p>
+              <a:pPr algn="ctr"/>
+              <a:endParaRPr lang="zh-CN" altLang="en-US" sz="1000" dirty="0">
+                <a:solidFill>
+                  <a:schemeClr val="tx1"/>
+                </a:solidFill>
+                <a:latin typeface="微软雅黑" panose="020B0503020204020204" pitchFamily="34" charset="-122"/>
+                <a:ea typeface="微软雅黑" panose="020B0503020204020204" pitchFamily="34" charset="-122"/>
+              </a:endParaRPr>
+            </a:p>
+          </p:txBody>
+        </p:sp>
+        <p:sp>
+          <p:nvSpPr>
+            <p:cNvPr id="25" name="矩形 24"/>
+            <p:cNvSpPr/>
+            <p:nvPr/>
+          </p:nvSpPr>
+          <p:spPr>
+            <a:xfrm>
+              <a:off x="5029200" y="4258573"/>
+              <a:ext cx="301924" cy="293299"/>
+            </a:xfrm>
+            <a:prstGeom prst="rect">
+              <a:avLst/>
+            </a:prstGeom>
+            <a:solidFill>
+              <a:schemeClr val="tx2">
+                <a:lumMod val="40000"/>
+                <a:lumOff val="60000"/>
+              </a:schemeClr>
+            </a:solidFill>
+            <a:ln>
+              <a:solidFill>
+                <a:schemeClr val="tx1"/>
+              </a:solidFill>
+            </a:ln>
+          </p:spPr>
+          <p:style>
+            <a:lnRef idx="2">
+              <a:schemeClr val="accent1">
+                <a:shade val="50000"/>
+              </a:schemeClr>
+            </a:lnRef>
+            <a:fillRef idx="1">
+              <a:schemeClr val="accent1"/>
+            </a:fillRef>
+            <a:effectRef idx="0">
+              <a:schemeClr val="accent1"/>
+            </a:effectRef>
+            <a:fontRef idx="minor">
+              <a:schemeClr val="lt1"/>
+            </a:fontRef>
+          </p:style>
+          <p:txBody>
+            <a:bodyPr rtlCol="0" anchor="ctr"/>
+            <a:lstStyle/>
+            <a:p>
+              <a:pPr algn="ctr"/>
+              <a:endParaRPr lang="zh-CN" altLang="en-US" sz="1000" dirty="0">
+                <a:solidFill>
+                  <a:schemeClr val="tx1"/>
+                </a:solidFill>
+                <a:latin typeface="微软雅黑" panose="020B0503020204020204" pitchFamily="34" charset="-122"/>
+                <a:ea typeface="微软雅黑" panose="020B0503020204020204" pitchFamily="34" charset="-122"/>
+              </a:endParaRPr>
+            </a:p>
+          </p:txBody>
+        </p:sp>
+        <p:sp>
+          <p:nvSpPr>
+            <p:cNvPr id="26" name="矩形 25"/>
+            <p:cNvSpPr/>
+            <p:nvPr/>
+          </p:nvSpPr>
+          <p:spPr>
+            <a:xfrm>
+              <a:off x="3893386" y="4551872"/>
+              <a:ext cx="1437738" cy="293299"/>
+            </a:xfrm>
+            <a:prstGeom prst="rect">
+              <a:avLst/>
+            </a:prstGeom>
+            <a:solidFill>
+              <a:schemeClr val="bg1"/>
+            </a:solidFill>
+            <a:ln>
+              <a:solidFill>
+                <a:schemeClr val="tx1"/>
+              </a:solidFill>
+            </a:ln>
+          </p:spPr>
+          <p:style>
+            <a:lnRef idx="2">
+              <a:schemeClr val="accent1">
+                <a:shade val="50000"/>
+              </a:schemeClr>
+            </a:lnRef>
+            <a:fillRef idx="1">
+              <a:schemeClr val="accent1"/>
+            </a:fillRef>
+            <a:effectRef idx="0">
+              <a:schemeClr val="accent1"/>
+            </a:effectRef>
+            <a:fontRef idx="minor">
+              <a:schemeClr val="lt1"/>
+            </a:fontRef>
+          </p:style>
+          <p:txBody>
+            <a:bodyPr rtlCol="0" anchor="ctr"/>
+            <a:lstStyle/>
+            <a:p>
+              <a:pPr algn="ctr"/>
+              <a:endParaRPr lang="zh-CN" altLang="en-US" sz="1000" dirty="0">
+                <a:solidFill>
+                  <a:schemeClr val="tx1"/>
+                </a:solidFill>
+                <a:latin typeface="微软雅黑" panose="020B0503020204020204" pitchFamily="34" charset="-122"/>
+                <a:ea typeface="微软雅黑" panose="020B0503020204020204" pitchFamily="34" charset="-122"/>
+              </a:endParaRPr>
+            </a:p>
+          </p:txBody>
+        </p:sp>
+        <p:sp>
+          <p:nvSpPr>
+            <p:cNvPr id="27" name="矩形 26"/>
+            <p:cNvSpPr/>
+            <p:nvPr/>
+          </p:nvSpPr>
+          <p:spPr>
+            <a:xfrm>
+              <a:off x="5331124" y="4551872"/>
+              <a:ext cx="301924" cy="293299"/>
+            </a:xfrm>
+            <a:prstGeom prst="rect">
+              <a:avLst/>
+            </a:prstGeom>
+            <a:solidFill>
+              <a:schemeClr val="tx2">
+                <a:lumMod val="40000"/>
+                <a:lumOff val="60000"/>
+              </a:schemeClr>
+            </a:solidFill>
+            <a:ln>
+              <a:solidFill>
+                <a:schemeClr val="tx1"/>
+              </a:solidFill>
+            </a:ln>
+          </p:spPr>
+          <p:style>
+            <a:lnRef idx="2">
+              <a:schemeClr val="accent1">
+                <a:shade val="50000"/>
+              </a:schemeClr>
+            </a:lnRef>
+            <a:fillRef idx="1">
+              <a:schemeClr val="accent1"/>
+            </a:fillRef>
+            <a:effectRef idx="0">
+              <a:schemeClr val="accent1"/>
+            </a:effectRef>
+            <a:fontRef idx="minor">
+              <a:schemeClr val="lt1"/>
+            </a:fontRef>
+          </p:style>
+          <p:txBody>
+            <a:bodyPr rtlCol="0" anchor="ctr"/>
+            <a:lstStyle/>
+            <a:p>
+              <a:pPr algn="ctr"/>
+              <a:endParaRPr lang="zh-CN" altLang="en-US" sz="1000" dirty="0">
+                <a:solidFill>
+                  <a:schemeClr val="tx1"/>
+                </a:solidFill>
+                <a:latin typeface="微软雅黑" panose="020B0503020204020204" pitchFamily="34" charset="-122"/>
+                <a:ea typeface="微软雅黑" panose="020B0503020204020204" pitchFamily="34" charset="-122"/>
+              </a:endParaRPr>
+            </a:p>
+          </p:txBody>
+        </p:sp>
+        <p:sp>
+          <p:nvSpPr>
+            <p:cNvPr id="28" name="文本框 27"/>
+            <p:cNvSpPr txBox="1"/>
+            <p:nvPr/>
+          </p:nvSpPr>
+          <p:spPr>
+            <a:xfrm>
+              <a:off x="5374435" y="3674414"/>
+              <a:ext cx="517225" cy="253916"/>
+            </a:xfrm>
+            <a:prstGeom prst="rect">
+              <a:avLst/>
+            </a:prstGeom>
+            <a:noFill/>
+          </p:spPr>
+          <p:txBody>
+            <a:bodyPr wrap="square" rtlCol="0">
+              <a:spAutoFit/>
+            </a:bodyPr>
+            <a:lstStyle/>
+            <a:p>
+              <a:r>
+                <a:rPr lang="zh-CN" altLang="en-US" sz="1050" dirty="0" smtClean="0">
+                  <a:latin typeface="微软雅黑" panose="020B0503020204020204" pitchFamily="34" charset="-122"/>
+                  <a:ea typeface="微软雅黑" panose="020B0503020204020204" pitchFamily="34" charset="-122"/>
+                </a:rPr>
+                <a:t>报头</a:t>
+              </a:r>
+              <a:endParaRPr lang="zh-CN" altLang="en-US" sz="1050" dirty="0">
+                <a:latin typeface="微软雅黑" panose="020B0503020204020204" pitchFamily="34" charset="-122"/>
+                <a:ea typeface="微软雅黑" panose="020B0503020204020204" pitchFamily="34" charset="-122"/>
+              </a:endParaRPr>
+            </a:p>
+          </p:txBody>
+        </p:sp>
+        <p:cxnSp>
+          <p:nvCxnSpPr>
+            <p:cNvPr id="30" name="直接箭头连接符 29"/>
+            <p:cNvCxnSpPr>
+              <a:stCxn id="28" idx="1"/>
+            </p:cNvCxnSpPr>
+            <p:nvPr/>
+          </p:nvCxnSpPr>
+          <p:spPr>
+            <a:xfrm flipH="1">
+              <a:off x="4781550" y="3801372"/>
+              <a:ext cx="592885" cy="0"/>
+            </a:xfrm>
+            <a:prstGeom prst="straightConnector1">
+              <a:avLst/>
+            </a:prstGeom>
+            <a:ln>
+              <a:solidFill>
+                <a:schemeClr val="tx1"/>
+              </a:solidFill>
+              <a:tailEnd type="triangle"/>
+            </a:ln>
+          </p:spPr>
+          <p:style>
+            <a:lnRef idx="1">
+              <a:schemeClr val="accent1"/>
+            </a:lnRef>
+            <a:fillRef idx="0">
+              <a:schemeClr val="accent1"/>
+            </a:fillRef>
+            <a:effectRef idx="0">
+              <a:schemeClr val="accent1"/>
+            </a:effectRef>
+            <a:fontRef idx="minor">
+              <a:schemeClr val="tx1"/>
+            </a:fontRef>
+          </p:style>
+        </p:cxnSp>
+        <p:cxnSp>
+          <p:nvCxnSpPr>
+            <p:cNvPr id="32" name="直接箭头连接符 31"/>
+            <p:cNvCxnSpPr>
+              <a:stCxn id="28" idx="2"/>
+            </p:cNvCxnSpPr>
+            <p:nvPr/>
+          </p:nvCxnSpPr>
+          <p:spPr>
+            <a:xfrm flipH="1">
+              <a:off x="5633047" y="3928330"/>
+              <a:ext cx="1" cy="548420"/>
+            </a:xfrm>
+            <a:prstGeom prst="straightConnector1">
+              <a:avLst/>
+            </a:prstGeom>
+            <a:ln>
+              <a:solidFill>
+                <a:schemeClr val="tx1"/>
+              </a:solidFill>
+              <a:tailEnd type="triangle"/>
+            </a:ln>
+          </p:spPr>
+          <p:style>
+            <a:lnRef idx="1">
+              <a:schemeClr val="accent1"/>
+            </a:lnRef>
+            <a:fillRef idx="0">
+              <a:schemeClr val="accent1"/>
+            </a:fillRef>
+            <a:effectRef idx="0">
+              <a:schemeClr val="accent1"/>
+            </a:effectRef>
+            <a:fontRef idx="minor">
+              <a:schemeClr val="tx1"/>
+            </a:fontRef>
+          </p:style>
+        </p:cxnSp>
+        <p:cxnSp>
+          <p:nvCxnSpPr>
+            <p:cNvPr id="34" name="直接箭头连接符 33"/>
+            <p:cNvCxnSpPr/>
+            <p:nvPr/>
+          </p:nvCxnSpPr>
+          <p:spPr>
+            <a:xfrm>
+              <a:off x="3766868" y="3654723"/>
+              <a:ext cx="0" cy="1199075"/>
+            </a:xfrm>
+            <a:prstGeom prst="straightConnector1">
+              <a:avLst/>
+            </a:prstGeom>
+            <a:ln>
+              <a:solidFill>
+                <a:schemeClr val="tx1"/>
+              </a:solidFill>
+              <a:tailEnd type="triangle"/>
+            </a:ln>
+          </p:spPr>
+          <p:style>
+            <a:lnRef idx="1">
+              <a:schemeClr val="accent1"/>
+            </a:lnRef>
+            <a:fillRef idx="0">
+              <a:schemeClr val="accent1"/>
+            </a:fillRef>
+            <a:effectRef idx="0">
+              <a:schemeClr val="accent1"/>
+            </a:effectRef>
+            <a:fontRef idx="minor">
+              <a:schemeClr val="tx1"/>
+            </a:fontRef>
+          </p:style>
+        </p:cxnSp>
+      </p:grpSp>
+    </p:spTree>
+    <p:extLst>
+      <p:ext uri="{BB962C8B-B14F-4D97-AF65-F5344CB8AC3E}">
+        <p14:creationId xmlns:p14="http://schemas.microsoft.com/office/powerpoint/2010/main" val="565642181"/>
+      </p:ext>
+    </p:extLst>
+  </p:cSld>
+  <p:clrMapOvr>
+    <a:masterClrMapping/>
+  </p:clrMapOvr>
+</p:sld>
+</file>
+
+<file path=ppt/slides/slide6.xml><?xml version="1.0" encoding="utf-8"?>
+<p:sld xmlns:a="http://schemas.openxmlformats.org/drawingml/2006/main" xmlns:r="http://schemas.openxmlformats.org/officeDocument/2006/relationships" xmlns:p="http://schemas.openxmlformats.org/presentationml/2006/main">
+  <p:cSld>
+    <p:spTree>
+      <p:nvGrpSpPr>
+        <p:cNvPr id="1" name=""/>
+        <p:cNvGrpSpPr/>
+        <p:nvPr/>
+      </p:nvGrpSpPr>
+      <p:grpSpPr>
+        <a:xfrm>
+          <a:off x="0" y="0"/>
+          <a:ext cx="0" cy="0"/>
+          <a:chOff x="0" y="0"/>
+          <a:chExt cx="0" cy="0"/>
+        </a:xfrm>
+      </p:grpSpPr>
+      <p:grpSp>
+        <p:nvGrpSpPr>
+          <p:cNvPr id="14" name="组合 13"/>
+          <p:cNvGrpSpPr/>
+          <p:nvPr/>
+        </p:nvGrpSpPr>
+        <p:grpSpPr>
+          <a:xfrm>
+            <a:off x="1190445" y="215659"/>
+            <a:ext cx="2576423" cy="2104849"/>
+            <a:chOff x="1190445" y="215659"/>
+            <a:chExt cx="2576423" cy="2104849"/>
+          </a:xfrm>
+        </p:grpSpPr>
+        <p:sp>
+          <p:nvSpPr>
+            <p:cNvPr id="2" name="矩形 1"/>
+            <p:cNvSpPr/>
+            <p:nvPr/>
+          </p:nvSpPr>
+          <p:spPr>
+            <a:xfrm>
+              <a:off x="1190445" y="215660"/>
+              <a:ext cx="940280" cy="897148"/>
+            </a:xfrm>
+            <a:prstGeom prst="rect">
+              <a:avLst/>
+            </a:prstGeom>
+            <a:solidFill>
+              <a:schemeClr val="bg1"/>
+            </a:solidFill>
+            <a:ln>
+              <a:solidFill>
+                <a:schemeClr val="tx1"/>
+              </a:solidFill>
+            </a:ln>
+          </p:spPr>
+          <p:style>
+            <a:lnRef idx="2">
+              <a:schemeClr val="accent1">
+                <a:shade val="50000"/>
+              </a:schemeClr>
+            </a:lnRef>
+            <a:fillRef idx="1">
+              <a:schemeClr val="accent1"/>
+            </a:fillRef>
+            <a:effectRef idx="0">
+              <a:schemeClr val="accent1"/>
+            </a:effectRef>
+            <a:fontRef idx="minor">
+              <a:schemeClr val="lt1"/>
+            </a:fontRef>
+          </p:style>
+          <p:txBody>
+            <a:bodyPr rtlCol="0" anchor="ctr"/>
+            <a:lstStyle/>
+            <a:p>
+              <a:pPr algn="ctr"/>
+              <a:r>
+                <a:rPr lang="zh-CN" altLang="en-US" sz="1000" dirty="0" smtClean="0">
+                  <a:solidFill>
+                    <a:schemeClr val="tx1"/>
+                  </a:solidFill>
+                  <a:latin typeface="微软雅黑" panose="020B0503020204020204" pitchFamily="34" charset="-122"/>
+                  <a:ea typeface="微软雅黑" panose="020B0503020204020204" pitchFamily="34" charset="-122"/>
+                </a:rPr>
+                <a:t>应用层</a:t>
+              </a:r>
+              <a:endParaRPr lang="zh-CN" altLang="en-US" sz="1000" dirty="0">
+                <a:solidFill>
+                  <a:schemeClr val="tx1"/>
+                </a:solidFill>
+                <a:latin typeface="微软雅黑" panose="020B0503020204020204" pitchFamily="34" charset="-122"/>
+                <a:ea typeface="微软雅黑" panose="020B0503020204020204" pitchFamily="34" charset="-122"/>
+              </a:endParaRPr>
+            </a:p>
+          </p:txBody>
+        </p:sp>
+        <p:sp>
+          <p:nvSpPr>
+            <p:cNvPr id="3" name="矩形 2"/>
+            <p:cNvSpPr/>
+            <p:nvPr/>
+          </p:nvSpPr>
+          <p:spPr>
+            <a:xfrm>
+              <a:off x="1190445" y="1112808"/>
+              <a:ext cx="940280" cy="301925"/>
+            </a:xfrm>
+            <a:prstGeom prst="rect">
+              <a:avLst/>
+            </a:prstGeom>
+            <a:solidFill>
+              <a:schemeClr val="bg1"/>
+            </a:solidFill>
+            <a:ln>
+              <a:solidFill>
+                <a:schemeClr val="tx1"/>
+              </a:solidFill>
+            </a:ln>
+          </p:spPr>
+          <p:style>
+            <a:lnRef idx="2">
+              <a:schemeClr val="accent1">
+                <a:shade val="50000"/>
+              </a:schemeClr>
+            </a:lnRef>
+            <a:fillRef idx="1">
+              <a:schemeClr val="accent1"/>
+            </a:fillRef>
+            <a:effectRef idx="0">
+              <a:schemeClr val="accent1"/>
+            </a:effectRef>
+            <a:fontRef idx="minor">
+              <a:schemeClr val="lt1"/>
+            </a:fontRef>
+          </p:style>
+          <p:txBody>
+            <a:bodyPr rtlCol="0" anchor="ctr"/>
+            <a:lstStyle/>
+            <a:p>
+              <a:pPr algn="ctr"/>
+              <a:r>
+                <a:rPr lang="zh-CN" altLang="en-US" sz="1000" dirty="0" smtClean="0">
+                  <a:solidFill>
+                    <a:schemeClr val="tx1"/>
+                  </a:solidFill>
+                  <a:latin typeface="微软雅黑" panose="020B0503020204020204" pitchFamily="34" charset="-122"/>
+                  <a:ea typeface="微软雅黑" panose="020B0503020204020204" pitchFamily="34" charset="-122"/>
+                </a:rPr>
+                <a:t>传输层</a:t>
+              </a:r>
+              <a:endParaRPr lang="zh-CN" altLang="en-US" sz="1000" dirty="0">
+                <a:solidFill>
+                  <a:schemeClr val="tx1"/>
+                </a:solidFill>
+                <a:latin typeface="微软雅黑" panose="020B0503020204020204" pitchFamily="34" charset="-122"/>
+                <a:ea typeface="微软雅黑" panose="020B0503020204020204" pitchFamily="34" charset="-122"/>
+              </a:endParaRPr>
+            </a:p>
+          </p:txBody>
+        </p:sp>
+        <p:sp>
+          <p:nvSpPr>
+            <p:cNvPr id="4" name="矩形 3"/>
+            <p:cNvSpPr/>
+            <p:nvPr/>
+          </p:nvSpPr>
+          <p:spPr>
+            <a:xfrm>
+              <a:off x="1190445" y="1414732"/>
+              <a:ext cx="940280" cy="301925"/>
+            </a:xfrm>
+            <a:prstGeom prst="rect">
+              <a:avLst/>
+            </a:prstGeom>
+            <a:solidFill>
+              <a:schemeClr val="bg1"/>
+            </a:solidFill>
+            <a:ln>
+              <a:solidFill>
+                <a:schemeClr val="tx1"/>
+              </a:solidFill>
+            </a:ln>
+          </p:spPr>
+          <p:style>
+            <a:lnRef idx="2">
+              <a:schemeClr val="accent1">
+                <a:shade val="50000"/>
+              </a:schemeClr>
+            </a:lnRef>
+            <a:fillRef idx="1">
+              <a:schemeClr val="accent1"/>
+            </a:fillRef>
+            <a:effectRef idx="0">
+              <a:schemeClr val="accent1"/>
+            </a:effectRef>
+            <a:fontRef idx="minor">
+              <a:schemeClr val="lt1"/>
+            </a:fontRef>
+          </p:style>
+          <p:txBody>
+            <a:bodyPr rtlCol="0" anchor="ctr"/>
+            <a:lstStyle/>
+            <a:p>
+              <a:pPr algn="ctr"/>
+              <a:r>
+                <a:rPr lang="zh-CN" altLang="en-US" sz="1000" dirty="0" smtClean="0">
+                  <a:solidFill>
+                    <a:schemeClr val="tx1"/>
+                  </a:solidFill>
+                  <a:latin typeface="微软雅黑" panose="020B0503020204020204" pitchFamily="34" charset="-122"/>
+                  <a:ea typeface="微软雅黑" panose="020B0503020204020204" pitchFamily="34" charset="-122"/>
+                </a:rPr>
+                <a:t>网际层</a:t>
+              </a:r>
+              <a:endParaRPr lang="zh-CN" altLang="en-US" sz="1000" dirty="0">
+                <a:solidFill>
+                  <a:schemeClr val="tx1"/>
+                </a:solidFill>
+                <a:latin typeface="微软雅黑" panose="020B0503020204020204" pitchFamily="34" charset="-122"/>
+                <a:ea typeface="微软雅黑" panose="020B0503020204020204" pitchFamily="34" charset="-122"/>
+              </a:endParaRPr>
+            </a:p>
+          </p:txBody>
+        </p:sp>
+        <p:sp>
+          <p:nvSpPr>
+            <p:cNvPr id="5" name="矩形 4"/>
+            <p:cNvSpPr/>
+            <p:nvPr/>
+          </p:nvSpPr>
+          <p:spPr>
+            <a:xfrm>
+              <a:off x="1190445" y="1716658"/>
+              <a:ext cx="940280" cy="603849"/>
+            </a:xfrm>
+            <a:prstGeom prst="rect">
+              <a:avLst/>
+            </a:prstGeom>
+            <a:solidFill>
+              <a:schemeClr val="bg1"/>
+            </a:solidFill>
+            <a:ln>
+              <a:solidFill>
+                <a:schemeClr val="tx1"/>
+              </a:solidFill>
+            </a:ln>
+          </p:spPr>
+          <p:style>
+            <a:lnRef idx="2">
+              <a:schemeClr val="accent1">
+                <a:shade val="50000"/>
+              </a:schemeClr>
+            </a:lnRef>
+            <a:fillRef idx="1">
+              <a:schemeClr val="accent1"/>
+            </a:fillRef>
+            <a:effectRef idx="0">
+              <a:schemeClr val="accent1"/>
+            </a:effectRef>
+            <a:fontRef idx="minor">
+              <a:schemeClr val="lt1"/>
+            </a:fontRef>
+          </p:style>
+          <p:txBody>
+            <a:bodyPr rtlCol="0" anchor="ctr"/>
+            <a:lstStyle/>
+            <a:p>
+              <a:pPr algn="ctr"/>
+              <a:r>
+                <a:rPr lang="zh-CN" altLang="en-US" sz="1000" dirty="0" smtClean="0">
+                  <a:solidFill>
+                    <a:schemeClr val="tx1"/>
+                  </a:solidFill>
+                  <a:latin typeface="微软雅黑" panose="020B0503020204020204" pitchFamily="34" charset="-122"/>
+                  <a:ea typeface="微软雅黑" panose="020B0503020204020204" pitchFamily="34" charset="-122"/>
+                </a:rPr>
+                <a:t>网络访问层</a:t>
+              </a:r>
+              <a:endParaRPr lang="zh-CN" altLang="en-US" sz="1000" dirty="0">
+                <a:solidFill>
+                  <a:schemeClr val="tx1"/>
+                </a:solidFill>
+                <a:latin typeface="微软雅黑" panose="020B0503020204020204" pitchFamily="34" charset="-122"/>
+                <a:ea typeface="微软雅黑" panose="020B0503020204020204" pitchFamily="34" charset="-122"/>
+              </a:endParaRPr>
+            </a:p>
+          </p:txBody>
+        </p:sp>
+        <p:sp>
+          <p:nvSpPr>
+            <p:cNvPr id="7" name="矩形 6"/>
+            <p:cNvSpPr/>
+            <p:nvPr/>
+          </p:nvSpPr>
+          <p:spPr>
+            <a:xfrm>
+              <a:off x="2826588" y="810883"/>
+              <a:ext cx="940280" cy="301925"/>
+            </a:xfrm>
+            <a:prstGeom prst="rect">
+              <a:avLst/>
+            </a:prstGeom>
+            <a:solidFill>
+              <a:schemeClr val="bg1"/>
+            </a:solidFill>
+            <a:ln>
+              <a:solidFill>
+                <a:schemeClr val="tx1"/>
+              </a:solidFill>
+            </a:ln>
+          </p:spPr>
+          <p:style>
+            <a:lnRef idx="2">
+              <a:schemeClr val="accent1">
+                <a:shade val="50000"/>
+              </a:schemeClr>
+            </a:lnRef>
+            <a:fillRef idx="1">
+              <a:schemeClr val="accent1"/>
+            </a:fillRef>
+            <a:effectRef idx="0">
+              <a:schemeClr val="accent1"/>
+            </a:effectRef>
+            <a:fontRef idx="minor">
+              <a:schemeClr val="lt1"/>
+            </a:fontRef>
+          </p:style>
+          <p:txBody>
+            <a:bodyPr rtlCol="0" anchor="ctr"/>
+            <a:lstStyle/>
+            <a:p>
+              <a:pPr algn="ctr"/>
+              <a:r>
+                <a:rPr lang="zh-CN" altLang="en-US" sz="1000" dirty="0" smtClean="0">
+                  <a:solidFill>
+                    <a:schemeClr val="tx1"/>
+                  </a:solidFill>
+                  <a:latin typeface="微软雅黑" panose="020B0503020204020204" pitchFamily="34" charset="-122"/>
+                  <a:ea typeface="微软雅黑" panose="020B0503020204020204" pitchFamily="34" charset="-122"/>
+                </a:rPr>
+                <a:t>会话层</a:t>
+              </a:r>
+              <a:endParaRPr lang="zh-CN" altLang="en-US" sz="1000" dirty="0">
+                <a:solidFill>
+                  <a:schemeClr val="tx1"/>
+                </a:solidFill>
+                <a:latin typeface="微软雅黑" panose="020B0503020204020204" pitchFamily="34" charset="-122"/>
+                <a:ea typeface="微软雅黑" panose="020B0503020204020204" pitchFamily="34" charset="-122"/>
+              </a:endParaRPr>
+            </a:p>
+          </p:txBody>
+        </p:sp>
+        <p:sp>
+          <p:nvSpPr>
+            <p:cNvPr id="8" name="矩形 7"/>
+            <p:cNvSpPr/>
+            <p:nvPr/>
+          </p:nvSpPr>
+          <p:spPr>
+            <a:xfrm>
+              <a:off x="2826588" y="1112808"/>
+              <a:ext cx="940280" cy="301925"/>
+            </a:xfrm>
+            <a:prstGeom prst="rect">
+              <a:avLst/>
+            </a:prstGeom>
+            <a:solidFill>
+              <a:schemeClr val="bg1"/>
+            </a:solidFill>
+            <a:ln>
+              <a:solidFill>
+                <a:schemeClr val="tx1"/>
+              </a:solidFill>
+            </a:ln>
+          </p:spPr>
+          <p:style>
+            <a:lnRef idx="2">
+              <a:schemeClr val="accent1">
+                <a:shade val="50000"/>
+              </a:schemeClr>
+            </a:lnRef>
+            <a:fillRef idx="1">
+              <a:schemeClr val="accent1"/>
+            </a:fillRef>
+            <a:effectRef idx="0">
+              <a:schemeClr val="accent1"/>
+            </a:effectRef>
+            <a:fontRef idx="minor">
+              <a:schemeClr val="lt1"/>
+            </a:fontRef>
+          </p:style>
+          <p:txBody>
+            <a:bodyPr rtlCol="0" anchor="ctr"/>
+            <a:lstStyle/>
+            <a:p>
+              <a:pPr algn="ctr"/>
+              <a:r>
+                <a:rPr lang="zh-CN" altLang="en-US" sz="1000" dirty="0" smtClean="0">
+                  <a:solidFill>
+                    <a:schemeClr val="tx1"/>
+                  </a:solidFill>
+                  <a:latin typeface="微软雅黑" panose="020B0503020204020204" pitchFamily="34" charset="-122"/>
+                  <a:ea typeface="微软雅黑" panose="020B0503020204020204" pitchFamily="34" charset="-122"/>
+                </a:rPr>
+                <a:t>传输层</a:t>
+              </a:r>
+              <a:endParaRPr lang="zh-CN" altLang="en-US" sz="1000" dirty="0">
+                <a:solidFill>
+                  <a:schemeClr val="tx1"/>
+                </a:solidFill>
+                <a:latin typeface="微软雅黑" panose="020B0503020204020204" pitchFamily="34" charset="-122"/>
+                <a:ea typeface="微软雅黑" panose="020B0503020204020204" pitchFamily="34" charset="-122"/>
+              </a:endParaRPr>
+            </a:p>
+          </p:txBody>
+        </p:sp>
+        <p:sp>
+          <p:nvSpPr>
+            <p:cNvPr id="9" name="矩形 8"/>
+            <p:cNvSpPr/>
+            <p:nvPr/>
+          </p:nvSpPr>
+          <p:spPr>
+            <a:xfrm>
+              <a:off x="2826588" y="1414733"/>
+              <a:ext cx="940280" cy="301925"/>
+            </a:xfrm>
+            <a:prstGeom prst="rect">
+              <a:avLst/>
+            </a:prstGeom>
+            <a:solidFill>
+              <a:schemeClr val="bg1"/>
+            </a:solidFill>
+            <a:ln>
+              <a:solidFill>
+                <a:schemeClr val="tx1"/>
+              </a:solidFill>
+            </a:ln>
+          </p:spPr>
+          <p:style>
+            <a:lnRef idx="2">
+              <a:schemeClr val="accent1">
+                <a:shade val="50000"/>
+              </a:schemeClr>
+            </a:lnRef>
+            <a:fillRef idx="1">
+              <a:schemeClr val="accent1"/>
+            </a:fillRef>
+            <a:effectRef idx="0">
+              <a:schemeClr val="accent1"/>
+            </a:effectRef>
+            <a:fontRef idx="minor">
+              <a:schemeClr val="lt1"/>
+            </a:fontRef>
+          </p:style>
+          <p:txBody>
+            <a:bodyPr rtlCol="0" anchor="ctr"/>
+            <a:lstStyle/>
+            <a:p>
+              <a:pPr algn="ctr"/>
+              <a:r>
+                <a:rPr lang="zh-CN" altLang="en-US" sz="1000" dirty="0" smtClean="0">
+                  <a:solidFill>
+                    <a:schemeClr val="tx1"/>
+                  </a:solidFill>
+                  <a:latin typeface="微软雅黑" panose="020B0503020204020204" pitchFamily="34" charset="-122"/>
+                  <a:ea typeface="微软雅黑" panose="020B0503020204020204" pitchFamily="34" charset="-122"/>
+                </a:rPr>
+                <a:t>网络层</a:t>
+              </a:r>
+              <a:endParaRPr lang="zh-CN" altLang="en-US" sz="1000" dirty="0">
+                <a:solidFill>
+                  <a:schemeClr val="tx1"/>
+                </a:solidFill>
+                <a:latin typeface="微软雅黑" panose="020B0503020204020204" pitchFamily="34" charset="-122"/>
+                <a:ea typeface="微软雅黑" panose="020B0503020204020204" pitchFamily="34" charset="-122"/>
+              </a:endParaRPr>
+            </a:p>
+          </p:txBody>
+        </p:sp>
+        <p:sp>
+          <p:nvSpPr>
+            <p:cNvPr id="10" name="矩形 9"/>
+            <p:cNvSpPr/>
+            <p:nvPr/>
+          </p:nvSpPr>
+          <p:spPr>
+            <a:xfrm>
+              <a:off x="2826588" y="1716658"/>
+              <a:ext cx="940280" cy="301925"/>
+            </a:xfrm>
+            <a:prstGeom prst="rect">
+              <a:avLst/>
+            </a:prstGeom>
+            <a:solidFill>
+              <a:schemeClr val="bg1"/>
+            </a:solidFill>
+            <a:ln>
+              <a:solidFill>
+                <a:schemeClr val="tx1"/>
+              </a:solidFill>
+            </a:ln>
+          </p:spPr>
+          <p:style>
+            <a:lnRef idx="2">
+              <a:schemeClr val="accent1">
+                <a:shade val="50000"/>
+              </a:schemeClr>
+            </a:lnRef>
+            <a:fillRef idx="1">
+              <a:schemeClr val="accent1"/>
+            </a:fillRef>
+            <a:effectRef idx="0">
+              <a:schemeClr val="accent1"/>
+            </a:effectRef>
+            <a:fontRef idx="minor">
+              <a:schemeClr val="lt1"/>
+            </a:fontRef>
+          </p:style>
+          <p:txBody>
+            <a:bodyPr rtlCol="0" anchor="ctr"/>
+            <a:lstStyle/>
+            <a:p>
+              <a:pPr algn="ctr"/>
+              <a:r>
+                <a:rPr lang="zh-CN" altLang="en-US" sz="1000" dirty="0" smtClean="0">
+                  <a:solidFill>
+                    <a:schemeClr val="tx1"/>
+                  </a:solidFill>
+                  <a:latin typeface="微软雅黑" panose="020B0503020204020204" pitchFamily="34" charset="-122"/>
+                  <a:ea typeface="微软雅黑" panose="020B0503020204020204" pitchFamily="34" charset="-122"/>
+                </a:rPr>
+                <a:t>数据链路层</a:t>
+              </a:r>
+              <a:endParaRPr lang="zh-CN" altLang="en-US" sz="1000" dirty="0">
+                <a:solidFill>
+                  <a:schemeClr val="tx1"/>
+                </a:solidFill>
+                <a:latin typeface="微软雅黑" panose="020B0503020204020204" pitchFamily="34" charset="-122"/>
+                <a:ea typeface="微软雅黑" panose="020B0503020204020204" pitchFamily="34" charset="-122"/>
+              </a:endParaRPr>
+            </a:p>
+          </p:txBody>
+        </p:sp>
+        <p:sp>
+          <p:nvSpPr>
+            <p:cNvPr id="11" name="矩形 10"/>
+            <p:cNvSpPr/>
+            <p:nvPr/>
+          </p:nvSpPr>
+          <p:spPr>
+            <a:xfrm>
+              <a:off x="2826588" y="517584"/>
+              <a:ext cx="940280" cy="301925"/>
+            </a:xfrm>
+            <a:prstGeom prst="rect">
+              <a:avLst/>
+            </a:prstGeom>
+            <a:solidFill>
+              <a:schemeClr val="bg1"/>
+            </a:solidFill>
+            <a:ln>
+              <a:solidFill>
+                <a:schemeClr val="tx1"/>
+              </a:solidFill>
+            </a:ln>
+          </p:spPr>
+          <p:style>
+            <a:lnRef idx="2">
+              <a:schemeClr val="accent1">
+                <a:shade val="50000"/>
+              </a:schemeClr>
+            </a:lnRef>
+            <a:fillRef idx="1">
+              <a:schemeClr val="accent1"/>
+            </a:fillRef>
+            <a:effectRef idx="0">
+              <a:schemeClr val="accent1"/>
+            </a:effectRef>
+            <a:fontRef idx="minor">
+              <a:schemeClr val="lt1"/>
+            </a:fontRef>
+          </p:style>
+          <p:txBody>
+            <a:bodyPr rtlCol="0" anchor="ctr"/>
+            <a:lstStyle/>
+            <a:p>
+              <a:pPr algn="ctr"/>
+              <a:r>
+                <a:rPr lang="zh-CN" altLang="en-US" sz="1000" dirty="0" smtClean="0">
+                  <a:solidFill>
+                    <a:schemeClr val="tx1"/>
+                  </a:solidFill>
+                  <a:latin typeface="微软雅黑" panose="020B0503020204020204" pitchFamily="34" charset="-122"/>
+                  <a:ea typeface="微软雅黑" panose="020B0503020204020204" pitchFamily="34" charset="-122"/>
+                </a:rPr>
+                <a:t>表示层</a:t>
+              </a:r>
+              <a:endParaRPr lang="zh-CN" altLang="en-US" sz="1000" dirty="0">
+                <a:solidFill>
+                  <a:schemeClr val="tx1"/>
+                </a:solidFill>
+                <a:latin typeface="微软雅黑" panose="020B0503020204020204" pitchFamily="34" charset="-122"/>
+                <a:ea typeface="微软雅黑" panose="020B0503020204020204" pitchFamily="34" charset="-122"/>
+              </a:endParaRPr>
+            </a:p>
+          </p:txBody>
+        </p:sp>
+        <p:sp>
+          <p:nvSpPr>
+            <p:cNvPr id="12" name="矩形 11"/>
+            <p:cNvSpPr/>
+            <p:nvPr/>
+          </p:nvSpPr>
+          <p:spPr>
+            <a:xfrm>
+              <a:off x="2826588" y="215659"/>
+              <a:ext cx="940280" cy="301925"/>
+            </a:xfrm>
+            <a:prstGeom prst="rect">
+              <a:avLst/>
+            </a:prstGeom>
+            <a:solidFill>
+              <a:schemeClr val="bg1"/>
+            </a:solidFill>
+            <a:ln>
+              <a:solidFill>
+                <a:schemeClr val="tx1"/>
+              </a:solidFill>
+            </a:ln>
+          </p:spPr>
+          <p:style>
+            <a:lnRef idx="2">
+              <a:schemeClr val="accent1">
+                <a:shade val="50000"/>
+              </a:schemeClr>
+            </a:lnRef>
+            <a:fillRef idx="1">
+              <a:schemeClr val="accent1"/>
+            </a:fillRef>
+            <a:effectRef idx="0">
+              <a:schemeClr val="accent1"/>
+            </a:effectRef>
+            <a:fontRef idx="minor">
+              <a:schemeClr val="lt1"/>
+            </a:fontRef>
+          </p:style>
+          <p:txBody>
+            <a:bodyPr rtlCol="0" anchor="ctr"/>
+            <a:lstStyle/>
+            <a:p>
+              <a:pPr algn="ctr"/>
+              <a:r>
+                <a:rPr lang="zh-CN" altLang="en-US" sz="1000" dirty="0" smtClean="0">
+                  <a:solidFill>
+                    <a:schemeClr val="tx1"/>
+                  </a:solidFill>
+                  <a:latin typeface="微软雅黑" panose="020B0503020204020204" pitchFamily="34" charset="-122"/>
+                  <a:ea typeface="微软雅黑" panose="020B0503020204020204" pitchFamily="34" charset="-122"/>
+                </a:rPr>
+                <a:t>应用层</a:t>
+              </a:r>
+              <a:endParaRPr lang="zh-CN" altLang="en-US" sz="1000" dirty="0">
+                <a:solidFill>
+                  <a:schemeClr val="tx1"/>
+                </a:solidFill>
+                <a:latin typeface="微软雅黑" panose="020B0503020204020204" pitchFamily="34" charset="-122"/>
+                <a:ea typeface="微软雅黑" panose="020B0503020204020204" pitchFamily="34" charset="-122"/>
+              </a:endParaRPr>
+            </a:p>
+          </p:txBody>
+        </p:sp>
+        <p:sp>
+          <p:nvSpPr>
+            <p:cNvPr id="13" name="矩形 12"/>
+            <p:cNvSpPr/>
+            <p:nvPr/>
+          </p:nvSpPr>
+          <p:spPr>
+            <a:xfrm>
+              <a:off x="2826588" y="2018583"/>
+              <a:ext cx="940280" cy="301925"/>
+            </a:xfrm>
+            <a:prstGeom prst="rect">
+              <a:avLst/>
+            </a:prstGeom>
+            <a:solidFill>
+              <a:schemeClr val="bg1"/>
+            </a:solidFill>
+            <a:ln>
+              <a:solidFill>
+                <a:schemeClr val="tx1"/>
+              </a:solidFill>
+            </a:ln>
+          </p:spPr>
+          <p:style>
+            <a:lnRef idx="2">
+              <a:schemeClr val="accent1">
+                <a:shade val="50000"/>
+              </a:schemeClr>
+            </a:lnRef>
+            <a:fillRef idx="1">
+              <a:schemeClr val="accent1"/>
+            </a:fillRef>
+            <a:effectRef idx="0">
+              <a:schemeClr val="accent1"/>
+            </a:effectRef>
+            <a:fontRef idx="minor">
+              <a:schemeClr val="lt1"/>
+            </a:fontRef>
+          </p:style>
+          <p:txBody>
+            <a:bodyPr rtlCol="0" anchor="ctr"/>
+            <a:lstStyle/>
+            <a:p>
+              <a:pPr algn="ctr"/>
+              <a:r>
+                <a:rPr lang="zh-CN" altLang="en-US" sz="1000" dirty="0" smtClean="0">
+                  <a:solidFill>
+                    <a:schemeClr val="tx1"/>
+                  </a:solidFill>
+                  <a:latin typeface="微软雅黑" panose="020B0503020204020204" pitchFamily="34" charset="-122"/>
+                  <a:ea typeface="微软雅黑" panose="020B0503020204020204" pitchFamily="34" charset="-122"/>
+                </a:rPr>
+                <a:t>物理层</a:t>
+              </a:r>
+              <a:endParaRPr lang="zh-CN" altLang="en-US" sz="1000" dirty="0">
+                <a:solidFill>
+                  <a:schemeClr val="tx1"/>
+                </a:solidFill>
+                <a:latin typeface="微软雅黑" panose="020B0503020204020204" pitchFamily="34" charset="-122"/>
+                <a:ea typeface="微软雅黑" panose="020B0503020204020204" pitchFamily="34" charset="-122"/>
+              </a:endParaRPr>
+            </a:p>
+          </p:txBody>
+        </p:sp>
+      </p:grpSp>
+      <p:grpSp>
+        <p:nvGrpSpPr>
+          <p:cNvPr id="31" name="组合 30"/>
+          <p:cNvGrpSpPr/>
+          <p:nvPr/>
+        </p:nvGrpSpPr>
+        <p:grpSpPr>
+          <a:xfrm>
+            <a:off x="6141145" y="2259979"/>
+            <a:ext cx="3714103" cy="961990"/>
+            <a:chOff x="6141145" y="2259979"/>
+            <a:chExt cx="3714103" cy="961990"/>
+          </a:xfrm>
+        </p:grpSpPr>
+        <p:sp>
+          <p:nvSpPr>
+            <p:cNvPr id="19" name="矩形 18"/>
+            <p:cNvSpPr/>
+            <p:nvPr/>
+          </p:nvSpPr>
+          <p:spPr>
+            <a:xfrm>
+              <a:off x="6141145" y="2618120"/>
+              <a:ext cx="940280" cy="603849"/>
+            </a:xfrm>
+            <a:prstGeom prst="rect">
+              <a:avLst/>
+            </a:prstGeom>
+            <a:solidFill>
+              <a:schemeClr val="bg1"/>
+            </a:solidFill>
+            <a:ln>
+              <a:solidFill>
+                <a:schemeClr val="tx1"/>
+              </a:solidFill>
+            </a:ln>
+          </p:spPr>
+          <p:style>
+            <a:lnRef idx="2">
+              <a:schemeClr val="accent1">
+                <a:shade val="50000"/>
+              </a:schemeClr>
+            </a:lnRef>
+            <a:fillRef idx="1">
+              <a:schemeClr val="accent1"/>
+            </a:fillRef>
+            <a:effectRef idx="0">
+              <a:schemeClr val="accent1"/>
+            </a:effectRef>
+            <a:fontRef idx="minor">
+              <a:schemeClr val="lt1"/>
+            </a:fontRef>
+          </p:style>
+          <p:txBody>
+            <a:bodyPr rtlCol="0" anchor="ctr"/>
+            <a:lstStyle/>
+            <a:p>
+              <a:pPr algn="ctr"/>
+              <a:r>
+                <a:rPr lang="zh-CN" altLang="en-US" sz="1000" dirty="0" smtClean="0">
+                  <a:solidFill>
+                    <a:schemeClr val="tx1"/>
+                  </a:solidFill>
+                  <a:latin typeface="微软雅黑" panose="020B0503020204020204" pitchFamily="34" charset="-122"/>
+                  <a:ea typeface="微软雅黑" panose="020B0503020204020204" pitchFamily="34" charset="-122"/>
+                </a:rPr>
+                <a:t>网络访问层</a:t>
+              </a:r>
+              <a:endParaRPr lang="zh-CN" altLang="en-US" sz="1000" dirty="0">
+                <a:solidFill>
+                  <a:schemeClr val="tx1"/>
+                </a:solidFill>
+                <a:latin typeface="微软雅黑" panose="020B0503020204020204" pitchFamily="34" charset="-122"/>
+                <a:ea typeface="微软雅黑" panose="020B0503020204020204" pitchFamily="34" charset="-122"/>
+              </a:endParaRPr>
+            </a:p>
+          </p:txBody>
+        </p:sp>
+        <p:sp>
+          <p:nvSpPr>
+            <p:cNvPr id="23" name="矩形 22"/>
+            <p:cNvSpPr/>
+            <p:nvPr/>
+          </p:nvSpPr>
+          <p:spPr>
+            <a:xfrm>
+              <a:off x="7429068" y="2618119"/>
+              <a:ext cx="940280" cy="301925"/>
+            </a:xfrm>
+            <a:prstGeom prst="rect">
+              <a:avLst/>
+            </a:prstGeom>
+            <a:solidFill>
+              <a:schemeClr val="bg1"/>
+            </a:solidFill>
+            <a:ln>
+              <a:solidFill>
+                <a:schemeClr val="tx1"/>
+              </a:solidFill>
+            </a:ln>
+          </p:spPr>
+          <p:style>
+            <a:lnRef idx="2">
+              <a:schemeClr val="accent1">
+                <a:shade val="50000"/>
+              </a:schemeClr>
+            </a:lnRef>
+            <a:fillRef idx="1">
+              <a:schemeClr val="accent1"/>
+            </a:fillRef>
+            <a:effectRef idx="0">
+              <a:schemeClr val="accent1"/>
+            </a:effectRef>
+            <a:fontRef idx="minor">
+              <a:schemeClr val="lt1"/>
+            </a:fontRef>
+          </p:style>
+          <p:txBody>
+            <a:bodyPr rtlCol="0" anchor="ctr"/>
+            <a:lstStyle/>
+            <a:p>
+              <a:pPr algn="ctr"/>
+              <a:r>
+                <a:rPr lang="zh-CN" altLang="en-US" sz="1000" dirty="0" smtClean="0">
+                  <a:solidFill>
+                    <a:schemeClr val="tx1"/>
+                  </a:solidFill>
+                  <a:latin typeface="微软雅黑" panose="020B0503020204020204" pitchFamily="34" charset="-122"/>
+                  <a:ea typeface="微软雅黑" panose="020B0503020204020204" pitchFamily="34" charset="-122"/>
+                </a:rPr>
+                <a:t>数据链路层</a:t>
+              </a:r>
+              <a:endParaRPr lang="zh-CN" altLang="en-US" sz="1000" dirty="0">
+                <a:solidFill>
+                  <a:schemeClr val="tx1"/>
+                </a:solidFill>
+                <a:latin typeface="微软雅黑" panose="020B0503020204020204" pitchFamily="34" charset="-122"/>
+                <a:ea typeface="微软雅黑" panose="020B0503020204020204" pitchFamily="34" charset="-122"/>
+              </a:endParaRPr>
+            </a:p>
+          </p:txBody>
+        </p:sp>
+        <p:sp>
+          <p:nvSpPr>
+            <p:cNvPr id="26" name="矩形 25"/>
+            <p:cNvSpPr/>
+            <p:nvPr/>
+          </p:nvSpPr>
+          <p:spPr>
+            <a:xfrm>
+              <a:off x="7429068" y="2920044"/>
+              <a:ext cx="940280" cy="301925"/>
+            </a:xfrm>
+            <a:prstGeom prst="rect">
+              <a:avLst/>
+            </a:prstGeom>
+            <a:solidFill>
+              <a:schemeClr val="bg1"/>
+            </a:solidFill>
+            <a:ln>
+              <a:solidFill>
+                <a:schemeClr val="tx1"/>
+              </a:solidFill>
+            </a:ln>
+          </p:spPr>
+          <p:style>
+            <a:lnRef idx="2">
+              <a:schemeClr val="accent1">
+                <a:shade val="50000"/>
+              </a:schemeClr>
+            </a:lnRef>
+            <a:fillRef idx="1">
+              <a:schemeClr val="accent1"/>
+            </a:fillRef>
+            <a:effectRef idx="0">
+              <a:schemeClr val="accent1"/>
+            </a:effectRef>
+            <a:fontRef idx="minor">
+              <a:schemeClr val="lt1"/>
+            </a:fontRef>
+          </p:style>
+          <p:txBody>
+            <a:bodyPr rtlCol="0" anchor="ctr"/>
+            <a:lstStyle/>
+            <a:p>
+              <a:pPr algn="ctr"/>
+              <a:r>
+                <a:rPr lang="zh-CN" altLang="en-US" sz="1000" dirty="0" smtClean="0">
+                  <a:solidFill>
+                    <a:schemeClr val="tx1"/>
+                  </a:solidFill>
+                  <a:latin typeface="微软雅黑" panose="020B0503020204020204" pitchFamily="34" charset="-122"/>
+                  <a:ea typeface="微软雅黑" panose="020B0503020204020204" pitchFamily="34" charset="-122"/>
+                </a:rPr>
+                <a:t>物理层</a:t>
+              </a:r>
+              <a:endParaRPr lang="zh-CN" altLang="en-US" sz="1000" dirty="0">
+                <a:solidFill>
+                  <a:schemeClr val="tx1"/>
+                </a:solidFill>
+                <a:latin typeface="微软雅黑" panose="020B0503020204020204" pitchFamily="34" charset="-122"/>
+                <a:ea typeface="微软雅黑" panose="020B0503020204020204" pitchFamily="34" charset="-122"/>
+              </a:endParaRPr>
+            </a:p>
+          </p:txBody>
+        </p:sp>
+        <p:sp>
+          <p:nvSpPr>
+            <p:cNvPr id="27" name="矩形 26"/>
+            <p:cNvSpPr/>
+            <p:nvPr/>
+          </p:nvSpPr>
+          <p:spPr>
+            <a:xfrm>
+              <a:off x="8914968" y="2259979"/>
+              <a:ext cx="940280" cy="301925"/>
+            </a:xfrm>
+            <a:prstGeom prst="rect">
+              <a:avLst/>
+            </a:prstGeom>
+            <a:solidFill>
+              <a:schemeClr val="bg1"/>
+            </a:solidFill>
+            <a:ln>
+              <a:solidFill>
+                <a:schemeClr val="tx1"/>
+              </a:solidFill>
+            </a:ln>
+          </p:spPr>
+          <p:style>
+            <a:lnRef idx="2">
+              <a:schemeClr val="accent1">
+                <a:shade val="50000"/>
+              </a:schemeClr>
+            </a:lnRef>
+            <a:fillRef idx="1">
+              <a:schemeClr val="accent1"/>
+            </a:fillRef>
+            <a:effectRef idx="0">
+              <a:schemeClr val="accent1"/>
+            </a:effectRef>
+            <a:fontRef idx="minor">
+              <a:schemeClr val="lt1"/>
+            </a:fontRef>
+          </p:style>
+          <p:txBody>
+            <a:bodyPr rtlCol="0" anchor="ctr"/>
+            <a:lstStyle/>
+            <a:p>
+              <a:pPr algn="ctr"/>
+              <a:r>
+                <a:rPr lang="zh-CN" altLang="en-US" sz="900" dirty="0" smtClean="0">
+                  <a:solidFill>
+                    <a:schemeClr val="tx1"/>
+                  </a:solidFill>
+                  <a:latin typeface="微软雅黑" panose="020B0503020204020204" pitchFamily="34" charset="-122"/>
+                  <a:ea typeface="微软雅黑" panose="020B0503020204020204" pitchFamily="34" charset="-122"/>
+                </a:rPr>
+                <a:t>介质访问控制子层</a:t>
+              </a:r>
+              <a:endParaRPr lang="zh-CN" altLang="en-US" sz="900" dirty="0">
+                <a:solidFill>
+                  <a:schemeClr val="tx1"/>
+                </a:solidFill>
+                <a:latin typeface="微软雅黑" panose="020B0503020204020204" pitchFamily="34" charset="-122"/>
+                <a:ea typeface="微软雅黑" panose="020B0503020204020204" pitchFamily="34" charset="-122"/>
+              </a:endParaRPr>
+            </a:p>
+          </p:txBody>
+        </p:sp>
+        <p:sp>
+          <p:nvSpPr>
+            <p:cNvPr id="28" name="矩形 27"/>
+            <p:cNvSpPr/>
+            <p:nvPr/>
+          </p:nvSpPr>
+          <p:spPr>
+            <a:xfrm>
+              <a:off x="8914968" y="2561904"/>
+              <a:ext cx="940280" cy="301925"/>
+            </a:xfrm>
+            <a:prstGeom prst="rect">
+              <a:avLst/>
+            </a:prstGeom>
+            <a:solidFill>
+              <a:schemeClr val="bg1"/>
+            </a:solidFill>
+            <a:ln>
+              <a:solidFill>
+                <a:schemeClr val="tx1"/>
+              </a:solidFill>
+            </a:ln>
+          </p:spPr>
+          <p:style>
+            <a:lnRef idx="2">
+              <a:schemeClr val="accent1">
+                <a:shade val="50000"/>
+              </a:schemeClr>
+            </a:lnRef>
+            <a:fillRef idx="1">
+              <a:schemeClr val="accent1"/>
+            </a:fillRef>
+            <a:effectRef idx="0">
+              <a:schemeClr val="accent1"/>
+            </a:effectRef>
+            <a:fontRef idx="minor">
+              <a:schemeClr val="lt1"/>
+            </a:fontRef>
+          </p:style>
+          <p:txBody>
+            <a:bodyPr rtlCol="0" anchor="ctr"/>
+            <a:lstStyle/>
+            <a:p>
+              <a:pPr algn="ctr"/>
+              <a:r>
+                <a:rPr lang="zh-CN" altLang="en-US" sz="900" dirty="0" smtClean="0">
+                  <a:solidFill>
+                    <a:schemeClr val="tx1"/>
+                  </a:solidFill>
+                  <a:latin typeface="微软雅黑" panose="020B0503020204020204" pitchFamily="34" charset="-122"/>
+                  <a:ea typeface="微软雅黑" panose="020B0503020204020204" pitchFamily="34" charset="-122"/>
+                </a:rPr>
+                <a:t>逻辑链路控制子层</a:t>
+              </a:r>
+              <a:endParaRPr lang="zh-CN" altLang="en-US" sz="900" dirty="0">
+                <a:solidFill>
+                  <a:schemeClr val="tx1"/>
+                </a:solidFill>
+                <a:latin typeface="微软雅黑" panose="020B0503020204020204" pitchFamily="34" charset="-122"/>
+                <a:ea typeface="微软雅黑" panose="020B0503020204020204" pitchFamily="34" charset="-122"/>
+              </a:endParaRPr>
+            </a:p>
+          </p:txBody>
+        </p:sp>
+        <p:cxnSp>
+          <p:nvCxnSpPr>
+            <p:cNvPr id="29" name="肘形连接符 28"/>
+            <p:cNvCxnSpPr>
+              <a:stCxn id="27" idx="1"/>
+              <a:endCxn id="23" idx="3"/>
+            </p:cNvCxnSpPr>
+            <p:nvPr/>
+          </p:nvCxnSpPr>
+          <p:spPr>
+            <a:xfrm rot="10800000" flipV="1">
+              <a:off x="8369348" y="2410942"/>
+              <a:ext cx="545620" cy="358140"/>
+            </a:xfrm>
+            <a:prstGeom prst="bentConnector3">
+              <a:avLst/>
+            </a:prstGeom>
+            <a:ln>
+              <a:solidFill>
+                <a:schemeClr val="tx1"/>
+              </a:solidFill>
+              <a:tailEnd type="triangle"/>
+            </a:ln>
+          </p:spPr>
+          <p:style>
+            <a:lnRef idx="1">
+              <a:schemeClr val="accent1"/>
+            </a:lnRef>
+            <a:fillRef idx="0">
+              <a:schemeClr val="accent1"/>
+            </a:fillRef>
+            <a:effectRef idx="0">
+              <a:schemeClr val="accent1"/>
+            </a:effectRef>
+            <a:fontRef idx="minor">
+              <a:schemeClr val="tx1"/>
+            </a:fontRef>
+          </p:style>
+        </p:cxnSp>
+      </p:grpSp>
+    </p:spTree>
+    <p:extLst>
+      <p:ext uri="{BB962C8B-B14F-4D97-AF65-F5344CB8AC3E}">
+        <p14:creationId xmlns:p14="http://schemas.microsoft.com/office/powerpoint/2010/main" val="747439966"/>
+      </p:ext>
+    </p:extLst>
+  </p:cSld>
+  <p:clrMapOvr>
+    <a:masterClrMapping/>
+  </p:clrMapOvr>
+</p:sld>
+</file>
+
+<file path=ppt/slides/slide7.xml><?xml version="1.0" encoding="utf-8"?>
+<p:sld xmlns:a="http://schemas.openxmlformats.org/drawingml/2006/main" xmlns:r="http://schemas.openxmlformats.org/officeDocument/2006/relationships" xmlns:p="http://schemas.openxmlformats.org/presentationml/2006/main">
+  <p:cSld>
+    <p:spTree>
+      <p:nvGrpSpPr>
+        <p:cNvPr id="1" name=""/>
+        <p:cNvGrpSpPr/>
+        <p:nvPr/>
+      </p:nvGrpSpPr>
+      <p:grpSpPr>
+        <a:xfrm>
+          <a:off x="0" y="0"/>
+          <a:ext cx="0" cy="0"/>
+          <a:chOff x="0" y="0"/>
+          <a:chExt cx="0" cy="0"/>
+        </a:xfrm>
+      </p:grpSpPr>
+      <p:sp>
+        <p:nvSpPr>
+          <p:cNvPr id="2" name="矩形 1"/>
+          <p:cNvSpPr/>
+          <p:nvPr/>
+        </p:nvSpPr>
+        <p:spPr>
+          <a:xfrm>
+            <a:off x="1190445" y="215660"/>
+            <a:ext cx="940280" cy="897148"/>
+          </a:xfrm>
+          <a:prstGeom prst="rect">
+            <a:avLst/>
+          </a:prstGeom>
+          <a:solidFill>
+            <a:schemeClr val="bg1"/>
+          </a:solidFill>
+          <a:ln>
+            <a:solidFill>
+              <a:schemeClr val="tx1"/>
+            </a:solidFill>
+          </a:ln>
+        </p:spPr>
+        <p:style>
+          <a:lnRef idx="2">
+            <a:schemeClr val="accent1">
+              <a:shade val="50000"/>
+            </a:schemeClr>
+          </a:lnRef>
+          <a:fillRef idx="1">
+            <a:schemeClr val="accent1"/>
+          </a:fillRef>
+          <a:effectRef idx="0">
+            <a:schemeClr val="accent1"/>
+          </a:effectRef>
+          <a:fontRef idx="minor">
+            <a:schemeClr val="lt1"/>
+          </a:fontRef>
+        </p:style>
+        <p:txBody>
+          <a:bodyPr rtlCol="0" anchor="ctr"/>
+          <a:lstStyle/>
+          <a:p>
+            <a:pPr algn="ctr"/>
+            <a:r>
+              <a:rPr lang="zh-CN" altLang="en-US" sz="1000" dirty="0" smtClean="0">
+                <a:solidFill>
+                  <a:schemeClr val="tx1"/>
+                </a:solidFill>
+                <a:latin typeface="微软雅黑" panose="020B0503020204020204" pitchFamily="34" charset="-122"/>
+                <a:ea typeface="微软雅黑" panose="020B0503020204020204" pitchFamily="34" charset="-122"/>
+              </a:rPr>
+              <a:t>应用层</a:t>
+            </a:r>
+            <a:endParaRPr lang="zh-CN" altLang="en-US" sz="1000" dirty="0">
+              <a:solidFill>
+                <a:schemeClr val="tx1"/>
+              </a:solidFill>
+              <a:latin typeface="微软雅黑" panose="020B0503020204020204" pitchFamily="34" charset="-122"/>
+              <a:ea typeface="微软雅黑" panose="020B0503020204020204" pitchFamily="34" charset="-122"/>
+            </a:endParaRPr>
+          </a:p>
+        </p:txBody>
+      </p:sp>
+      <p:sp>
+        <p:nvSpPr>
+          <p:cNvPr id="3" name="矩形 2"/>
+          <p:cNvSpPr/>
+          <p:nvPr/>
+        </p:nvSpPr>
+        <p:spPr>
+          <a:xfrm>
+            <a:off x="1190445" y="1112808"/>
+            <a:ext cx="940280" cy="301925"/>
+          </a:xfrm>
+          <a:prstGeom prst="rect">
+            <a:avLst/>
+          </a:prstGeom>
+          <a:solidFill>
+            <a:schemeClr val="bg1"/>
+          </a:solidFill>
+          <a:ln>
+            <a:solidFill>
+              <a:schemeClr val="tx1"/>
+            </a:solidFill>
+          </a:ln>
+        </p:spPr>
+        <p:style>
+          <a:lnRef idx="2">
+            <a:schemeClr val="accent1">
+              <a:shade val="50000"/>
+            </a:schemeClr>
+          </a:lnRef>
+          <a:fillRef idx="1">
+            <a:schemeClr val="accent1"/>
+          </a:fillRef>
+          <a:effectRef idx="0">
+            <a:schemeClr val="accent1"/>
+          </a:effectRef>
+          <a:fontRef idx="minor">
+            <a:schemeClr val="lt1"/>
+          </a:fontRef>
+        </p:style>
+        <p:txBody>
+          <a:bodyPr rtlCol="0" anchor="ctr"/>
+          <a:lstStyle/>
+          <a:p>
+            <a:pPr algn="ctr"/>
+            <a:r>
+              <a:rPr lang="zh-CN" altLang="en-US" sz="1000" dirty="0" smtClean="0">
+                <a:solidFill>
+                  <a:schemeClr val="tx1"/>
+                </a:solidFill>
+                <a:latin typeface="微软雅黑" panose="020B0503020204020204" pitchFamily="34" charset="-122"/>
+                <a:ea typeface="微软雅黑" panose="020B0503020204020204" pitchFamily="34" charset="-122"/>
+              </a:rPr>
+              <a:t>传输层</a:t>
+            </a:r>
+            <a:endParaRPr lang="zh-CN" altLang="en-US" sz="1000" dirty="0">
+              <a:solidFill>
+                <a:schemeClr val="tx1"/>
+              </a:solidFill>
+              <a:latin typeface="微软雅黑" panose="020B0503020204020204" pitchFamily="34" charset="-122"/>
+              <a:ea typeface="微软雅黑" panose="020B0503020204020204" pitchFamily="34" charset="-122"/>
+            </a:endParaRPr>
+          </a:p>
+        </p:txBody>
+      </p:sp>
+      <p:sp>
+        <p:nvSpPr>
+          <p:cNvPr id="4" name="矩形 3"/>
+          <p:cNvSpPr/>
+          <p:nvPr/>
+        </p:nvSpPr>
+        <p:spPr>
+          <a:xfrm>
+            <a:off x="1190445" y="1414732"/>
+            <a:ext cx="940280" cy="301925"/>
+          </a:xfrm>
+          <a:prstGeom prst="rect">
+            <a:avLst/>
+          </a:prstGeom>
+          <a:solidFill>
+            <a:schemeClr val="bg1"/>
+          </a:solidFill>
+          <a:ln>
+            <a:solidFill>
+              <a:schemeClr val="tx1"/>
+            </a:solidFill>
+          </a:ln>
+        </p:spPr>
+        <p:style>
+          <a:lnRef idx="2">
+            <a:schemeClr val="accent1">
+              <a:shade val="50000"/>
+            </a:schemeClr>
+          </a:lnRef>
+          <a:fillRef idx="1">
+            <a:schemeClr val="accent1"/>
+          </a:fillRef>
+          <a:effectRef idx="0">
+            <a:schemeClr val="accent1"/>
+          </a:effectRef>
+          <a:fontRef idx="minor">
+            <a:schemeClr val="lt1"/>
+          </a:fontRef>
+        </p:style>
+        <p:txBody>
+          <a:bodyPr rtlCol="0" anchor="ctr"/>
+          <a:lstStyle/>
+          <a:p>
+            <a:pPr algn="ctr"/>
+            <a:r>
+              <a:rPr lang="zh-CN" altLang="en-US" sz="1000" dirty="0" smtClean="0">
+                <a:solidFill>
+                  <a:schemeClr val="tx1"/>
+                </a:solidFill>
+                <a:latin typeface="微软雅黑" panose="020B0503020204020204" pitchFamily="34" charset="-122"/>
+                <a:ea typeface="微软雅黑" panose="020B0503020204020204" pitchFamily="34" charset="-122"/>
+              </a:rPr>
+              <a:t>网际层</a:t>
+            </a:r>
+            <a:endParaRPr lang="zh-CN" altLang="en-US" sz="1000" dirty="0">
+              <a:solidFill>
+                <a:schemeClr val="tx1"/>
+              </a:solidFill>
+              <a:latin typeface="微软雅黑" panose="020B0503020204020204" pitchFamily="34" charset="-122"/>
+              <a:ea typeface="微软雅黑" panose="020B0503020204020204" pitchFamily="34" charset="-122"/>
+            </a:endParaRPr>
+          </a:p>
+        </p:txBody>
+      </p:sp>
+      <p:sp>
+        <p:nvSpPr>
+          <p:cNvPr id="5" name="矩形 4"/>
+          <p:cNvSpPr/>
+          <p:nvPr/>
+        </p:nvSpPr>
+        <p:spPr>
+          <a:xfrm>
+            <a:off x="1190445" y="1716658"/>
+            <a:ext cx="940280" cy="603849"/>
+          </a:xfrm>
+          <a:prstGeom prst="rect">
+            <a:avLst/>
+          </a:prstGeom>
+          <a:solidFill>
+            <a:schemeClr val="bg1"/>
+          </a:solidFill>
+          <a:ln>
+            <a:solidFill>
+              <a:schemeClr val="tx1"/>
+            </a:solidFill>
+          </a:ln>
+        </p:spPr>
+        <p:style>
+          <a:lnRef idx="2">
+            <a:schemeClr val="accent1">
+              <a:shade val="50000"/>
+            </a:schemeClr>
+          </a:lnRef>
+          <a:fillRef idx="1">
+            <a:schemeClr val="accent1"/>
+          </a:fillRef>
+          <a:effectRef idx="0">
+            <a:schemeClr val="accent1"/>
+          </a:effectRef>
+          <a:fontRef idx="minor">
+            <a:schemeClr val="lt1"/>
+          </a:fontRef>
+        </p:style>
+        <p:txBody>
+          <a:bodyPr rtlCol="0" anchor="ctr"/>
+          <a:lstStyle/>
+          <a:p>
+            <a:pPr algn="ctr"/>
+            <a:r>
+              <a:rPr lang="zh-CN" altLang="en-US" sz="1000" dirty="0" smtClean="0">
+                <a:solidFill>
+                  <a:schemeClr val="tx1"/>
+                </a:solidFill>
+                <a:latin typeface="微软雅黑" panose="020B0503020204020204" pitchFamily="34" charset="-122"/>
+                <a:ea typeface="微软雅黑" panose="020B0503020204020204" pitchFamily="34" charset="-122"/>
+              </a:rPr>
+              <a:t>网络访问层</a:t>
+            </a:r>
+            <a:endParaRPr lang="zh-CN" altLang="en-US" sz="1000" dirty="0">
+              <a:solidFill>
+                <a:schemeClr val="tx1"/>
+              </a:solidFill>
+              <a:latin typeface="微软雅黑" panose="020B0503020204020204" pitchFamily="34" charset="-122"/>
+              <a:ea typeface="微软雅黑" panose="020B0503020204020204" pitchFamily="34" charset="-122"/>
+            </a:endParaRPr>
+          </a:p>
+        </p:txBody>
+      </p:sp>
+      <p:sp>
+        <p:nvSpPr>
+          <p:cNvPr id="7" name="矩形 6"/>
+          <p:cNvSpPr/>
+          <p:nvPr/>
+        </p:nvSpPr>
+        <p:spPr>
+          <a:xfrm>
+            <a:off x="2826588" y="810883"/>
+            <a:ext cx="940280" cy="301925"/>
+          </a:xfrm>
+          <a:prstGeom prst="rect">
+            <a:avLst/>
+          </a:prstGeom>
+          <a:solidFill>
+            <a:schemeClr val="bg1"/>
+          </a:solidFill>
+          <a:ln>
+            <a:solidFill>
+              <a:schemeClr val="tx1"/>
+            </a:solidFill>
+          </a:ln>
+        </p:spPr>
+        <p:style>
+          <a:lnRef idx="2">
+            <a:schemeClr val="accent1">
+              <a:shade val="50000"/>
+            </a:schemeClr>
+          </a:lnRef>
+          <a:fillRef idx="1">
+            <a:schemeClr val="accent1"/>
+          </a:fillRef>
+          <a:effectRef idx="0">
+            <a:schemeClr val="accent1"/>
+          </a:effectRef>
+          <a:fontRef idx="minor">
+            <a:schemeClr val="lt1"/>
+          </a:fontRef>
+        </p:style>
+        <p:txBody>
+          <a:bodyPr rtlCol="0" anchor="ctr"/>
+          <a:lstStyle/>
+          <a:p>
+            <a:pPr algn="ctr"/>
+            <a:r>
+              <a:rPr lang="zh-CN" altLang="en-US" sz="1000" dirty="0" smtClean="0">
+                <a:solidFill>
+                  <a:schemeClr val="tx1"/>
+                </a:solidFill>
+                <a:latin typeface="微软雅黑" panose="020B0503020204020204" pitchFamily="34" charset="-122"/>
+                <a:ea typeface="微软雅黑" panose="020B0503020204020204" pitchFamily="34" charset="-122"/>
+              </a:rPr>
+              <a:t>会话层</a:t>
+            </a:r>
+            <a:endParaRPr lang="zh-CN" altLang="en-US" sz="1000" dirty="0">
+              <a:solidFill>
+                <a:schemeClr val="tx1"/>
+              </a:solidFill>
+              <a:latin typeface="微软雅黑" panose="020B0503020204020204" pitchFamily="34" charset="-122"/>
+              <a:ea typeface="微软雅黑" panose="020B0503020204020204" pitchFamily="34" charset="-122"/>
+            </a:endParaRPr>
+          </a:p>
+        </p:txBody>
+      </p:sp>
+      <p:sp>
+        <p:nvSpPr>
+          <p:cNvPr id="8" name="矩形 7"/>
+          <p:cNvSpPr/>
+          <p:nvPr/>
+        </p:nvSpPr>
+        <p:spPr>
+          <a:xfrm>
+            <a:off x="2826588" y="1112808"/>
+            <a:ext cx="940280" cy="301925"/>
+          </a:xfrm>
+          <a:prstGeom prst="rect">
+            <a:avLst/>
+          </a:prstGeom>
+          <a:solidFill>
+            <a:schemeClr val="bg1"/>
+          </a:solidFill>
+          <a:ln>
+            <a:solidFill>
+              <a:schemeClr val="tx1"/>
+            </a:solidFill>
+          </a:ln>
+        </p:spPr>
+        <p:style>
+          <a:lnRef idx="2">
+            <a:schemeClr val="accent1">
+              <a:shade val="50000"/>
+            </a:schemeClr>
+          </a:lnRef>
+          <a:fillRef idx="1">
+            <a:schemeClr val="accent1"/>
+          </a:fillRef>
+          <a:effectRef idx="0">
+            <a:schemeClr val="accent1"/>
+          </a:effectRef>
+          <a:fontRef idx="minor">
+            <a:schemeClr val="lt1"/>
+          </a:fontRef>
+        </p:style>
+        <p:txBody>
+          <a:bodyPr rtlCol="0" anchor="ctr"/>
+          <a:lstStyle/>
+          <a:p>
+            <a:pPr algn="ctr"/>
+            <a:r>
+              <a:rPr lang="zh-CN" altLang="en-US" sz="1000" dirty="0" smtClean="0">
+                <a:solidFill>
+                  <a:schemeClr val="tx1"/>
+                </a:solidFill>
+                <a:latin typeface="微软雅黑" panose="020B0503020204020204" pitchFamily="34" charset="-122"/>
+                <a:ea typeface="微软雅黑" panose="020B0503020204020204" pitchFamily="34" charset="-122"/>
+              </a:rPr>
+              <a:t>传输层</a:t>
+            </a:r>
+            <a:endParaRPr lang="zh-CN" altLang="en-US" sz="1000" dirty="0">
+              <a:solidFill>
+                <a:schemeClr val="tx1"/>
+              </a:solidFill>
+              <a:latin typeface="微软雅黑" panose="020B0503020204020204" pitchFamily="34" charset="-122"/>
+              <a:ea typeface="微软雅黑" panose="020B0503020204020204" pitchFamily="34" charset="-122"/>
+            </a:endParaRPr>
+          </a:p>
+        </p:txBody>
+      </p:sp>
+      <p:sp>
+        <p:nvSpPr>
+          <p:cNvPr id="9" name="矩形 8"/>
+          <p:cNvSpPr/>
+          <p:nvPr/>
+        </p:nvSpPr>
+        <p:spPr>
+          <a:xfrm>
+            <a:off x="2826588" y="1414733"/>
+            <a:ext cx="940280" cy="301925"/>
+          </a:xfrm>
+          <a:prstGeom prst="rect">
+            <a:avLst/>
+          </a:prstGeom>
+          <a:solidFill>
+            <a:schemeClr val="bg1"/>
+          </a:solidFill>
+          <a:ln>
+            <a:solidFill>
+              <a:schemeClr val="tx1"/>
+            </a:solidFill>
+          </a:ln>
+        </p:spPr>
+        <p:style>
+          <a:lnRef idx="2">
+            <a:schemeClr val="accent1">
+              <a:shade val="50000"/>
+            </a:schemeClr>
+          </a:lnRef>
+          <a:fillRef idx="1">
+            <a:schemeClr val="accent1"/>
+          </a:fillRef>
+          <a:effectRef idx="0">
+            <a:schemeClr val="accent1"/>
+          </a:effectRef>
+          <a:fontRef idx="minor">
+            <a:schemeClr val="lt1"/>
+          </a:fontRef>
+        </p:style>
+        <p:txBody>
+          <a:bodyPr rtlCol="0" anchor="ctr"/>
+          <a:lstStyle/>
+          <a:p>
+            <a:pPr algn="ctr"/>
+            <a:r>
+              <a:rPr lang="zh-CN" altLang="en-US" sz="1000" dirty="0" smtClean="0">
+                <a:solidFill>
+                  <a:schemeClr val="tx1"/>
+                </a:solidFill>
+                <a:latin typeface="微软雅黑" panose="020B0503020204020204" pitchFamily="34" charset="-122"/>
+                <a:ea typeface="微软雅黑" panose="020B0503020204020204" pitchFamily="34" charset="-122"/>
+              </a:rPr>
+              <a:t>网络层</a:t>
+            </a:r>
+            <a:endParaRPr lang="zh-CN" altLang="en-US" sz="1000" dirty="0">
+              <a:solidFill>
+                <a:schemeClr val="tx1"/>
+              </a:solidFill>
+              <a:latin typeface="微软雅黑" panose="020B0503020204020204" pitchFamily="34" charset="-122"/>
+              <a:ea typeface="微软雅黑" panose="020B0503020204020204" pitchFamily="34" charset="-122"/>
+            </a:endParaRPr>
+          </a:p>
+        </p:txBody>
+      </p:sp>
+      <p:sp>
+        <p:nvSpPr>
+          <p:cNvPr id="10" name="矩形 9"/>
+          <p:cNvSpPr/>
+          <p:nvPr/>
+        </p:nvSpPr>
+        <p:spPr>
+          <a:xfrm>
+            <a:off x="2826588" y="1716658"/>
+            <a:ext cx="940280" cy="301925"/>
+          </a:xfrm>
+          <a:prstGeom prst="rect">
+            <a:avLst/>
+          </a:prstGeom>
+          <a:solidFill>
+            <a:schemeClr val="bg1"/>
+          </a:solidFill>
+          <a:ln>
+            <a:solidFill>
+              <a:schemeClr val="tx1"/>
+            </a:solidFill>
+          </a:ln>
+        </p:spPr>
+        <p:style>
+          <a:lnRef idx="2">
+            <a:schemeClr val="accent1">
+              <a:shade val="50000"/>
+            </a:schemeClr>
+          </a:lnRef>
+          <a:fillRef idx="1">
+            <a:schemeClr val="accent1"/>
+          </a:fillRef>
+          <a:effectRef idx="0">
+            <a:schemeClr val="accent1"/>
+          </a:effectRef>
+          <a:fontRef idx="minor">
+            <a:schemeClr val="lt1"/>
+          </a:fontRef>
+        </p:style>
+        <p:txBody>
+          <a:bodyPr rtlCol="0" anchor="ctr"/>
+          <a:lstStyle/>
+          <a:p>
+            <a:pPr algn="ctr"/>
+            <a:r>
+              <a:rPr lang="zh-CN" altLang="en-US" sz="1000" dirty="0" smtClean="0">
+                <a:solidFill>
+                  <a:schemeClr val="tx1"/>
+                </a:solidFill>
+                <a:latin typeface="微软雅黑" panose="020B0503020204020204" pitchFamily="34" charset="-122"/>
+                <a:ea typeface="微软雅黑" panose="020B0503020204020204" pitchFamily="34" charset="-122"/>
+              </a:rPr>
+              <a:t>数据链路层</a:t>
+            </a:r>
+            <a:endParaRPr lang="zh-CN" altLang="en-US" sz="1000" dirty="0">
+              <a:solidFill>
+                <a:schemeClr val="tx1"/>
+              </a:solidFill>
+              <a:latin typeface="微软雅黑" panose="020B0503020204020204" pitchFamily="34" charset="-122"/>
+              <a:ea typeface="微软雅黑" panose="020B0503020204020204" pitchFamily="34" charset="-122"/>
+            </a:endParaRPr>
+          </a:p>
+        </p:txBody>
+      </p:sp>
+      <p:sp>
+        <p:nvSpPr>
+          <p:cNvPr id="11" name="矩形 10"/>
+          <p:cNvSpPr/>
+          <p:nvPr/>
+        </p:nvSpPr>
+        <p:spPr>
+          <a:xfrm>
+            <a:off x="2826588" y="517584"/>
+            <a:ext cx="940280" cy="301925"/>
+          </a:xfrm>
+          <a:prstGeom prst="rect">
+            <a:avLst/>
+          </a:prstGeom>
+          <a:solidFill>
+            <a:schemeClr val="bg1"/>
+          </a:solidFill>
+          <a:ln>
+            <a:solidFill>
+              <a:schemeClr val="tx1"/>
+            </a:solidFill>
+          </a:ln>
+        </p:spPr>
+        <p:style>
+          <a:lnRef idx="2">
+            <a:schemeClr val="accent1">
+              <a:shade val="50000"/>
+            </a:schemeClr>
+          </a:lnRef>
+          <a:fillRef idx="1">
+            <a:schemeClr val="accent1"/>
+          </a:fillRef>
+          <a:effectRef idx="0">
+            <a:schemeClr val="accent1"/>
+          </a:effectRef>
+          <a:fontRef idx="minor">
+            <a:schemeClr val="lt1"/>
+          </a:fontRef>
+        </p:style>
+        <p:txBody>
+          <a:bodyPr rtlCol="0" anchor="ctr"/>
+          <a:lstStyle/>
+          <a:p>
+            <a:pPr algn="ctr"/>
+            <a:r>
+              <a:rPr lang="zh-CN" altLang="en-US" sz="1000" dirty="0" smtClean="0">
+                <a:solidFill>
+                  <a:schemeClr val="tx1"/>
+                </a:solidFill>
+                <a:latin typeface="微软雅黑" panose="020B0503020204020204" pitchFamily="34" charset="-122"/>
+                <a:ea typeface="微软雅黑" panose="020B0503020204020204" pitchFamily="34" charset="-122"/>
+              </a:rPr>
+              <a:t>表示层</a:t>
+            </a:r>
+            <a:endParaRPr lang="zh-CN" altLang="en-US" sz="1000" dirty="0">
+              <a:solidFill>
+                <a:schemeClr val="tx1"/>
+              </a:solidFill>
+              <a:latin typeface="微软雅黑" panose="020B0503020204020204" pitchFamily="34" charset="-122"/>
+              <a:ea typeface="微软雅黑" panose="020B0503020204020204" pitchFamily="34" charset="-122"/>
+            </a:endParaRPr>
+          </a:p>
+        </p:txBody>
+      </p:sp>
+      <p:sp>
+        <p:nvSpPr>
+          <p:cNvPr id="12" name="矩形 11"/>
+          <p:cNvSpPr/>
+          <p:nvPr/>
+        </p:nvSpPr>
+        <p:spPr>
+          <a:xfrm>
+            <a:off x="2826588" y="215659"/>
+            <a:ext cx="940280" cy="301925"/>
+          </a:xfrm>
+          <a:prstGeom prst="rect">
+            <a:avLst/>
+          </a:prstGeom>
+          <a:solidFill>
+            <a:schemeClr val="bg1"/>
+          </a:solidFill>
+          <a:ln>
+            <a:solidFill>
+              <a:schemeClr val="tx1"/>
+            </a:solidFill>
+          </a:ln>
+        </p:spPr>
+        <p:style>
+          <a:lnRef idx="2">
+            <a:schemeClr val="accent1">
+              <a:shade val="50000"/>
+            </a:schemeClr>
+          </a:lnRef>
+          <a:fillRef idx="1">
+            <a:schemeClr val="accent1"/>
+          </a:fillRef>
+          <a:effectRef idx="0">
+            <a:schemeClr val="accent1"/>
+          </a:effectRef>
+          <a:fontRef idx="minor">
+            <a:schemeClr val="lt1"/>
+          </a:fontRef>
+        </p:style>
+        <p:txBody>
+          <a:bodyPr rtlCol="0" anchor="ctr"/>
+          <a:lstStyle/>
+          <a:p>
+            <a:pPr algn="ctr"/>
+            <a:r>
+              <a:rPr lang="zh-CN" altLang="en-US" sz="1000" dirty="0" smtClean="0">
+                <a:solidFill>
+                  <a:schemeClr val="tx1"/>
+                </a:solidFill>
+                <a:latin typeface="微软雅黑" panose="020B0503020204020204" pitchFamily="34" charset="-122"/>
+                <a:ea typeface="微软雅黑" panose="020B0503020204020204" pitchFamily="34" charset="-122"/>
+              </a:rPr>
+              <a:t>应用层</a:t>
+            </a:r>
+            <a:endParaRPr lang="zh-CN" altLang="en-US" sz="1000" dirty="0">
+              <a:solidFill>
+                <a:schemeClr val="tx1"/>
+              </a:solidFill>
+              <a:latin typeface="微软雅黑" panose="020B0503020204020204" pitchFamily="34" charset="-122"/>
+              <a:ea typeface="微软雅黑" panose="020B0503020204020204" pitchFamily="34" charset="-122"/>
+            </a:endParaRPr>
+          </a:p>
+        </p:txBody>
+      </p:sp>
+      <p:sp>
+        <p:nvSpPr>
+          <p:cNvPr id="13" name="矩形 12"/>
+          <p:cNvSpPr/>
+          <p:nvPr/>
+        </p:nvSpPr>
+        <p:spPr>
+          <a:xfrm>
+            <a:off x="2826588" y="2018583"/>
+            <a:ext cx="940280" cy="301925"/>
+          </a:xfrm>
+          <a:prstGeom prst="rect">
+            <a:avLst/>
+          </a:prstGeom>
+          <a:solidFill>
+            <a:schemeClr val="bg1"/>
+          </a:solidFill>
+          <a:ln>
+            <a:solidFill>
+              <a:schemeClr val="tx1"/>
+            </a:solidFill>
+          </a:ln>
+        </p:spPr>
+        <p:style>
+          <a:lnRef idx="2">
+            <a:schemeClr val="accent1">
+              <a:shade val="50000"/>
+            </a:schemeClr>
+          </a:lnRef>
+          <a:fillRef idx="1">
+            <a:schemeClr val="accent1"/>
+          </a:fillRef>
+          <a:effectRef idx="0">
+            <a:schemeClr val="accent1"/>
+          </a:effectRef>
+          <a:fontRef idx="minor">
+            <a:schemeClr val="lt1"/>
+          </a:fontRef>
+        </p:style>
+        <p:txBody>
+          <a:bodyPr rtlCol="0" anchor="ctr"/>
+          <a:lstStyle/>
+          <a:p>
+            <a:pPr algn="ctr"/>
+            <a:r>
+              <a:rPr lang="zh-CN" altLang="en-US" sz="1000" dirty="0" smtClean="0">
+                <a:solidFill>
+                  <a:schemeClr val="tx1"/>
+                </a:solidFill>
+                <a:latin typeface="微软雅黑" panose="020B0503020204020204" pitchFamily="34" charset="-122"/>
+                <a:ea typeface="微软雅黑" panose="020B0503020204020204" pitchFamily="34" charset="-122"/>
+              </a:rPr>
+              <a:t>物理层</a:t>
+            </a:r>
+            <a:endParaRPr lang="zh-CN" altLang="en-US" sz="1000" dirty="0">
+              <a:solidFill>
+                <a:schemeClr val="tx1"/>
+              </a:solidFill>
+              <a:latin typeface="微软雅黑" panose="020B0503020204020204" pitchFamily="34" charset="-122"/>
+              <a:ea typeface="微软雅黑" panose="020B0503020204020204" pitchFamily="34" charset="-122"/>
+            </a:endParaRPr>
+          </a:p>
+        </p:txBody>
+      </p:sp>
+      <p:grpSp>
+        <p:nvGrpSpPr>
+          <p:cNvPr id="6" name="组合 5"/>
+          <p:cNvGrpSpPr/>
+          <p:nvPr/>
+        </p:nvGrpSpPr>
+        <p:grpSpPr>
+          <a:xfrm>
+            <a:off x="6725726" y="3436188"/>
+            <a:ext cx="1892062" cy="1360100"/>
+            <a:chOff x="6725726" y="3436188"/>
+            <a:chExt cx="1892062" cy="1360100"/>
+          </a:xfrm>
+        </p:grpSpPr>
+        <p:sp>
+          <p:nvSpPr>
+            <p:cNvPr id="21" name="矩形 20"/>
+            <p:cNvSpPr/>
+            <p:nvPr/>
+          </p:nvSpPr>
+          <p:spPr>
+            <a:xfrm>
+              <a:off x="6725726" y="3436188"/>
+              <a:ext cx="1892061" cy="477329"/>
+            </a:xfrm>
+            <a:prstGeom prst="rect">
+              <a:avLst/>
+            </a:prstGeom>
+            <a:solidFill>
+              <a:schemeClr val="bg1"/>
+            </a:solidFill>
+            <a:ln>
+              <a:solidFill>
+                <a:schemeClr val="tx1"/>
+              </a:solidFill>
+            </a:ln>
+          </p:spPr>
+          <p:style>
+            <a:lnRef idx="2">
+              <a:schemeClr val="accent1">
+                <a:shade val="50000"/>
+              </a:schemeClr>
+            </a:lnRef>
+            <a:fillRef idx="1">
+              <a:schemeClr val="accent1"/>
+            </a:fillRef>
+            <a:effectRef idx="0">
+              <a:schemeClr val="accent1"/>
+            </a:effectRef>
+            <a:fontRef idx="minor">
+              <a:schemeClr val="lt1"/>
+            </a:fontRef>
+          </p:style>
+          <p:txBody>
+            <a:bodyPr rtlCol="0" anchor="ctr"/>
+            <a:lstStyle/>
+            <a:p>
+              <a:pPr algn="ctr"/>
+              <a:r>
+                <a:rPr lang="zh-CN" altLang="en-US" sz="1000" dirty="0" smtClean="0">
+                  <a:solidFill>
+                    <a:schemeClr val="tx1"/>
+                  </a:solidFill>
+                  <a:latin typeface="微软雅黑" panose="020B0503020204020204" pitchFamily="34" charset="-122"/>
+                  <a:ea typeface="微软雅黑" panose="020B0503020204020204" pitchFamily="34" charset="-122"/>
+                </a:rPr>
+                <a:t>应用层</a:t>
+              </a:r>
+              <a:endParaRPr lang="zh-CN" altLang="en-US" sz="1000" dirty="0">
+                <a:solidFill>
+                  <a:schemeClr val="tx1"/>
+                </a:solidFill>
+                <a:latin typeface="微软雅黑" panose="020B0503020204020204" pitchFamily="34" charset="-122"/>
+                <a:ea typeface="微软雅黑" panose="020B0503020204020204" pitchFamily="34" charset="-122"/>
+              </a:endParaRPr>
+            </a:p>
+          </p:txBody>
+        </p:sp>
+        <p:sp>
+          <p:nvSpPr>
+            <p:cNvPr id="22" name="矩形 21"/>
+            <p:cNvSpPr/>
+            <p:nvPr/>
+          </p:nvSpPr>
+          <p:spPr>
+            <a:xfrm>
+              <a:off x="7453223" y="3913517"/>
+              <a:ext cx="1164565" cy="301925"/>
+            </a:xfrm>
+            <a:prstGeom prst="rect">
+              <a:avLst/>
+            </a:prstGeom>
+            <a:solidFill>
+              <a:schemeClr val="bg1"/>
+            </a:solidFill>
+            <a:ln>
+              <a:solidFill>
+                <a:schemeClr val="tx1"/>
+              </a:solidFill>
+            </a:ln>
+          </p:spPr>
+          <p:style>
+            <a:lnRef idx="2">
+              <a:schemeClr val="accent1">
+                <a:shade val="50000"/>
+              </a:schemeClr>
+            </a:lnRef>
+            <a:fillRef idx="1">
+              <a:schemeClr val="accent1"/>
+            </a:fillRef>
+            <a:effectRef idx="0">
+              <a:schemeClr val="accent1"/>
+            </a:effectRef>
+            <a:fontRef idx="minor">
+              <a:schemeClr val="lt1"/>
+            </a:fontRef>
+          </p:style>
+          <p:txBody>
+            <a:bodyPr rtlCol="0" anchor="ctr"/>
+            <a:lstStyle/>
+            <a:p>
+              <a:pPr algn="ctr"/>
+              <a:r>
+                <a:rPr lang="en-US" altLang="zh-CN" sz="1000" dirty="0" smtClean="0">
+                  <a:solidFill>
+                    <a:schemeClr val="tx1"/>
+                  </a:solidFill>
+                  <a:latin typeface="微软雅黑" panose="020B0503020204020204" pitchFamily="34" charset="-122"/>
+                  <a:ea typeface="微软雅黑" panose="020B0503020204020204" pitchFamily="34" charset="-122"/>
+                </a:rPr>
+                <a:t>TCP</a:t>
+              </a:r>
+            </a:p>
+          </p:txBody>
+        </p:sp>
+        <p:sp>
+          <p:nvSpPr>
+            <p:cNvPr id="24" name="矩形 23"/>
+            <p:cNvSpPr/>
+            <p:nvPr/>
+          </p:nvSpPr>
+          <p:spPr>
+            <a:xfrm>
+              <a:off x="6725727" y="4215441"/>
+              <a:ext cx="1892061" cy="301925"/>
+            </a:xfrm>
+            <a:prstGeom prst="rect">
+              <a:avLst/>
+            </a:prstGeom>
+            <a:solidFill>
+              <a:schemeClr val="bg1"/>
+            </a:solidFill>
+            <a:ln>
+              <a:solidFill>
+                <a:schemeClr val="tx1"/>
+              </a:solidFill>
+            </a:ln>
+          </p:spPr>
+          <p:style>
+            <a:lnRef idx="2">
+              <a:schemeClr val="accent1">
+                <a:shade val="50000"/>
+              </a:schemeClr>
+            </a:lnRef>
+            <a:fillRef idx="1">
+              <a:schemeClr val="accent1"/>
+            </a:fillRef>
+            <a:effectRef idx="0">
+              <a:schemeClr val="accent1"/>
+            </a:effectRef>
+            <a:fontRef idx="minor">
+              <a:schemeClr val="lt1"/>
+            </a:fontRef>
+          </p:style>
+          <p:txBody>
+            <a:bodyPr rtlCol="0" anchor="ctr"/>
+            <a:lstStyle/>
+            <a:p>
+              <a:pPr algn="ctr"/>
+              <a:r>
+                <a:rPr lang="en-US" altLang="zh-CN" sz="1000" dirty="0" smtClean="0">
+                  <a:solidFill>
+                    <a:schemeClr val="tx1"/>
+                  </a:solidFill>
+                  <a:latin typeface="微软雅黑" panose="020B0503020204020204" pitchFamily="34" charset="-122"/>
+                  <a:ea typeface="微软雅黑" panose="020B0503020204020204" pitchFamily="34" charset="-122"/>
+                </a:rPr>
+                <a:t>IP</a:t>
+              </a:r>
+            </a:p>
+          </p:txBody>
+        </p:sp>
+        <p:sp>
+          <p:nvSpPr>
+            <p:cNvPr id="25" name="矩形 24"/>
+            <p:cNvSpPr/>
+            <p:nvPr/>
+          </p:nvSpPr>
+          <p:spPr>
+            <a:xfrm>
+              <a:off x="6725727" y="4517368"/>
+              <a:ext cx="1892061" cy="278920"/>
+            </a:xfrm>
+            <a:prstGeom prst="rect">
+              <a:avLst/>
+            </a:prstGeom>
+            <a:solidFill>
+              <a:schemeClr val="bg1"/>
+            </a:solidFill>
+            <a:ln>
+              <a:solidFill>
+                <a:schemeClr val="tx1"/>
+              </a:solidFill>
+            </a:ln>
+          </p:spPr>
+          <p:style>
+            <a:lnRef idx="2">
+              <a:schemeClr val="accent1">
+                <a:shade val="50000"/>
+              </a:schemeClr>
+            </a:lnRef>
+            <a:fillRef idx="1">
+              <a:schemeClr val="accent1"/>
+            </a:fillRef>
+            <a:effectRef idx="0">
+              <a:schemeClr val="accent1"/>
+            </a:effectRef>
+            <a:fontRef idx="minor">
+              <a:schemeClr val="lt1"/>
+            </a:fontRef>
+          </p:style>
+          <p:txBody>
+            <a:bodyPr rtlCol="0" anchor="ctr"/>
+            <a:lstStyle/>
+            <a:p>
+              <a:pPr algn="ctr"/>
+              <a:r>
+                <a:rPr lang="zh-CN" altLang="en-US" sz="1000" dirty="0" smtClean="0">
+                  <a:solidFill>
+                    <a:schemeClr val="tx1"/>
+                  </a:solidFill>
+                  <a:latin typeface="微软雅黑" panose="020B0503020204020204" pitchFamily="34" charset="-122"/>
+                  <a:ea typeface="微软雅黑" panose="020B0503020204020204" pitchFamily="34" charset="-122"/>
+                </a:rPr>
+                <a:t>网络访问层</a:t>
+              </a:r>
+              <a:endParaRPr lang="zh-CN" altLang="en-US" sz="1000" dirty="0">
+                <a:solidFill>
+                  <a:schemeClr val="tx1"/>
+                </a:solidFill>
+                <a:latin typeface="微软雅黑" panose="020B0503020204020204" pitchFamily="34" charset="-122"/>
+                <a:ea typeface="微软雅黑" panose="020B0503020204020204" pitchFamily="34" charset="-122"/>
+              </a:endParaRPr>
+            </a:p>
+          </p:txBody>
+        </p:sp>
+        <p:sp>
+          <p:nvSpPr>
+            <p:cNvPr id="30" name="矩形 29"/>
+            <p:cNvSpPr/>
+            <p:nvPr/>
+          </p:nvSpPr>
+          <p:spPr>
+            <a:xfrm>
+              <a:off x="6725727" y="3913517"/>
+              <a:ext cx="727496" cy="301925"/>
+            </a:xfrm>
+            <a:prstGeom prst="rect">
+              <a:avLst/>
+            </a:prstGeom>
+            <a:solidFill>
+              <a:schemeClr val="bg1"/>
+            </a:solidFill>
+            <a:ln>
+              <a:solidFill>
+                <a:schemeClr val="tx1"/>
+              </a:solidFill>
+            </a:ln>
+          </p:spPr>
+          <p:style>
+            <a:lnRef idx="2">
+              <a:schemeClr val="accent1">
+                <a:shade val="50000"/>
+              </a:schemeClr>
+            </a:lnRef>
+            <a:fillRef idx="1">
+              <a:schemeClr val="accent1"/>
+            </a:fillRef>
+            <a:effectRef idx="0">
+              <a:schemeClr val="accent1"/>
+            </a:effectRef>
+            <a:fontRef idx="minor">
+              <a:schemeClr val="lt1"/>
+            </a:fontRef>
+          </p:style>
+          <p:txBody>
+            <a:bodyPr rtlCol="0" anchor="ctr"/>
+            <a:lstStyle/>
+            <a:p>
+              <a:pPr algn="ctr"/>
+              <a:r>
+                <a:rPr lang="en-US" altLang="zh-CN" sz="1000" dirty="0" smtClean="0">
+                  <a:solidFill>
+                    <a:schemeClr val="tx1"/>
+                  </a:solidFill>
+                  <a:latin typeface="微软雅黑" panose="020B0503020204020204" pitchFamily="34" charset="-122"/>
+                  <a:ea typeface="微软雅黑" panose="020B0503020204020204" pitchFamily="34" charset="-122"/>
+                </a:rPr>
+                <a:t>UDP</a:t>
+              </a:r>
+            </a:p>
+          </p:txBody>
+        </p:sp>
+        <p:sp>
+          <p:nvSpPr>
+            <p:cNvPr id="32" name="矩形 31"/>
+            <p:cNvSpPr/>
+            <p:nvPr/>
+          </p:nvSpPr>
+          <p:spPr>
+            <a:xfrm>
+              <a:off x="7453222" y="3761113"/>
+              <a:ext cx="1164565" cy="152403"/>
+            </a:xfrm>
+            <a:prstGeom prst="rect">
+              <a:avLst/>
+            </a:prstGeom>
+            <a:solidFill>
+              <a:schemeClr val="bg1"/>
+            </a:solidFill>
+            <a:ln>
+              <a:solidFill>
+                <a:schemeClr val="tx1"/>
+              </a:solidFill>
+            </a:ln>
+          </p:spPr>
+          <p:style>
+            <a:lnRef idx="2">
+              <a:schemeClr val="accent1">
+                <a:shade val="50000"/>
+              </a:schemeClr>
+            </a:lnRef>
+            <a:fillRef idx="1">
+              <a:schemeClr val="accent1"/>
+            </a:fillRef>
+            <a:effectRef idx="0">
+              <a:schemeClr val="accent1"/>
+            </a:effectRef>
+            <a:fontRef idx="minor">
+              <a:schemeClr val="lt1"/>
+            </a:fontRef>
+          </p:style>
+          <p:txBody>
+            <a:bodyPr rtlCol="0" anchor="ctr"/>
+            <a:lstStyle/>
+            <a:p>
+              <a:pPr algn="ctr"/>
+              <a:r>
+                <a:rPr lang="en-US" altLang="zh-CN" sz="1000" dirty="0" smtClean="0">
+                  <a:solidFill>
+                    <a:schemeClr val="tx1"/>
+                  </a:solidFill>
+                  <a:latin typeface="微软雅黑" panose="020B0503020204020204" pitchFamily="34" charset="-122"/>
+                  <a:ea typeface="微软雅黑" panose="020B0503020204020204" pitchFamily="34" charset="-122"/>
+                </a:rPr>
+                <a:t>SSL</a:t>
+              </a:r>
+            </a:p>
+          </p:txBody>
+        </p:sp>
+      </p:grpSp>
+    </p:spTree>
+    <p:extLst>
+      <p:ext uri="{BB962C8B-B14F-4D97-AF65-F5344CB8AC3E}">
+        <p14:creationId xmlns:p14="http://schemas.microsoft.com/office/powerpoint/2010/main" val="1147842255"/>
+      </p:ext>
+    </p:extLst>
+  </p:cSld>
+  <p:clrMapOvr>
+    <a:masterClrMapping/>
+  </p:clrMapOvr>
+</p:sld>
+</file>
+
+<file path=ppt/slides/slide8.xml><?xml version="1.0" encoding="utf-8"?>
+<p:sld xmlns:a="http://schemas.openxmlformats.org/drawingml/2006/main" xmlns:r="http://schemas.openxmlformats.org/officeDocument/2006/relationships" xmlns:p="http://schemas.openxmlformats.org/presentationml/2006/main">
+  <p:cSld>
+    <p:spTree>
+      <p:nvGrpSpPr>
+        <p:cNvPr id="1" name=""/>
+        <p:cNvGrpSpPr/>
+        <p:nvPr/>
+      </p:nvGrpSpPr>
+      <p:grpSpPr>
+        <a:xfrm>
+          <a:off x="0" y="0"/>
+          <a:ext cx="0" cy="0"/>
+          <a:chOff x="0" y="0"/>
+          <a:chExt cx="0" cy="0"/>
+        </a:xfrm>
+      </p:grpSpPr>
+      <p:sp>
+        <p:nvSpPr>
+          <p:cNvPr id="2" name="矩形 1"/>
+          <p:cNvSpPr/>
+          <p:nvPr/>
+        </p:nvSpPr>
+        <p:spPr>
+          <a:xfrm>
+            <a:off x="1190445" y="819508"/>
+            <a:ext cx="940280" cy="293299"/>
+          </a:xfrm>
+          <a:prstGeom prst="rect">
+            <a:avLst/>
+          </a:prstGeom>
+          <a:solidFill>
+            <a:schemeClr val="bg1"/>
+          </a:solidFill>
+          <a:ln>
+            <a:solidFill>
+              <a:schemeClr val="tx1"/>
+            </a:solidFill>
+          </a:ln>
+        </p:spPr>
+        <p:style>
+          <a:lnRef idx="2">
+            <a:schemeClr val="accent1">
+              <a:shade val="50000"/>
+            </a:schemeClr>
+          </a:lnRef>
+          <a:fillRef idx="1">
+            <a:schemeClr val="accent1"/>
+          </a:fillRef>
+          <a:effectRef idx="0">
+            <a:schemeClr val="accent1"/>
+          </a:effectRef>
+          <a:fontRef idx="minor">
+            <a:schemeClr val="lt1"/>
+          </a:fontRef>
+        </p:style>
+        <p:txBody>
+          <a:bodyPr rtlCol="0" anchor="ctr"/>
+          <a:lstStyle/>
+          <a:p>
+            <a:pPr algn="ctr"/>
+            <a:r>
+              <a:rPr lang="zh-CN" altLang="en-US" sz="1000" dirty="0" smtClean="0">
+                <a:solidFill>
+                  <a:schemeClr val="tx1"/>
+                </a:solidFill>
+                <a:latin typeface="微软雅黑" panose="020B0503020204020204" pitchFamily="34" charset="-122"/>
+                <a:ea typeface="微软雅黑" panose="020B0503020204020204" pitchFamily="34" charset="-122"/>
+              </a:rPr>
+              <a:t>应用层</a:t>
+            </a:r>
+            <a:endParaRPr lang="zh-CN" altLang="en-US" sz="1000" dirty="0">
+              <a:solidFill>
+                <a:schemeClr val="tx1"/>
+              </a:solidFill>
+              <a:latin typeface="微软雅黑" panose="020B0503020204020204" pitchFamily="34" charset="-122"/>
+              <a:ea typeface="微软雅黑" panose="020B0503020204020204" pitchFamily="34" charset="-122"/>
+            </a:endParaRPr>
+          </a:p>
+        </p:txBody>
+      </p:sp>
+      <p:sp>
+        <p:nvSpPr>
+          <p:cNvPr id="3" name="矩形 2"/>
+          <p:cNvSpPr/>
+          <p:nvPr/>
+        </p:nvSpPr>
+        <p:spPr>
+          <a:xfrm>
+            <a:off x="1190445" y="1112808"/>
+            <a:ext cx="940280" cy="301925"/>
+          </a:xfrm>
+          <a:prstGeom prst="rect">
+            <a:avLst/>
+          </a:prstGeom>
+          <a:solidFill>
+            <a:schemeClr val="bg1"/>
+          </a:solidFill>
+          <a:ln>
+            <a:solidFill>
+              <a:schemeClr val="tx1"/>
+            </a:solidFill>
+          </a:ln>
+        </p:spPr>
+        <p:style>
+          <a:lnRef idx="2">
+            <a:schemeClr val="accent1">
+              <a:shade val="50000"/>
+            </a:schemeClr>
+          </a:lnRef>
+          <a:fillRef idx="1">
+            <a:schemeClr val="accent1"/>
+          </a:fillRef>
+          <a:effectRef idx="0">
+            <a:schemeClr val="accent1"/>
+          </a:effectRef>
+          <a:fontRef idx="minor">
+            <a:schemeClr val="lt1"/>
+          </a:fontRef>
+        </p:style>
+        <p:txBody>
+          <a:bodyPr rtlCol="0" anchor="ctr"/>
+          <a:lstStyle/>
+          <a:p>
+            <a:pPr algn="ctr"/>
+            <a:r>
+              <a:rPr lang="zh-CN" altLang="en-US" sz="1000" dirty="0" smtClean="0">
+                <a:solidFill>
+                  <a:schemeClr val="tx1"/>
+                </a:solidFill>
+                <a:latin typeface="微软雅黑" panose="020B0503020204020204" pitchFamily="34" charset="-122"/>
+                <a:ea typeface="微软雅黑" panose="020B0503020204020204" pitchFamily="34" charset="-122"/>
+              </a:rPr>
+              <a:t>传输层</a:t>
+            </a:r>
+            <a:endParaRPr lang="zh-CN" altLang="en-US" sz="1000" dirty="0">
+              <a:solidFill>
+                <a:schemeClr val="tx1"/>
+              </a:solidFill>
+              <a:latin typeface="微软雅黑" panose="020B0503020204020204" pitchFamily="34" charset="-122"/>
+              <a:ea typeface="微软雅黑" panose="020B0503020204020204" pitchFamily="34" charset="-122"/>
+            </a:endParaRPr>
+          </a:p>
+        </p:txBody>
+      </p:sp>
+      <p:sp>
+        <p:nvSpPr>
+          <p:cNvPr id="4" name="矩形 3"/>
+          <p:cNvSpPr/>
+          <p:nvPr/>
+        </p:nvSpPr>
+        <p:spPr>
+          <a:xfrm>
+            <a:off x="1190445" y="1414732"/>
+            <a:ext cx="940280" cy="301925"/>
+          </a:xfrm>
+          <a:prstGeom prst="rect">
+            <a:avLst/>
+          </a:prstGeom>
+          <a:solidFill>
+            <a:schemeClr val="bg1"/>
+          </a:solidFill>
+          <a:ln>
+            <a:solidFill>
+              <a:schemeClr val="tx1"/>
+            </a:solidFill>
+          </a:ln>
+        </p:spPr>
+        <p:style>
+          <a:lnRef idx="2">
+            <a:schemeClr val="accent1">
+              <a:shade val="50000"/>
+            </a:schemeClr>
+          </a:lnRef>
+          <a:fillRef idx="1">
+            <a:schemeClr val="accent1"/>
+          </a:fillRef>
+          <a:effectRef idx="0">
+            <a:schemeClr val="accent1"/>
+          </a:effectRef>
+          <a:fontRef idx="minor">
+            <a:schemeClr val="lt1"/>
+          </a:fontRef>
+        </p:style>
+        <p:txBody>
+          <a:bodyPr rtlCol="0" anchor="ctr"/>
+          <a:lstStyle/>
+          <a:p>
+            <a:pPr algn="ctr"/>
+            <a:r>
+              <a:rPr lang="zh-CN" altLang="en-US" sz="1000" dirty="0" smtClean="0">
+                <a:solidFill>
+                  <a:schemeClr val="tx1"/>
+                </a:solidFill>
+                <a:latin typeface="微软雅黑" panose="020B0503020204020204" pitchFamily="34" charset="-122"/>
+                <a:ea typeface="微软雅黑" panose="020B0503020204020204" pitchFamily="34" charset="-122"/>
+              </a:rPr>
+              <a:t>网际层</a:t>
+            </a:r>
+            <a:endParaRPr lang="zh-CN" altLang="en-US" sz="1000" dirty="0">
+              <a:solidFill>
+                <a:schemeClr val="tx1"/>
+              </a:solidFill>
+              <a:latin typeface="微软雅黑" panose="020B0503020204020204" pitchFamily="34" charset="-122"/>
+              <a:ea typeface="微软雅黑" panose="020B0503020204020204" pitchFamily="34" charset="-122"/>
+            </a:endParaRPr>
+          </a:p>
+        </p:txBody>
+      </p:sp>
+      <p:sp>
+        <p:nvSpPr>
+          <p:cNvPr id="5" name="矩形 4"/>
+          <p:cNvSpPr/>
+          <p:nvPr/>
+        </p:nvSpPr>
+        <p:spPr>
+          <a:xfrm>
+            <a:off x="1190445" y="1716658"/>
+            <a:ext cx="940280" cy="301925"/>
+          </a:xfrm>
+          <a:prstGeom prst="rect">
+            <a:avLst/>
+          </a:prstGeom>
+          <a:solidFill>
+            <a:schemeClr val="bg1"/>
+          </a:solidFill>
+          <a:ln>
+            <a:solidFill>
+              <a:schemeClr val="tx1"/>
+            </a:solidFill>
+          </a:ln>
+        </p:spPr>
+        <p:style>
+          <a:lnRef idx="2">
+            <a:schemeClr val="accent1">
+              <a:shade val="50000"/>
+            </a:schemeClr>
+          </a:lnRef>
+          <a:fillRef idx="1">
+            <a:schemeClr val="accent1"/>
+          </a:fillRef>
+          <a:effectRef idx="0">
+            <a:schemeClr val="accent1"/>
+          </a:effectRef>
+          <a:fontRef idx="minor">
+            <a:schemeClr val="lt1"/>
+          </a:fontRef>
+        </p:style>
+        <p:txBody>
+          <a:bodyPr rtlCol="0" anchor="ctr"/>
+          <a:lstStyle/>
+          <a:p>
+            <a:pPr algn="ctr"/>
+            <a:r>
+              <a:rPr lang="zh-CN" altLang="en-US" sz="1000" dirty="0" smtClean="0">
+                <a:solidFill>
+                  <a:schemeClr val="tx1"/>
+                </a:solidFill>
+                <a:latin typeface="微软雅黑" panose="020B0503020204020204" pitchFamily="34" charset="-122"/>
+                <a:ea typeface="微软雅黑" panose="020B0503020204020204" pitchFamily="34" charset="-122"/>
+              </a:rPr>
+              <a:t>网络访问层</a:t>
+            </a:r>
+            <a:endParaRPr lang="zh-CN" altLang="en-US" sz="1000" dirty="0">
+              <a:solidFill>
+                <a:schemeClr val="tx1"/>
+              </a:solidFill>
+              <a:latin typeface="微软雅黑" panose="020B0503020204020204" pitchFamily="34" charset="-122"/>
+              <a:ea typeface="微软雅黑" panose="020B0503020204020204" pitchFamily="34" charset="-122"/>
+            </a:endParaRPr>
+          </a:p>
+        </p:txBody>
+      </p:sp>
+      <p:grpSp>
+        <p:nvGrpSpPr>
+          <p:cNvPr id="71" name="组合 70"/>
+          <p:cNvGrpSpPr/>
+          <p:nvPr/>
+        </p:nvGrpSpPr>
+        <p:grpSpPr>
+          <a:xfrm>
+            <a:off x="4143354" y="807164"/>
+            <a:ext cx="3899556" cy="4953556"/>
+            <a:chOff x="4143354" y="807164"/>
+            <a:chExt cx="3899556" cy="4953556"/>
+          </a:xfrm>
+        </p:grpSpPr>
+        <p:sp>
+          <p:nvSpPr>
+            <p:cNvPr id="31" name="矩形 30"/>
+            <p:cNvSpPr/>
+            <p:nvPr/>
+          </p:nvSpPr>
+          <p:spPr>
+            <a:xfrm>
+              <a:off x="5620540" y="807164"/>
+              <a:ext cx="940280" cy="293299"/>
+            </a:xfrm>
+            <a:prstGeom prst="rect">
+              <a:avLst/>
+            </a:prstGeom>
+            <a:solidFill>
+              <a:schemeClr val="bg1"/>
+            </a:solidFill>
+            <a:ln>
+              <a:solidFill>
+                <a:schemeClr val="tx1"/>
+              </a:solidFill>
+            </a:ln>
+          </p:spPr>
+          <p:style>
+            <a:lnRef idx="2">
+              <a:schemeClr val="accent1">
+                <a:shade val="50000"/>
+              </a:schemeClr>
+            </a:lnRef>
+            <a:fillRef idx="1">
+              <a:schemeClr val="accent1"/>
+            </a:fillRef>
+            <a:effectRef idx="0">
+              <a:schemeClr val="accent1"/>
+            </a:effectRef>
+            <a:fontRef idx="minor">
+              <a:schemeClr val="lt1"/>
+            </a:fontRef>
+          </p:style>
+          <p:txBody>
+            <a:bodyPr rtlCol="0" anchor="ctr"/>
+            <a:lstStyle/>
+            <a:p>
+              <a:pPr algn="ctr"/>
+              <a:r>
+                <a:rPr lang="zh-CN" altLang="en-US" sz="1000" dirty="0" smtClean="0">
+                  <a:solidFill>
+                    <a:schemeClr val="tx1"/>
+                  </a:solidFill>
+                  <a:latin typeface="微软雅黑" panose="020B0503020204020204" pitchFamily="34" charset="-122"/>
+                  <a:ea typeface="微软雅黑" panose="020B0503020204020204" pitchFamily="34" charset="-122"/>
+                </a:rPr>
+                <a:t>应用程序</a:t>
+              </a:r>
+              <a:endParaRPr lang="zh-CN" altLang="en-US" sz="1000" dirty="0">
+                <a:solidFill>
+                  <a:schemeClr val="tx1"/>
+                </a:solidFill>
+                <a:latin typeface="微软雅黑" panose="020B0503020204020204" pitchFamily="34" charset="-122"/>
+                <a:ea typeface="微软雅黑" panose="020B0503020204020204" pitchFamily="34" charset="-122"/>
+              </a:endParaRPr>
+            </a:p>
+          </p:txBody>
+        </p:sp>
+        <p:sp>
+          <p:nvSpPr>
+            <p:cNvPr id="6" name="矩形 5"/>
+            <p:cNvSpPr/>
+            <p:nvPr/>
+          </p:nvSpPr>
+          <p:spPr>
+            <a:xfrm>
+              <a:off x="4149090" y="1197920"/>
+              <a:ext cx="3893820" cy="1037470"/>
+            </a:xfrm>
+            <a:prstGeom prst="rect">
+              <a:avLst/>
+            </a:prstGeom>
+            <a:solidFill>
+              <a:schemeClr val="accent1">
+                <a:lumMod val="40000"/>
+                <a:lumOff val="60000"/>
+              </a:schemeClr>
+            </a:solidFill>
+            <a:ln>
+              <a:solidFill>
+                <a:schemeClr val="tx1"/>
+              </a:solidFill>
+            </a:ln>
+          </p:spPr>
+          <p:style>
+            <a:lnRef idx="2">
+              <a:schemeClr val="accent1">
+                <a:shade val="50000"/>
+              </a:schemeClr>
+            </a:lnRef>
+            <a:fillRef idx="1">
+              <a:schemeClr val="accent1"/>
+            </a:fillRef>
+            <a:effectRef idx="0">
+              <a:schemeClr val="accent1"/>
+            </a:effectRef>
+            <a:fontRef idx="minor">
+              <a:schemeClr val="lt1"/>
+            </a:fontRef>
+          </p:style>
+          <p:txBody>
+            <a:bodyPr rtlCol="0" anchor="ctr"/>
+            <a:lstStyle/>
+            <a:p>
+              <a:pPr algn="ctr"/>
+              <a:endParaRPr lang="zh-CN" altLang="en-US"/>
+            </a:p>
+          </p:txBody>
+        </p:sp>
+        <p:sp>
+          <p:nvSpPr>
+            <p:cNvPr id="14" name="矩形 13"/>
+            <p:cNvSpPr/>
+            <p:nvPr/>
+          </p:nvSpPr>
+          <p:spPr>
+            <a:xfrm>
+              <a:off x="4404360" y="1414732"/>
+              <a:ext cx="929640" cy="603851"/>
+            </a:xfrm>
+            <a:prstGeom prst="rect">
+              <a:avLst/>
+            </a:prstGeom>
+            <a:solidFill>
+              <a:schemeClr val="bg1"/>
+            </a:solidFill>
+          </p:spPr>
+          <p:style>
+            <a:lnRef idx="2">
+              <a:schemeClr val="accent1">
+                <a:shade val="50000"/>
+              </a:schemeClr>
+            </a:lnRef>
+            <a:fillRef idx="1">
+              <a:schemeClr val="accent1"/>
+            </a:fillRef>
+            <a:effectRef idx="0">
+              <a:schemeClr val="accent1"/>
+            </a:effectRef>
+            <a:fontRef idx="minor">
+              <a:schemeClr val="lt1"/>
+            </a:fontRef>
+          </p:style>
+          <p:txBody>
+            <a:bodyPr rtlCol="0" anchor="ctr"/>
+            <a:lstStyle/>
+            <a:p>
+              <a:pPr algn="ctr"/>
+              <a:r>
+                <a:rPr lang="zh-CN" altLang="en-US" sz="1050" dirty="0" smtClean="0">
+                  <a:solidFill>
+                    <a:schemeClr val="tx1"/>
+                  </a:solidFill>
+                  <a:latin typeface="微软雅黑" panose="020B0503020204020204" pitchFamily="34" charset="-122"/>
+                  <a:ea typeface="微软雅黑" panose="020B0503020204020204" pitchFamily="34" charset="-122"/>
+                </a:rPr>
+                <a:t>网络服务</a:t>
+              </a:r>
+              <a:endParaRPr lang="zh-CN" altLang="en-US" sz="1050" dirty="0">
+                <a:solidFill>
+                  <a:schemeClr val="tx1"/>
+                </a:solidFill>
+                <a:latin typeface="微软雅黑" panose="020B0503020204020204" pitchFamily="34" charset="-122"/>
+                <a:ea typeface="微软雅黑" panose="020B0503020204020204" pitchFamily="34" charset="-122"/>
+              </a:endParaRPr>
+            </a:p>
+          </p:txBody>
+        </p:sp>
+        <p:sp>
+          <p:nvSpPr>
+            <p:cNvPr id="36" name="矩形 35"/>
+            <p:cNvSpPr/>
+            <p:nvPr/>
+          </p:nvSpPr>
+          <p:spPr>
+            <a:xfrm>
+              <a:off x="5625860" y="1414730"/>
+              <a:ext cx="929640" cy="603851"/>
+            </a:xfrm>
+            <a:prstGeom prst="rect">
+              <a:avLst/>
+            </a:prstGeom>
+            <a:solidFill>
+              <a:schemeClr val="bg1"/>
+            </a:solidFill>
+          </p:spPr>
+          <p:style>
+            <a:lnRef idx="2">
+              <a:schemeClr val="accent1">
+                <a:shade val="50000"/>
+              </a:schemeClr>
+            </a:lnRef>
+            <a:fillRef idx="1">
+              <a:schemeClr val="accent1"/>
+            </a:fillRef>
+            <a:effectRef idx="0">
+              <a:schemeClr val="accent1"/>
+            </a:effectRef>
+            <a:fontRef idx="minor">
+              <a:schemeClr val="lt1"/>
+            </a:fontRef>
+          </p:style>
+          <p:txBody>
+            <a:bodyPr rtlCol="0" anchor="ctr"/>
+            <a:lstStyle/>
+            <a:p>
+              <a:pPr algn="ctr"/>
+              <a:r>
+                <a:rPr lang="en-US" altLang="zh-CN" sz="1050" dirty="0" smtClean="0">
+                  <a:solidFill>
+                    <a:schemeClr val="tx1"/>
+                  </a:solidFill>
+                  <a:latin typeface="微软雅黑" panose="020B0503020204020204" pitchFamily="34" charset="-122"/>
+                  <a:ea typeface="微软雅黑" panose="020B0503020204020204" pitchFamily="34" charset="-122"/>
+                </a:rPr>
+                <a:t>API</a:t>
+              </a:r>
+              <a:endParaRPr lang="zh-CN" altLang="en-US" sz="1050" dirty="0">
+                <a:solidFill>
+                  <a:schemeClr val="tx1"/>
+                </a:solidFill>
+                <a:latin typeface="微软雅黑" panose="020B0503020204020204" pitchFamily="34" charset="-122"/>
+                <a:ea typeface="微软雅黑" panose="020B0503020204020204" pitchFamily="34" charset="-122"/>
+              </a:endParaRPr>
+            </a:p>
+          </p:txBody>
+        </p:sp>
+        <p:sp>
+          <p:nvSpPr>
+            <p:cNvPr id="37" name="矩形 36"/>
+            <p:cNvSpPr/>
+            <p:nvPr/>
+          </p:nvSpPr>
+          <p:spPr>
+            <a:xfrm>
+              <a:off x="6950590" y="1414730"/>
+              <a:ext cx="929640" cy="603851"/>
+            </a:xfrm>
+            <a:prstGeom prst="rect">
+              <a:avLst/>
+            </a:prstGeom>
+            <a:solidFill>
+              <a:schemeClr val="bg1"/>
+            </a:solidFill>
+          </p:spPr>
+          <p:style>
+            <a:lnRef idx="2">
+              <a:schemeClr val="accent1">
+                <a:shade val="50000"/>
+              </a:schemeClr>
+            </a:lnRef>
+            <a:fillRef idx="1">
+              <a:schemeClr val="accent1"/>
+            </a:fillRef>
+            <a:effectRef idx="0">
+              <a:schemeClr val="accent1"/>
+            </a:effectRef>
+            <a:fontRef idx="minor">
+              <a:schemeClr val="lt1"/>
+            </a:fontRef>
+          </p:style>
+          <p:txBody>
+            <a:bodyPr rtlCol="0" anchor="ctr"/>
+            <a:lstStyle/>
+            <a:p>
+              <a:pPr algn="ctr"/>
+              <a:r>
+                <a:rPr lang="zh-CN" altLang="en-US" sz="1050" dirty="0" smtClean="0">
+                  <a:solidFill>
+                    <a:schemeClr val="tx1"/>
+                  </a:solidFill>
+                  <a:latin typeface="微软雅黑" panose="020B0503020204020204" pitchFamily="34" charset="-122"/>
+                  <a:ea typeface="微软雅黑" panose="020B0503020204020204" pitchFamily="34" charset="-122"/>
+                </a:rPr>
+                <a:t>网络应用程序和功能</a:t>
+              </a:r>
+              <a:endParaRPr lang="zh-CN" altLang="en-US" sz="1050" dirty="0">
+                <a:solidFill>
+                  <a:schemeClr val="tx1"/>
+                </a:solidFill>
+                <a:latin typeface="微软雅黑" panose="020B0503020204020204" pitchFamily="34" charset="-122"/>
+                <a:ea typeface="微软雅黑" panose="020B0503020204020204" pitchFamily="34" charset="-122"/>
+              </a:endParaRPr>
+            </a:p>
+          </p:txBody>
+        </p:sp>
+        <p:sp>
+          <p:nvSpPr>
+            <p:cNvPr id="29" name="矩形 28"/>
+            <p:cNvSpPr/>
+            <p:nvPr/>
+          </p:nvSpPr>
+          <p:spPr>
+            <a:xfrm>
+              <a:off x="4149090" y="1197920"/>
+              <a:ext cx="588623" cy="253916"/>
+            </a:xfrm>
+            <a:prstGeom prst="rect">
+              <a:avLst/>
+            </a:prstGeom>
+          </p:spPr>
+          <p:txBody>
+            <a:bodyPr wrap="none">
+              <a:spAutoFit/>
+            </a:bodyPr>
+            <a:lstStyle/>
+            <a:p>
+              <a:pPr algn="ctr"/>
+              <a:r>
+                <a:rPr lang="zh-CN" altLang="en-US" sz="1050" dirty="0">
+                  <a:latin typeface="微软雅黑" panose="020B0503020204020204" pitchFamily="34" charset="-122"/>
+                  <a:ea typeface="微软雅黑" panose="020B0503020204020204" pitchFamily="34" charset="-122"/>
+                </a:rPr>
+                <a:t>应用层</a:t>
+              </a:r>
+            </a:p>
+          </p:txBody>
+        </p:sp>
+        <p:sp>
+          <p:nvSpPr>
+            <p:cNvPr id="38" name="矩形 37"/>
+            <p:cNvSpPr/>
+            <p:nvPr/>
+          </p:nvSpPr>
+          <p:spPr>
+            <a:xfrm>
+              <a:off x="4149090" y="2235390"/>
+              <a:ext cx="3893820" cy="857767"/>
+            </a:xfrm>
+            <a:prstGeom prst="rect">
+              <a:avLst/>
+            </a:prstGeom>
+            <a:solidFill>
+              <a:schemeClr val="accent1">
+                <a:lumMod val="20000"/>
+                <a:lumOff val="80000"/>
+              </a:schemeClr>
+            </a:solidFill>
+            <a:ln>
+              <a:solidFill>
+                <a:schemeClr val="tx1"/>
+              </a:solidFill>
+            </a:ln>
+          </p:spPr>
+          <p:style>
+            <a:lnRef idx="2">
+              <a:schemeClr val="accent1">
+                <a:shade val="50000"/>
+              </a:schemeClr>
+            </a:lnRef>
+            <a:fillRef idx="1">
+              <a:schemeClr val="accent1"/>
+            </a:fillRef>
+            <a:effectRef idx="0">
+              <a:schemeClr val="accent1"/>
+            </a:effectRef>
+            <a:fontRef idx="minor">
+              <a:schemeClr val="lt1"/>
+            </a:fontRef>
+          </p:style>
+          <p:txBody>
+            <a:bodyPr rtlCol="0" anchor="ctr"/>
+            <a:lstStyle/>
+            <a:p>
+              <a:pPr algn="ctr"/>
+              <a:endParaRPr lang="zh-CN" altLang="en-US"/>
+            </a:p>
+          </p:txBody>
+        </p:sp>
+        <p:sp>
+          <p:nvSpPr>
+            <p:cNvPr id="39" name="矩形 38"/>
+            <p:cNvSpPr/>
+            <p:nvPr/>
+          </p:nvSpPr>
+          <p:spPr>
+            <a:xfrm>
+              <a:off x="4149091" y="2235390"/>
+              <a:ext cx="588623" cy="253916"/>
+            </a:xfrm>
+            <a:prstGeom prst="rect">
+              <a:avLst/>
+            </a:prstGeom>
+          </p:spPr>
+          <p:txBody>
+            <a:bodyPr wrap="none">
+              <a:spAutoFit/>
+            </a:bodyPr>
+            <a:lstStyle/>
+            <a:p>
+              <a:pPr algn="ctr"/>
+              <a:r>
+                <a:rPr lang="zh-CN" altLang="en-US" sz="1050" dirty="0" smtClean="0">
+                  <a:latin typeface="微软雅黑" panose="020B0503020204020204" pitchFamily="34" charset="-122"/>
+                  <a:ea typeface="微软雅黑" panose="020B0503020204020204" pitchFamily="34" charset="-122"/>
+                </a:rPr>
+                <a:t>传输层</a:t>
+              </a:r>
+              <a:endParaRPr lang="zh-CN" altLang="en-US" sz="1050" dirty="0">
+                <a:latin typeface="微软雅黑" panose="020B0503020204020204" pitchFamily="34" charset="-122"/>
+                <a:ea typeface="微软雅黑" panose="020B0503020204020204" pitchFamily="34" charset="-122"/>
+              </a:endParaRPr>
+            </a:p>
+          </p:txBody>
+        </p:sp>
+        <p:sp>
+          <p:nvSpPr>
+            <p:cNvPr id="40" name="矩形 39"/>
+            <p:cNvSpPr/>
+            <p:nvPr/>
+          </p:nvSpPr>
+          <p:spPr>
+            <a:xfrm>
+              <a:off x="4995852" y="2489306"/>
+              <a:ext cx="929640" cy="451023"/>
+            </a:xfrm>
+            <a:prstGeom prst="rect">
+              <a:avLst/>
+            </a:prstGeom>
+            <a:solidFill>
+              <a:schemeClr val="bg1"/>
+            </a:solidFill>
+          </p:spPr>
+          <p:style>
+            <a:lnRef idx="2">
+              <a:schemeClr val="accent1">
+                <a:shade val="50000"/>
+              </a:schemeClr>
+            </a:lnRef>
+            <a:fillRef idx="1">
+              <a:schemeClr val="accent1"/>
+            </a:fillRef>
+            <a:effectRef idx="0">
+              <a:schemeClr val="accent1"/>
+            </a:effectRef>
+            <a:fontRef idx="minor">
+              <a:schemeClr val="lt1"/>
+            </a:fontRef>
+          </p:style>
+          <p:txBody>
+            <a:bodyPr rtlCol="0" anchor="ctr"/>
+            <a:lstStyle/>
+            <a:p>
+              <a:pPr algn="ctr"/>
+              <a:r>
+                <a:rPr lang="en-US" altLang="zh-CN" sz="1050" dirty="0" smtClean="0">
+                  <a:solidFill>
+                    <a:schemeClr val="tx1"/>
+                  </a:solidFill>
+                  <a:latin typeface="微软雅黑" panose="020B0503020204020204" pitchFamily="34" charset="-122"/>
+                  <a:ea typeface="微软雅黑" panose="020B0503020204020204" pitchFamily="34" charset="-122"/>
+                </a:rPr>
+                <a:t>TCP</a:t>
+              </a:r>
+            </a:p>
+          </p:txBody>
+        </p:sp>
+        <p:sp>
+          <p:nvSpPr>
+            <p:cNvPr id="41" name="矩形 40"/>
+            <p:cNvSpPr/>
+            <p:nvPr/>
+          </p:nvSpPr>
+          <p:spPr>
+            <a:xfrm>
+              <a:off x="6307434" y="2492611"/>
+              <a:ext cx="929640" cy="451023"/>
+            </a:xfrm>
+            <a:prstGeom prst="rect">
+              <a:avLst/>
+            </a:prstGeom>
+            <a:solidFill>
+              <a:schemeClr val="bg1"/>
+            </a:solidFill>
+          </p:spPr>
+          <p:style>
+            <a:lnRef idx="2">
+              <a:schemeClr val="accent1">
+                <a:shade val="50000"/>
+              </a:schemeClr>
+            </a:lnRef>
+            <a:fillRef idx="1">
+              <a:schemeClr val="accent1"/>
+            </a:fillRef>
+            <a:effectRef idx="0">
+              <a:schemeClr val="accent1"/>
+            </a:effectRef>
+            <a:fontRef idx="minor">
+              <a:schemeClr val="lt1"/>
+            </a:fontRef>
+          </p:style>
+          <p:txBody>
+            <a:bodyPr rtlCol="0" anchor="ctr"/>
+            <a:lstStyle/>
+            <a:p>
+              <a:pPr algn="ctr"/>
+              <a:r>
+                <a:rPr lang="en-US" altLang="zh-CN" sz="1050" dirty="0" smtClean="0">
+                  <a:solidFill>
+                    <a:schemeClr val="tx1"/>
+                  </a:solidFill>
+                  <a:latin typeface="微软雅黑" panose="020B0503020204020204" pitchFamily="34" charset="-122"/>
+                  <a:ea typeface="微软雅黑" panose="020B0503020204020204" pitchFamily="34" charset="-122"/>
+                </a:rPr>
+                <a:t>UDP</a:t>
+              </a:r>
+            </a:p>
+          </p:txBody>
+        </p:sp>
+        <p:cxnSp>
+          <p:nvCxnSpPr>
+            <p:cNvPr id="42" name="直接箭头连接符 41"/>
+            <p:cNvCxnSpPr/>
+            <p:nvPr/>
+          </p:nvCxnSpPr>
+          <p:spPr>
+            <a:xfrm>
+              <a:off x="5737860" y="2018581"/>
+              <a:ext cx="0" cy="470725"/>
+            </a:xfrm>
+            <a:prstGeom prst="straightConnector1">
+              <a:avLst/>
+            </a:prstGeom>
+            <a:ln>
+              <a:solidFill>
+                <a:schemeClr val="tx1"/>
+              </a:solidFill>
+              <a:tailEnd type="triangle"/>
+            </a:ln>
+          </p:spPr>
+          <p:style>
+            <a:lnRef idx="1">
+              <a:schemeClr val="accent1"/>
+            </a:lnRef>
+            <a:fillRef idx="0">
+              <a:schemeClr val="accent1"/>
+            </a:fillRef>
+            <a:effectRef idx="0">
+              <a:schemeClr val="accent1"/>
+            </a:effectRef>
+            <a:fontRef idx="minor">
+              <a:schemeClr val="tx1"/>
+            </a:fontRef>
+          </p:style>
+        </p:cxnSp>
+        <p:cxnSp>
+          <p:nvCxnSpPr>
+            <p:cNvPr id="43" name="直接箭头连接符 42"/>
+            <p:cNvCxnSpPr/>
+            <p:nvPr/>
+          </p:nvCxnSpPr>
+          <p:spPr>
+            <a:xfrm>
+              <a:off x="6431280" y="2000027"/>
+              <a:ext cx="0" cy="470725"/>
+            </a:xfrm>
+            <a:prstGeom prst="straightConnector1">
+              <a:avLst/>
+            </a:prstGeom>
+            <a:ln>
+              <a:solidFill>
+                <a:schemeClr val="tx1"/>
+              </a:solidFill>
+              <a:tailEnd type="triangle"/>
+            </a:ln>
+          </p:spPr>
+          <p:style>
+            <a:lnRef idx="1">
+              <a:schemeClr val="accent1"/>
+            </a:lnRef>
+            <a:fillRef idx="0">
+              <a:schemeClr val="accent1"/>
+            </a:fillRef>
+            <a:effectRef idx="0">
+              <a:schemeClr val="accent1"/>
+            </a:effectRef>
+            <a:fontRef idx="minor">
+              <a:schemeClr val="tx1"/>
+            </a:fontRef>
+          </p:style>
+        </p:cxnSp>
+        <p:sp>
+          <p:nvSpPr>
+            <p:cNvPr id="44" name="矩形 43"/>
+            <p:cNvSpPr/>
+            <p:nvPr/>
+          </p:nvSpPr>
+          <p:spPr>
+            <a:xfrm>
+              <a:off x="4149090" y="3080333"/>
+              <a:ext cx="3893820" cy="857767"/>
+            </a:xfrm>
+            <a:prstGeom prst="rect">
+              <a:avLst/>
+            </a:prstGeom>
+            <a:solidFill>
+              <a:schemeClr val="accent1">
+                <a:lumMod val="20000"/>
+                <a:lumOff val="80000"/>
+              </a:schemeClr>
+            </a:solidFill>
+            <a:ln>
+              <a:solidFill>
+                <a:schemeClr val="tx1"/>
+              </a:solidFill>
+            </a:ln>
+          </p:spPr>
+          <p:style>
+            <a:lnRef idx="2">
+              <a:schemeClr val="accent1">
+                <a:shade val="50000"/>
+              </a:schemeClr>
+            </a:lnRef>
+            <a:fillRef idx="1">
+              <a:schemeClr val="accent1"/>
+            </a:fillRef>
+            <a:effectRef idx="0">
+              <a:schemeClr val="accent1"/>
+            </a:effectRef>
+            <a:fontRef idx="minor">
+              <a:schemeClr val="lt1"/>
+            </a:fontRef>
+          </p:style>
+          <p:txBody>
+            <a:bodyPr rtlCol="0" anchor="ctr"/>
+            <a:lstStyle/>
+            <a:p>
+              <a:pPr algn="ctr"/>
+              <a:endParaRPr lang="zh-CN" altLang="en-US"/>
+            </a:p>
+          </p:txBody>
+        </p:sp>
+        <p:sp>
+          <p:nvSpPr>
+            <p:cNvPr id="45" name="矩形 44"/>
+            <p:cNvSpPr/>
+            <p:nvPr/>
+          </p:nvSpPr>
+          <p:spPr>
+            <a:xfrm>
+              <a:off x="4149092" y="3080333"/>
+              <a:ext cx="588623" cy="253916"/>
+            </a:xfrm>
+            <a:prstGeom prst="rect">
+              <a:avLst/>
+            </a:prstGeom>
+          </p:spPr>
+          <p:txBody>
+            <a:bodyPr wrap="none">
+              <a:spAutoFit/>
+            </a:bodyPr>
+            <a:lstStyle/>
+            <a:p>
+              <a:pPr algn="ctr"/>
+              <a:r>
+                <a:rPr lang="zh-CN" altLang="en-US" sz="1050" dirty="0" smtClean="0">
+                  <a:latin typeface="微软雅黑" panose="020B0503020204020204" pitchFamily="34" charset="-122"/>
+                  <a:ea typeface="微软雅黑" panose="020B0503020204020204" pitchFamily="34" charset="-122"/>
+                </a:rPr>
+                <a:t>网际层</a:t>
+              </a:r>
+              <a:endParaRPr lang="zh-CN" altLang="en-US" sz="1050" dirty="0">
+                <a:latin typeface="微软雅黑" panose="020B0503020204020204" pitchFamily="34" charset="-122"/>
+                <a:ea typeface="微软雅黑" panose="020B0503020204020204" pitchFamily="34" charset="-122"/>
+              </a:endParaRPr>
+            </a:p>
+          </p:txBody>
+        </p:sp>
+        <p:sp>
+          <p:nvSpPr>
+            <p:cNvPr id="46" name="矩形 45"/>
+            <p:cNvSpPr/>
+            <p:nvPr/>
+          </p:nvSpPr>
+          <p:spPr>
+            <a:xfrm>
+              <a:off x="4995852" y="3229856"/>
+              <a:ext cx="2241222" cy="451023"/>
+            </a:xfrm>
+            <a:prstGeom prst="rect">
+              <a:avLst/>
+            </a:prstGeom>
+            <a:solidFill>
+              <a:schemeClr val="bg1"/>
+            </a:solidFill>
+          </p:spPr>
+          <p:style>
+            <a:lnRef idx="2">
+              <a:schemeClr val="accent1">
+                <a:shade val="50000"/>
+              </a:schemeClr>
+            </a:lnRef>
+            <a:fillRef idx="1">
+              <a:schemeClr val="accent1"/>
+            </a:fillRef>
+            <a:effectRef idx="0">
+              <a:schemeClr val="accent1"/>
+            </a:effectRef>
+            <a:fontRef idx="minor">
+              <a:schemeClr val="lt1"/>
+            </a:fontRef>
+          </p:style>
+          <p:txBody>
+            <a:bodyPr rtlCol="0" anchor="ctr"/>
+            <a:lstStyle/>
+            <a:p>
+              <a:pPr algn="ctr"/>
+              <a:r>
+                <a:rPr lang="en-US" altLang="zh-CN" sz="1050" dirty="0" smtClean="0">
+                  <a:solidFill>
+                    <a:schemeClr val="tx1"/>
+                  </a:solidFill>
+                  <a:latin typeface="微软雅黑" panose="020B0503020204020204" pitchFamily="34" charset="-122"/>
+                  <a:ea typeface="微软雅黑" panose="020B0503020204020204" pitchFamily="34" charset="-122"/>
+                </a:rPr>
+                <a:t>IP</a:t>
+              </a:r>
+            </a:p>
+          </p:txBody>
+        </p:sp>
+        <p:cxnSp>
+          <p:nvCxnSpPr>
+            <p:cNvPr id="48" name="直接箭头连接符 47"/>
+            <p:cNvCxnSpPr>
+              <a:stCxn id="40" idx="2"/>
+            </p:cNvCxnSpPr>
+            <p:nvPr/>
+          </p:nvCxnSpPr>
+          <p:spPr>
+            <a:xfrm>
+              <a:off x="5460672" y="2940329"/>
+              <a:ext cx="1916" cy="289527"/>
+            </a:xfrm>
+            <a:prstGeom prst="straightConnector1">
+              <a:avLst/>
+            </a:prstGeom>
+            <a:ln>
+              <a:solidFill>
+                <a:schemeClr val="tx1"/>
+              </a:solidFill>
+              <a:tailEnd type="triangle"/>
+            </a:ln>
+          </p:spPr>
+          <p:style>
+            <a:lnRef idx="1">
+              <a:schemeClr val="accent1"/>
+            </a:lnRef>
+            <a:fillRef idx="0">
+              <a:schemeClr val="accent1"/>
+            </a:fillRef>
+            <a:effectRef idx="0">
+              <a:schemeClr val="accent1"/>
+            </a:effectRef>
+            <a:fontRef idx="minor">
+              <a:schemeClr val="tx1"/>
+            </a:fontRef>
+          </p:style>
+        </p:cxnSp>
+        <p:cxnSp>
+          <p:nvCxnSpPr>
+            <p:cNvPr id="50" name="直接箭头连接符 49"/>
+            <p:cNvCxnSpPr/>
+            <p:nvPr/>
+          </p:nvCxnSpPr>
+          <p:spPr>
+            <a:xfrm>
+              <a:off x="6802279" y="2940329"/>
+              <a:ext cx="0" cy="289527"/>
+            </a:xfrm>
+            <a:prstGeom prst="straightConnector1">
+              <a:avLst/>
+            </a:prstGeom>
+            <a:ln>
+              <a:solidFill>
+                <a:schemeClr val="tx1"/>
+              </a:solidFill>
+              <a:tailEnd type="triangle"/>
+            </a:ln>
+          </p:spPr>
+          <p:style>
+            <a:lnRef idx="1">
+              <a:schemeClr val="accent1"/>
+            </a:lnRef>
+            <a:fillRef idx="0">
+              <a:schemeClr val="accent1"/>
+            </a:fillRef>
+            <a:effectRef idx="0">
+              <a:schemeClr val="accent1"/>
+            </a:effectRef>
+            <a:fontRef idx="minor">
+              <a:schemeClr val="tx1"/>
+            </a:fontRef>
+          </p:style>
+        </p:cxnSp>
+        <p:sp>
+          <p:nvSpPr>
+            <p:cNvPr id="52" name="矩形 51"/>
+            <p:cNvSpPr/>
+            <p:nvPr/>
+          </p:nvSpPr>
+          <p:spPr>
+            <a:xfrm>
+              <a:off x="7426620" y="3229856"/>
+              <a:ext cx="533411" cy="451023"/>
+            </a:xfrm>
+            <a:prstGeom prst="rect">
+              <a:avLst/>
+            </a:prstGeom>
+            <a:solidFill>
+              <a:schemeClr val="bg1"/>
+            </a:solidFill>
+          </p:spPr>
+          <p:style>
+            <a:lnRef idx="2">
+              <a:schemeClr val="accent1">
+                <a:shade val="50000"/>
+              </a:schemeClr>
+            </a:lnRef>
+            <a:fillRef idx="1">
+              <a:schemeClr val="accent1"/>
+            </a:fillRef>
+            <a:effectRef idx="0">
+              <a:schemeClr val="accent1"/>
+            </a:effectRef>
+            <a:fontRef idx="minor">
+              <a:schemeClr val="lt1"/>
+            </a:fontRef>
+          </p:style>
+          <p:txBody>
+            <a:bodyPr rtlCol="0" anchor="ctr"/>
+            <a:lstStyle/>
+            <a:p>
+              <a:pPr algn="ctr"/>
+              <a:r>
+                <a:rPr lang="en-US" altLang="zh-CN" sz="1050" dirty="0" smtClean="0">
+                  <a:solidFill>
+                    <a:schemeClr val="tx1"/>
+                  </a:solidFill>
+                  <a:latin typeface="微软雅黑" panose="020B0503020204020204" pitchFamily="34" charset="-122"/>
+                  <a:ea typeface="微软雅黑" panose="020B0503020204020204" pitchFamily="34" charset="-122"/>
+                </a:rPr>
+                <a:t>ARP</a:t>
+              </a:r>
+            </a:p>
+          </p:txBody>
+        </p:sp>
+        <p:sp>
+          <p:nvSpPr>
+            <p:cNvPr id="53" name="矩形 52"/>
+            <p:cNvSpPr/>
+            <p:nvPr/>
+          </p:nvSpPr>
+          <p:spPr>
+            <a:xfrm>
+              <a:off x="4146222" y="3942834"/>
+              <a:ext cx="3893820" cy="1612146"/>
+            </a:xfrm>
+            <a:prstGeom prst="rect">
+              <a:avLst/>
+            </a:prstGeom>
+            <a:solidFill>
+              <a:schemeClr val="accent1">
+                <a:lumMod val="20000"/>
+                <a:lumOff val="80000"/>
+              </a:schemeClr>
+            </a:solidFill>
+            <a:ln>
+              <a:solidFill>
+                <a:schemeClr val="tx1"/>
+              </a:solidFill>
+            </a:ln>
+          </p:spPr>
+          <p:style>
+            <a:lnRef idx="2">
+              <a:schemeClr val="accent1">
+                <a:shade val="50000"/>
+              </a:schemeClr>
+            </a:lnRef>
+            <a:fillRef idx="1">
+              <a:schemeClr val="accent1"/>
+            </a:fillRef>
+            <a:effectRef idx="0">
+              <a:schemeClr val="accent1"/>
+            </a:effectRef>
+            <a:fontRef idx="minor">
+              <a:schemeClr val="lt1"/>
+            </a:fontRef>
+          </p:style>
+          <p:txBody>
+            <a:bodyPr rtlCol="0" anchor="ctr"/>
+            <a:lstStyle/>
+            <a:p>
+              <a:pPr algn="ctr"/>
+              <a:endParaRPr lang="zh-CN" altLang="en-US"/>
+            </a:p>
+          </p:txBody>
+        </p:sp>
+        <p:sp>
+          <p:nvSpPr>
+            <p:cNvPr id="54" name="矩形 53"/>
+            <p:cNvSpPr/>
+            <p:nvPr/>
+          </p:nvSpPr>
+          <p:spPr>
+            <a:xfrm>
+              <a:off x="4143354" y="3947841"/>
+              <a:ext cx="857927" cy="253916"/>
+            </a:xfrm>
+            <a:prstGeom prst="rect">
+              <a:avLst/>
+            </a:prstGeom>
+          </p:spPr>
+          <p:txBody>
+            <a:bodyPr wrap="none">
+              <a:spAutoFit/>
+            </a:bodyPr>
+            <a:lstStyle/>
+            <a:p>
+              <a:pPr algn="ctr"/>
+              <a:r>
+                <a:rPr lang="zh-CN" altLang="en-US" sz="1050" dirty="0" smtClean="0">
+                  <a:latin typeface="微软雅黑" panose="020B0503020204020204" pitchFamily="34" charset="-122"/>
+                  <a:ea typeface="微软雅黑" panose="020B0503020204020204" pitchFamily="34" charset="-122"/>
+                </a:rPr>
+                <a:t>网络访问层</a:t>
+              </a:r>
+              <a:endParaRPr lang="zh-CN" altLang="en-US" sz="1050" dirty="0">
+                <a:latin typeface="微软雅黑" panose="020B0503020204020204" pitchFamily="34" charset="-122"/>
+                <a:ea typeface="微软雅黑" panose="020B0503020204020204" pitchFamily="34" charset="-122"/>
+              </a:endParaRPr>
+            </a:p>
+          </p:txBody>
+        </p:sp>
+        <p:sp>
+          <p:nvSpPr>
+            <p:cNvPr id="55" name="矩形 54"/>
+            <p:cNvSpPr/>
+            <p:nvPr/>
+          </p:nvSpPr>
+          <p:spPr>
+            <a:xfrm>
+              <a:off x="5036252" y="4030553"/>
+              <a:ext cx="1988820" cy="617220"/>
+            </a:xfrm>
+            <a:prstGeom prst="rect">
+              <a:avLst/>
+            </a:prstGeom>
+            <a:solidFill>
+              <a:schemeClr val="bg1"/>
+            </a:solidFill>
+          </p:spPr>
+          <p:style>
+            <a:lnRef idx="2">
+              <a:schemeClr val="accent1">
+                <a:shade val="50000"/>
+              </a:schemeClr>
+            </a:lnRef>
+            <a:fillRef idx="1">
+              <a:schemeClr val="accent1"/>
+            </a:fillRef>
+            <a:effectRef idx="0">
+              <a:schemeClr val="accent1"/>
+            </a:effectRef>
+            <a:fontRef idx="minor">
+              <a:schemeClr val="lt1"/>
+            </a:fontRef>
+          </p:style>
+          <p:txBody>
+            <a:bodyPr rtlCol="0" anchor="ctr"/>
+            <a:lstStyle/>
+            <a:p>
+              <a:pPr algn="ctr"/>
+              <a:endParaRPr lang="zh-CN" altLang="en-US"/>
+            </a:p>
+          </p:txBody>
+        </p:sp>
+        <p:sp>
+          <p:nvSpPr>
+            <p:cNvPr id="56" name="矩形 55"/>
+            <p:cNvSpPr/>
+            <p:nvPr/>
+          </p:nvSpPr>
+          <p:spPr>
+            <a:xfrm>
+              <a:off x="5188652" y="4182953"/>
+              <a:ext cx="1988820" cy="617220"/>
+            </a:xfrm>
+            <a:prstGeom prst="rect">
+              <a:avLst/>
+            </a:prstGeom>
+            <a:solidFill>
+              <a:schemeClr val="bg1"/>
+            </a:solidFill>
+          </p:spPr>
+          <p:style>
+            <a:lnRef idx="2">
+              <a:schemeClr val="accent1">
+                <a:shade val="50000"/>
+              </a:schemeClr>
+            </a:lnRef>
+            <a:fillRef idx="1">
+              <a:schemeClr val="accent1"/>
+            </a:fillRef>
+            <a:effectRef idx="0">
+              <a:schemeClr val="accent1"/>
+            </a:effectRef>
+            <a:fontRef idx="minor">
+              <a:schemeClr val="lt1"/>
+            </a:fontRef>
+          </p:style>
+          <p:txBody>
+            <a:bodyPr rtlCol="0" anchor="ctr"/>
+            <a:lstStyle/>
+            <a:p>
+              <a:pPr algn="ctr"/>
+              <a:endParaRPr lang="zh-CN" altLang="en-US"/>
+            </a:p>
+          </p:txBody>
+        </p:sp>
+        <p:sp>
+          <p:nvSpPr>
+            <p:cNvPr id="57" name="矩形 56"/>
+            <p:cNvSpPr/>
+            <p:nvPr/>
+          </p:nvSpPr>
+          <p:spPr>
+            <a:xfrm>
+              <a:off x="5341052" y="4335353"/>
+              <a:ext cx="1988820" cy="617220"/>
+            </a:xfrm>
+            <a:prstGeom prst="rect">
+              <a:avLst/>
+            </a:prstGeom>
+            <a:solidFill>
+              <a:schemeClr val="bg1"/>
+            </a:solidFill>
+          </p:spPr>
+          <p:style>
+            <a:lnRef idx="2">
+              <a:schemeClr val="accent1">
+                <a:shade val="50000"/>
+              </a:schemeClr>
+            </a:lnRef>
+            <a:fillRef idx="1">
+              <a:schemeClr val="accent1"/>
+            </a:fillRef>
+            <a:effectRef idx="0">
+              <a:schemeClr val="accent1"/>
+            </a:effectRef>
+            <a:fontRef idx="minor">
+              <a:schemeClr val="lt1"/>
+            </a:fontRef>
+          </p:style>
+          <p:txBody>
+            <a:bodyPr rtlCol="0" anchor="ctr"/>
+            <a:lstStyle/>
+            <a:p>
+              <a:pPr algn="ctr"/>
+              <a:endParaRPr lang="zh-CN" altLang="en-US"/>
+            </a:p>
+          </p:txBody>
+        </p:sp>
+        <p:sp>
+          <p:nvSpPr>
+            <p:cNvPr id="58" name="矩形 57"/>
+            <p:cNvSpPr/>
+            <p:nvPr/>
+          </p:nvSpPr>
+          <p:spPr>
+            <a:xfrm>
+              <a:off x="5493452" y="4487753"/>
+              <a:ext cx="1988820" cy="617220"/>
+            </a:xfrm>
+            <a:prstGeom prst="rect">
+              <a:avLst/>
+            </a:prstGeom>
+            <a:solidFill>
+              <a:schemeClr val="bg1"/>
+            </a:solidFill>
+          </p:spPr>
+          <p:style>
+            <a:lnRef idx="2">
+              <a:schemeClr val="accent1">
+                <a:shade val="50000"/>
+              </a:schemeClr>
+            </a:lnRef>
+            <a:fillRef idx="1">
+              <a:schemeClr val="accent1"/>
+            </a:fillRef>
+            <a:effectRef idx="0">
+              <a:schemeClr val="accent1"/>
+            </a:effectRef>
+            <a:fontRef idx="minor">
+              <a:schemeClr val="lt1"/>
+            </a:fontRef>
+          </p:style>
+          <p:txBody>
+            <a:bodyPr rtlCol="0" anchor="ctr"/>
+            <a:lstStyle/>
+            <a:p>
+              <a:pPr algn="ctr"/>
+              <a:r>
+                <a:rPr lang="zh-CN" altLang="en-US" sz="1050" dirty="0" smtClean="0">
+                  <a:solidFill>
+                    <a:schemeClr val="tx1"/>
+                  </a:solidFill>
+                  <a:latin typeface="微软雅黑" panose="020B0503020204020204" pitchFamily="34" charset="-122"/>
+                  <a:ea typeface="微软雅黑" panose="020B0503020204020204" pitchFamily="34" charset="-122"/>
+                </a:rPr>
+                <a:t>物理网络</a:t>
+              </a:r>
+              <a:endParaRPr lang="zh-CN" altLang="en-US" sz="1050" dirty="0">
+                <a:solidFill>
+                  <a:schemeClr val="tx1"/>
+                </a:solidFill>
+                <a:latin typeface="微软雅黑" panose="020B0503020204020204" pitchFamily="34" charset="-122"/>
+                <a:ea typeface="微软雅黑" panose="020B0503020204020204" pitchFamily="34" charset="-122"/>
+              </a:endParaRPr>
+            </a:p>
+          </p:txBody>
+        </p:sp>
+        <p:cxnSp>
+          <p:nvCxnSpPr>
+            <p:cNvPr id="60" name="直接箭头连接符 59"/>
+            <p:cNvCxnSpPr>
+              <a:stCxn id="46" idx="3"/>
+              <a:endCxn id="52" idx="1"/>
+            </p:cNvCxnSpPr>
+            <p:nvPr/>
+          </p:nvCxnSpPr>
+          <p:spPr>
+            <a:xfrm>
+              <a:off x="7237074" y="3455368"/>
+              <a:ext cx="189546" cy="0"/>
+            </a:xfrm>
+            <a:prstGeom prst="straightConnector1">
+              <a:avLst/>
+            </a:prstGeom>
+            <a:ln>
+              <a:solidFill>
+                <a:schemeClr val="tx1"/>
+              </a:solidFill>
+              <a:tailEnd type="triangle"/>
+            </a:ln>
+          </p:spPr>
+          <p:style>
+            <a:lnRef idx="1">
+              <a:schemeClr val="accent1"/>
+            </a:lnRef>
+            <a:fillRef idx="0">
+              <a:schemeClr val="accent1"/>
+            </a:fillRef>
+            <a:effectRef idx="0">
+              <a:schemeClr val="accent1"/>
+            </a:effectRef>
+            <a:fontRef idx="minor">
+              <a:schemeClr val="tx1"/>
+            </a:fontRef>
+          </p:style>
+        </p:cxnSp>
+        <p:cxnSp>
+          <p:nvCxnSpPr>
+            <p:cNvPr id="62" name="直接箭头连接符 61"/>
+            <p:cNvCxnSpPr>
+              <a:stCxn id="46" idx="2"/>
+            </p:cNvCxnSpPr>
+            <p:nvPr/>
+          </p:nvCxnSpPr>
+          <p:spPr>
+            <a:xfrm>
+              <a:off x="6116463" y="3680879"/>
+              <a:ext cx="0" cy="349674"/>
+            </a:xfrm>
+            <a:prstGeom prst="straightConnector1">
+              <a:avLst/>
+            </a:prstGeom>
+            <a:ln>
+              <a:solidFill>
+                <a:schemeClr val="tx1"/>
+              </a:solidFill>
+              <a:tailEnd type="triangle"/>
+            </a:ln>
+          </p:spPr>
+          <p:style>
+            <a:lnRef idx="1">
+              <a:schemeClr val="accent1"/>
+            </a:lnRef>
+            <a:fillRef idx="0">
+              <a:schemeClr val="accent1"/>
+            </a:fillRef>
+            <a:effectRef idx="0">
+              <a:schemeClr val="accent1"/>
+            </a:effectRef>
+            <a:fontRef idx="minor">
+              <a:schemeClr val="tx1"/>
+            </a:fontRef>
+          </p:style>
+        </p:cxnSp>
+        <p:cxnSp>
+          <p:nvCxnSpPr>
+            <p:cNvPr id="64" name="肘形连接符 63"/>
+            <p:cNvCxnSpPr>
+              <a:endCxn id="52" idx="2"/>
+            </p:cNvCxnSpPr>
+            <p:nvPr/>
+          </p:nvCxnSpPr>
+          <p:spPr>
+            <a:xfrm rot="5400000" flipH="1" flipV="1">
+              <a:off x="7157479" y="3853273"/>
+              <a:ext cx="708241" cy="363454"/>
+            </a:xfrm>
+            <a:prstGeom prst="bentConnector3">
+              <a:avLst>
+                <a:gd name="adj1" fmla="val -1644"/>
+              </a:avLst>
+            </a:prstGeom>
+            <a:ln>
+              <a:solidFill>
+                <a:schemeClr val="tx1"/>
+              </a:solidFill>
+              <a:tailEnd type="triangle"/>
+            </a:ln>
+          </p:spPr>
+          <p:style>
+            <a:lnRef idx="1">
+              <a:schemeClr val="accent1"/>
+            </a:lnRef>
+            <a:fillRef idx="0">
+              <a:schemeClr val="accent1"/>
+            </a:fillRef>
+            <a:effectRef idx="0">
+              <a:schemeClr val="accent1"/>
+            </a:effectRef>
+            <a:fontRef idx="minor">
+              <a:schemeClr val="tx1"/>
+            </a:fontRef>
+          </p:style>
+        </p:cxnSp>
+        <p:cxnSp>
+          <p:nvCxnSpPr>
+            <p:cNvPr id="67" name="直接箭头连接符 66"/>
+            <p:cNvCxnSpPr>
+              <a:stCxn id="58" idx="2"/>
+            </p:cNvCxnSpPr>
+            <p:nvPr/>
+          </p:nvCxnSpPr>
+          <p:spPr>
+            <a:xfrm>
+              <a:off x="6487862" y="5104973"/>
+              <a:ext cx="0" cy="655747"/>
+            </a:xfrm>
+            <a:prstGeom prst="straightConnector1">
+              <a:avLst/>
+            </a:prstGeom>
+            <a:ln>
+              <a:solidFill>
+                <a:schemeClr val="tx1"/>
+              </a:solidFill>
+              <a:tailEnd type="triangle"/>
+            </a:ln>
+          </p:spPr>
+          <p:style>
+            <a:lnRef idx="1">
+              <a:schemeClr val="accent1"/>
+            </a:lnRef>
+            <a:fillRef idx="0">
+              <a:schemeClr val="accent1"/>
+            </a:fillRef>
+            <a:effectRef idx="0">
+              <a:schemeClr val="accent1"/>
+            </a:effectRef>
+            <a:fontRef idx="minor">
+              <a:schemeClr val="tx1"/>
+            </a:fontRef>
+          </p:style>
+        </p:cxnSp>
+        <p:cxnSp>
+          <p:nvCxnSpPr>
+            <p:cNvPr id="69" name="直接箭头连接符 68"/>
+            <p:cNvCxnSpPr>
+              <a:stCxn id="31" idx="2"/>
+              <a:endCxn id="36" idx="0"/>
+            </p:cNvCxnSpPr>
+            <p:nvPr/>
+          </p:nvCxnSpPr>
+          <p:spPr>
+            <a:xfrm>
+              <a:off x="6090680" y="1100463"/>
+              <a:ext cx="0" cy="314267"/>
+            </a:xfrm>
+            <a:prstGeom prst="straightConnector1">
+              <a:avLst/>
+            </a:prstGeom>
+            <a:ln>
+              <a:solidFill>
+                <a:schemeClr val="tx1"/>
+              </a:solidFill>
+              <a:tailEnd type="triangle"/>
+            </a:ln>
+          </p:spPr>
+          <p:style>
+            <a:lnRef idx="1">
+              <a:schemeClr val="accent1"/>
+            </a:lnRef>
+            <a:fillRef idx="0">
+              <a:schemeClr val="accent1"/>
+            </a:fillRef>
+            <a:effectRef idx="0">
+              <a:schemeClr val="accent1"/>
+            </a:effectRef>
+            <a:fontRef idx="minor">
+              <a:schemeClr val="tx1"/>
+            </a:fontRef>
+          </p:style>
+        </p:cxnSp>
+      </p:grpSp>
+    </p:spTree>
+    <p:extLst>
+      <p:ext uri="{BB962C8B-B14F-4D97-AF65-F5344CB8AC3E}">
+        <p14:creationId xmlns:p14="http://schemas.microsoft.com/office/powerpoint/2010/main" val="1756324376"/>
+      </p:ext>
+    </p:extLst>
+  </p:cSld>
+  <p:clrMapOvr>
+    <a:masterClrMapping/>
+  </p:clrMapOvr>
+</p:sld>
+</file>
+
+<file path=ppt/slides/slide9.xml><?xml version="1.0" encoding="utf-8"?>
+<p:sld xmlns:a="http://schemas.openxmlformats.org/drawingml/2006/main" xmlns:r="http://schemas.openxmlformats.org/officeDocument/2006/relationships" xmlns:p="http://schemas.openxmlformats.org/presentationml/2006/main">
+  <p:cSld>
+    <p:spTree>
+      <p:nvGrpSpPr>
+        <p:cNvPr id="1" name=""/>
+        <p:cNvGrpSpPr/>
+        <p:nvPr/>
+      </p:nvGrpSpPr>
+      <p:grpSpPr>
+        <a:xfrm>
+          <a:off x="0" y="0"/>
+          <a:ext cx="0" cy="0"/>
+          <a:chOff x="0" y="0"/>
+          <a:chExt cx="0" cy="0"/>
+        </a:xfrm>
+      </p:grpSpPr>
+      <p:grpSp>
+        <p:nvGrpSpPr>
+          <p:cNvPr id="26" name="组合 25"/>
+          <p:cNvGrpSpPr/>
+          <p:nvPr/>
+        </p:nvGrpSpPr>
+        <p:grpSpPr>
+          <a:xfrm>
+            <a:off x="2622430" y="1026542"/>
+            <a:ext cx="2835215" cy="1219737"/>
+            <a:chOff x="2622430" y="1026542"/>
+            <a:chExt cx="2835215" cy="1219737"/>
+          </a:xfrm>
+        </p:grpSpPr>
+        <p:sp>
+          <p:nvSpPr>
+            <p:cNvPr id="2" name="矩形 1"/>
+            <p:cNvSpPr/>
+            <p:nvPr/>
+          </p:nvSpPr>
+          <p:spPr>
+            <a:xfrm>
+              <a:off x="2622430" y="1026543"/>
+              <a:ext cx="966159" cy="388189"/>
+            </a:xfrm>
+            <a:prstGeom prst="rect">
+              <a:avLst/>
+            </a:prstGeom>
+            <a:solidFill>
+              <a:schemeClr val="bg1"/>
+            </a:solidFill>
+            <a:ln>
+              <a:solidFill>
+                <a:schemeClr val="tx1"/>
+              </a:solidFill>
+            </a:ln>
+          </p:spPr>
+          <p:style>
+            <a:lnRef idx="2">
+              <a:schemeClr val="accent1">
+                <a:shade val="50000"/>
+              </a:schemeClr>
+            </a:lnRef>
+            <a:fillRef idx="1">
+              <a:schemeClr val="accent1"/>
+            </a:fillRef>
+            <a:effectRef idx="0">
+              <a:schemeClr val="accent1"/>
+            </a:effectRef>
+            <a:fontRef idx="minor">
+              <a:schemeClr val="lt1"/>
+            </a:fontRef>
+          </p:style>
+          <p:txBody>
+            <a:bodyPr rtlCol="0" anchor="ctr"/>
+            <a:lstStyle/>
+            <a:p>
+              <a:pPr algn="ctr"/>
+              <a:r>
+                <a:rPr lang="zh-CN" altLang="en-US" sz="1050" dirty="0" smtClean="0">
+                  <a:solidFill>
+                    <a:schemeClr val="tx1"/>
+                  </a:solidFill>
+                  <a:latin typeface="微软雅黑" panose="020B0503020204020204" pitchFamily="34" charset="-122"/>
+                  <a:ea typeface="微软雅黑" panose="020B0503020204020204" pitchFamily="34" charset="-122"/>
+                </a:rPr>
+                <a:t>计算机</a:t>
+              </a:r>
+              <a:r>
+                <a:rPr lang="en-US" altLang="zh-CN" sz="1050" dirty="0" smtClean="0">
+                  <a:solidFill>
+                    <a:schemeClr val="tx1"/>
+                  </a:solidFill>
+                  <a:latin typeface="微软雅黑" panose="020B0503020204020204" pitchFamily="34" charset="-122"/>
+                  <a:ea typeface="微软雅黑" panose="020B0503020204020204" pitchFamily="34" charset="-122"/>
+                </a:rPr>
+                <a:t>A</a:t>
+              </a:r>
+              <a:endParaRPr lang="zh-CN" altLang="en-US" sz="1050" dirty="0">
+                <a:solidFill>
+                  <a:schemeClr val="tx1"/>
+                </a:solidFill>
+                <a:latin typeface="微软雅黑" panose="020B0503020204020204" pitchFamily="34" charset="-122"/>
+                <a:ea typeface="微软雅黑" panose="020B0503020204020204" pitchFamily="34" charset="-122"/>
+              </a:endParaRPr>
+            </a:p>
+          </p:txBody>
+        </p:sp>
+        <p:sp>
+          <p:nvSpPr>
+            <p:cNvPr id="4" name="矩形 3"/>
+            <p:cNvSpPr/>
+            <p:nvPr/>
+          </p:nvSpPr>
+          <p:spPr>
+            <a:xfrm>
+              <a:off x="4491486" y="1026542"/>
+              <a:ext cx="966159" cy="388189"/>
+            </a:xfrm>
+            <a:prstGeom prst="rect">
+              <a:avLst/>
+            </a:prstGeom>
+            <a:solidFill>
+              <a:schemeClr val="bg1"/>
+            </a:solidFill>
+            <a:ln>
+              <a:solidFill>
+                <a:schemeClr val="tx1"/>
+              </a:solidFill>
+            </a:ln>
+          </p:spPr>
+          <p:style>
+            <a:lnRef idx="2">
+              <a:schemeClr val="accent1">
+                <a:shade val="50000"/>
+              </a:schemeClr>
+            </a:lnRef>
+            <a:fillRef idx="1">
+              <a:schemeClr val="accent1"/>
+            </a:fillRef>
+            <a:effectRef idx="0">
+              <a:schemeClr val="accent1"/>
+            </a:effectRef>
+            <a:fontRef idx="minor">
+              <a:schemeClr val="lt1"/>
+            </a:fontRef>
+          </p:style>
+          <p:txBody>
+            <a:bodyPr rtlCol="0" anchor="ctr"/>
+            <a:lstStyle/>
+            <a:p>
+              <a:pPr algn="ctr"/>
+              <a:r>
+                <a:rPr lang="zh-CN" altLang="en-US" sz="1050" dirty="0" smtClean="0">
+                  <a:solidFill>
+                    <a:schemeClr val="tx1"/>
+                  </a:solidFill>
+                  <a:latin typeface="微软雅黑" panose="020B0503020204020204" pitchFamily="34" charset="-122"/>
+                  <a:ea typeface="微软雅黑" panose="020B0503020204020204" pitchFamily="34" charset="-122"/>
+                </a:rPr>
+                <a:t>计算机</a:t>
+              </a:r>
+              <a:r>
+                <a:rPr lang="en-US" altLang="zh-CN" sz="1050" dirty="0" smtClean="0">
+                  <a:solidFill>
+                    <a:schemeClr val="tx1"/>
+                  </a:solidFill>
+                  <a:latin typeface="微软雅黑" panose="020B0503020204020204" pitchFamily="34" charset="-122"/>
+                  <a:ea typeface="微软雅黑" panose="020B0503020204020204" pitchFamily="34" charset="-122"/>
+                </a:rPr>
+                <a:t>B</a:t>
+              </a:r>
+              <a:endParaRPr lang="zh-CN" altLang="en-US" sz="1050" dirty="0">
+                <a:solidFill>
+                  <a:schemeClr val="tx1"/>
+                </a:solidFill>
+                <a:latin typeface="微软雅黑" panose="020B0503020204020204" pitchFamily="34" charset="-122"/>
+                <a:ea typeface="微软雅黑" panose="020B0503020204020204" pitchFamily="34" charset="-122"/>
+              </a:endParaRPr>
+            </a:p>
+          </p:txBody>
+        </p:sp>
+        <p:cxnSp>
+          <p:nvCxnSpPr>
+            <p:cNvPr id="11" name="直接连接符 10"/>
+            <p:cNvCxnSpPr/>
+            <p:nvPr/>
+          </p:nvCxnSpPr>
+          <p:spPr>
+            <a:xfrm>
+              <a:off x="3329796" y="1414731"/>
+              <a:ext cx="0" cy="241541"/>
+            </a:xfrm>
+            <a:prstGeom prst="line">
+              <a:avLst/>
+            </a:prstGeom>
+            <a:ln>
+              <a:solidFill>
+                <a:schemeClr val="tx1"/>
+              </a:solidFill>
+            </a:ln>
+          </p:spPr>
+          <p:style>
+            <a:lnRef idx="1">
+              <a:schemeClr val="accent1"/>
+            </a:lnRef>
+            <a:fillRef idx="0">
+              <a:schemeClr val="accent1"/>
+            </a:fillRef>
+            <a:effectRef idx="0">
+              <a:schemeClr val="accent1"/>
+            </a:effectRef>
+            <a:fontRef idx="minor">
+              <a:schemeClr val="tx1"/>
+            </a:fontRef>
+          </p:style>
+        </p:cxnSp>
+        <p:cxnSp>
+          <p:nvCxnSpPr>
+            <p:cNvPr id="13" name="肘形连接符 12"/>
+            <p:cNvCxnSpPr/>
+            <p:nvPr/>
+          </p:nvCxnSpPr>
+          <p:spPr>
+            <a:xfrm flipV="1">
+              <a:off x="3321170" y="1414731"/>
+              <a:ext cx="1483743" cy="241541"/>
+            </a:xfrm>
+            <a:prstGeom prst="bentConnector3">
+              <a:avLst>
+                <a:gd name="adj1" fmla="val 100000"/>
+              </a:avLst>
+            </a:prstGeom>
+            <a:ln>
+              <a:solidFill>
+                <a:schemeClr val="tx1"/>
+              </a:solidFill>
+              <a:tailEnd type="triangle"/>
+            </a:ln>
+          </p:spPr>
+          <p:style>
+            <a:lnRef idx="1">
+              <a:schemeClr val="accent1"/>
+            </a:lnRef>
+            <a:fillRef idx="0">
+              <a:schemeClr val="accent1"/>
+            </a:fillRef>
+            <a:effectRef idx="0">
+              <a:schemeClr val="accent1"/>
+            </a:effectRef>
+            <a:fontRef idx="minor">
+              <a:schemeClr val="tx1"/>
+            </a:fontRef>
+          </p:style>
+        </p:cxnSp>
+        <p:cxnSp>
+          <p:nvCxnSpPr>
+            <p:cNvPr id="16" name="直接连接符 15"/>
+            <p:cNvCxnSpPr/>
+            <p:nvPr/>
+          </p:nvCxnSpPr>
+          <p:spPr>
+            <a:xfrm>
+              <a:off x="5244321" y="1414731"/>
+              <a:ext cx="0" cy="471219"/>
+            </a:xfrm>
+            <a:prstGeom prst="line">
+              <a:avLst/>
+            </a:prstGeom>
+            <a:ln>
+              <a:solidFill>
+                <a:schemeClr val="tx1"/>
+              </a:solidFill>
+            </a:ln>
+          </p:spPr>
+          <p:style>
+            <a:lnRef idx="1">
+              <a:schemeClr val="accent1"/>
+            </a:lnRef>
+            <a:fillRef idx="0">
+              <a:schemeClr val="accent1"/>
+            </a:fillRef>
+            <a:effectRef idx="0">
+              <a:schemeClr val="accent1"/>
+            </a:effectRef>
+            <a:fontRef idx="minor">
+              <a:schemeClr val="tx1"/>
+            </a:fontRef>
+          </p:style>
+        </p:cxnSp>
+        <p:cxnSp>
+          <p:nvCxnSpPr>
+            <p:cNvPr id="19" name="肘形连接符 18"/>
+            <p:cNvCxnSpPr/>
+            <p:nvPr/>
+          </p:nvCxnSpPr>
+          <p:spPr>
+            <a:xfrm rot="10800000">
+              <a:off x="2787651" y="1414734"/>
+              <a:ext cx="2456671" cy="471217"/>
+            </a:xfrm>
+            <a:prstGeom prst="bentConnector3">
+              <a:avLst>
+                <a:gd name="adj1" fmla="val 100016"/>
+              </a:avLst>
+            </a:prstGeom>
+            <a:ln>
+              <a:solidFill>
+                <a:schemeClr val="tx1"/>
+              </a:solidFill>
+              <a:tailEnd type="triangle"/>
+            </a:ln>
+          </p:spPr>
+          <p:style>
+            <a:lnRef idx="1">
+              <a:schemeClr val="accent1"/>
+            </a:lnRef>
+            <a:fillRef idx="0">
+              <a:schemeClr val="accent1"/>
+            </a:fillRef>
+            <a:effectRef idx="0">
+              <a:schemeClr val="accent1"/>
+            </a:effectRef>
+            <a:fontRef idx="minor">
+              <a:schemeClr val="tx1"/>
+            </a:fontRef>
+          </p:style>
+        </p:cxnSp>
+        <p:sp>
+          <p:nvSpPr>
+            <p:cNvPr id="24" name="文本框 23"/>
+            <p:cNvSpPr txBox="1"/>
+            <p:nvPr/>
+          </p:nvSpPr>
+          <p:spPr>
+            <a:xfrm>
+              <a:off x="3546309" y="1304092"/>
+              <a:ext cx="1033463" cy="369332"/>
+            </a:xfrm>
+            <a:prstGeom prst="rect">
+              <a:avLst/>
+            </a:prstGeom>
+            <a:noFill/>
+          </p:spPr>
+          <p:txBody>
+            <a:bodyPr wrap="square" rtlCol="0">
+              <a:spAutoFit/>
+            </a:bodyPr>
+            <a:lstStyle/>
+            <a:p>
+              <a:r>
+                <a:rPr lang="zh-CN" altLang="en-US" sz="900" dirty="0" smtClean="0">
+                  <a:latin typeface="微软雅黑" panose="020B0503020204020204" pitchFamily="34" charset="-122"/>
+                  <a:ea typeface="微软雅黑" panose="020B0503020204020204" pitchFamily="34" charset="-122"/>
+                </a:rPr>
+                <a:t>请求连接端口</a:t>
+              </a:r>
+              <a:r>
+                <a:rPr lang="en-US" altLang="zh-CN" sz="900" dirty="0" smtClean="0">
+                  <a:latin typeface="微软雅黑" panose="020B0503020204020204" pitchFamily="34" charset="-122"/>
+                  <a:ea typeface="微软雅黑" panose="020B0503020204020204" pitchFamily="34" charset="-122"/>
+                </a:rPr>
+                <a:t>23</a:t>
+              </a:r>
+            </a:p>
+            <a:p>
+              <a:pPr algn="ctr"/>
+              <a:r>
+                <a:rPr lang="zh-CN" altLang="en-US" sz="900" dirty="0" smtClean="0">
+                  <a:latin typeface="微软雅黑" panose="020B0503020204020204" pitchFamily="34" charset="-122"/>
+                  <a:ea typeface="微软雅黑" panose="020B0503020204020204" pitchFamily="34" charset="-122"/>
+                </a:rPr>
+                <a:t>源端口</a:t>
+              </a:r>
+              <a:r>
+                <a:rPr lang="en-US" altLang="zh-CN" sz="900" dirty="0" smtClean="0">
+                  <a:latin typeface="微软雅黑" panose="020B0503020204020204" pitchFamily="34" charset="-122"/>
+                  <a:ea typeface="微软雅黑" panose="020B0503020204020204" pitchFamily="34" charset="-122"/>
+                </a:rPr>
+                <a:t>2500</a:t>
+              </a:r>
+              <a:endParaRPr lang="zh-CN" altLang="en-US" sz="900" dirty="0">
+                <a:latin typeface="微软雅黑" panose="020B0503020204020204" pitchFamily="34" charset="-122"/>
+                <a:ea typeface="微软雅黑" panose="020B0503020204020204" pitchFamily="34" charset="-122"/>
+              </a:endParaRPr>
+            </a:p>
+          </p:txBody>
+        </p:sp>
+        <p:sp>
+          <p:nvSpPr>
+            <p:cNvPr id="25" name="文本框 24"/>
+            <p:cNvSpPr txBox="1"/>
+            <p:nvPr/>
+          </p:nvSpPr>
+          <p:spPr>
+            <a:xfrm>
+              <a:off x="3546308" y="1876947"/>
+              <a:ext cx="1033463" cy="369332"/>
+            </a:xfrm>
+            <a:prstGeom prst="rect">
+              <a:avLst/>
+            </a:prstGeom>
+            <a:noFill/>
+          </p:spPr>
+          <p:txBody>
+            <a:bodyPr wrap="square" rtlCol="0">
+              <a:spAutoFit/>
+            </a:bodyPr>
+            <a:lstStyle/>
+            <a:p>
+              <a:pPr algn="ctr"/>
+              <a:r>
+                <a:rPr lang="zh-CN" altLang="en-US" sz="900" dirty="0" smtClean="0">
+                  <a:latin typeface="微软雅黑" panose="020B0503020204020204" pitchFamily="34" charset="-122"/>
+                  <a:ea typeface="微软雅黑" panose="020B0503020204020204" pitchFamily="34" charset="-122"/>
+                </a:rPr>
+                <a:t>目的端口</a:t>
+              </a:r>
+              <a:r>
+                <a:rPr lang="en-US" altLang="zh-CN" sz="900" dirty="0" smtClean="0">
+                  <a:latin typeface="微软雅黑" panose="020B0503020204020204" pitchFamily="34" charset="-122"/>
+                  <a:ea typeface="微软雅黑" panose="020B0503020204020204" pitchFamily="34" charset="-122"/>
+                </a:rPr>
+                <a:t>2500</a:t>
+              </a:r>
+              <a:r>
+                <a:rPr lang="zh-CN" altLang="en-US" sz="900" dirty="0" smtClean="0">
+                  <a:latin typeface="微软雅黑" panose="020B0503020204020204" pitchFamily="34" charset="-122"/>
+                  <a:ea typeface="微软雅黑" panose="020B0503020204020204" pitchFamily="34" charset="-122"/>
+                </a:rPr>
+                <a:t>源源端口</a:t>
+              </a:r>
+              <a:r>
+                <a:rPr lang="en-US" altLang="zh-CN" sz="900" dirty="0" smtClean="0">
+                  <a:latin typeface="微软雅黑" panose="020B0503020204020204" pitchFamily="34" charset="-122"/>
+                  <a:ea typeface="微软雅黑" panose="020B0503020204020204" pitchFamily="34" charset="-122"/>
+                </a:rPr>
+                <a:t>23</a:t>
+              </a:r>
+              <a:endParaRPr lang="zh-CN" altLang="en-US" sz="900" dirty="0">
+                <a:latin typeface="微软雅黑" panose="020B0503020204020204" pitchFamily="34" charset="-122"/>
+                <a:ea typeface="微软雅黑" panose="020B0503020204020204" pitchFamily="34" charset="-122"/>
+              </a:endParaRPr>
+            </a:p>
+          </p:txBody>
+        </p:sp>
+      </p:grpSp>
+    </p:spTree>
+    <p:extLst>
+      <p:ext uri="{BB962C8B-B14F-4D97-AF65-F5344CB8AC3E}">
+        <p14:creationId xmlns:p14="http://schemas.microsoft.com/office/powerpoint/2010/main" val="1055667938"/>
+      </p:ext>
+    </p:extLst>
+  </p:cSld>
+  <p:clrMapOvr>
+    <a:masterClrMapping/>
+  </p:clrMapOvr>
+</p:sld>
+</file>
+
 <file path=ppt/theme/theme1.xml><?xml version="1.0" encoding="utf-8"?>
 <a:theme xmlns:a="http://schemas.openxmlformats.org/drawingml/2006/main" name="Office 主题​​">
   <a:themeElements>

--- a/Note/component.pptx
+++ b/Note/component.pptx
@@ -9,11 +9,13 @@
     <p:sldId id="257" r:id="rId3"/>
     <p:sldId id="258" r:id="rId4"/>
     <p:sldId id="259" r:id="rId5"/>
-    <p:sldId id="260" r:id="rId6"/>
-    <p:sldId id="261" r:id="rId7"/>
-    <p:sldId id="264" r:id="rId8"/>
-    <p:sldId id="262" r:id="rId9"/>
-    <p:sldId id="263" r:id="rId10"/>
+    <p:sldId id="266" r:id="rId6"/>
+    <p:sldId id="265" r:id="rId7"/>
+    <p:sldId id="260" r:id="rId8"/>
+    <p:sldId id="261" r:id="rId9"/>
+    <p:sldId id="264" r:id="rId10"/>
+    <p:sldId id="262" r:id="rId11"/>
+    <p:sldId id="263" r:id="rId12"/>
   </p:sldIdLst>
   <p:sldSz cx="12192000" cy="6858000"/>
   <p:notesSz cx="6858000" cy="9144000"/>
@@ -262,7 +264,7 @@
           <a:p>
             <a:fld id="{3F170F1F-D865-4EB8-ACA1-7F3D21CD77A5}" type="datetimeFigureOut">
               <a:rPr lang="zh-CN" altLang="en-US" smtClean="0"/>
-              <a:t>2018/1/24</a:t>
+              <a:t>2018/1/25</a:t>
             </a:fld>
             <a:endParaRPr lang="zh-CN" altLang="en-US"/>
           </a:p>
@@ -432,7 +434,7 @@
           <a:p>
             <a:fld id="{3F170F1F-D865-4EB8-ACA1-7F3D21CD77A5}" type="datetimeFigureOut">
               <a:rPr lang="zh-CN" altLang="en-US" smtClean="0"/>
-              <a:t>2018/1/24</a:t>
+              <a:t>2018/1/25</a:t>
             </a:fld>
             <a:endParaRPr lang="zh-CN" altLang="en-US"/>
           </a:p>
@@ -612,7 +614,7 @@
           <a:p>
             <a:fld id="{3F170F1F-D865-4EB8-ACA1-7F3D21CD77A5}" type="datetimeFigureOut">
               <a:rPr lang="zh-CN" altLang="en-US" smtClean="0"/>
-              <a:t>2018/1/24</a:t>
+              <a:t>2018/1/25</a:t>
             </a:fld>
             <a:endParaRPr lang="zh-CN" altLang="en-US"/>
           </a:p>
@@ -782,7 +784,7 @@
           <a:p>
             <a:fld id="{3F170F1F-D865-4EB8-ACA1-7F3D21CD77A5}" type="datetimeFigureOut">
               <a:rPr lang="zh-CN" altLang="en-US" smtClean="0"/>
-              <a:t>2018/1/24</a:t>
+              <a:t>2018/1/25</a:t>
             </a:fld>
             <a:endParaRPr lang="zh-CN" altLang="en-US"/>
           </a:p>
@@ -1028,7 +1030,7 @@
           <a:p>
             <a:fld id="{3F170F1F-D865-4EB8-ACA1-7F3D21CD77A5}" type="datetimeFigureOut">
               <a:rPr lang="zh-CN" altLang="en-US" smtClean="0"/>
-              <a:t>2018/1/24</a:t>
+              <a:t>2018/1/25</a:t>
             </a:fld>
             <a:endParaRPr lang="zh-CN" altLang="en-US"/>
           </a:p>
@@ -1260,7 +1262,7 @@
           <a:p>
             <a:fld id="{3F170F1F-D865-4EB8-ACA1-7F3D21CD77A5}" type="datetimeFigureOut">
               <a:rPr lang="zh-CN" altLang="en-US" smtClean="0"/>
-              <a:t>2018/1/24</a:t>
+              <a:t>2018/1/25</a:t>
             </a:fld>
             <a:endParaRPr lang="zh-CN" altLang="en-US"/>
           </a:p>
@@ -1627,7 +1629,7 @@
           <a:p>
             <a:fld id="{3F170F1F-D865-4EB8-ACA1-7F3D21CD77A5}" type="datetimeFigureOut">
               <a:rPr lang="zh-CN" altLang="en-US" smtClean="0"/>
-              <a:t>2018/1/24</a:t>
+              <a:t>2018/1/25</a:t>
             </a:fld>
             <a:endParaRPr lang="zh-CN" altLang="en-US"/>
           </a:p>
@@ -1745,7 +1747,7 @@
           <a:p>
             <a:fld id="{3F170F1F-D865-4EB8-ACA1-7F3D21CD77A5}" type="datetimeFigureOut">
               <a:rPr lang="zh-CN" altLang="en-US" smtClean="0"/>
-              <a:t>2018/1/24</a:t>
+              <a:t>2018/1/25</a:t>
             </a:fld>
             <a:endParaRPr lang="zh-CN" altLang="en-US"/>
           </a:p>
@@ -1840,7 +1842,7 @@
           <a:p>
             <a:fld id="{3F170F1F-D865-4EB8-ACA1-7F3D21CD77A5}" type="datetimeFigureOut">
               <a:rPr lang="zh-CN" altLang="en-US" smtClean="0"/>
-              <a:t>2018/1/24</a:t>
+              <a:t>2018/1/25</a:t>
             </a:fld>
             <a:endParaRPr lang="zh-CN" altLang="en-US"/>
           </a:p>
@@ -2117,7 +2119,7 @@
           <a:p>
             <a:fld id="{3F170F1F-D865-4EB8-ACA1-7F3D21CD77A5}" type="datetimeFigureOut">
               <a:rPr lang="zh-CN" altLang="en-US" smtClean="0"/>
-              <a:t>2018/1/24</a:t>
+              <a:t>2018/1/25</a:t>
             </a:fld>
             <a:endParaRPr lang="zh-CN" altLang="en-US"/>
           </a:p>
@@ -2370,7 +2372,7 @@
           <a:p>
             <a:fld id="{3F170F1F-D865-4EB8-ACA1-7F3D21CD77A5}" type="datetimeFigureOut">
               <a:rPr lang="zh-CN" altLang="en-US" smtClean="0"/>
-              <a:t>2018/1/24</a:t>
+              <a:t>2018/1/25</a:t>
             </a:fld>
             <a:endParaRPr lang="zh-CN" altLang="en-US"/>
           </a:p>
@@ -2583,7 +2585,7 @@
           <a:p>
             <a:fld id="{3F170F1F-D865-4EB8-ACA1-7F3D21CD77A5}" type="datetimeFigureOut">
               <a:rPr lang="zh-CN" altLang="en-US" smtClean="0"/>
-              <a:t>2018/1/24</a:t>
+              <a:t>2018/1/25</a:t>
             </a:fld>
             <a:endParaRPr lang="zh-CN" altLang="en-US"/>
           </a:p>
@@ -3030,6 +3032,2085 @@
     <p:extLst>
       <p:ext uri="{BB962C8B-B14F-4D97-AF65-F5344CB8AC3E}">
         <p14:creationId xmlns:p14="http://schemas.microsoft.com/office/powerpoint/2010/main" val="3575816171"/>
+      </p:ext>
+    </p:extLst>
+  </p:cSld>
+  <p:clrMapOvr>
+    <a:masterClrMapping/>
+  </p:clrMapOvr>
+</p:sld>
+</file>
+
+<file path=ppt/slides/slide10.xml><?xml version="1.0" encoding="utf-8"?>
+<p:sld xmlns:a="http://schemas.openxmlformats.org/drawingml/2006/main" xmlns:r="http://schemas.openxmlformats.org/officeDocument/2006/relationships" xmlns:p="http://schemas.openxmlformats.org/presentationml/2006/main">
+  <p:cSld>
+    <p:spTree>
+      <p:nvGrpSpPr>
+        <p:cNvPr id="1" name=""/>
+        <p:cNvGrpSpPr/>
+        <p:nvPr/>
+      </p:nvGrpSpPr>
+      <p:grpSpPr>
+        <a:xfrm>
+          <a:off x="0" y="0"/>
+          <a:ext cx="0" cy="0"/>
+          <a:chOff x="0" y="0"/>
+          <a:chExt cx="0" cy="0"/>
+        </a:xfrm>
+      </p:grpSpPr>
+      <p:sp>
+        <p:nvSpPr>
+          <p:cNvPr id="2" name="矩形 1"/>
+          <p:cNvSpPr/>
+          <p:nvPr/>
+        </p:nvSpPr>
+        <p:spPr>
+          <a:xfrm>
+            <a:off x="1190445" y="819508"/>
+            <a:ext cx="940280" cy="293299"/>
+          </a:xfrm>
+          <a:prstGeom prst="rect">
+            <a:avLst/>
+          </a:prstGeom>
+          <a:solidFill>
+            <a:schemeClr val="bg1"/>
+          </a:solidFill>
+          <a:ln>
+            <a:solidFill>
+              <a:schemeClr val="tx1"/>
+            </a:solidFill>
+          </a:ln>
+        </p:spPr>
+        <p:style>
+          <a:lnRef idx="2">
+            <a:schemeClr val="accent1">
+              <a:shade val="50000"/>
+            </a:schemeClr>
+          </a:lnRef>
+          <a:fillRef idx="1">
+            <a:schemeClr val="accent1"/>
+          </a:fillRef>
+          <a:effectRef idx="0">
+            <a:schemeClr val="accent1"/>
+          </a:effectRef>
+          <a:fontRef idx="minor">
+            <a:schemeClr val="lt1"/>
+          </a:fontRef>
+        </p:style>
+        <p:txBody>
+          <a:bodyPr rtlCol="0" anchor="ctr"/>
+          <a:lstStyle/>
+          <a:p>
+            <a:pPr algn="ctr"/>
+            <a:r>
+              <a:rPr lang="zh-CN" altLang="en-US" sz="1000" dirty="0" smtClean="0">
+                <a:solidFill>
+                  <a:schemeClr val="tx1"/>
+                </a:solidFill>
+                <a:latin typeface="微软雅黑" panose="020B0503020204020204" pitchFamily="34" charset="-122"/>
+                <a:ea typeface="微软雅黑" panose="020B0503020204020204" pitchFamily="34" charset="-122"/>
+              </a:rPr>
+              <a:t>应用层</a:t>
+            </a:r>
+            <a:endParaRPr lang="zh-CN" altLang="en-US" sz="1000" dirty="0">
+              <a:solidFill>
+                <a:schemeClr val="tx1"/>
+              </a:solidFill>
+              <a:latin typeface="微软雅黑" panose="020B0503020204020204" pitchFamily="34" charset="-122"/>
+              <a:ea typeface="微软雅黑" panose="020B0503020204020204" pitchFamily="34" charset="-122"/>
+            </a:endParaRPr>
+          </a:p>
+        </p:txBody>
+      </p:sp>
+      <p:sp>
+        <p:nvSpPr>
+          <p:cNvPr id="3" name="矩形 2"/>
+          <p:cNvSpPr/>
+          <p:nvPr/>
+        </p:nvSpPr>
+        <p:spPr>
+          <a:xfrm>
+            <a:off x="1190445" y="1112808"/>
+            <a:ext cx="940280" cy="301925"/>
+          </a:xfrm>
+          <a:prstGeom prst="rect">
+            <a:avLst/>
+          </a:prstGeom>
+          <a:solidFill>
+            <a:schemeClr val="bg1"/>
+          </a:solidFill>
+          <a:ln>
+            <a:solidFill>
+              <a:schemeClr val="tx1"/>
+            </a:solidFill>
+          </a:ln>
+        </p:spPr>
+        <p:style>
+          <a:lnRef idx="2">
+            <a:schemeClr val="accent1">
+              <a:shade val="50000"/>
+            </a:schemeClr>
+          </a:lnRef>
+          <a:fillRef idx="1">
+            <a:schemeClr val="accent1"/>
+          </a:fillRef>
+          <a:effectRef idx="0">
+            <a:schemeClr val="accent1"/>
+          </a:effectRef>
+          <a:fontRef idx="minor">
+            <a:schemeClr val="lt1"/>
+          </a:fontRef>
+        </p:style>
+        <p:txBody>
+          <a:bodyPr rtlCol="0" anchor="ctr"/>
+          <a:lstStyle/>
+          <a:p>
+            <a:pPr algn="ctr"/>
+            <a:r>
+              <a:rPr lang="zh-CN" altLang="en-US" sz="1000" dirty="0" smtClean="0">
+                <a:solidFill>
+                  <a:schemeClr val="tx1"/>
+                </a:solidFill>
+                <a:latin typeface="微软雅黑" panose="020B0503020204020204" pitchFamily="34" charset="-122"/>
+                <a:ea typeface="微软雅黑" panose="020B0503020204020204" pitchFamily="34" charset="-122"/>
+              </a:rPr>
+              <a:t>传输层</a:t>
+            </a:r>
+            <a:endParaRPr lang="zh-CN" altLang="en-US" sz="1000" dirty="0">
+              <a:solidFill>
+                <a:schemeClr val="tx1"/>
+              </a:solidFill>
+              <a:latin typeface="微软雅黑" panose="020B0503020204020204" pitchFamily="34" charset="-122"/>
+              <a:ea typeface="微软雅黑" panose="020B0503020204020204" pitchFamily="34" charset="-122"/>
+            </a:endParaRPr>
+          </a:p>
+        </p:txBody>
+      </p:sp>
+      <p:sp>
+        <p:nvSpPr>
+          <p:cNvPr id="4" name="矩形 3"/>
+          <p:cNvSpPr/>
+          <p:nvPr/>
+        </p:nvSpPr>
+        <p:spPr>
+          <a:xfrm>
+            <a:off x="1190445" y="1414732"/>
+            <a:ext cx="940280" cy="301925"/>
+          </a:xfrm>
+          <a:prstGeom prst="rect">
+            <a:avLst/>
+          </a:prstGeom>
+          <a:solidFill>
+            <a:schemeClr val="bg1"/>
+          </a:solidFill>
+          <a:ln>
+            <a:solidFill>
+              <a:schemeClr val="tx1"/>
+            </a:solidFill>
+          </a:ln>
+        </p:spPr>
+        <p:style>
+          <a:lnRef idx="2">
+            <a:schemeClr val="accent1">
+              <a:shade val="50000"/>
+            </a:schemeClr>
+          </a:lnRef>
+          <a:fillRef idx="1">
+            <a:schemeClr val="accent1"/>
+          </a:fillRef>
+          <a:effectRef idx="0">
+            <a:schemeClr val="accent1"/>
+          </a:effectRef>
+          <a:fontRef idx="minor">
+            <a:schemeClr val="lt1"/>
+          </a:fontRef>
+        </p:style>
+        <p:txBody>
+          <a:bodyPr rtlCol="0" anchor="ctr"/>
+          <a:lstStyle/>
+          <a:p>
+            <a:pPr algn="ctr"/>
+            <a:r>
+              <a:rPr lang="zh-CN" altLang="en-US" sz="1000" dirty="0" smtClean="0">
+                <a:solidFill>
+                  <a:schemeClr val="tx1"/>
+                </a:solidFill>
+                <a:latin typeface="微软雅黑" panose="020B0503020204020204" pitchFamily="34" charset="-122"/>
+                <a:ea typeface="微软雅黑" panose="020B0503020204020204" pitchFamily="34" charset="-122"/>
+              </a:rPr>
+              <a:t>网际层</a:t>
+            </a:r>
+            <a:endParaRPr lang="zh-CN" altLang="en-US" sz="1000" dirty="0">
+              <a:solidFill>
+                <a:schemeClr val="tx1"/>
+              </a:solidFill>
+              <a:latin typeface="微软雅黑" panose="020B0503020204020204" pitchFamily="34" charset="-122"/>
+              <a:ea typeface="微软雅黑" panose="020B0503020204020204" pitchFamily="34" charset="-122"/>
+            </a:endParaRPr>
+          </a:p>
+        </p:txBody>
+      </p:sp>
+      <p:sp>
+        <p:nvSpPr>
+          <p:cNvPr id="5" name="矩形 4"/>
+          <p:cNvSpPr/>
+          <p:nvPr/>
+        </p:nvSpPr>
+        <p:spPr>
+          <a:xfrm>
+            <a:off x="1190445" y="1716658"/>
+            <a:ext cx="940280" cy="301925"/>
+          </a:xfrm>
+          <a:prstGeom prst="rect">
+            <a:avLst/>
+          </a:prstGeom>
+          <a:solidFill>
+            <a:schemeClr val="bg1"/>
+          </a:solidFill>
+          <a:ln>
+            <a:solidFill>
+              <a:schemeClr val="tx1"/>
+            </a:solidFill>
+          </a:ln>
+        </p:spPr>
+        <p:style>
+          <a:lnRef idx="2">
+            <a:schemeClr val="accent1">
+              <a:shade val="50000"/>
+            </a:schemeClr>
+          </a:lnRef>
+          <a:fillRef idx="1">
+            <a:schemeClr val="accent1"/>
+          </a:fillRef>
+          <a:effectRef idx="0">
+            <a:schemeClr val="accent1"/>
+          </a:effectRef>
+          <a:fontRef idx="minor">
+            <a:schemeClr val="lt1"/>
+          </a:fontRef>
+        </p:style>
+        <p:txBody>
+          <a:bodyPr rtlCol="0" anchor="ctr"/>
+          <a:lstStyle/>
+          <a:p>
+            <a:pPr algn="ctr"/>
+            <a:r>
+              <a:rPr lang="zh-CN" altLang="en-US" sz="1000" dirty="0" smtClean="0">
+                <a:solidFill>
+                  <a:schemeClr val="tx1"/>
+                </a:solidFill>
+                <a:latin typeface="微软雅黑" panose="020B0503020204020204" pitchFamily="34" charset="-122"/>
+                <a:ea typeface="微软雅黑" panose="020B0503020204020204" pitchFamily="34" charset="-122"/>
+              </a:rPr>
+              <a:t>网络访问层</a:t>
+            </a:r>
+            <a:endParaRPr lang="zh-CN" altLang="en-US" sz="1000" dirty="0">
+              <a:solidFill>
+                <a:schemeClr val="tx1"/>
+              </a:solidFill>
+              <a:latin typeface="微软雅黑" panose="020B0503020204020204" pitchFamily="34" charset="-122"/>
+              <a:ea typeface="微软雅黑" panose="020B0503020204020204" pitchFamily="34" charset="-122"/>
+            </a:endParaRPr>
+          </a:p>
+        </p:txBody>
+      </p:sp>
+      <p:grpSp>
+        <p:nvGrpSpPr>
+          <p:cNvPr id="71" name="组合 70"/>
+          <p:cNvGrpSpPr/>
+          <p:nvPr/>
+        </p:nvGrpSpPr>
+        <p:grpSpPr>
+          <a:xfrm>
+            <a:off x="4143354" y="807164"/>
+            <a:ext cx="3899556" cy="4953556"/>
+            <a:chOff x="4143354" y="807164"/>
+            <a:chExt cx="3899556" cy="4953556"/>
+          </a:xfrm>
+        </p:grpSpPr>
+        <p:sp>
+          <p:nvSpPr>
+            <p:cNvPr id="31" name="矩形 30"/>
+            <p:cNvSpPr/>
+            <p:nvPr/>
+          </p:nvSpPr>
+          <p:spPr>
+            <a:xfrm>
+              <a:off x="5620540" y="807164"/>
+              <a:ext cx="940280" cy="293299"/>
+            </a:xfrm>
+            <a:prstGeom prst="rect">
+              <a:avLst/>
+            </a:prstGeom>
+            <a:solidFill>
+              <a:schemeClr val="bg1"/>
+            </a:solidFill>
+            <a:ln>
+              <a:solidFill>
+                <a:schemeClr val="tx1"/>
+              </a:solidFill>
+            </a:ln>
+          </p:spPr>
+          <p:style>
+            <a:lnRef idx="2">
+              <a:schemeClr val="accent1">
+                <a:shade val="50000"/>
+              </a:schemeClr>
+            </a:lnRef>
+            <a:fillRef idx="1">
+              <a:schemeClr val="accent1"/>
+            </a:fillRef>
+            <a:effectRef idx="0">
+              <a:schemeClr val="accent1"/>
+            </a:effectRef>
+            <a:fontRef idx="minor">
+              <a:schemeClr val="lt1"/>
+            </a:fontRef>
+          </p:style>
+          <p:txBody>
+            <a:bodyPr rtlCol="0" anchor="ctr"/>
+            <a:lstStyle/>
+            <a:p>
+              <a:pPr algn="ctr"/>
+              <a:r>
+                <a:rPr lang="zh-CN" altLang="en-US" sz="1000" dirty="0" smtClean="0">
+                  <a:solidFill>
+                    <a:schemeClr val="tx1"/>
+                  </a:solidFill>
+                  <a:latin typeface="微软雅黑" panose="020B0503020204020204" pitchFamily="34" charset="-122"/>
+                  <a:ea typeface="微软雅黑" panose="020B0503020204020204" pitchFamily="34" charset="-122"/>
+                </a:rPr>
+                <a:t>应用程序</a:t>
+              </a:r>
+              <a:endParaRPr lang="zh-CN" altLang="en-US" sz="1000" dirty="0">
+                <a:solidFill>
+                  <a:schemeClr val="tx1"/>
+                </a:solidFill>
+                <a:latin typeface="微软雅黑" panose="020B0503020204020204" pitchFamily="34" charset="-122"/>
+                <a:ea typeface="微软雅黑" panose="020B0503020204020204" pitchFamily="34" charset="-122"/>
+              </a:endParaRPr>
+            </a:p>
+          </p:txBody>
+        </p:sp>
+        <p:sp>
+          <p:nvSpPr>
+            <p:cNvPr id="6" name="矩形 5"/>
+            <p:cNvSpPr/>
+            <p:nvPr/>
+          </p:nvSpPr>
+          <p:spPr>
+            <a:xfrm>
+              <a:off x="4149090" y="1197920"/>
+              <a:ext cx="3893820" cy="1037470"/>
+            </a:xfrm>
+            <a:prstGeom prst="rect">
+              <a:avLst/>
+            </a:prstGeom>
+            <a:solidFill>
+              <a:schemeClr val="accent1">
+                <a:lumMod val="40000"/>
+                <a:lumOff val="60000"/>
+              </a:schemeClr>
+            </a:solidFill>
+            <a:ln>
+              <a:solidFill>
+                <a:schemeClr val="tx1"/>
+              </a:solidFill>
+            </a:ln>
+          </p:spPr>
+          <p:style>
+            <a:lnRef idx="2">
+              <a:schemeClr val="accent1">
+                <a:shade val="50000"/>
+              </a:schemeClr>
+            </a:lnRef>
+            <a:fillRef idx="1">
+              <a:schemeClr val="accent1"/>
+            </a:fillRef>
+            <a:effectRef idx="0">
+              <a:schemeClr val="accent1"/>
+            </a:effectRef>
+            <a:fontRef idx="minor">
+              <a:schemeClr val="lt1"/>
+            </a:fontRef>
+          </p:style>
+          <p:txBody>
+            <a:bodyPr rtlCol="0" anchor="ctr"/>
+            <a:lstStyle/>
+            <a:p>
+              <a:pPr algn="ctr"/>
+              <a:endParaRPr lang="zh-CN" altLang="en-US"/>
+            </a:p>
+          </p:txBody>
+        </p:sp>
+        <p:sp>
+          <p:nvSpPr>
+            <p:cNvPr id="14" name="矩形 13"/>
+            <p:cNvSpPr/>
+            <p:nvPr/>
+          </p:nvSpPr>
+          <p:spPr>
+            <a:xfrm>
+              <a:off x="4404360" y="1414732"/>
+              <a:ext cx="929640" cy="603851"/>
+            </a:xfrm>
+            <a:prstGeom prst="rect">
+              <a:avLst/>
+            </a:prstGeom>
+            <a:solidFill>
+              <a:schemeClr val="bg1"/>
+            </a:solidFill>
+          </p:spPr>
+          <p:style>
+            <a:lnRef idx="2">
+              <a:schemeClr val="accent1">
+                <a:shade val="50000"/>
+              </a:schemeClr>
+            </a:lnRef>
+            <a:fillRef idx="1">
+              <a:schemeClr val="accent1"/>
+            </a:fillRef>
+            <a:effectRef idx="0">
+              <a:schemeClr val="accent1"/>
+            </a:effectRef>
+            <a:fontRef idx="minor">
+              <a:schemeClr val="lt1"/>
+            </a:fontRef>
+          </p:style>
+          <p:txBody>
+            <a:bodyPr rtlCol="0" anchor="ctr"/>
+            <a:lstStyle/>
+            <a:p>
+              <a:pPr algn="ctr"/>
+              <a:r>
+                <a:rPr lang="zh-CN" altLang="en-US" sz="1050" dirty="0" smtClean="0">
+                  <a:solidFill>
+                    <a:schemeClr val="tx1"/>
+                  </a:solidFill>
+                  <a:latin typeface="微软雅黑" panose="020B0503020204020204" pitchFamily="34" charset="-122"/>
+                  <a:ea typeface="微软雅黑" panose="020B0503020204020204" pitchFamily="34" charset="-122"/>
+                </a:rPr>
+                <a:t>网络服务</a:t>
+              </a:r>
+              <a:endParaRPr lang="zh-CN" altLang="en-US" sz="1050" dirty="0">
+                <a:solidFill>
+                  <a:schemeClr val="tx1"/>
+                </a:solidFill>
+                <a:latin typeface="微软雅黑" panose="020B0503020204020204" pitchFamily="34" charset="-122"/>
+                <a:ea typeface="微软雅黑" panose="020B0503020204020204" pitchFamily="34" charset="-122"/>
+              </a:endParaRPr>
+            </a:p>
+          </p:txBody>
+        </p:sp>
+        <p:sp>
+          <p:nvSpPr>
+            <p:cNvPr id="36" name="矩形 35"/>
+            <p:cNvSpPr/>
+            <p:nvPr/>
+          </p:nvSpPr>
+          <p:spPr>
+            <a:xfrm>
+              <a:off x="5625860" y="1414730"/>
+              <a:ext cx="929640" cy="603851"/>
+            </a:xfrm>
+            <a:prstGeom prst="rect">
+              <a:avLst/>
+            </a:prstGeom>
+            <a:solidFill>
+              <a:schemeClr val="bg1"/>
+            </a:solidFill>
+          </p:spPr>
+          <p:style>
+            <a:lnRef idx="2">
+              <a:schemeClr val="accent1">
+                <a:shade val="50000"/>
+              </a:schemeClr>
+            </a:lnRef>
+            <a:fillRef idx="1">
+              <a:schemeClr val="accent1"/>
+            </a:fillRef>
+            <a:effectRef idx="0">
+              <a:schemeClr val="accent1"/>
+            </a:effectRef>
+            <a:fontRef idx="minor">
+              <a:schemeClr val="lt1"/>
+            </a:fontRef>
+          </p:style>
+          <p:txBody>
+            <a:bodyPr rtlCol="0" anchor="ctr"/>
+            <a:lstStyle/>
+            <a:p>
+              <a:pPr algn="ctr"/>
+              <a:r>
+                <a:rPr lang="en-US" altLang="zh-CN" sz="1050" dirty="0" smtClean="0">
+                  <a:solidFill>
+                    <a:schemeClr val="tx1"/>
+                  </a:solidFill>
+                  <a:latin typeface="微软雅黑" panose="020B0503020204020204" pitchFamily="34" charset="-122"/>
+                  <a:ea typeface="微软雅黑" panose="020B0503020204020204" pitchFamily="34" charset="-122"/>
+                </a:rPr>
+                <a:t>API</a:t>
+              </a:r>
+              <a:endParaRPr lang="zh-CN" altLang="en-US" sz="1050" dirty="0">
+                <a:solidFill>
+                  <a:schemeClr val="tx1"/>
+                </a:solidFill>
+                <a:latin typeface="微软雅黑" panose="020B0503020204020204" pitchFamily="34" charset="-122"/>
+                <a:ea typeface="微软雅黑" panose="020B0503020204020204" pitchFamily="34" charset="-122"/>
+              </a:endParaRPr>
+            </a:p>
+          </p:txBody>
+        </p:sp>
+        <p:sp>
+          <p:nvSpPr>
+            <p:cNvPr id="37" name="矩形 36"/>
+            <p:cNvSpPr/>
+            <p:nvPr/>
+          </p:nvSpPr>
+          <p:spPr>
+            <a:xfrm>
+              <a:off x="6950590" y="1414730"/>
+              <a:ext cx="929640" cy="603851"/>
+            </a:xfrm>
+            <a:prstGeom prst="rect">
+              <a:avLst/>
+            </a:prstGeom>
+            <a:solidFill>
+              <a:schemeClr val="bg1"/>
+            </a:solidFill>
+          </p:spPr>
+          <p:style>
+            <a:lnRef idx="2">
+              <a:schemeClr val="accent1">
+                <a:shade val="50000"/>
+              </a:schemeClr>
+            </a:lnRef>
+            <a:fillRef idx="1">
+              <a:schemeClr val="accent1"/>
+            </a:fillRef>
+            <a:effectRef idx="0">
+              <a:schemeClr val="accent1"/>
+            </a:effectRef>
+            <a:fontRef idx="minor">
+              <a:schemeClr val="lt1"/>
+            </a:fontRef>
+          </p:style>
+          <p:txBody>
+            <a:bodyPr rtlCol="0" anchor="ctr"/>
+            <a:lstStyle/>
+            <a:p>
+              <a:pPr algn="ctr"/>
+              <a:r>
+                <a:rPr lang="zh-CN" altLang="en-US" sz="1050" dirty="0" smtClean="0">
+                  <a:solidFill>
+                    <a:schemeClr val="tx1"/>
+                  </a:solidFill>
+                  <a:latin typeface="微软雅黑" panose="020B0503020204020204" pitchFamily="34" charset="-122"/>
+                  <a:ea typeface="微软雅黑" panose="020B0503020204020204" pitchFamily="34" charset="-122"/>
+                </a:rPr>
+                <a:t>网络应用程序和功能</a:t>
+              </a:r>
+              <a:endParaRPr lang="zh-CN" altLang="en-US" sz="1050" dirty="0">
+                <a:solidFill>
+                  <a:schemeClr val="tx1"/>
+                </a:solidFill>
+                <a:latin typeface="微软雅黑" panose="020B0503020204020204" pitchFamily="34" charset="-122"/>
+                <a:ea typeface="微软雅黑" panose="020B0503020204020204" pitchFamily="34" charset="-122"/>
+              </a:endParaRPr>
+            </a:p>
+          </p:txBody>
+        </p:sp>
+        <p:sp>
+          <p:nvSpPr>
+            <p:cNvPr id="29" name="矩形 28"/>
+            <p:cNvSpPr/>
+            <p:nvPr/>
+          </p:nvSpPr>
+          <p:spPr>
+            <a:xfrm>
+              <a:off x="4149090" y="1197920"/>
+              <a:ext cx="588623" cy="253916"/>
+            </a:xfrm>
+            <a:prstGeom prst="rect">
+              <a:avLst/>
+            </a:prstGeom>
+          </p:spPr>
+          <p:txBody>
+            <a:bodyPr wrap="none">
+              <a:spAutoFit/>
+            </a:bodyPr>
+            <a:lstStyle/>
+            <a:p>
+              <a:pPr algn="ctr"/>
+              <a:r>
+                <a:rPr lang="zh-CN" altLang="en-US" sz="1050" dirty="0">
+                  <a:latin typeface="微软雅黑" panose="020B0503020204020204" pitchFamily="34" charset="-122"/>
+                  <a:ea typeface="微软雅黑" panose="020B0503020204020204" pitchFamily="34" charset="-122"/>
+                </a:rPr>
+                <a:t>应用层</a:t>
+              </a:r>
+            </a:p>
+          </p:txBody>
+        </p:sp>
+        <p:sp>
+          <p:nvSpPr>
+            <p:cNvPr id="38" name="矩形 37"/>
+            <p:cNvSpPr/>
+            <p:nvPr/>
+          </p:nvSpPr>
+          <p:spPr>
+            <a:xfrm>
+              <a:off x="4149090" y="2235390"/>
+              <a:ext cx="3893820" cy="857767"/>
+            </a:xfrm>
+            <a:prstGeom prst="rect">
+              <a:avLst/>
+            </a:prstGeom>
+            <a:solidFill>
+              <a:schemeClr val="accent1">
+                <a:lumMod val="20000"/>
+                <a:lumOff val="80000"/>
+              </a:schemeClr>
+            </a:solidFill>
+            <a:ln>
+              <a:solidFill>
+                <a:schemeClr val="tx1"/>
+              </a:solidFill>
+            </a:ln>
+          </p:spPr>
+          <p:style>
+            <a:lnRef idx="2">
+              <a:schemeClr val="accent1">
+                <a:shade val="50000"/>
+              </a:schemeClr>
+            </a:lnRef>
+            <a:fillRef idx="1">
+              <a:schemeClr val="accent1"/>
+            </a:fillRef>
+            <a:effectRef idx="0">
+              <a:schemeClr val="accent1"/>
+            </a:effectRef>
+            <a:fontRef idx="minor">
+              <a:schemeClr val="lt1"/>
+            </a:fontRef>
+          </p:style>
+          <p:txBody>
+            <a:bodyPr rtlCol="0" anchor="ctr"/>
+            <a:lstStyle/>
+            <a:p>
+              <a:pPr algn="ctr"/>
+              <a:endParaRPr lang="zh-CN" altLang="en-US"/>
+            </a:p>
+          </p:txBody>
+        </p:sp>
+        <p:sp>
+          <p:nvSpPr>
+            <p:cNvPr id="39" name="矩形 38"/>
+            <p:cNvSpPr/>
+            <p:nvPr/>
+          </p:nvSpPr>
+          <p:spPr>
+            <a:xfrm>
+              <a:off x="4149091" y="2235390"/>
+              <a:ext cx="588623" cy="253916"/>
+            </a:xfrm>
+            <a:prstGeom prst="rect">
+              <a:avLst/>
+            </a:prstGeom>
+          </p:spPr>
+          <p:txBody>
+            <a:bodyPr wrap="none">
+              <a:spAutoFit/>
+            </a:bodyPr>
+            <a:lstStyle/>
+            <a:p>
+              <a:pPr algn="ctr"/>
+              <a:r>
+                <a:rPr lang="zh-CN" altLang="en-US" sz="1050" dirty="0" smtClean="0">
+                  <a:latin typeface="微软雅黑" panose="020B0503020204020204" pitchFamily="34" charset="-122"/>
+                  <a:ea typeface="微软雅黑" panose="020B0503020204020204" pitchFamily="34" charset="-122"/>
+                </a:rPr>
+                <a:t>传输层</a:t>
+              </a:r>
+              <a:endParaRPr lang="zh-CN" altLang="en-US" sz="1050" dirty="0">
+                <a:latin typeface="微软雅黑" panose="020B0503020204020204" pitchFamily="34" charset="-122"/>
+                <a:ea typeface="微软雅黑" panose="020B0503020204020204" pitchFamily="34" charset="-122"/>
+              </a:endParaRPr>
+            </a:p>
+          </p:txBody>
+        </p:sp>
+        <p:sp>
+          <p:nvSpPr>
+            <p:cNvPr id="40" name="矩形 39"/>
+            <p:cNvSpPr/>
+            <p:nvPr/>
+          </p:nvSpPr>
+          <p:spPr>
+            <a:xfrm>
+              <a:off x="4995852" y="2489306"/>
+              <a:ext cx="929640" cy="451023"/>
+            </a:xfrm>
+            <a:prstGeom prst="rect">
+              <a:avLst/>
+            </a:prstGeom>
+            <a:solidFill>
+              <a:schemeClr val="bg1"/>
+            </a:solidFill>
+          </p:spPr>
+          <p:style>
+            <a:lnRef idx="2">
+              <a:schemeClr val="accent1">
+                <a:shade val="50000"/>
+              </a:schemeClr>
+            </a:lnRef>
+            <a:fillRef idx="1">
+              <a:schemeClr val="accent1"/>
+            </a:fillRef>
+            <a:effectRef idx="0">
+              <a:schemeClr val="accent1"/>
+            </a:effectRef>
+            <a:fontRef idx="minor">
+              <a:schemeClr val="lt1"/>
+            </a:fontRef>
+          </p:style>
+          <p:txBody>
+            <a:bodyPr rtlCol="0" anchor="ctr"/>
+            <a:lstStyle/>
+            <a:p>
+              <a:pPr algn="ctr"/>
+              <a:r>
+                <a:rPr lang="en-US" altLang="zh-CN" sz="1050" dirty="0" smtClean="0">
+                  <a:solidFill>
+                    <a:schemeClr val="tx1"/>
+                  </a:solidFill>
+                  <a:latin typeface="微软雅黑" panose="020B0503020204020204" pitchFamily="34" charset="-122"/>
+                  <a:ea typeface="微软雅黑" panose="020B0503020204020204" pitchFamily="34" charset="-122"/>
+                </a:rPr>
+                <a:t>TCP</a:t>
+              </a:r>
+            </a:p>
+          </p:txBody>
+        </p:sp>
+        <p:sp>
+          <p:nvSpPr>
+            <p:cNvPr id="41" name="矩形 40"/>
+            <p:cNvSpPr/>
+            <p:nvPr/>
+          </p:nvSpPr>
+          <p:spPr>
+            <a:xfrm>
+              <a:off x="6307434" y="2492611"/>
+              <a:ext cx="929640" cy="451023"/>
+            </a:xfrm>
+            <a:prstGeom prst="rect">
+              <a:avLst/>
+            </a:prstGeom>
+            <a:solidFill>
+              <a:schemeClr val="bg1"/>
+            </a:solidFill>
+          </p:spPr>
+          <p:style>
+            <a:lnRef idx="2">
+              <a:schemeClr val="accent1">
+                <a:shade val="50000"/>
+              </a:schemeClr>
+            </a:lnRef>
+            <a:fillRef idx="1">
+              <a:schemeClr val="accent1"/>
+            </a:fillRef>
+            <a:effectRef idx="0">
+              <a:schemeClr val="accent1"/>
+            </a:effectRef>
+            <a:fontRef idx="minor">
+              <a:schemeClr val="lt1"/>
+            </a:fontRef>
+          </p:style>
+          <p:txBody>
+            <a:bodyPr rtlCol="0" anchor="ctr"/>
+            <a:lstStyle/>
+            <a:p>
+              <a:pPr algn="ctr"/>
+              <a:r>
+                <a:rPr lang="en-US" altLang="zh-CN" sz="1050" dirty="0" smtClean="0">
+                  <a:solidFill>
+                    <a:schemeClr val="tx1"/>
+                  </a:solidFill>
+                  <a:latin typeface="微软雅黑" panose="020B0503020204020204" pitchFamily="34" charset="-122"/>
+                  <a:ea typeface="微软雅黑" panose="020B0503020204020204" pitchFamily="34" charset="-122"/>
+                </a:rPr>
+                <a:t>UDP</a:t>
+              </a:r>
+            </a:p>
+          </p:txBody>
+        </p:sp>
+        <p:cxnSp>
+          <p:nvCxnSpPr>
+            <p:cNvPr id="42" name="直接箭头连接符 41"/>
+            <p:cNvCxnSpPr/>
+            <p:nvPr/>
+          </p:nvCxnSpPr>
+          <p:spPr>
+            <a:xfrm>
+              <a:off x="5737860" y="2018581"/>
+              <a:ext cx="0" cy="470725"/>
+            </a:xfrm>
+            <a:prstGeom prst="straightConnector1">
+              <a:avLst/>
+            </a:prstGeom>
+            <a:ln>
+              <a:solidFill>
+                <a:schemeClr val="tx1"/>
+              </a:solidFill>
+              <a:tailEnd type="triangle"/>
+            </a:ln>
+          </p:spPr>
+          <p:style>
+            <a:lnRef idx="1">
+              <a:schemeClr val="accent1"/>
+            </a:lnRef>
+            <a:fillRef idx="0">
+              <a:schemeClr val="accent1"/>
+            </a:fillRef>
+            <a:effectRef idx="0">
+              <a:schemeClr val="accent1"/>
+            </a:effectRef>
+            <a:fontRef idx="minor">
+              <a:schemeClr val="tx1"/>
+            </a:fontRef>
+          </p:style>
+        </p:cxnSp>
+        <p:cxnSp>
+          <p:nvCxnSpPr>
+            <p:cNvPr id="43" name="直接箭头连接符 42"/>
+            <p:cNvCxnSpPr/>
+            <p:nvPr/>
+          </p:nvCxnSpPr>
+          <p:spPr>
+            <a:xfrm>
+              <a:off x="6431280" y="2000027"/>
+              <a:ext cx="0" cy="470725"/>
+            </a:xfrm>
+            <a:prstGeom prst="straightConnector1">
+              <a:avLst/>
+            </a:prstGeom>
+            <a:ln>
+              <a:solidFill>
+                <a:schemeClr val="tx1"/>
+              </a:solidFill>
+              <a:tailEnd type="triangle"/>
+            </a:ln>
+          </p:spPr>
+          <p:style>
+            <a:lnRef idx="1">
+              <a:schemeClr val="accent1"/>
+            </a:lnRef>
+            <a:fillRef idx="0">
+              <a:schemeClr val="accent1"/>
+            </a:fillRef>
+            <a:effectRef idx="0">
+              <a:schemeClr val="accent1"/>
+            </a:effectRef>
+            <a:fontRef idx="minor">
+              <a:schemeClr val="tx1"/>
+            </a:fontRef>
+          </p:style>
+        </p:cxnSp>
+        <p:sp>
+          <p:nvSpPr>
+            <p:cNvPr id="44" name="矩形 43"/>
+            <p:cNvSpPr/>
+            <p:nvPr/>
+          </p:nvSpPr>
+          <p:spPr>
+            <a:xfrm>
+              <a:off x="4149090" y="3080333"/>
+              <a:ext cx="3893820" cy="857767"/>
+            </a:xfrm>
+            <a:prstGeom prst="rect">
+              <a:avLst/>
+            </a:prstGeom>
+            <a:solidFill>
+              <a:schemeClr val="accent1">
+                <a:lumMod val="20000"/>
+                <a:lumOff val="80000"/>
+              </a:schemeClr>
+            </a:solidFill>
+            <a:ln>
+              <a:solidFill>
+                <a:schemeClr val="tx1"/>
+              </a:solidFill>
+            </a:ln>
+          </p:spPr>
+          <p:style>
+            <a:lnRef idx="2">
+              <a:schemeClr val="accent1">
+                <a:shade val="50000"/>
+              </a:schemeClr>
+            </a:lnRef>
+            <a:fillRef idx="1">
+              <a:schemeClr val="accent1"/>
+            </a:fillRef>
+            <a:effectRef idx="0">
+              <a:schemeClr val="accent1"/>
+            </a:effectRef>
+            <a:fontRef idx="minor">
+              <a:schemeClr val="lt1"/>
+            </a:fontRef>
+          </p:style>
+          <p:txBody>
+            <a:bodyPr rtlCol="0" anchor="ctr"/>
+            <a:lstStyle/>
+            <a:p>
+              <a:pPr algn="ctr"/>
+              <a:endParaRPr lang="zh-CN" altLang="en-US"/>
+            </a:p>
+          </p:txBody>
+        </p:sp>
+        <p:sp>
+          <p:nvSpPr>
+            <p:cNvPr id="45" name="矩形 44"/>
+            <p:cNvSpPr/>
+            <p:nvPr/>
+          </p:nvSpPr>
+          <p:spPr>
+            <a:xfrm>
+              <a:off x="4149092" y="3080333"/>
+              <a:ext cx="588623" cy="253916"/>
+            </a:xfrm>
+            <a:prstGeom prst="rect">
+              <a:avLst/>
+            </a:prstGeom>
+          </p:spPr>
+          <p:txBody>
+            <a:bodyPr wrap="none">
+              <a:spAutoFit/>
+            </a:bodyPr>
+            <a:lstStyle/>
+            <a:p>
+              <a:pPr algn="ctr"/>
+              <a:r>
+                <a:rPr lang="zh-CN" altLang="en-US" sz="1050" dirty="0" smtClean="0">
+                  <a:latin typeface="微软雅黑" panose="020B0503020204020204" pitchFamily="34" charset="-122"/>
+                  <a:ea typeface="微软雅黑" panose="020B0503020204020204" pitchFamily="34" charset="-122"/>
+                </a:rPr>
+                <a:t>网际层</a:t>
+              </a:r>
+              <a:endParaRPr lang="zh-CN" altLang="en-US" sz="1050" dirty="0">
+                <a:latin typeface="微软雅黑" panose="020B0503020204020204" pitchFamily="34" charset="-122"/>
+                <a:ea typeface="微软雅黑" panose="020B0503020204020204" pitchFamily="34" charset="-122"/>
+              </a:endParaRPr>
+            </a:p>
+          </p:txBody>
+        </p:sp>
+        <p:sp>
+          <p:nvSpPr>
+            <p:cNvPr id="46" name="矩形 45"/>
+            <p:cNvSpPr/>
+            <p:nvPr/>
+          </p:nvSpPr>
+          <p:spPr>
+            <a:xfrm>
+              <a:off x="4995852" y="3229856"/>
+              <a:ext cx="2241222" cy="451023"/>
+            </a:xfrm>
+            <a:prstGeom prst="rect">
+              <a:avLst/>
+            </a:prstGeom>
+            <a:solidFill>
+              <a:schemeClr val="bg1"/>
+            </a:solidFill>
+          </p:spPr>
+          <p:style>
+            <a:lnRef idx="2">
+              <a:schemeClr val="accent1">
+                <a:shade val="50000"/>
+              </a:schemeClr>
+            </a:lnRef>
+            <a:fillRef idx="1">
+              <a:schemeClr val="accent1"/>
+            </a:fillRef>
+            <a:effectRef idx="0">
+              <a:schemeClr val="accent1"/>
+            </a:effectRef>
+            <a:fontRef idx="minor">
+              <a:schemeClr val="lt1"/>
+            </a:fontRef>
+          </p:style>
+          <p:txBody>
+            <a:bodyPr rtlCol="0" anchor="ctr"/>
+            <a:lstStyle/>
+            <a:p>
+              <a:pPr algn="ctr"/>
+              <a:r>
+                <a:rPr lang="en-US" altLang="zh-CN" sz="1050" dirty="0" smtClean="0">
+                  <a:solidFill>
+                    <a:schemeClr val="tx1"/>
+                  </a:solidFill>
+                  <a:latin typeface="微软雅黑" panose="020B0503020204020204" pitchFamily="34" charset="-122"/>
+                  <a:ea typeface="微软雅黑" panose="020B0503020204020204" pitchFamily="34" charset="-122"/>
+                </a:rPr>
+                <a:t>IP</a:t>
+              </a:r>
+            </a:p>
+          </p:txBody>
+        </p:sp>
+        <p:cxnSp>
+          <p:nvCxnSpPr>
+            <p:cNvPr id="48" name="直接箭头连接符 47"/>
+            <p:cNvCxnSpPr>
+              <a:stCxn id="40" idx="2"/>
+            </p:cNvCxnSpPr>
+            <p:nvPr/>
+          </p:nvCxnSpPr>
+          <p:spPr>
+            <a:xfrm>
+              <a:off x="5460672" y="2940329"/>
+              <a:ext cx="1916" cy="289527"/>
+            </a:xfrm>
+            <a:prstGeom prst="straightConnector1">
+              <a:avLst/>
+            </a:prstGeom>
+            <a:ln>
+              <a:solidFill>
+                <a:schemeClr val="tx1"/>
+              </a:solidFill>
+              <a:tailEnd type="triangle"/>
+            </a:ln>
+          </p:spPr>
+          <p:style>
+            <a:lnRef idx="1">
+              <a:schemeClr val="accent1"/>
+            </a:lnRef>
+            <a:fillRef idx="0">
+              <a:schemeClr val="accent1"/>
+            </a:fillRef>
+            <a:effectRef idx="0">
+              <a:schemeClr val="accent1"/>
+            </a:effectRef>
+            <a:fontRef idx="minor">
+              <a:schemeClr val="tx1"/>
+            </a:fontRef>
+          </p:style>
+        </p:cxnSp>
+        <p:cxnSp>
+          <p:nvCxnSpPr>
+            <p:cNvPr id="50" name="直接箭头连接符 49"/>
+            <p:cNvCxnSpPr/>
+            <p:nvPr/>
+          </p:nvCxnSpPr>
+          <p:spPr>
+            <a:xfrm>
+              <a:off x="6802279" y="2940329"/>
+              <a:ext cx="0" cy="289527"/>
+            </a:xfrm>
+            <a:prstGeom prst="straightConnector1">
+              <a:avLst/>
+            </a:prstGeom>
+            <a:ln>
+              <a:solidFill>
+                <a:schemeClr val="tx1"/>
+              </a:solidFill>
+              <a:tailEnd type="triangle"/>
+            </a:ln>
+          </p:spPr>
+          <p:style>
+            <a:lnRef idx="1">
+              <a:schemeClr val="accent1"/>
+            </a:lnRef>
+            <a:fillRef idx="0">
+              <a:schemeClr val="accent1"/>
+            </a:fillRef>
+            <a:effectRef idx="0">
+              <a:schemeClr val="accent1"/>
+            </a:effectRef>
+            <a:fontRef idx="minor">
+              <a:schemeClr val="tx1"/>
+            </a:fontRef>
+          </p:style>
+        </p:cxnSp>
+        <p:sp>
+          <p:nvSpPr>
+            <p:cNvPr id="52" name="矩形 51"/>
+            <p:cNvSpPr/>
+            <p:nvPr/>
+          </p:nvSpPr>
+          <p:spPr>
+            <a:xfrm>
+              <a:off x="7426620" y="3229856"/>
+              <a:ext cx="533411" cy="451023"/>
+            </a:xfrm>
+            <a:prstGeom prst="rect">
+              <a:avLst/>
+            </a:prstGeom>
+            <a:solidFill>
+              <a:schemeClr val="bg1"/>
+            </a:solidFill>
+          </p:spPr>
+          <p:style>
+            <a:lnRef idx="2">
+              <a:schemeClr val="accent1">
+                <a:shade val="50000"/>
+              </a:schemeClr>
+            </a:lnRef>
+            <a:fillRef idx="1">
+              <a:schemeClr val="accent1"/>
+            </a:fillRef>
+            <a:effectRef idx="0">
+              <a:schemeClr val="accent1"/>
+            </a:effectRef>
+            <a:fontRef idx="minor">
+              <a:schemeClr val="lt1"/>
+            </a:fontRef>
+          </p:style>
+          <p:txBody>
+            <a:bodyPr rtlCol="0" anchor="ctr"/>
+            <a:lstStyle/>
+            <a:p>
+              <a:pPr algn="ctr"/>
+              <a:r>
+                <a:rPr lang="en-US" altLang="zh-CN" sz="1050" dirty="0" smtClean="0">
+                  <a:solidFill>
+                    <a:schemeClr val="tx1"/>
+                  </a:solidFill>
+                  <a:latin typeface="微软雅黑" panose="020B0503020204020204" pitchFamily="34" charset="-122"/>
+                  <a:ea typeface="微软雅黑" panose="020B0503020204020204" pitchFamily="34" charset="-122"/>
+                </a:rPr>
+                <a:t>ARP</a:t>
+              </a:r>
+            </a:p>
+          </p:txBody>
+        </p:sp>
+        <p:sp>
+          <p:nvSpPr>
+            <p:cNvPr id="53" name="矩形 52"/>
+            <p:cNvSpPr/>
+            <p:nvPr/>
+          </p:nvSpPr>
+          <p:spPr>
+            <a:xfrm>
+              <a:off x="4146222" y="3942834"/>
+              <a:ext cx="3893820" cy="1612146"/>
+            </a:xfrm>
+            <a:prstGeom prst="rect">
+              <a:avLst/>
+            </a:prstGeom>
+            <a:solidFill>
+              <a:schemeClr val="accent1">
+                <a:lumMod val="20000"/>
+                <a:lumOff val="80000"/>
+              </a:schemeClr>
+            </a:solidFill>
+            <a:ln>
+              <a:solidFill>
+                <a:schemeClr val="tx1"/>
+              </a:solidFill>
+            </a:ln>
+          </p:spPr>
+          <p:style>
+            <a:lnRef idx="2">
+              <a:schemeClr val="accent1">
+                <a:shade val="50000"/>
+              </a:schemeClr>
+            </a:lnRef>
+            <a:fillRef idx="1">
+              <a:schemeClr val="accent1"/>
+            </a:fillRef>
+            <a:effectRef idx="0">
+              <a:schemeClr val="accent1"/>
+            </a:effectRef>
+            <a:fontRef idx="minor">
+              <a:schemeClr val="lt1"/>
+            </a:fontRef>
+          </p:style>
+          <p:txBody>
+            <a:bodyPr rtlCol="0" anchor="ctr"/>
+            <a:lstStyle/>
+            <a:p>
+              <a:pPr algn="ctr"/>
+              <a:endParaRPr lang="zh-CN" altLang="en-US"/>
+            </a:p>
+          </p:txBody>
+        </p:sp>
+        <p:sp>
+          <p:nvSpPr>
+            <p:cNvPr id="54" name="矩形 53"/>
+            <p:cNvSpPr/>
+            <p:nvPr/>
+          </p:nvSpPr>
+          <p:spPr>
+            <a:xfrm>
+              <a:off x="4143354" y="3947841"/>
+              <a:ext cx="857927" cy="253916"/>
+            </a:xfrm>
+            <a:prstGeom prst="rect">
+              <a:avLst/>
+            </a:prstGeom>
+          </p:spPr>
+          <p:txBody>
+            <a:bodyPr wrap="none">
+              <a:spAutoFit/>
+            </a:bodyPr>
+            <a:lstStyle/>
+            <a:p>
+              <a:pPr algn="ctr"/>
+              <a:r>
+                <a:rPr lang="zh-CN" altLang="en-US" sz="1050" dirty="0" smtClean="0">
+                  <a:latin typeface="微软雅黑" panose="020B0503020204020204" pitchFamily="34" charset="-122"/>
+                  <a:ea typeface="微软雅黑" panose="020B0503020204020204" pitchFamily="34" charset="-122"/>
+                </a:rPr>
+                <a:t>网络访问层</a:t>
+              </a:r>
+              <a:endParaRPr lang="zh-CN" altLang="en-US" sz="1050" dirty="0">
+                <a:latin typeface="微软雅黑" panose="020B0503020204020204" pitchFamily="34" charset="-122"/>
+                <a:ea typeface="微软雅黑" panose="020B0503020204020204" pitchFamily="34" charset="-122"/>
+              </a:endParaRPr>
+            </a:p>
+          </p:txBody>
+        </p:sp>
+        <p:sp>
+          <p:nvSpPr>
+            <p:cNvPr id="55" name="矩形 54"/>
+            <p:cNvSpPr/>
+            <p:nvPr/>
+          </p:nvSpPr>
+          <p:spPr>
+            <a:xfrm>
+              <a:off x="5036252" y="4030553"/>
+              <a:ext cx="1988820" cy="617220"/>
+            </a:xfrm>
+            <a:prstGeom prst="rect">
+              <a:avLst/>
+            </a:prstGeom>
+            <a:solidFill>
+              <a:schemeClr val="bg1"/>
+            </a:solidFill>
+          </p:spPr>
+          <p:style>
+            <a:lnRef idx="2">
+              <a:schemeClr val="accent1">
+                <a:shade val="50000"/>
+              </a:schemeClr>
+            </a:lnRef>
+            <a:fillRef idx="1">
+              <a:schemeClr val="accent1"/>
+            </a:fillRef>
+            <a:effectRef idx="0">
+              <a:schemeClr val="accent1"/>
+            </a:effectRef>
+            <a:fontRef idx="minor">
+              <a:schemeClr val="lt1"/>
+            </a:fontRef>
+          </p:style>
+          <p:txBody>
+            <a:bodyPr rtlCol="0" anchor="ctr"/>
+            <a:lstStyle/>
+            <a:p>
+              <a:pPr algn="ctr"/>
+              <a:endParaRPr lang="zh-CN" altLang="en-US"/>
+            </a:p>
+          </p:txBody>
+        </p:sp>
+        <p:sp>
+          <p:nvSpPr>
+            <p:cNvPr id="56" name="矩形 55"/>
+            <p:cNvSpPr/>
+            <p:nvPr/>
+          </p:nvSpPr>
+          <p:spPr>
+            <a:xfrm>
+              <a:off x="5188652" y="4182953"/>
+              <a:ext cx="1988820" cy="617220"/>
+            </a:xfrm>
+            <a:prstGeom prst="rect">
+              <a:avLst/>
+            </a:prstGeom>
+            <a:solidFill>
+              <a:schemeClr val="bg1"/>
+            </a:solidFill>
+          </p:spPr>
+          <p:style>
+            <a:lnRef idx="2">
+              <a:schemeClr val="accent1">
+                <a:shade val="50000"/>
+              </a:schemeClr>
+            </a:lnRef>
+            <a:fillRef idx="1">
+              <a:schemeClr val="accent1"/>
+            </a:fillRef>
+            <a:effectRef idx="0">
+              <a:schemeClr val="accent1"/>
+            </a:effectRef>
+            <a:fontRef idx="minor">
+              <a:schemeClr val="lt1"/>
+            </a:fontRef>
+          </p:style>
+          <p:txBody>
+            <a:bodyPr rtlCol="0" anchor="ctr"/>
+            <a:lstStyle/>
+            <a:p>
+              <a:pPr algn="ctr"/>
+              <a:endParaRPr lang="zh-CN" altLang="en-US"/>
+            </a:p>
+          </p:txBody>
+        </p:sp>
+        <p:sp>
+          <p:nvSpPr>
+            <p:cNvPr id="57" name="矩形 56"/>
+            <p:cNvSpPr/>
+            <p:nvPr/>
+          </p:nvSpPr>
+          <p:spPr>
+            <a:xfrm>
+              <a:off x="5341052" y="4335353"/>
+              <a:ext cx="1988820" cy="617220"/>
+            </a:xfrm>
+            <a:prstGeom prst="rect">
+              <a:avLst/>
+            </a:prstGeom>
+            <a:solidFill>
+              <a:schemeClr val="bg1"/>
+            </a:solidFill>
+          </p:spPr>
+          <p:style>
+            <a:lnRef idx="2">
+              <a:schemeClr val="accent1">
+                <a:shade val="50000"/>
+              </a:schemeClr>
+            </a:lnRef>
+            <a:fillRef idx="1">
+              <a:schemeClr val="accent1"/>
+            </a:fillRef>
+            <a:effectRef idx="0">
+              <a:schemeClr val="accent1"/>
+            </a:effectRef>
+            <a:fontRef idx="minor">
+              <a:schemeClr val="lt1"/>
+            </a:fontRef>
+          </p:style>
+          <p:txBody>
+            <a:bodyPr rtlCol="0" anchor="ctr"/>
+            <a:lstStyle/>
+            <a:p>
+              <a:pPr algn="ctr"/>
+              <a:endParaRPr lang="zh-CN" altLang="en-US"/>
+            </a:p>
+          </p:txBody>
+        </p:sp>
+        <p:sp>
+          <p:nvSpPr>
+            <p:cNvPr id="58" name="矩形 57"/>
+            <p:cNvSpPr/>
+            <p:nvPr/>
+          </p:nvSpPr>
+          <p:spPr>
+            <a:xfrm>
+              <a:off x="5493452" y="4487753"/>
+              <a:ext cx="1988820" cy="617220"/>
+            </a:xfrm>
+            <a:prstGeom prst="rect">
+              <a:avLst/>
+            </a:prstGeom>
+            <a:solidFill>
+              <a:schemeClr val="bg1"/>
+            </a:solidFill>
+          </p:spPr>
+          <p:style>
+            <a:lnRef idx="2">
+              <a:schemeClr val="accent1">
+                <a:shade val="50000"/>
+              </a:schemeClr>
+            </a:lnRef>
+            <a:fillRef idx="1">
+              <a:schemeClr val="accent1"/>
+            </a:fillRef>
+            <a:effectRef idx="0">
+              <a:schemeClr val="accent1"/>
+            </a:effectRef>
+            <a:fontRef idx="minor">
+              <a:schemeClr val="lt1"/>
+            </a:fontRef>
+          </p:style>
+          <p:txBody>
+            <a:bodyPr rtlCol="0" anchor="ctr"/>
+            <a:lstStyle/>
+            <a:p>
+              <a:pPr algn="ctr"/>
+              <a:r>
+                <a:rPr lang="zh-CN" altLang="en-US" sz="1050" dirty="0" smtClean="0">
+                  <a:solidFill>
+                    <a:schemeClr val="tx1"/>
+                  </a:solidFill>
+                  <a:latin typeface="微软雅黑" panose="020B0503020204020204" pitchFamily="34" charset="-122"/>
+                  <a:ea typeface="微软雅黑" panose="020B0503020204020204" pitchFamily="34" charset="-122"/>
+                </a:rPr>
+                <a:t>物理网络</a:t>
+              </a:r>
+              <a:endParaRPr lang="zh-CN" altLang="en-US" sz="1050" dirty="0">
+                <a:solidFill>
+                  <a:schemeClr val="tx1"/>
+                </a:solidFill>
+                <a:latin typeface="微软雅黑" panose="020B0503020204020204" pitchFamily="34" charset="-122"/>
+                <a:ea typeface="微软雅黑" panose="020B0503020204020204" pitchFamily="34" charset="-122"/>
+              </a:endParaRPr>
+            </a:p>
+          </p:txBody>
+        </p:sp>
+        <p:cxnSp>
+          <p:nvCxnSpPr>
+            <p:cNvPr id="60" name="直接箭头连接符 59"/>
+            <p:cNvCxnSpPr>
+              <a:stCxn id="46" idx="3"/>
+              <a:endCxn id="52" idx="1"/>
+            </p:cNvCxnSpPr>
+            <p:nvPr/>
+          </p:nvCxnSpPr>
+          <p:spPr>
+            <a:xfrm>
+              <a:off x="7237074" y="3455368"/>
+              <a:ext cx="189546" cy="0"/>
+            </a:xfrm>
+            <a:prstGeom prst="straightConnector1">
+              <a:avLst/>
+            </a:prstGeom>
+            <a:ln>
+              <a:solidFill>
+                <a:schemeClr val="tx1"/>
+              </a:solidFill>
+              <a:tailEnd type="triangle"/>
+            </a:ln>
+          </p:spPr>
+          <p:style>
+            <a:lnRef idx="1">
+              <a:schemeClr val="accent1"/>
+            </a:lnRef>
+            <a:fillRef idx="0">
+              <a:schemeClr val="accent1"/>
+            </a:fillRef>
+            <a:effectRef idx="0">
+              <a:schemeClr val="accent1"/>
+            </a:effectRef>
+            <a:fontRef idx="minor">
+              <a:schemeClr val="tx1"/>
+            </a:fontRef>
+          </p:style>
+        </p:cxnSp>
+        <p:cxnSp>
+          <p:nvCxnSpPr>
+            <p:cNvPr id="62" name="直接箭头连接符 61"/>
+            <p:cNvCxnSpPr>
+              <a:stCxn id="46" idx="2"/>
+            </p:cNvCxnSpPr>
+            <p:nvPr/>
+          </p:nvCxnSpPr>
+          <p:spPr>
+            <a:xfrm>
+              <a:off x="6116463" y="3680879"/>
+              <a:ext cx="0" cy="349674"/>
+            </a:xfrm>
+            <a:prstGeom prst="straightConnector1">
+              <a:avLst/>
+            </a:prstGeom>
+            <a:ln>
+              <a:solidFill>
+                <a:schemeClr val="tx1"/>
+              </a:solidFill>
+              <a:tailEnd type="triangle"/>
+            </a:ln>
+          </p:spPr>
+          <p:style>
+            <a:lnRef idx="1">
+              <a:schemeClr val="accent1"/>
+            </a:lnRef>
+            <a:fillRef idx="0">
+              <a:schemeClr val="accent1"/>
+            </a:fillRef>
+            <a:effectRef idx="0">
+              <a:schemeClr val="accent1"/>
+            </a:effectRef>
+            <a:fontRef idx="minor">
+              <a:schemeClr val="tx1"/>
+            </a:fontRef>
+          </p:style>
+        </p:cxnSp>
+        <p:cxnSp>
+          <p:nvCxnSpPr>
+            <p:cNvPr id="64" name="肘形连接符 63"/>
+            <p:cNvCxnSpPr>
+              <a:endCxn id="52" idx="2"/>
+            </p:cNvCxnSpPr>
+            <p:nvPr/>
+          </p:nvCxnSpPr>
+          <p:spPr>
+            <a:xfrm rot="5400000" flipH="1" flipV="1">
+              <a:off x="7157479" y="3853273"/>
+              <a:ext cx="708241" cy="363454"/>
+            </a:xfrm>
+            <a:prstGeom prst="bentConnector3">
+              <a:avLst>
+                <a:gd name="adj1" fmla="val -1644"/>
+              </a:avLst>
+            </a:prstGeom>
+            <a:ln>
+              <a:solidFill>
+                <a:schemeClr val="tx1"/>
+              </a:solidFill>
+              <a:tailEnd type="triangle"/>
+            </a:ln>
+          </p:spPr>
+          <p:style>
+            <a:lnRef idx="1">
+              <a:schemeClr val="accent1"/>
+            </a:lnRef>
+            <a:fillRef idx="0">
+              <a:schemeClr val="accent1"/>
+            </a:fillRef>
+            <a:effectRef idx="0">
+              <a:schemeClr val="accent1"/>
+            </a:effectRef>
+            <a:fontRef idx="minor">
+              <a:schemeClr val="tx1"/>
+            </a:fontRef>
+          </p:style>
+        </p:cxnSp>
+        <p:cxnSp>
+          <p:nvCxnSpPr>
+            <p:cNvPr id="67" name="直接箭头连接符 66"/>
+            <p:cNvCxnSpPr>
+              <a:stCxn id="58" idx="2"/>
+            </p:cNvCxnSpPr>
+            <p:nvPr/>
+          </p:nvCxnSpPr>
+          <p:spPr>
+            <a:xfrm>
+              <a:off x="6487862" y="5104973"/>
+              <a:ext cx="0" cy="655747"/>
+            </a:xfrm>
+            <a:prstGeom prst="straightConnector1">
+              <a:avLst/>
+            </a:prstGeom>
+            <a:ln>
+              <a:solidFill>
+                <a:schemeClr val="tx1"/>
+              </a:solidFill>
+              <a:tailEnd type="triangle"/>
+            </a:ln>
+          </p:spPr>
+          <p:style>
+            <a:lnRef idx="1">
+              <a:schemeClr val="accent1"/>
+            </a:lnRef>
+            <a:fillRef idx="0">
+              <a:schemeClr val="accent1"/>
+            </a:fillRef>
+            <a:effectRef idx="0">
+              <a:schemeClr val="accent1"/>
+            </a:effectRef>
+            <a:fontRef idx="minor">
+              <a:schemeClr val="tx1"/>
+            </a:fontRef>
+          </p:style>
+        </p:cxnSp>
+        <p:cxnSp>
+          <p:nvCxnSpPr>
+            <p:cNvPr id="69" name="直接箭头连接符 68"/>
+            <p:cNvCxnSpPr>
+              <a:stCxn id="31" idx="2"/>
+              <a:endCxn id="36" idx="0"/>
+            </p:cNvCxnSpPr>
+            <p:nvPr/>
+          </p:nvCxnSpPr>
+          <p:spPr>
+            <a:xfrm>
+              <a:off x="6090680" y="1100463"/>
+              <a:ext cx="0" cy="314267"/>
+            </a:xfrm>
+            <a:prstGeom prst="straightConnector1">
+              <a:avLst/>
+            </a:prstGeom>
+            <a:ln>
+              <a:solidFill>
+                <a:schemeClr val="tx1"/>
+              </a:solidFill>
+              <a:tailEnd type="triangle"/>
+            </a:ln>
+          </p:spPr>
+          <p:style>
+            <a:lnRef idx="1">
+              <a:schemeClr val="accent1"/>
+            </a:lnRef>
+            <a:fillRef idx="0">
+              <a:schemeClr val="accent1"/>
+            </a:fillRef>
+            <a:effectRef idx="0">
+              <a:schemeClr val="accent1"/>
+            </a:effectRef>
+            <a:fontRef idx="minor">
+              <a:schemeClr val="tx1"/>
+            </a:fontRef>
+          </p:style>
+        </p:cxnSp>
+      </p:grpSp>
+    </p:spTree>
+    <p:extLst>
+      <p:ext uri="{BB962C8B-B14F-4D97-AF65-F5344CB8AC3E}">
+        <p14:creationId xmlns:p14="http://schemas.microsoft.com/office/powerpoint/2010/main" val="1756324376"/>
+      </p:ext>
+    </p:extLst>
+  </p:cSld>
+  <p:clrMapOvr>
+    <a:masterClrMapping/>
+  </p:clrMapOvr>
+</p:sld>
+</file>
+
+<file path=ppt/slides/slide11.xml><?xml version="1.0" encoding="utf-8"?>
+<p:sld xmlns:a="http://schemas.openxmlformats.org/drawingml/2006/main" xmlns:r="http://schemas.openxmlformats.org/officeDocument/2006/relationships" xmlns:p="http://schemas.openxmlformats.org/presentationml/2006/main">
+  <p:cSld>
+    <p:spTree>
+      <p:nvGrpSpPr>
+        <p:cNvPr id="1" name=""/>
+        <p:cNvGrpSpPr/>
+        <p:nvPr/>
+      </p:nvGrpSpPr>
+      <p:grpSpPr>
+        <a:xfrm>
+          <a:off x="0" y="0"/>
+          <a:ext cx="0" cy="0"/>
+          <a:chOff x="0" y="0"/>
+          <a:chExt cx="0" cy="0"/>
+        </a:xfrm>
+      </p:grpSpPr>
+      <p:grpSp>
+        <p:nvGrpSpPr>
+          <p:cNvPr id="26" name="组合 25"/>
+          <p:cNvGrpSpPr/>
+          <p:nvPr/>
+        </p:nvGrpSpPr>
+        <p:grpSpPr>
+          <a:xfrm>
+            <a:off x="2622430" y="1026542"/>
+            <a:ext cx="2835215" cy="1219737"/>
+            <a:chOff x="2622430" y="1026542"/>
+            <a:chExt cx="2835215" cy="1219737"/>
+          </a:xfrm>
+        </p:grpSpPr>
+        <p:sp>
+          <p:nvSpPr>
+            <p:cNvPr id="2" name="矩形 1"/>
+            <p:cNvSpPr/>
+            <p:nvPr/>
+          </p:nvSpPr>
+          <p:spPr>
+            <a:xfrm>
+              <a:off x="2622430" y="1026543"/>
+              <a:ext cx="966159" cy="388189"/>
+            </a:xfrm>
+            <a:prstGeom prst="rect">
+              <a:avLst/>
+            </a:prstGeom>
+            <a:solidFill>
+              <a:schemeClr val="bg1"/>
+            </a:solidFill>
+            <a:ln>
+              <a:solidFill>
+                <a:schemeClr val="tx1"/>
+              </a:solidFill>
+            </a:ln>
+          </p:spPr>
+          <p:style>
+            <a:lnRef idx="2">
+              <a:schemeClr val="accent1">
+                <a:shade val="50000"/>
+              </a:schemeClr>
+            </a:lnRef>
+            <a:fillRef idx="1">
+              <a:schemeClr val="accent1"/>
+            </a:fillRef>
+            <a:effectRef idx="0">
+              <a:schemeClr val="accent1"/>
+            </a:effectRef>
+            <a:fontRef idx="minor">
+              <a:schemeClr val="lt1"/>
+            </a:fontRef>
+          </p:style>
+          <p:txBody>
+            <a:bodyPr rtlCol="0" anchor="ctr"/>
+            <a:lstStyle/>
+            <a:p>
+              <a:pPr algn="ctr"/>
+              <a:r>
+                <a:rPr lang="zh-CN" altLang="en-US" sz="1050" dirty="0" smtClean="0">
+                  <a:solidFill>
+                    <a:schemeClr val="tx1"/>
+                  </a:solidFill>
+                  <a:latin typeface="微软雅黑" panose="020B0503020204020204" pitchFamily="34" charset="-122"/>
+                  <a:ea typeface="微软雅黑" panose="020B0503020204020204" pitchFamily="34" charset="-122"/>
+                </a:rPr>
+                <a:t>计算机</a:t>
+              </a:r>
+              <a:r>
+                <a:rPr lang="en-US" altLang="zh-CN" sz="1050" dirty="0" smtClean="0">
+                  <a:solidFill>
+                    <a:schemeClr val="tx1"/>
+                  </a:solidFill>
+                  <a:latin typeface="微软雅黑" panose="020B0503020204020204" pitchFamily="34" charset="-122"/>
+                  <a:ea typeface="微软雅黑" panose="020B0503020204020204" pitchFamily="34" charset="-122"/>
+                </a:rPr>
+                <a:t>A</a:t>
+              </a:r>
+              <a:endParaRPr lang="zh-CN" altLang="en-US" sz="1050" dirty="0">
+                <a:solidFill>
+                  <a:schemeClr val="tx1"/>
+                </a:solidFill>
+                <a:latin typeface="微软雅黑" panose="020B0503020204020204" pitchFamily="34" charset="-122"/>
+                <a:ea typeface="微软雅黑" panose="020B0503020204020204" pitchFamily="34" charset="-122"/>
+              </a:endParaRPr>
+            </a:p>
+          </p:txBody>
+        </p:sp>
+        <p:sp>
+          <p:nvSpPr>
+            <p:cNvPr id="4" name="矩形 3"/>
+            <p:cNvSpPr/>
+            <p:nvPr/>
+          </p:nvSpPr>
+          <p:spPr>
+            <a:xfrm>
+              <a:off x="4491486" y="1026542"/>
+              <a:ext cx="966159" cy="388189"/>
+            </a:xfrm>
+            <a:prstGeom prst="rect">
+              <a:avLst/>
+            </a:prstGeom>
+            <a:solidFill>
+              <a:schemeClr val="bg1"/>
+            </a:solidFill>
+            <a:ln>
+              <a:solidFill>
+                <a:schemeClr val="tx1"/>
+              </a:solidFill>
+            </a:ln>
+          </p:spPr>
+          <p:style>
+            <a:lnRef idx="2">
+              <a:schemeClr val="accent1">
+                <a:shade val="50000"/>
+              </a:schemeClr>
+            </a:lnRef>
+            <a:fillRef idx="1">
+              <a:schemeClr val="accent1"/>
+            </a:fillRef>
+            <a:effectRef idx="0">
+              <a:schemeClr val="accent1"/>
+            </a:effectRef>
+            <a:fontRef idx="minor">
+              <a:schemeClr val="lt1"/>
+            </a:fontRef>
+          </p:style>
+          <p:txBody>
+            <a:bodyPr rtlCol="0" anchor="ctr"/>
+            <a:lstStyle/>
+            <a:p>
+              <a:pPr algn="ctr"/>
+              <a:r>
+                <a:rPr lang="zh-CN" altLang="en-US" sz="1050" dirty="0" smtClean="0">
+                  <a:solidFill>
+                    <a:schemeClr val="tx1"/>
+                  </a:solidFill>
+                  <a:latin typeface="微软雅黑" panose="020B0503020204020204" pitchFamily="34" charset="-122"/>
+                  <a:ea typeface="微软雅黑" panose="020B0503020204020204" pitchFamily="34" charset="-122"/>
+                </a:rPr>
+                <a:t>计算机</a:t>
+              </a:r>
+              <a:r>
+                <a:rPr lang="en-US" altLang="zh-CN" sz="1050" dirty="0" smtClean="0">
+                  <a:solidFill>
+                    <a:schemeClr val="tx1"/>
+                  </a:solidFill>
+                  <a:latin typeface="微软雅黑" panose="020B0503020204020204" pitchFamily="34" charset="-122"/>
+                  <a:ea typeface="微软雅黑" panose="020B0503020204020204" pitchFamily="34" charset="-122"/>
+                </a:rPr>
+                <a:t>B</a:t>
+              </a:r>
+              <a:endParaRPr lang="zh-CN" altLang="en-US" sz="1050" dirty="0">
+                <a:solidFill>
+                  <a:schemeClr val="tx1"/>
+                </a:solidFill>
+                <a:latin typeface="微软雅黑" panose="020B0503020204020204" pitchFamily="34" charset="-122"/>
+                <a:ea typeface="微软雅黑" panose="020B0503020204020204" pitchFamily="34" charset="-122"/>
+              </a:endParaRPr>
+            </a:p>
+          </p:txBody>
+        </p:sp>
+        <p:cxnSp>
+          <p:nvCxnSpPr>
+            <p:cNvPr id="11" name="直接连接符 10"/>
+            <p:cNvCxnSpPr/>
+            <p:nvPr/>
+          </p:nvCxnSpPr>
+          <p:spPr>
+            <a:xfrm>
+              <a:off x="3329796" y="1414731"/>
+              <a:ext cx="0" cy="241541"/>
+            </a:xfrm>
+            <a:prstGeom prst="line">
+              <a:avLst/>
+            </a:prstGeom>
+            <a:ln>
+              <a:solidFill>
+                <a:schemeClr val="tx1"/>
+              </a:solidFill>
+            </a:ln>
+          </p:spPr>
+          <p:style>
+            <a:lnRef idx="1">
+              <a:schemeClr val="accent1"/>
+            </a:lnRef>
+            <a:fillRef idx="0">
+              <a:schemeClr val="accent1"/>
+            </a:fillRef>
+            <a:effectRef idx="0">
+              <a:schemeClr val="accent1"/>
+            </a:effectRef>
+            <a:fontRef idx="minor">
+              <a:schemeClr val="tx1"/>
+            </a:fontRef>
+          </p:style>
+        </p:cxnSp>
+        <p:cxnSp>
+          <p:nvCxnSpPr>
+            <p:cNvPr id="13" name="肘形连接符 12"/>
+            <p:cNvCxnSpPr/>
+            <p:nvPr/>
+          </p:nvCxnSpPr>
+          <p:spPr>
+            <a:xfrm flipV="1">
+              <a:off x="3321170" y="1414731"/>
+              <a:ext cx="1483743" cy="241541"/>
+            </a:xfrm>
+            <a:prstGeom prst="bentConnector3">
+              <a:avLst>
+                <a:gd name="adj1" fmla="val 100000"/>
+              </a:avLst>
+            </a:prstGeom>
+            <a:ln>
+              <a:solidFill>
+                <a:schemeClr val="tx1"/>
+              </a:solidFill>
+              <a:tailEnd type="triangle"/>
+            </a:ln>
+          </p:spPr>
+          <p:style>
+            <a:lnRef idx="1">
+              <a:schemeClr val="accent1"/>
+            </a:lnRef>
+            <a:fillRef idx="0">
+              <a:schemeClr val="accent1"/>
+            </a:fillRef>
+            <a:effectRef idx="0">
+              <a:schemeClr val="accent1"/>
+            </a:effectRef>
+            <a:fontRef idx="minor">
+              <a:schemeClr val="tx1"/>
+            </a:fontRef>
+          </p:style>
+        </p:cxnSp>
+        <p:cxnSp>
+          <p:nvCxnSpPr>
+            <p:cNvPr id="16" name="直接连接符 15"/>
+            <p:cNvCxnSpPr/>
+            <p:nvPr/>
+          </p:nvCxnSpPr>
+          <p:spPr>
+            <a:xfrm>
+              <a:off x="5244321" y="1414731"/>
+              <a:ext cx="0" cy="471219"/>
+            </a:xfrm>
+            <a:prstGeom prst="line">
+              <a:avLst/>
+            </a:prstGeom>
+            <a:ln>
+              <a:solidFill>
+                <a:schemeClr val="tx1"/>
+              </a:solidFill>
+            </a:ln>
+          </p:spPr>
+          <p:style>
+            <a:lnRef idx="1">
+              <a:schemeClr val="accent1"/>
+            </a:lnRef>
+            <a:fillRef idx="0">
+              <a:schemeClr val="accent1"/>
+            </a:fillRef>
+            <a:effectRef idx="0">
+              <a:schemeClr val="accent1"/>
+            </a:effectRef>
+            <a:fontRef idx="minor">
+              <a:schemeClr val="tx1"/>
+            </a:fontRef>
+          </p:style>
+        </p:cxnSp>
+        <p:cxnSp>
+          <p:nvCxnSpPr>
+            <p:cNvPr id="19" name="肘形连接符 18"/>
+            <p:cNvCxnSpPr/>
+            <p:nvPr/>
+          </p:nvCxnSpPr>
+          <p:spPr>
+            <a:xfrm rot="10800000">
+              <a:off x="2787651" y="1414734"/>
+              <a:ext cx="2456671" cy="471217"/>
+            </a:xfrm>
+            <a:prstGeom prst="bentConnector3">
+              <a:avLst>
+                <a:gd name="adj1" fmla="val 100016"/>
+              </a:avLst>
+            </a:prstGeom>
+            <a:ln>
+              <a:solidFill>
+                <a:schemeClr val="tx1"/>
+              </a:solidFill>
+              <a:tailEnd type="triangle"/>
+            </a:ln>
+          </p:spPr>
+          <p:style>
+            <a:lnRef idx="1">
+              <a:schemeClr val="accent1"/>
+            </a:lnRef>
+            <a:fillRef idx="0">
+              <a:schemeClr val="accent1"/>
+            </a:fillRef>
+            <a:effectRef idx="0">
+              <a:schemeClr val="accent1"/>
+            </a:effectRef>
+            <a:fontRef idx="minor">
+              <a:schemeClr val="tx1"/>
+            </a:fontRef>
+          </p:style>
+        </p:cxnSp>
+        <p:sp>
+          <p:nvSpPr>
+            <p:cNvPr id="24" name="文本框 23"/>
+            <p:cNvSpPr txBox="1"/>
+            <p:nvPr/>
+          </p:nvSpPr>
+          <p:spPr>
+            <a:xfrm>
+              <a:off x="3546309" y="1304092"/>
+              <a:ext cx="1033463" cy="369332"/>
+            </a:xfrm>
+            <a:prstGeom prst="rect">
+              <a:avLst/>
+            </a:prstGeom>
+            <a:noFill/>
+          </p:spPr>
+          <p:txBody>
+            <a:bodyPr wrap="square" rtlCol="0">
+              <a:spAutoFit/>
+            </a:bodyPr>
+            <a:lstStyle/>
+            <a:p>
+              <a:r>
+                <a:rPr lang="zh-CN" altLang="en-US" sz="900" dirty="0" smtClean="0">
+                  <a:latin typeface="微软雅黑" panose="020B0503020204020204" pitchFamily="34" charset="-122"/>
+                  <a:ea typeface="微软雅黑" panose="020B0503020204020204" pitchFamily="34" charset="-122"/>
+                </a:rPr>
+                <a:t>请求连接端口</a:t>
+              </a:r>
+              <a:r>
+                <a:rPr lang="en-US" altLang="zh-CN" sz="900" dirty="0" smtClean="0">
+                  <a:latin typeface="微软雅黑" panose="020B0503020204020204" pitchFamily="34" charset="-122"/>
+                  <a:ea typeface="微软雅黑" panose="020B0503020204020204" pitchFamily="34" charset="-122"/>
+                </a:rPr>
+                <a:t>23</a:t>
+              </a:r>
+            </a:p>
+            <a:p>
+              <a:pPr algn="ctr"/>
+              <a:r>
+                <a:rPr lang="zh-CN" altLang="en-US" sz="900" dirty="0" smtClean="0">
+                  <a:latin typeface="微软雅黑" panose="020B0503020204020204" pitchFamily="34" charset="-122"/>
+                  <a:ea typeface="微软雅黑" panose="020B0503020204020204" pitchFamily="34" charset="-122"/>
+                </a:rPr>
+                <a:t>源端口</a:t>
+              </a:r>
+              <a:r>
+                <a:rPr lang="en-US" altLang="zh-CN" sz="900" dirty="0" smtClean="0">
+                  <a:latin typeface="微软雅黑" panose="020B0503020204020204" pitchFamily="34" charset="-122"/>
+                  <a:ea typeface="微软雅黑" panose="020B0503020204020204" pitchFamily="34" charset="-122"/>
+                </a:rPr>
+                <a:t>2500</a:t>
+              </a:r>
+              <a:endParaRPr lang="zh-CN" altLang="en-US" sz="900" dirty="0">
+                <a:latin typeface="微软雅黑" panose="020B0503020204020204" pitchFamily="34" charset="-122"/>
+                <a:ea typeface="微软雅黑" panose="020B0503020204020204" pitchFamily="34" charset="-122"/>
+              </a:endParaRPr>
+            </a:p>
+          </p:txBody>
+        </p:sp>
+        <p:sp>
+          <p:nvSpPr>
+            <p:cNvPr id="25" name="文本框 24"/>
+            <p:cNvSpPr txBox="1"/>
+            <p:nvPr/>
+          </p:nvSpPr>
+          <p:spPr>
+            <a:xfrm>
+              <a:off x="3546308" y="1876947"/>
+              <a:ext cx="1033463" cy="369332"/>
+            </a:xfrm>
+            <a:prstGeom prst="rect">
+              <a:avLst/>
+            </a:prstGeom>
+            <a:noFill/>
+          </p:spPr>
+          <p:txBody>
+            <a:bodyPr wrap="square" rtlCol="0">
+              <a:spAutoFit/>
+            </a:bodyPr>
+            <a:lstStyle/>
+            <a:p>
+              <a:pPr algn="ctr"/>
+              <a:r>
+                <a:rPr lang="zh-CN" altLang="en-US" sz="900" dirty="0" smtClean="0">
+                  <a:latin typeface="微软雅黑" panose="020B0503020204020204" pitchFamily="34" charset="-122"/>
+                  <a:ea typeface="微软雅黑" panose="020B0503020204020204" pitchFamily="34" charset="-122"/>
+                </a:rPr>
+                <a:t>目的端口</a:t>
+              </a:r>
+              <a:r>
+                <a:rPr lang="en-US" altLang="zh-CN" sz="900" dirty="0" smtClean="0">
+                  <a:latin typeface="微软雅黑" panose="020B0503020204020204" pitchFamily="34" charset="-122"/>
+                  <a:ea typeface="微软雅黑" panose="020B0503020204020204" pitchFamily="34" charset="-122"/>
+                </a:rPr>
+                <a:t>2500</a:t>
+              </a:r>
+              <a:r>
+                <a:rPr lang="zh-CN" altLang="en-US" sz="900" dirty="0" smtClean="0">
+                  <a:latin typeface="微软雅黑" panose="020B0503020204020204" pitchFamily="34" charset="-122"/>
+                  <a:ea typeface="微软雅黑" panose="020B0503020204020204" pitchFamily="34" charset="-122"/>
+                </a:rPr>
+                <a:t>源源端口</a:t>
+              </a:r>
+              <a:r>
+                <a:rPr lang="en-US" altLang="zh-CN" sz="900" dirty="0" smtClean="0">
+                  <a:latin typeface="微软雅黑" panose="020B0503020204020204" pitchFamily="34" charset="-122"/>
+                  <a:ea typeface="微软雅黑" panose="020B0503020204020204" pitchFamily="34" charset="-122"/>
+                </a:rPr>
+                <a:t>23</a:t>
+              </a:r>
+              <a:endParaRPr lang="zh-CN" altLang="en-US" sz="900" dirty="0">
+                <a:latin typeface="微软雅黑" panose="020B0503020204020204" pitchFamily="34" charset="-122"/>
+                <a:ea typeface="微软雅黑" panose="020B0503020204020204" pitchFamily="34" charset="-122"/>
+              </a:endParaRPr>
+            </a:p>
+          </p:txBody>
+        </p:sp>
+      </p:grpSp>
+    </p:spTree>
+    <p:extLst>
+      <p:ext uri="{BB962C8B-B14F-4D97-AF65-F5344CB8AC3E}">
+        <p14:creationId xmlns:p14="http://schemas.microsoft.com/office/powerpoint/2010/main" val="1055667938"/>
       </p:ext>
     </p:extLst>
   </p:cSld>
@@ -4865,6 +6946,1780 @@
 </file>
 
 <file path=ppt/slides/slide5.xml><?xml version="1.0" encoding="utf-8"?>
+<p:sld xmlns:a="http://schemas.openxmlformats.org/drawingml/2006/main" xmlns:r="http://schemas.openxmlformats.org/officeDocument/2006/relationships" xmlns:p="http://schemas.openxmlformats.org/presentationml/2006/main">
+  <p:cSld>
+    <p:spTree>
+      <p:nvGrpSpPr>
+        <p:cNvPr id="1" name=""/>
+        <p:cNvGrpSpPr/>
+        <p:nvPr/>
+      </p:nvGrpSpPr>
+      <p:grpSpPr>
+        <a:xfrm>
+          <a:off x="0" y="0"/>
+          <a:ext cx="0" cy="0"/>
+          <a:chOff x="0" y="0"/>
+          <a:chExt cx="0" cy="0"/>
+        </a:xfrm>
+      </p:grpSpPr>
+      <p:grpSp>
+        <p:nvGrpSpPr>
+          <p:cNvPr id="30" name="组合 29"/>
+          <p:cNvGrpSpPr/>
+          <p:nvPr/>
+        </p:nvGrpSpPr>
+        <p:grpSpPr>
+          <a:xfrm>
+            <a:off x="1282462" y="117898"/>
+            <a:ext cx="4290202" cy="2712993"/>
+            <a:chOff x="1282462" y="117898"/>
+            <a:chExt cx="4290202" cy="2712993"/>
+          </a:xfrm>
+        </p:grpSpPr>
+        <p:sp>
+          <p:nvSpPr>
+            <p:cNvPr id="2" name="矩形 1"/>
+            <p:cNvSpPr/>
+            <p:nvPr/>
+          </p:nvSpPr>
+          <p:spPr>
+            <a:xfrm>
+              <a:off x="1282462" y="1314806"/>
+              <a:ext cx="810884" cy="319176"/>
+            </a:xfrm>
+            <a:prstGeom prst="rect">
+              <a:avLst/>
+            </a:prstGeom>
+            <a:solidFill>
+              <a:schemeClr val="bg1"/>
+            </a:solidFill>
+            <a:ln>
+              <a:solidFill>
+                <a:schemeClr val="tx1"/>
+              </a:solidFill>
+            </a:ln>
+          </p:spPr>
+          <p:style>
+            <a:lnRef idx="2">
+              <a:schemeClr val="accent1">
+                <a:shade val="50000"/>
+              </a:schemeClr>
+            </a:lnRef>
+            <a:fillRef idx="1">
+              <a:schemeClr val="accent1"/>
+            </a:fillRef>
+            <a:effectRef idx="0">
+              <a:schemeClr val="accent1"/>
+            </a:effectRef>
+            <a:fontRef idx="minor">
+              <a:schemeClr val="lt1"/>
+            </a:fontRef>
+          </p:style>
+          <p:txBody>
+            <a:bodyPr rtlCol="0" anchor="ctr"/>
+            <a:lstStyle/>
+            <a:p>
+              <a:pPr algn="ctr"/>
+              <a:r>
+                <a:rPr lang="en-US" altLang="zh-CN" sz="1050" dirty="0" smtClean="0">
+                  <a:solidFill>
+                    <a:schemeClr val="tx1"/>
+                  </a:solidFill>
+                  <a:latin typeface="微软雅黑" panose="020B0503020204020204" pitchFamily="34" charset="-122"/>
+                  <a:ea typeface="微软雅黑" panose="020B0503020204020204" pitchFamily="34" charset="-122"/>
+                </a:rPr>
+                <a:t>JSP</a:t>
+              </a:r>
+              <a:r>
+                <a:rPr lang="zh-CN" altLang="en-US" sz="1050" dirty="0" smtClean="0">
+                  <a:solidFill>
+                    <a:schemeClr val="tx1"/>
+                  </a:solidFill>
+                  <a:latin typeface="微软雅黑" panose="020B0503020204020204" pitchFamily="34" charset="-122"/>
+                  <a:ea typeface="微软雅黑" panose="020B0503020204020204" pitchFamily="34" charset="-122"/>
+                </a:rPr>
+                <a:t>界面</a:t>
+              </a:r>
+              <a:endParaRPr lang="zh-CN" altLang="en-US" sz="1050" dirty="0">
+                <a:solidFill>
+                  <a:schemeClr val="tx1"/>
+                </a:solidFill>
+                <a:latin typeface="微软雅黑" panose="020B0503020204020204" pitchFamily="34" charset="-122"/>
+                <a:ea typeface="微软雅黑" panose="020B0503020204020204" pitchFamily="34" charset="-122"/>
+              </a:endParaRPr>
+            </a:p>
+          </p:txBody>
+        </p:sp>
+        <p:sp>
+          <p:nvSpPr>
+            <p:cNvPr id="3" name="矩形 2"/>
+            <p:cNvSpPr/>
+            <p:nvPr/>
+          </p:nvSpPr>
+          <p:spPr>
+            <a:xfrm>
+              <a:off x="2628180" y="596662"/>
+              <a:ext cx="810884" cy="319176"/>
+            </a:xfrm>
+            <a:prstGeom prst="rect">
+              <a:avLst/>
+            </a:prstGeom>
+            <a:solidFill>
+              <a:schemeClr val="bg1"/>
+            </a:solidFill>
+            <a:ln>
+              <a:solidFill>
+                <a:schemeClr val="tx1"/>
+              </a:solidFill>
+            </a:ln>
+          </p:spPr>
+          <p:style>
+            <a:lnRef idx="2">
+              <a:schemeClr val="accent1">
+                <a:shade val="50000"/>
+              </a:schemeClr>
+            </a:lnRef>
+            <a:fillRef idx="1">
+              <a:schemeClr val="accent1"/>
+            </a:fillRef>
+            <a:effectRef idx="0">
+              <a:schemeClr val="accent1"/>
+            </a:effectRef>
+            <a:fontRef idx="minor">
+              <a:schemeClr val="lt1"/>
+            </a:fontRef>
+          </p:style>
+          <p:txBody>
+            <a:bodyPr rtlCol="0" anchor="ctr"/>
+            <a:lstStyle/>
+            <a:p>
+              <a:pPr algn="ctr"/>
+              <a:r>
+                <a:rPr lang="en-US" altLang="zh-CN" sz="1050" dirty="0" smtClean="0">
+                  <a:solidFill>
+                    <a:schemeClr val="tx1"/>
+                  </a:solidFill>
+                  <a:latin typeface="微软雅黑" panose="020B0503020204020204" pitchFamily="34" charset="-122"/>
+                  <a:ea typeface="微软雅黑" panose="020B0503020204020204" pitchFamily="34" charset="-122"/>
+                </a:rPr>
+                <a:t>JSP</a:t>
+              </a:r>
+              <a:r>
+                <a:rPr lang="zh-CN" altLang="en-US" sz="1050" dirty="0" smtClean="0">
+                  <a:solidFill>
+                    <a:schemeClr val="tx1"/>
+                  </a:solidFill>
+                  <a:latin typeface="微软雅黑" panose="020B0503020204020204" pitchFamily="34" charset="-122"/>
+                  <a:ea typeface="微软雅黑" panose="020B0503020204020204" pitchFamily="34" charset="-122"/>
+                </a:rPr>
+                <a:t>元素</a:t>
+              </a:r>
+              <a:endParaRPr lang="zh-CN" altLang="en-US" sz="1050" dirty="0">
+                <a:solidFill>
+                  <a:schemeClr val="tx1"/>
+                </a:solidFill>
+                <a:latin typeface="微软雅黑" panose="020B0503020204020204" pitchFamily="34" charset="-122"/>
+                <a:ea typeface="微软雅黑" panose="020B0503020204020204" pitchFamily="34" charset="-122"/>
+              </a:endParaRPr>
+            </a:p>
+          </p:txBody>
+        </p:sp>
+        <p:sp>
+          <p:nvSpPr>
+            <p:cNvPr id="4" name="矩形 3"/>
+            <p:cNvSpPr/>
+            <p:nvPr/>
+          </p:nvSpPr>
+          <p:spPr>
+            <a:xfrm>
+              <a:off x="2628180" y="2032952"/>
+              <a:ext cx="810884" cy="319176"/>
+            </a:xfrm>
+            <a:prstGeom prst="rect">
+              <a:avLst/>
+            </a:prstGeom>
+            <a:solidFill>
+              <a:schemeClr val="bg1"/>
+            </a:solidFill>
+            <a:ln>
+              <a:solidFill>
+                <a:schemeClr val="tx1"/>
+              </a:solidFill>
+            </a:ln>
+          </p:spPr>
+          <p:style>
+            <a:lnRef idx="2">
+              <a:schemeClr val="accent1">
+                <a:shade val="50000"/>
+              </a:schemeClr>
+            </a:lnRef>
+            <a:fillRef idx="1">
+              <a:schemeClr val="accent1"/>
+            </a:fillRef>
+            <a:effectRef idx="0">
+              <a:schemeClr val="accent1"/>
+            </a:effectRef>
+            <a:fontRef idx="minor">
+              <a:schemeClr val="lt1"/>
+            </a:fontRef>
+          </p:style>
+          <p:txBody>
+            <a:bodyPr rtlCol="0" anchor="ctr"/>
+            <a:lstStyle/>
+            <a:p>
+              <a:pPr algn="ctr"/>
+              <a:r>
+                <a:rPr lang="zh-CN" altLang="en-US" sz="1050" dirty="0" smtClean="0">
+                  <a:solidFill>
+                    <a:schemeClr val="tx1"/>
+                  </a:solidFill>
+                  <a:latin typeface="微软雅黑" panose="020B0503020204020204" pitchFamily="34" charset="-122"/>
+                  <a:ea typeface="微软雅黑" panose="020B0503020204020204" pitchFamily="34" charset="-122"/>
+                </a:rPr>
+                <a:t>模板元素</a:t>
+              </a:r>
+              <a:endParaRPr lang="zh-CN" altLang="en-US" sz="1050" dirty="0">
+                <a:solidFill>
+                  <a:schemeClr val="tx1"/>
+                </a:solidFill>
+                <a:latin typeface="微软雅黑" panose="020B0503020204020204" pitchFamily="34" charset="-122"/>
+                <a:ea typeface="微软雅黑" panose="020B0503020204020204" pitchFamily="34" charset="-122"/>
+              </a:endParaRPr>
+            </a:p>
+          </p:txBody>
+        </p:sp>
+        <p:sp>
+          <p:nvSpPr>
+            <p:cNvPr id="5" name="矩形 4"/>
+            <p:cNvSpPr/>
+            <p:nvPr/>
+          </p:nvSpPr>
+          <p:spPr>
+            <a:xfrm>
+              <a:off x="4445477" y="117898"/>
+              <a:ext cx="1127187" cy="319176"/>
+            </a:xfrm>
+            <a:prstGeom prst="rect">
+              <a:avLst/>
+            </a:prstGeom>
+            <a:solidFill>
+              <a:schemeClr val="bg1"/>
+            </a:solidFill>
+            <a:ln>
+              <a:solidFill>
+                <a:schemeClr val="tx1"/>
+              </a:solidFill>
+            </a:ln>
+          </p:spPr>
+          <p:style>
+            <a:lnRef idx="2">
+              <a:schemeClr val="accent1">
+                <a:shade val="50000"/>
+              </a:schemeClr>
+            </a:lnRef>
+            <a:fillRef idx="1">
+              <a:schemeClr val="accent1"/>
+            </a:fillRef>
+            <a:effectRef idx="0">
+              <a:schemeClr val="accent1"/>
+            </a:effectRef>
+            <a:fontRef idx="minor">
+              <a:schemeClr val="lt1"/>
+            </a:fontRef>
+          </p:style>
+          <p:txBody>
+            <a:bodyPr rtlCol="0" anchor="ctr"/>
+            <a:lstStyle/>
+            <a:p>
+              <a:pPr algn="ctr"/>
+              <a:r>
+                <a:rPr lang="en-US" altLang="zh-CN" sz="1050" dirty="0" smtClean="0">
+                  <a:solidFill>
+                    <a:schemeClr val="tx1"/>
+                  </a:solidFill>
+                  <a:latin typeface="微软雅黑" panose="020B0503020204020204" pitchFamily="34" charset="-122"/>
+                  <a:ea typeface="微软雅黑" panose="020B0503020204020204" pitchFamily="34" charset="-122"/>
+                </a:rPr>
+                <a:t>HTML</a:t>
+              </a:r>
+              <a:r>
+                <a:rPr lang="zh-CN" altLang="en-US" sz="1050" dirty="0" smtClean="0">
+                  <a:solidFill>
+                    <a:schemeClr val="tx1"/>
+                  </a:solidFill>
+                  <a:latin typeface="微软雅黑" panose="020B0503020204020204" pitchFamily="34" charset="-122"/>
+                  <a:ea typeface="微软雅黑" panose="020B0503020204020204" pitchFamily="34" charset="-122"/>
+                </a:rPr>
+                <a:t>元素</a:t>
+              </a:r>
+              <a:endParaRPr lang="zh-CN" altLang="en-US" sz="1050" dirty="0">
+                <a:solidFill>
+                  <a:schemeClr val="tx1"/>
+                </a:solidFill>
+                <a:latin typeface="微软雅黑" panose="020B0503020204020204" pitchFamily="34" charset="-122"/>
+                <a:ea typeface="微软雅黑" panose="020B0503020204020204" pitchFamily="34" charset="-122"/>
+              </a:endParaRPr>
+            </a:p>
+          </p:txBody>
+        </p:sp>
+        <p:sp>
+          <p:nvSpPr>
+            <p:cNvPr id="6" name="矩形 5"/>
+            <p:cNvSpPr/>
+            <p:nvPr/>
+          </p:nvSpPr>
+          <p:spPr>
+            <a:xfrm>
+              <a:off x="4445477" y="596662"/>
+              <a:ext cx="1127187" cy="319176"/>
+            </a:xfrm>
+            <a:prstGeom prst="rect">
+              <a:avLst/>
+            </a:prstGeom>
+            <a:solidFill>
+              <a:schemeClr val="bg1"/>
+            </a:solidFill>
+            <a:ln>
+              <a:solidFill>
+                <a:schemeClr val="tx1"/>
+              </a:solidFill>
+            </a:ln>
+          </p:spPr>
+          <p:style>
+            <a:lnRef idx="2">
+              <a:schemeClr val="accent1">
+                <a:shade val="50000"/>
+              </a:schemeClr>
+            </a:lnRef>
+            <a:fillRef idx="1">
+              <a:schemeClr val="accent1"/>
+            </a:fillRef>
+            <a:effectRef idx="0">
+              <a:schemeClr val="accent1"/>
+            </a:effectRef>
+            <a:fontRef idx="minor">
+              <a:schemeClr val="lt1"/>
+            </a:fontRef>
+          </p:style>
+          <p:txBody>
+            <a:bodyPr rtlCol="0" anchor="ctr"/>
+            <a:lstStyle/>
+            <a:p>
+              <a:pPr algn="ctr"/>
+              <a:r>
+                <a:rPr lang="en-US" altLang="zh-CN" sz="1050" dirty="0" smtClean="0">
+                  <a:solidFill>
+                    <a:schemeClr val="tx1"/>
+                  </a:solidFill>
+                  <a:latin typeface="微软雅黑" panose="020B0503020204020204" pitchFamily="34" charset="-122"/>
+                  <a:ea typeface="微软雅黑" panose="020B0503020204020204" pitchFamily="34" charset="-122"/>
+                </a:rPr>
+                <a:t>JavaScript</a:t>
+              </a:r>
+              <a:r>
+                <a:rPr lang="zh-CN" altLang="en-US" sz="1050" dirty="0" smtClean="0">
+                  <a:solidFill>
+                    <a:schemeClr val="tx1"/>
+                  </a:solidFill>
+                  <a:latin typeface="微软雅黑" panose="020B0503020204020204" pitchFamily="34" charset="-122"/>
+                  <a:ea typeface="微软雅黑" panose="020B0503020204020204" pitchFamily="34" charset="-122"/>
+                </a:rPr>
+                <a:t>脚本</a:t>
+              </a:r>
+              <a:endParaRPr lang="zh-CN" altLang="en-US" sz="1050" dirty="0">
+                <a:solidFill>
+                  <a:schemeClr val="tx1"/>
+                </a:solidFill>
+                <a:latin typeface="微软雅黑" panose="020B0503020204020204" pitchFamily="34" charset="-122"/>
+                <a:ea typeface="微软雅黑" panose="020B0503020204020204" pitchFamily="34" charset="-122"/>
+              </a:endParaRPr>
+            </a:p>
+          </p:txBody>
+        </p:sp>
+        <p:sp>
+          <p:nvSpPr>
+            <p:cNvPr id="8" name="矩形 7"/>
+            <p:cNvSpPr/>
+            <p:nvPr/>
+          </p:nvSpPr>
+          <p:spPr>
+            <a:xfrm>
+              <a:off x="4445476" y="1075426"/>
+              <a:ext cx="1127187" cy="319176"/>
+            </a:xfrm>
+            <a:prstGeom prst="rect">
+              <a:avLst/>
+            </a:prstGeom>
+            <a:solidFill>
+              <a:schemeClr val="bg1"/>
+            </a:solidFill>
+            <a:ln>
+              <a:solidFill>
+                <a:schemeClr val="tx1"/>
+              </a:solidFill>
+            </a:ln>
+          </p:spPr>
+          <p:style>
+            <a:lnRef idx="2">
+              <a:schemeClr val="accent1">
+                <a:shade val="50000"/>
+              </a:schemeClr>
+            </a:lnRef>
+            <a:fillRef idx="1">
+              <a:schemeClr val="accent1"/>
+            </a:fillRef>
+            <a:effectRef idx="0">
+              <a:schemeClr val="accent1"/>
+            </a:effectRef>
+            <a:fontRef idx="minor">
+              <a:schemeClr val="lt1"/>
+            </a:fontRef>
+          </p:style>
+          <p:txBody>
+            <a:bodyPr rtlCol="0" anchor="ctr"/>
+            <a:lstStyle/>
+            <a:p>
+              <a:pPr algn="ctr"/>
+              <a:r>
+                <a:rPr lang="en-US" altLang="zh-CN" sz="1050" dirty="0" smtClean="0">
+                  <a:solidFill>
+                    <a:schemeClr val="tx1"/>
+                  </a:solidFill>
+                  <a:latin typeface="微软雅黑" panose="020B0503020204020204" pitchFamily="34" charset="-122"/>
+                  <a:ea typeface="微软雅黑" panose="020B0503020204020204" pitchFamily="34" charset="-122"/>
+                </a:rPr>
+                <a:t>CSS</a:t>
+              </a:r>
+              <a:r>
+                <a:rPr lang="zh-CN" altLang="en-US" sz="1050" dirty="0" smtClean="0">
+                  <a:solidFill>
+                    <a:schemeClr val="tx1"/>
+                  </a:solidFill>
+                  <a:latin typeface="微软雅黑" panose="020B0503020204020204" pitchFamily="34" charset="-122"/>
+                  <a:ea typeface="微软雅黑" panose="020B0503020204020204" pitchFamily="34" charset="-122"/>
+                </a:rPr>
+                <a:t>样式</a:t>
+              </a:r>
+              <a:endParaRPr lang="zh-CN" altLang="en-US" sz="1050" dirty="0">
+                <a:solidFill>
+                  <a:schemeClr val="tx1"/>
+                </a:solidFill>
+                <a:latin typeface="微软雅黑" panose="020B0503020204020204" pitchFamily="34" charset="-122"/>
+                <a:ea typeface="微软雅黑" panose="020B0503020204020204" pitchFamily="34" charset="-122"/>
+              </a:endParaRPr>
+            </a:p>
+          </p:txBody>
+        </p:sp>
+        <p:cxnSp>
+          <p:nvCxnSpPr>
+            <p:cNvPr id="10" name="直接连接符 9"/>
+            <p:cNvCxnSpPr>
+              <a:stCxn id="3" idx="3"/>
+              <a:endCxn id="6" idx="1"/>
+            </p:cNvCxnSpPr>
+            <p:nvPr/>
+          </p:nvCxnSpPr>
+          <p:spPr>
+            <a:xfrm>
+              <a:off x="3439064" y="756250"/>
+              <a:ext cx="1006413" cy="0"/>
+            </a:xfrm>
+            <a:prstGeom prst="line">
+              <a:avLst/>
+            </a:prstGeom>
+          </p:spPr>
+          <p:style>
+            <a:lnRef idx="1">
+              <a:schemeClr val="accent1"/>
+            </a:lnRef>
+            <a:fillRef idx="0">
+              <a:schemeClr val="accent1"/>
+            </a:fillRef>
+            <a:effectRef idx="0">
+              <a:schemeClr val="accent1"/>
+            </a:effectRef>
+            <a:fontRef idx="minor">
+              <a:schemeClr val="tx1"/>
+            </a:fontRef>
+          </p:style>
+        </p:cxnSp>
+        <p:cxnSp>
+          <p:nvCxnSpPr>
+            <p:cNvPr id="12" name="肘形连接符 11"/>
+            <p:cNvCxnSpPr>
+              <a:stCxn id="5" idx="1"/>
+              <a:endCxn id="3" idx="3"/>
+            </p:cNvCxnSpPr>
+            <p:nvPr/>
+          </p:nvCxnSpPr>
+          <p:spPr>
+            <a:xfrm rot="10800000" flipV="1">
+              <a:off x="3439065" y="277486"/>
+              <a:ext cx="1006413" cy="478764"/>
+            </a:xfrm>
+            <a:prstGeom prst="bentConnector3">
+              <a:avLst/>
+            </a:prstGeom>
+          </p:spPr>
+          <p:style>
+            <a:lnRef idx="1">
+              <a:schemeClr val="accent1"/>
+            </a:lnRef>
+            <a:fillRef idx="0">
+              <a:schemeClr val="accent1"/>
+            </a:fillRef>
+            <a:effectRef idx="0">
+              <a:schemeClr val="accent1"/>
+            </a:effectRef>
+            <a:fontRef idx="minor">
+              <a:schemeClr val="tx1"/>
+            </a:fontRef>
+          </p:style>
+        </p:cxnSp>
+        <p:cxnSp>
+          <p:nvCxnSpPr>
+            <p:cNvPr id="16" name="肘形连接符 15"/>
+            <p:cNvCxnSpPr>
+              <a:stCxn id="8" idx="1"/>
+              <a:endCxn id="3" idx="3"/>
+            </p:cNvCxnSpPr>
+            <p:nvPr/>
+          </p:nvCxnSpPr>
+          <p:spPr>
+            <a:xfrm rot="10800000">
+              <a:off x="3439064" y="756250"/>
+              <a:ext cx="1006412" cy="478764"/>
+            </a:xfrm>
+            <a:prstGeom prst="bentConnector3">
+              <a:avLst/>
+            </a:prstGeom>
+          </p:spPr>
+          <p:style>
+            <a:lnRef idx="1">
+              <a:schemeClr val="accent1"/>
+            </a:lnRef>
+            <a:fillRef idx="0">
+              <a:schemeClr val="accent1"/>
+            </a:fillRef>
+            <a:effectRef idx="0">
+              <a:schemeClr val="accent1"/>
+            </a:effectRef>
+            <a:fontRef idx="minor">
+              <a:schemeClr val="tx1"/>
+            </a:fontRef>
+          </p:style>
+        </p:cxnSp>
+        <p:sp>
+          <p:nvSpPr>
+            <p:cNvPr id="17" name="矩形 16"/>
+            <p:cNvSpPr/>
+            <p:nvPr/>
+          </p:nvSpPr>
+          <p:spPr>
+            <a:xfrm>
+              <a:off x="4445475" y="1554189"/>
+              <a:ext cx="1127187" cy="319176"/>
+            </a:xfrm>
+            <a:prstGeom prst="rect">
+              <a:avLst/>
+            </a:prstGeom>
+            <a:solidFill>
+              <a:schemeClr val="bg1"/>
+            </a:solidFill>
+            <a:ln>
+              <a:solidFill>
+                <a:schemeClr val="tx1"/>
+              </a:solidFill>
+            </a:ln>
+          </p:spPr>
+          <p:style>
+            <a:lnRef idx="2">
+              <a:schemeClr val="accent1">
+                <a:shade val="50000"/>
+              </a:schemeClr>
+            </a:lnRef>
+            <a:fillRef idx="1">
+              <a:schemeClr val="accent1"/>
+            </a:fillRef>
+            <a:effectRef idx="0">
+              <a:schemeClr val="accent1"/>
+            </a:effectRef>
+            <a:fontRef idx="minor">
+              <a:schemeClr val="lt1"/>
+            </a:fontRef>
+          </p:style>
+          <p:txBody>
+            <a:bodyPr rtlCol="0" anchor="ctr"/>
+            <a:lstStyle/>
+            <a:p>
+              <a:pPr algn="ctr"/>
+              <a:r>
+                <a:rPr lang="zh-CN" altLang="en-US" sz="1050" dirty="0" smtClean="0">
+                  <a:solidFill>
+                    <a:schemeClr val="tx1"/>
+                  </a:solidFill>
+                  <a:latin typeface="微软雅黑" panose="020B0503020204020204" pitchFamily="34" charset="-122"/>
+                  <a:ea typeface="微软雅黑" panose="020B0503020204020204" pitchFamily="34" charset="-122"/>
+                </a:rPr>
+                <a:t>脚本元素</a:t>
+              </a:r>
+              <a:endParaRPr lang="zh-CN" altLang="en-US" sz="1050" dirty="0">
+                <a:solidFill>
+                  <a:schemeClr val="tx1"/>
+                </a:solidFill>
+                <a:latin typeface="微软雅黑" panose="020B0503020204020204" pitchFamily="34" charset="-122"/>
+                <a:ea typeface="微软雅黑" panose="020B0503020204020204" pitchFamily="34" charset="-122"/>
+              </a:endParaRPr>
+            </a:p>
+          </p:txBody>
+        </p:sp>
+        <p:sp>
+          <p:nvSpPr>
+            <p:cNvPr id="18" name="矩形 17"/>
+            <p:cNvSpPr/>
+            <p:nvPr/>
+          </p:nvSpPr>
+          <p:spPr>
+            <a:xfrm>
+              <a:off x="4445474" y="2032952"/>
+              <a:ext cx="1127187" cy="319176"/>
+            </a:xfrm>
+            <a:prstGeom prst="rect">
+              <a:avLst/>
+            </a:prstGeom>
+            <a:solidFill>
+              <a:schemeClr val="bg1"/>
+            </a:solidFill>
+            <a:ln>
+              <a:solidFill>
+                <a:schemeClr val="tx1"/>
+              </a:solidFill>
+            </a:ln>
+          </p:spPr>
+          <p:style>
+            <a:lnRef idx="2">
+              <a:schemeClr val="accent1">
+                <a:shade val="50000"/>
+              </a:schemeClr>
+            </a:lnRef>
+            <a:fillRef idx="1">
+              <a:schemeClr val="accent1"/>
+            </a:fillRef>
+            <a:effectRef idx="0">
+              <a:schemeClr val="accent1"/>
+            </a:effectRef>
+            <a:fontRef idx="minor">
+              <a:schemeClr val="lt1"/>
+            </a:fontRef>
+          </p:style>
+          <p:txBody>
+            <a:bodyPr rtlCol="0" anchor="ctr"/>
+            <a:lstStyle/>
+            <a:p>
+              <a:pPr algn="ctr"/>
+              <a:r>
+                <a:rPr lang="zh-CN" altLang="en-US" sz="1050" dirty="0" smtClean="0">
+                  <a:solidFill>
+                    <a:schemeClr val="tx1"/>
+                  </a:solidFill>
+                  <a:latin typeface="微软雅黑" panose="020B0503020204020204" pitchFamily="34" charset="-122"/>
+                  <a:ea typeface="微软雅黑" panose="020B0503020204020204" pitchFamily="34" charset="-122"/>
+                </a:rPr>
+                <a:t>动作元素</a:t>
+              </a:r>
+              <a:endParaRPr lang="zh-CN" altLang="en-US" sz="1050" dirty="0">
+                <a:solidFill>
+                  <a:schemeClr val="tx1"/>
+                </a:solidFill>
+                <a:latin typeface="微软雅黑" panose="020B0503020204020204" pitchFamily="34" charset="-122"/>
+                <a:ea typeface="微软雅黑" panose="020B0503020204020204" pitchFamily="34" charset="-122"/>
+              </a:endParaRPr>
+            </a:p>
+          </p:txBody>
+        </p:sp>
+        <p:sp>
+          <p:nvSpPr>
+            <p:cNvPr id="19" name="矩形 18"/>
+            <p:cNvSpPr/>
+            <p:nvPr/>
+          </p:nvSpPr>
+          <p:spPr>
+            <a:xfrm>
+              <a:off x="4445473" y="2511715"/>
+              <a:ext cx="1127187" cy="319176"/>
+            </a:xfrm>
+            <a:prstGeom prst="rect">
+              <a:avLst/>
+            </a:prstGeom>
+            <a:solidFill>
+              <a:schemeClr val="bg1"/>
+            </a:solidFill>
+            <a:ln>
+              <a:solidFill>
+                <a:schemeClr val="tx1"/>
+              </a:solidFill>
+            </a:ln>
+          </p:spPr>
+          <p:style>
+            <a:lnRef idx="2">
+              <a:schemeClr val="accent1">
+                <a:shade val="50000"/>
+              </a:schemeClr>
+            </a:lnRef>
+            <a:fillRef idx="1">
+              <a:schemeClr val="accent1"/>
+            </a:fillRef>
+            <a:effectRef idx="0">
+              <a:schemeClr val="accent1"/>
+            </a:effectRef>
+            <a:fontRef idx="minor">
+              <a:schemeClr val="lt1"/>
+            </a:fontRef>
+          </p:style>
+          <p:txBody>
+            <a:bodyPr rtlCol="0" anchor="ctr"/>
+            <a:lstStyle/>
+            <a:p>
+              <a:pPr algn="ctr"/>
+              <a:r>
+                <a:rPr lang="zh-CN" altLang="en-US" sz="1050" dirty="0" smtClean="0">
+                  <a:solidFill>
+                    <a:schemeClr val="tx1"/>
+                  </a:solidFill>
+                  <a:latin typeface="微软雅黑" panose="020B0503020204020204" pitchFamily="34" charset="-122"/>
+                  <a:ea typeface="微软雅黑" panose="020B0503020204020204" pitchFamily="34" charset="-122"/>
+                </a:rPr>
+                <a:t>指令元素</a:t>
+              </a:r>
+              <a:endParaRPr lang="zh-CN" altLang="en-US" sz="1050" dirty="0">
+                <a:solidFill>
+                  <a:schemeClr val="tx1"/>
+                </a:solidFill>
+                <a:latin typeface="微软雅黑" panose="020B0503020204020204" pitchFamily="34" charset="-122"/>
+                <a:ea typeface="微软雅黑" panose="020B0503020204020204" pitchFamily="34" charset="-122"/>
+              </a:endParaRPr>
+            </a:p>
+          </p:txBody>
+        </p:sp>
+        <p:cxnSp>
+          <p:nvCxnSpPr>
+            <p:cNvPr id="21" name="直接连接符 20"/>
+            <p:cNvCxnSpPr>
+              <a:stCxn id="18" idx="1"/>
+              <a:endCxn id="4" idx="3"/>
+            </p:cNvCxnSpPr>
+            <p:nvPr/>
+          </p:nvCxnSpPr>
+          <p:spPr>
+            <a:xfrm flipH="1">
+              <a:off x="3439064" y="2192540"/>
+              <a:ext cx="1006410" cy="0"/>
+            </a:xfrm>
+            <a:prstGeom prst="line">
+              <a:avLst/>
+            </a:prstGeom>
+          </p:spPr>
+          <p:style>
+            <a:lnRef idx="1">
+              <a:schemeClr val="accent1"/>
+            </a:lnRef>
+            <a:fillRef idx="0">
+              <a:schemeClr val="accent1"/>
+            </a:fillRef>
+            <a:effectRef idx="0">
+              <a:schemeClr val="accent1"/>
+            </a:effectRef>
+            <a:fontRef idx="minor">
+              <a:schemeClr val="tx1"/>
+            </a:fontRef>
+          </p:style>
+        </p:cxnSp>
+        <p:cxnSp>
+          <p:nvCxnSpPr>
+            <p:cNvPr id="23" name="肘形连接符 22"/>
+            <p:cNvCxnSpPr>
+              <a:stCxn id="17" idx="1"/>
+              <a:endCxn id="4" idx="3"/>
+            </p:cNvCxnSpPr>
+            <p:nvPr/>
+          </p:nvCxnSpPr>
+          <p:spPr>
+            <a:xfrm rot="10800000" flipV="1">
+              <a:off x="3439065" y="1713776"/>
+              <a:ext cx="1006411" cy="478763"/>
+            </a:xfrm>
+            <a:prstGeom prst="bentConnector3">
+              <a:avLst/>
+            </a:prstGeom>
+          </p:spPr>
+          <p:style>
+            <a:lnRef idx="1">
+              <a:schemeClr val="accent1"/>
+            </a:lnRef>
+            <a:fillRef idx="0">
+              <a:schemeClr val="accent1"/>
+            </a:fillRef>
+            <a:effectRef idx="0">
+              <a:schemeClr val="accent1"/>
+            </a:effectRef>
+            <a:fontRef idx="minor">
+              <a:schemeClr val="tx1"/>
+            </a:fontRef>
+          </p:style>
+        </p:cxnSp>
+        <p:cxnSp>
+          <p:nvCxnSpPr>
+            <p:cNvPr id="25" name="肘形连接符 24"/>
+            <p:cNvCxnSpPr>
+              <a:stCxn id="19" idx="1"/>
+              <a:endCxn id="4" idx="3"/>
+            </p:cNvCxnSpPr>
+            <p:nvPr/>
+          </p:nvCxnSpPr>
+          <p:spPr>
+            <a:xfrm rot="10800000">
+              <a:off x="3439065" y="2192541"/>
+              <a:ext cx="1006409" cy="478763"/>
+            </a:xfrm>
+            <a:prstGeom prst="bentConnector3">
+              <a:avLst/>
+            </a:prstGeom>
+          </p:spPr>
+          <p:style>
+            <a:lnRef idx="1">
+              <a:schemeClr val="accent1"/>
+            </a:lnRef>
+            <a:fillRef idx="0">
+              <a:schemeClr val="accent1"/>
+            </a:fillRef>
+            <a:effectRef idx="0">
+              <a:schemeClr val="accent1"/>
+            </a:effectRef>
+            <a:fontRef idx="minor">
+              <a:schemeClr val="tx1"/>
+            </a:fontRef>
+          </p:style>
+        </p:cxnSp>
+        <p:cxnSp>
+          <p:nvCxnSpPr>
+            <p:cNvPr id="27" name="肘形连接符 26"/>
+            <p:cNvCxnSpPr>
+              <a:stCxn id="3" idx="1"/>
+              <a:endCxn id="2" idx="3"/>
+            </p:cNvCxnSpPr>
+            <p:nvPr/>
+          </p:nvCxnSpPr>
+          <p:spPr>
+            <a:xfrm rot="10800000" flipV="1">
+              <a:off x="2093346" y="756250"/>
+              <a:ext cx="534834" cy="718144"/>
+            </a:xfrm>
+            <a:prstGeom prst="bentConnector3">
+              <a:avLst/>
+            </a:prstGeom>
+          </p:spPr>
+          <p:style>
+            <a:lnRef idx="1">
+              <a:schemeClr val="accent1"/>
+            </a:lnRef>
+            <a:fillRef idx="0">
+              <a:schemeClr val="accent1"/>
+            </a:fillRef>
+            <a:effectRef idx="0">
+              <a:schemeClr val="accent1"/>
+            </a:effectRef>
+            <a:fontRef idx="minor">
+              <a:schemeClr val="tx1"/>
+            </a:fontRef>
+          </p:style>
+        </p:cxnSp>
+        <p:cxnSp>
+          <p:nvCxnSpPr>
+            <p:cNvPr id="29" name="肘形连接符 28"/>
+            <p:cNvCxnSpPr>
+              <a:stCxn id="4" idx="1"/>
+              <a:endCxn id="2" idx="3"/>
+            </p:cNvCxnSpPr>
+            <p:nvPr/>
+          </p:nvCxnSpPr>
+          <p:spPr>
+            <a:xfrm rot="10800000">
+              <a:off x="2093346" y="1474394"/>
+              <a:ext cx="534834" cy="718146"/>
+            </a:xfrm>
+            <a:prstGeom prst="bentConnector3">
+              <a:avLst/>
+            </a:prstGeom>
+          </p:spPr>
+          <p:style>
+            <a:lnRef idx="1">
+              <a:schemeClr val="accent1"/>
+            </a:lnRef>
+            <a:fillRef idx="0">
+              <a:schemeClr val="accent1"/>
+            </a:fillRef>
+            <a:effectRef idx="0">
+              <a:schemeClr val="accent1"/>
+            </a:effectRef>
+            <a:fontRef idx="minor">
+              <a:schemeClr val="tx1"/>
+            </a:fontRef>
+          </p:style>
+        </p:cxnSp>
+      </p:grpSp>
+    </p:spTree>
+    <p:extLst>
+      <p:ext uri="{BB962C8B-B14F-4D97-AF65-F5344CB8AC3E}">
+        <p14:creationId xmlns:p14="http://schemas.microsoft.com/office/powerpoint/2010/main" val="658357846"/>
+      </p:ext>
+    </p:extLst>
+  </p:cSld>
+  <p:clrMapOvr>
+    <a:masterClrMapping/>
+  </p:clrMapOvr>
+</p:sld>
+</file>
+
+<file path=ppt/slides/slide6.xml><?xml version="1.0" encoding="utf-8"?>
+<p:sld xmlns:a="http://schemas.openxmlformats.org/drawingml/2006/main" xmlns:r="http://schemas.openxmlformats.org/officeDocument/2006/relationships" xmlns:p="http://schemas.openxmlformats.org/presentationml/2006/main">
+  <p:cSld>
+    <p:spTree>
+      <p:nvGrpSpPr>
+        <p:cNvPr id="1" name=""/>
+        <p:cNvGrpSpPr/>
+        <p:nvPr/>
+      </p:nvGrpSpPr>
+      <p:grpSpPr>
+        <a:xfrm>
+          <a:off x="0" y="0"/>
+          <a:ext cx="0" cy="0"/>
+          <a:chOff x="0" y="0"/>
+          <a:chExt cx="0" cy="0"/>
+        </a:xfrm>
+      </p:grpSpPr>
+      <p:grpSp>
+        <p:nvGrpSpPr>
+          <p:cNvPr id="26" name="组合 25"/>
+          <p:cNvGrpSpPr/>
+          <p:nvPr/>
+        </p:nvGrpSpPr>
+        <p:grpSpPr>
+          <a:xfrm>
+            <a:off x="2260121" y="819509"/>
+            <a:ext cx="6029864" cy="1679415"/>
+            <a:chOff x="2260121" y="819509"/>
+            <a:chExt cx="6029864" cy="1679415"/>
+          </a:xfrm>
+        </p:grpSpPr>
+        <p:sp>
+          <p:nvSpPr>
+            <p:cNvPr id="2" name="矩形 1"/>
+            <p:cNvSpPr/>
+            <p:nvPr/>
+          </p:nvSpPr>
+          <p:spPr>
+            <a:xfrm>
+              <a:off x="2260121" y="819509"/>
+              <a:ext cx="1685328" cy="1679415"/>
+            </a:xfrm>
+            <a:prstGeom prst="rect">
+              <a:avLst/>
+            </a:prstGeom>
+            <a:solidFill>
+              <a:schemeClr val="bg1"/>
+            </a:solidFill>
+            <a:ln w="28575">
+              <a:solidFill>
+                <a:schemeClr val="tx1"/>
+              </a:solidFill>
+            </a:ln>
+          </p:spPr>
+          <p:style>
+            <a:lnRef idx="2">
+              <a:schemeClr val="accent1">
+                <a:shade val="50000"/>
+              </a:schemeClr>
+            </a:lnRef>
+            <a:fillRef idx="1">
+              <a:schemeClr val="accent1"/>
+            </a:fillRef>
+            <a:effectRef idx="0">
+              <a:schemeClr val="accent1"/>
+            </a:effectRef>
+            <a:fontRef idx="minor">
+              <a:schemeClr val="lt1"/>
+            </a:fontRef>
+          </p:style>
+          <p:txBody>
+            <a:bodyPr rtlCol="0" anchor="ctr"/>
+            <a:lstStyle/>
+            <a:p>
+              <a:pPr algn="ctr"/>
+              <a:endParaRPr lang="zh-CN" altLang="en-US"/>
+            </a:p>
+          </p:txBody>
+        </p:sp>
+        <p:grpSp>
+          <p:nvGrpSpPr>
+            <p:cNvPr id="9" name="组合 8"/>
+            <p:cNvGrpSpPr/>
+            <p:nvPr/>
+          </p:nvGrpSpPr>
+          <p:grpSpPr>
+            <a:xfrm>
+              <a:off x="2516188" y="989110"/>
+              <a:ext cx="1173193" cy="375423"/>
+              <a:chOff x="2518913" y="957531"/>
+              <a:chExt cx="1940943" cy="621103"/>
+            </a:xfrm>
+          </p:grpSpPr>
+          <p:sp>
+            <p:nvSpPr>
+              <p:cNvPr id="10" name="矩形 9"/>
+              <p:cNvSpPr/>
+              <p:nvPr/>
+            </p:nvSpPr>
+            <p:spPr>
+              <a:xfrm>
+                <a:off x="2518913" y="957531"/>
+                <a:ext cx="1940943" cy="621103"/>
+              </a:xfrm>
+              <a:prstGeom prst="rect">
+                <a:avLst/>
+              </a:prstGeom>
+              <a:solidFill>
+                <a:schemeClr val="bg1"/>
+              </a:solidFill>
+              <a:ln>
+                <a:solidFill>
+                  <a:schemeClr val="tx1"/>
+                </a:solidFill>
+              </a:ln>
+            </p:spPr>
+            <p:style>
+              <a:lnRef idx="2">
+                <a:schemeClr val="accent1">
+                  <a:shade val="50000"/>
+                </a:schemeClr>
+              </a:lnRef>
+              <a:fillRef idx="1">
+                <a:schemeClr val="accent1"/>
+              </a:fillRef>
+              <a:effectRef idx="0">
+                <a:schemeClr val="accent1"/>
+              </a:effectRef>
+              <a:fontRef idx="minor">
+                <a:schemeClr val="lt1"/>
+              </a:fontRef>
+            </p:style>
+            <p:txBody>
+              <a:bodyPr rtlCol="0" anchor="ctr"/>
+              <a:lstStyle/>
+              <a:p>
+                <a:pPr algn="ctr"/>
+                <a:endParaRPr lang="zh-CN" altLang="en-US"/>
+              </a:p>
+            </p:txBody>
+          </p:sp>
+          <p:sp>
+            <p:nvSpPr>
+              <p:cNvPr id="11" name="文本框 10"/>
+              <p:cNvSpPr txBox="1"/>
+              <p:nvPr/>
+            </p:nvSpPr>
+            <p:spPr>
+              <a:xfrm>
+                <a:off x="2518913" y="1000662"/>
+                <a:ext cx="690113" cy="320247"/>
+              </a:xfrm>
+              <a:prstGeom prst="rect">
+                <a:avLst/>
+              </a:prstGeom>
+              <a:noFill/>
+            </p:spPr>
+            <p:txBody>
+              <a:bodyPr wrap="square" rtlCol="0">
+                <a:spAutoFit/>
+              </a:bodyPr>
+              <a:lstStyle/>
+              <a:p>
+                <a:r>
+                  <a:rPr lang="en-US" altLang="zh-CN" sz="1050" dirty="0" smtClean="0">
+                    <a:latin typeface="微软雅黑" panose="020B0503020204020204" pitchFamily="34" charset="-122"/>
+                    <a:ea typeface="微软雅黑" panose="020B0503020204020204" pitchFamily="34" charset="-122"/>
+                  </a:rPr>
+                  <a:t>DIV</a:t>
+                </a:r>
+                <a:endParaRPr lang="zh-CN" altLang="en-US" sz="1050" dirty="0">
+                  <a:latin typeface="微软雅黑" panose="020B0503020204020204" pitchFamily="34" charset="-122"/>
+                  <a:ea typeface="微软雅黑" panose="020B0503020204020204" pitchFamily="34" charset="-122"/>
+                </a:endParaRPr>
+              </a:p>
+            </p:txBody>
+          </p:sp>
+        </p:grpSp>
+        <p:sp>
+          <p:nvSpPr>
+            <p:cNvPr id="12" name="矩形 11"/>
+            <p:cNvSpPr/>
+            <p:nvPr/>
+          </p:nvSpPr>
+          <p:spPr>
+            <a:xfrm>
+              <a:off x="4525993" y="819509"/>
+              <a:ext cx="796425" cy="793631"/>
+            </a:xfrm>
+            <a:prstGeom prst="rect">
+              <a:avLst/>
+            </a:prstGeom>
+            <a:solidFill>
+              <a:schemeClr val="bg1"/>
+            </a:solidFill>
+            <a:ln w="28575">
+              <a:solidFill>
+                <a:schemeClr val="tx1"/>
+              </a:solidFill>
+            </a:ln>
+          </p:spPr>
+          <p:style>
+            <a:lnRef idx="2">
+              <a:schemeClr val="accent1">
+                <a:shade val="50000"/>
+              </a:schemeClr>
+            </a:lnRef>
+            <a:fillRef idx="1">
+              <a:schemeClr val="accent1"/>
+            </a:fillRef>
+            <a:effectRef idx="0">
+              <a:schemeClr val="accent1"/>
+            </a:effectRef>
+            <a:fontRef idx="minor">
+              <a:schemeClr val="lt1"/>
+            </a:fontRef>
+          </p:style>
+          <p:txBody>
+            <a:bodyPr rtlCol="0" anchor="ctr"/>
+            <a:lstStyle/>
+            <a:p>
+              <a:pPr algn="ctr"/>
+              <a:r>
+                <a:rPr lang="en-US" altLang="zh-CN" sz="1050" dirty="0" smtClean="0">
+                  <a:solidFill>
+                    <a:schemeClr val="tx1"/>
+                  </a:solidFill>
+                  <a:latin typeface="微软雅黑" panose="020B0503020204020204" pitchFamily="34" charset="-122"/>
+                  <a:ea typeface="微软雅黑" panose="020B0503020204020204" pitchFamily="34" charset="-122"/>
+                </a:rPr>
+                <a:t>CSS:</a:t>
+              </a:r>
+            </a:p>
+            <a:p>
+              <a:pPr algn="ctr"/>
+              <a:r>
+                <a:rPr lang="en-US" altLang="zh-CN" sz="1050" dirty="0" smtClean="0">
+                  <a:solidFill>
+                    <a:schemeClr val="tx1"/>
+                  </a:solidFill>
+                  <a:latin typeface="微软雅黑" panose="020B0503020204020204" pitchFamily="34" charset="-122"/>
+                  <a:ea typeface="微软雅黑" panose="020B0503020204020204" pitchFamily="34" charset="-122"/>
+                </a:rPr>
+                <a:t>Font</a:t>
+              </a:r>
+            </a:p>
+            <a:p>
+              <a:pPr algn="ctr"/>
+              <a:r>
+                <a:rPr lang="en-US" altLang="zh-CN" sz="1050" dirty="0" smtClean="0">
+                  <a:solidFill>
+                    <a:schemeClr val="tx1"/>
+                  </a:solidFill>
+                  <a:latin typeface="微软雅黑" panose="020B0503020204020204" pitchFamily="34" charset="-122"/>
+                  <a:ea typeface="微软雅黑" panose="020B0503020204020204" pitchFamily="34" charset="-122"/>
+                </a:rPr>
+                <a:t>Style</a:t>
+              </a:r>
+            </a:p>
+            <a:p>
+              <a:pPr algn="ctr"/>
+              <a:r>
+                <a:rPr lang="en-US" altLang="zh-CN" sz="1050" dirty="0" smtClean="0">
+                  <a:solidFill>
+                    <a:schemeClr val="tx1"/>
+                  </a:solidFill>
+                  <a:latin typeface="微软雅黑" panose="020B0503020204020204" pitchFamily="34" charset="-122"/>
+                  <a:ea typeface="微软雅黑" panose="020B0503020204020204" pitchFamily="34" charset="-122"/>
+                </a:rPr>
+                <a:t>height</a:t>
+              </a:r>
+              <a:endParaRPr lang="zh-CN" altLang="en-US" sz="1050" dirty="0">
+                <a:solidFill>
+                  <a:schemeClr val="tx1"/>
+                </a:solidFill>
+                <a:latin typeface="微软雅黑" panose="020B0503020204020204" pitchFamily="34" charset="-122"/>
+                <a:ea typeface="微软雅黑" panose="020B0503020204020204" pitchFamily="34" charset="-122"/>
+              </a:endParaRPr>
+            </a:p>
+          </p:txBody>
+        </p:sp>
+        <p:grpSp>
+          <p:nvGrpSpPr>
+            <p:cNvPr id="14" name="组合 13"/>
+            <p:cNvGrpSpPr/>
+            <p:nvPr/>
+          </p:nvGrpSpPr>
+          <p:grpSpPr>
+            <a:xfrm>
+              <a:off x="2516187" y="1471504"/>
+              <a:ext cx="1173193" cy="375423"/>
+              <a:chOff x="2518913" y="957531"/>
+              <a:chExt cx="1940943" cy="621103"/>
+            </a:xfrm>
+          </p:grpSpPr>
+          <p:sp>
+            <p:nvSpPr>
+              <p:cNvPr id="15" name="矩形 14"/>
+              <p:cNvSpPr/>
+              <p:nvPr/>
+            </p:nvSpPr>
+            <p:spPr>
+              <a:xfrm>
+                <a:off x="2518913" y="957531"/>
+                <a:ext cx="1940943" cy="621103"/>
+              </a:xfrm>
+              <a:prstGeom prst="rect">
+                <a:avLst/>
+              </a:prstGeom>
+              <a:solidFill>
+                <a:schemeClr val="bg1"/>
+              </a:solidFill>
+              <a:ln>
+                <a:solidFill>
+                  <a:schemeClr val="tx1"/>
+                </a:solidFill>
+              </a:ln>
+            </p:spPr>
+            <p:style>
+              <a:lnRef idx="2">
+                <a:schemeClr val="accent1">
+                  <a:shade val="50000"/>
+                </a:schemeClr>
+              </a:lnRef>
+              <a:fillRef idx="1">
+                <a:schemeClr val="accent1"/>
+              </a:fillRef>
+              <a:effectRef idx="0">
+                <a:schemeClr val="accent1"/>
+              </a:effectRef>
+              <a:fontRef idx="minor">
+                <a:schemeClr val="lt1"/>
+              </a:fontRef>
+            </p:style>
+            <p:txBody>
+              <a:bodyPr rtlCol="0" anchor="ctr"/>
+              <a:lstStyle/>
+              <a:p>
+                <a:pPr algn="ctr"/>
+                <a:endParaRPr lang="zh-CN" altLang="en-US"/>
+              </a:p>
+            </p:txBody>
+          </p:sp>
+          <p:sp>
+            <p:nvSpPr>
+              <p:cNvPr id="16" name="文本框 15"/>
+              <p:cNvSpPr txBox="1"/>
+              <p:nvPr/>
+            </p:nvSpPr>
+            <p:spPr>
+              <a:xfrm>
+                <a:off x="2518913" y="1000662"/>
+                <a:ext cx="690113" cy="320247"/>
+              </a:xfrm>
+              <a:prstGeom prst="rect">
+                <a:avLst/>
+              </a:prstGeom>
+              <a:noFill/>
+            </p:spPr>
+            <p:txBody>
+              <a:bodyPr wrap="square" rtlCol="0">
+                <a:spAutoFit/>
+              </a:bodyPr>
+              <a:lstStyle/>
+              <a:p>
+                <a:r>
+                  <a:rPr lang="en-US" altLang="zh-CN" sz="1050" dirty="0" smtClean="0">
+                    <a:latin typeface="微软雅黑" panose="020B0503020204020204" pitchFamily="34" charset="-122"/>
+                    <a:ea typeface="微软雅黑" panose="020B0503020204020204" pitchFamily="34" charset="-122"/>
+                  </a:rPr>
+                  <a:t>DIV</a:t>
+                </a:r>
+                <a:endParaRPr lang="zh-CN" altLang="en-US" sz="1050" dirty="0">
+                  <a:latin typeface="微软雅黑" panose="020B0503020204020204" pitchFamily="34" charset="-122"/>
+                  <a:ea typeface="微软雅黑" panose="020B0503020204020204" pitchFamily="34" charset="-122"/>
+                </a:endParaRPr>
+              </a:p>
+            </p:txBody>
+          </p:sp>
+        </p:grpSp>
+        <p:grpSp>
+          <p:nvGrpSpPr>
+            <p:cNvPr id="17" name="组合 16"/>
+            <p:cNvGrpSpPr/>
+            <p:nvPr/>
+          </p:nvGrpSpPr>
+          <p:grpSpPr>
+            <a:xfrm>
+              <a:off x="2516186" y="1953898"/>
+              <a:ext cx="1173193" cy="375423"/>
+              <a:chOff x="2518913" y="957531"/>
+              <a:chExt cx="1940943" cy="621103"/>
+            </a:xfrm>
+          </p:grpSpPr>
+          <p:sp>
+            <p:nvSpPr>
+              <p:cNvPr id="18" name="矩形 17"/>
+              <p:cNvSpPr/>
+              <p:nvPr/>
+            </p:nvSpPr>
+            <p:spPr>
+              <a:xfrm>
+                <a:off x="2518913" y="957531"/>
+                <a:ext cx="1940943" cy="621103"/>
+              </a:xfrm>
+              <a:prstGeom prst="rect">
+                <a:avLst/>
+              </a:prstGeom>
+              <a:solidFill>
+                <a:schemeClr val="bg1"/>
+              </a:solidFill>
+              <a:ln>
+                <a:solidFill>
+                  <a:schemeClr val="tx1"/>
+                </a:solidFill>
+              </a:ln>
+            </p:spPr>
+            <p:style>
+              <a:lnRef idx="2">
+                <a:schemeClr val="accent1">
+                  <a:shade val="50000"/>
+                </a:schemeClr>
+              </a:lnRef>
+              <a:fillRef idx="1">
+                <a:schemeClr val="accent1"/>
+              </a:fillRef>
+              <a:effectRef idx="0">
+                <a:schemeClr val="accent1"/>
+              </a:effectRef>
+              <a:fontRef idx="minor">
+                <a:schemeClr val="lt1"/>
+              </a:fontRef>
+            </p:style>
+            <p:txBody>
+              <a:bodyPr rtlCol="0" anchor="ctr"/>
+              <a:lstStyle/>
+              <a:p>
+                <a:pPr algn="ctr"/>
+                <a:endParaRPr lang="zh-CN" altLang="en-US"/>
+              </a:p>
+            </p:txBody>
+          </p:sp>
+          <p:sp>
+            <p:nvSpPr>
+              <p:cNvPr id="19" name="文本框 18"/>
+              <p:cNvSpPr txBox="1"/>
+              <p:nvPr/>
+            </p:nvSpPr>
+            <p:spPr>
+              <a:xfrm>
+                <a:off x="2518913" y="1000662"/>
+                <a:ext cx="690113" cy="320247"/>
+              </a:xfrm>
+              <a:prstGeom prst="rect">
+                <a:avLst/>
+              </a:prstGeom>
+              <a:noFill/>
+            </p:spPr>
+            <p:txBody>
+              <a:bodyPr wrap="square" rtlCol="0">
+                <a:spAutoFit/>
+              </a:bodyPr>
+              <a:lstStyle/>
+              <a:p>
+                <a:r>
+                  <a:rPr lang="en-US" altLang="zh-CN" sz="1050" dirty="0" smtClean="0">
+                    <a:latin typeface="微软雅黑" panose="020B0503020204020204" pitchFamily="34" charset="-122"/>
+                    <a:ea typeface="微软雅黑" panose="020B0503020204020204" pitchFamily="34" charset="-122"/>
+                  </a:rPr>
+                  <a:t>DIV</a:t>
+                </a:r>
+                <a:endParaRPr lang="zh-CN" altLang="en-US" sz="1050" dirty="0">
+                  <a:latin typeface="微软雅黑" panose="020B0503020204020204" pitchFamily="34" charset="-122"/>
+                  <a:ea typeface="微软雅黑" panose="020B0503020204020204" pitchFamily="34" charset="-122"/>
+                </a:endParaRPr>
+              </a:p>
+            </p:txBody>
+          </p:sp>
+        </p:grpSp>
+        <p:sp>
+          <p:nvSpPr>
+            <p:cNvPr id="20" name="右箭头 19"/>
+            <p:cNvSpPr/>
+            <p:nvPr/>
+          </p:nvSpPr>
+          <p:spPr>
+            <a:xfrm>
+              <a:off x="4201514" y="1691146"/>
+              <a:ext cx="1552755" cy="651997"/>
+            </a:xfrm>
+            <a:prstGeom prst="rightArrow">
+              <a:avLst/>
+            </a:prstGeom>
+          </p:spPr>
+          <p:style>
+            <a:lnRef idx="2">
+              <a:schemeClr val="accent1">
+                <a:shade val="50000"/>
+              </a:schemeClr>
+            </a:lnRef>
+            <a:fillRef idx="1">
+              <a:schemeClr val="accent1"/>
+            </a:fillRef>
+            <a:effectRef idx="0">
+              <a:schemeClr val="accent1"/>
+            </a:effectRef>
+            <a:fontRef idx="minor">
+              <a:schemeClr val="lt1"/>
+            </a:fontRef>
+          </p:style>
+          <p:txBody>
+            <a:bodyPr rtlCol="0" anchor="ctr"/>
+            <a:lstStyle/>
+            <a:p>
+              <a:pPr algn="ctr"/>
+              <a:endParaRPr lang="zh-CN" altLang="en-US"/>
+            </a:p>
+          </p:txBody>
+        </p:sp>
+        <p:sp>
+          <p:nvSpPr>
+            <p:cNvPr id="21" name="加号 20"/>
+            <p:cNvSpPr/>
+            <p:nvPr/>
+          </p:nvSpPr>
+          <p:spPr>
+            <a:xfrm>
+              <a:off x="3945898" y="935805"/>
+              <a:ext cx="515900" cy="515900"/>
+            </a:xfrm>
+            <a:prstGeom prst="mathPlus">
+              <a:avLst>
+                <a:gd name="adj1" fmla="val 12110"/>
+              </a:avLst>
+            </a:prstGeom>
+            <a:solidFill>
+              <a:schemeClr val="bg1"/>
+            </a:solidFill>
+            <a:ln>
+              <a:solidFill>
+                <a:schemeClr val="tx1"/>
+              </a:solidFill>
+            </a:ln>
+          </p:spPr>
+          <p:style>
+            <a:lnRef idx="2">
+              <a:schemeClr val="accent1">
+                <a:shade val="50000"/>
+              </a:schemeClr>
+            </a:lnRef>
+            <a:fillRef idx="1">
+              <a:schemeClr val="accent1"/>
+            </a:fillRef>
+            <a:effectRef idx="0">
+              <a:schemeClr val="accent1"/>
+            </a:effectRef>
+            <a:fontRef idx="minor">
+              <a:schemeClr val="lt1"/>
+            </a:fontRef>
+          </p:style>
+          <p:txBody>
+            <a:bodyPr rtlCol="0" anchor="ctr"/>
+            <a:lstStyle/>
+            <a:p>
+              <a:pPr algn="ctr"/>
+              <a:endParaRPr lang="zh-CN" altLang="en-US"/>
+            </a:p>
+          </p:txBody>
+        </p:sp>
+        <p:sp>
+          <p:nvSpPr>
+            <p:cNvPr id="22" name="矩形 21"/>
+            <p:cNvSpPr/>
+            <p:nvPr/>
+          </p:nvSpPr>
+          <p:spPr>
+            <a:xfrm>
+              <a:off x="6271404" y="819509"/>
+              <a:ext cx="2018581" cy="389243"/>
+            </a:xfrm>
+            <a:prstGeom prst="rect">
+              <a:avLst/>
+            </a:prstGeom>
+            <a:solidFill>
+              <a:schemeClr val="bg1"/>
+            </a:solidFill>
+            <a:ln>
+              <a:solidFill>
+                <a:schemeClr val="tx1"/>
+              </a:solidFill>
+            </a:ln>
+          </p:spPr>
+          <p:style>
+            <a:lnRef idx="2">
+              <a:schemeClr val="accent1">
+                <a:shade val="50000"/>
+              </a:schemeClr>
+            </a:lnRef>
+            <a:fillRef idx="1">
+              <a:schemeClr val="accent1"/>
+            </a:fillRef>
+            <a:effectRef idx="0">
+              <a:schemeClr val="accent1"/>
+            </a:effectRef>
+            <a:fontRef idx="minor">
+              <a:schemeClr val="lt1"/>
+            </a:fontRef>
+          </p:style>
+          <p:txBody>
+            <a:bodyPr rtlCol="0" anchor="ctr"/>
+            <a:lstStyle/>
+            <a:p>
+              <a:pPr algn="ctr"/>
+              <a:r>
+                <a:rPr lang="en-US" altLang="zh-CN" sz="1050" dirty="0" smtClean="0">
+                  <a:solidFill>
+                    <a:schemeClr val="tx1"/>
+                  </a:solidFill>
+                  <a:latin typeface="微软雅黑" panose="020B0503020204020204" pitchFamily="34" charset="-122"/>
+                  <a:ea typeface="微软雅黑" panose="020B0503020204020204" pitchFamily="34" charset="-122"/>
+                </a:rPr>
+                <a:t>header</a:t>
+              </a:r>
+              <a:endParaRPr lang="zh-CN" altLang="en-US" sz="1050" dirty="0">
+                <a:solidFill>
+                  <a:schemeClr val="tx1"/>
+                </a:solidFill>
+                <a:latin typeface="微软雅黑" panose="020B0503020204020204" pitchFamily="34" charset="-122"/>
+                <a:ea typeface="微软雅黑" panose="020B0503020204020204" pitchFamily="34" charset="-122"/>
+              </a:endParaRPr>
+            </a:p>
+          </p:txBody>
+        </p:sp>
+        <p:sp>
+          <p:nvSpPr>
+            <p:cNvPr id="23" name="矩形 22"/>
+            <p:cNvSpPr/>
+            <p:nvPr/>
+          </p:nvSpPr>
+          <p:spPr>
+            <a:xfrm>
+              <a:off x="6271403" y="2173540"/>
+              <a:ext cx="2018581" cy="325384"/>
+            </a:xfrm>
+            <a:prstGeom prst="rect">
+              <a:avLst/>
+            </a:prstGeom>
+            <a:solidFill>
+              <a:schemeClr val="bg1"/>
+            </a:solidFill>
+            <a:ln>
+              <a:solidFill>
+                <a:schemeClr val="tx1"/>
+              </a:solidFill>
+            </a:ln>
+          </p:spPr>
+          <p:style>
+            <a:lnRef idx="2">
+              <a:schemeClr val="accent1">
+                <a:shade val="50000"/>
+              </a:schemeClr>
+            </a:lnRef>
+            <a:fillRef idx="1">
+              <a:schemeClr val="accent1"/>
+            </a:fillRef>
+            <a:effectRef idx="0">
+              <a:schemeClr val="accent1"/>
+            </a:effectRef>
+            <a:fontRef idx="minor">
+              <a:schemeClr val="lt1"/>
+            </a:fontRef>
+          </p:style>
+          <p:txBody>
+            <a:bodyPr rtlCol="0" anchor="ctr"/>
+            <a:lstStyle/>
+            <a:p>
+              <a:pPr algn="ctr"/>
+              <a:r>
+                <a:rPr lang="en-US" altLang="zh-CN" sz="1050" dirty="0" smtClean="0">
+                  <a:solidFill>
+                    <a:schemeClr val="tx1"/>
+                  </a:solidFill>
+                  <a:latin typeface="微软雅黑" panose="020B0503020204020204" pitchFamily="34" charset="-122"/>
+                  <a:ea typeface="微软雅黑" panose="020B0503020204020204" pitchFamily="34" charset="-122"/>
+                </a:rPr>
+                <a:t>footer</a:t>
+              </a:r>
+              <a:endParaRPr lang="zh-CN" altLang="en-US" sz="1050" dirty="0">
+                <a:solidFill>
+                  <a:schemeClr val="tx1"/>
+                </a:solidFill>
+                <a:latin typeface="微软雅黑" panose="020B0503020204020204" pitchFamily="34" charset="-122"/>
+                <a:ea typeface="微软雅黑" panose="020B0503020204020204" pitchFamily="34" charset="-122"/>
+              </a:endParaRPr>
+            </a:p>
+          </p:txBody>
+        </p:sp>
+        <p:sp>
+          <p:nvSpPr>
+            <p:cNvPr id="24" name="矩形 23"/>
+            <p:cNvSpPr/>
+            <p:nvPr/>
+          </p:nvSpPr>
+          <p:spPr>
+            <a:xfrm>
+              <a:off x="6271403" y="1205117"/>
+              <a:ext cx="759125" cy="968423"/>
+            </a:xfrm>
+            <a:prstGeom prst="rect">
+              <a:avLst/>
+            </a:prstGeom>
+            <a:solidFill>
+              <a:schemeClr val="bg1"/>
+            </a:solidFill>
+            <a:ln>
+              <a:solidFill>
+                <a:schemeClr val="tx1"/>
+              </a:solidFill>
+            </a:ln>
+          </p:spPr>
+          <p:style>
+            <a:lnRef idx="2">
+              <a:schemeClr val="accent1">
+                <a:shade val="50000"/>
+              </a:schemeClr>
+            </a:lnRef>
+            <a:fillRef idx="1">
+              <a:schemeClr val="accent1"/>
+            </a:fillRef>
+            <a:effectRef idx="0">
+              <a:schemeClr val="accent1"/>
+            </a:effectRef>
+            <a:fontRef idx="minor">
+              <a:schemeClr val="lt1"/>
+            </a:fontRef>
+          </p:style>
+          <p:txBody>
+            <a:bodyPr rtlCol="0" anchor="ctr"/>
+            <a:lstStyle/>
+            <a:p>
+              <a:pPr algn="ctr"/>
+              <a:r>
+                <a:rPr lang="en-US" altLang="zh-CN" sz="1050" dirty="0" err="1" smtClean="0">
+                  <a:solidFill>
+                    <a:schemeClr val="tx1"/>
+                  </a:solidFill>
+                  <a:latin typeface="微软雅黑" panose="020B0503020204020204" pitchFamily="34" charset="-122"/>
+                  <a:ea typeface="微软雅黑" panose="020B0503020204020204" pitchFamily="34" charset="-122"/>
+                </a:rPr>
+                <a:t>leftnav</a:t>
+              </a:r>
+              <a:endParaRPr lang="zh-CN" altLang="en-US" sz="1050" dirty="0">
+                <a:solidFill>
+                  <a:schemeClr val="tx1"/>
+                </a:solidFill>
+                <a:latin typeface="微软雅黑" panose="020B0503020204020204" pitchFamily="34" charset="-122"/>
+                <a:ea typeface="微软雅黑" panose="020B0503020204020204" pitchFamily="34" charset="-122"/>
+              </a:endParaRPr>
+            </a:p>
+          </p:txBody>
+        </p:sp>
+        <p:sp>
+          <p:nvSpPr>
+            <p:cNvPr id="25" name="矩形 24"/>
+            <p:cNvSpPr/>
+            <p:nvPr/>
+          </p:nvSpPr>
+          <p:spPr>
+            <a:xfrm>
+              <a:off x="7030529" y="1205992"/>
+              <a:ext cx="1259456" cy="968423"/>
+            </a:xfrm>
+            <a:prstGeom prst="rect">
+              <a:avLst/>
+            </a:prstGeom>
+            <a:solidFill>
+              <a:schemeClr val="bg1"/>
+            </a:solidFill>
+            <a:ln>
+              <a:solidFill>
+                <a:schemeClr val="tx1"/>
+              </a:solidFill>
+            </a:ln>
+          </p:spPr>
+          <p:style>
+            <a:lnRef idx="2">
+              <a:schemeClr val="accent1">
+                <a:shade val="50000"/>
+              </a:schemeClr>
+            </a:lnRef>
+            <a:fillRef idx="1">
+              <a:schemeClr val="accent1"/>
+            </a:fillRef>
+            <a:effectRef idx="0">
+              <a:schemeClr val="accent1"/>
+            </a:effectRef>
+            <a:fontRef idx="minor">
+              <a:schemeClr val="lt1"/>
+            </a:fontRef>
+          </p:style>
+          <p:txBody>
+            <a:bodyPr rtlCol="0" anchor="ctr"/>
+            <a:lstStyle/>
+            <a:p>
+              <a:pPr algn="ctr"/>
+              <a:r>
+                <a:rPr lang="en-US" altLang="zh-CN" sz="1050" dirty="0" smtClean="0">
+                  <a:solidFill>
+                    <a:schemeClr val="tx1"/>
+                  </a:solidFill>
+                  <a:latin typeface="微软雅黑" panose="020B0503020204020204" pitchFamily="34" charset="-122"/>
+                  <a:ea typeface="微软雅黑" panose="020B0503020204020204" pitchFamily="34" charset="-122"/>
+                </a:rPr>
+                <a:t>Content</a:t>
+              </a:r>
+              <a:endParaRPr lang="zh-CN" altLang="en-US" sz="1050" dirty="0">
+                <a:solidFill>
+                  <a:schemeClr val="tx1"/>
+                </a:solidFill>
+                <a:latin typeface="微软雅黑" panose="020B0503020204020204" pitchFamily="34" charset="-122"/>
+                <a:ea typeface="微软雅黑" panose="020B0503020204020204" pitchFamily="34" charset="-122"/>
+              </a:endParaRPr>
+            </a:p>
+          </p:txBody>
+        </p:sp>
+      </p:grpSp>
+    </p:spTree>
+    <p:extLst>
+      <p:ext uri="{BB962C8B-B14F-4D97-AF65-F5344CB8AC3E}">
+        <p14:creationId xmlns:p14="http://schemas.microsoft.com/office/powerpoint/2010/main" val="3908428109"/>
+      </p:ext>
+    </p:extLst>
+  </p:cSld>
+  <p:clrMapOvr>
+    <a:masterClrMapping/>
+  </p:clrMapOvr>
+</p:sld>
+</file>
+
+<file path=ppt/slides/slide7.xml><?xml version="1.0" encoding="utf-8"?>
 <p:sld xmlns:a="http://schemas.openxmlformats.org/drawingml/2006/main" xmlns:r="http://schemas.openxmlformats.org/officeDocument/2006/relationships" xmlns:p="http://schemas.openxmlformats.org/presentationml/2006/main">
   <p:cSld>
     <p:spTree>
@@ -6498,7 +10353,7 @@
 </p:sld>
 </file>
 
-<file path=ppt/slides/slide6.xml><?xml version="1.0" encoding="utf-8"?>
+<file path=ppt/slides/slide8.xml><?xml version="1.0" encoding="utf-8"?>
 <p:sld xmlns:a="http://schemas.openxmlformats.org/drawingml/2006/main" xmlns:r="http://schemas.openxmlformats.org/officeDocument/2006/relationships" xmlns:p="http://schemas.openxmlformats.org/presentationml/2006/main">
   <p:cSld>
     <p:spTree>
@@ -7621,7 +11476,7 @@
 </p:sld>
 </file>
 
-<file path=ppt/slides/slide7.xml><?xml version="1.0" encoding="utf-8"?>
+<file path=ppt/slides/slide9.xml><?xml version="1.0" encoding="utf-8"?>
 <p:sld xmlns:a="http://schemas.openxmlformats.org/drawingml/2006/main" xmlns:r="http://schemas.openxmlformats.org/officeDocument/2006/relationships" xmlns:p="http://schemas.openxmlformats.org/presentationml/2006/main">
   <p:cSld>
     <p:spTree>
@@ -8726,2085 +12581,6 @@
 </p:sld>
 </file>
 
-<file path=ppt/slides/slide8.xml><?xml version="1.0" encoding="utf-8"?>
-<p:sld xmlns:a="http://schemas.openxmlformats.org/drawingml/2006/main" xmlns:r="http://schemas.openxmlformats.org/officeDocument/2006/relationships" xmlns:p="http://schemas.openxmlformats.org/presentationml/2006/main">
-  <p:cSld>
-    <p:spTree>
-      <p:nvGrpSpPr>
-        <p:cNvPr id="1" name=""/>
-        <p:cNvGrpSpPr/>
-        <p:nvPr/>
-      </p:nvGrpSpPr>
-      <p:grpSpPr>
-        <a:xfrm>
-          <a:off x="0" y="0"/>
-          <a:ext cx="0" cy="0"/>
-          <a:chOff x="0" y="0"/>
-          <a:chExt cx="0" cy="0"/>
-        </a:xfrm>
-      </p:grpSpPr>
-      <p:sp>
-        <p:nvSpPr>
-          <p:cNvPr id="2" name="矩形 1"/>
-          <p:cNvSpPr/>
-          <p:nvPr/>
-        </p:nvSpPr>
-        <p:spPr>
-          <a:xfrm>
-            <a:off x="1190445" y="819508"/>
-            <a:ext cx="940280" cy="293299"/>
-          </a:xfrm>
-          <a:prstGeom prst="rect">
-            <a:avLst/>
-          </a:prstGeom>
-          <a:solidFill>
-            <a:schemeClr val="bg1"/>
-          </a:solidFill>
-          <a:ln>
-            <a:solidFill>
-              <a:schemeClr val="tx1"/>
-            </a:solidFill>
-          </a:ln>
-        </p:spPr>
-        <p:style>
-          <a:lnRef idx="2">
-            <a:schemeClr val="accent1">
-              <a:shade val="50000"/>
-            </a:schemeClr>
-          </a:lnRef>
-          <a:fillRef idx="1">
-            <a:schemeClr val="accent1"/>
-          </a:fillRef>
-          <a:effectRef idx="0">
-            <a:schemeClr val="accent1"/>
-          </a:effectRef>
-          <a:fontRef idx="minor">
-            <a:schemeClr val="lt1"/>
-          </a:fontRef>
-        </p:style>
-        <p:txBody>
-          <a:bodyPr rtlCol="0" anchor="ctr"/>
-          <a:lstStyle/>
-          <a:p>
-            <a:pPr algn="ctr"/>
-            <a:r>
-              <a:rPr lang="zh-CN" altLang="en-US" sz="1000" dirty="0" smtClean="0">
-                <a:solidFill>
-                  <a:schemeClr val="tx1"/>
-                </a:solidFill>
-                <a:latin typeface="微软雅黑" panose="020B0503020204020204" pitchFamily="34" charset="-122"/>
-                <a:ea typeface="微软雅黑" panose="020B0503020204020204" pitchFamily="34" charset="-122"/>
-              </a:rPr>
-              <a:t>应用层</a:t>
-            </a:r>
-            <a:endParaRPr lang="zh-CN" altLang="en-US" sz="1000" dirty="0">
-              <a:solidFill>
-                <a:schemeClr val="tx1"/>
-              </a:solidFill>
-              <a:latin typeface="微软雅黑" panose="020B0503020204020204" pitchFamily="34" charset="-122"/>
-              <a:ea typeface="微软雅黑" panose="020B0503020204020204" pitchFamily="34" charset="-122"/>
-            </a:endParaRPr>
-          </a:p>
-        </p:txBody>
-      </p:sp>
-      <p:sp>
-        <p:nvSpPr>
-          <p:cNvPr id="3" name="矩形 2"/>
-          <p:cNvSpPr/>
-          <p:nvPr/>
-        </p:nvSpPr>
-        <p:spPr>
-          <a:xfrm>
-            <a:off x="1190445" y="1112808"/>
-            <a:ext cx="940280" cy="301925"/>
-          </a:xfrm>
-          <a:prstGeom prst="rect">
-            <a:avLst/>
-          </a:prstGeom>
-          <a:solidFill>
-            <a:schemeClr val="bg1"/>
-          </a:solidFill>
-          <a:ln>
-            <a:solidFill>
-              <a:schemeClr val="tx1"/>
-            </a:solidFill>
-          </a:ln>
-        </p:spPr>
-        <p:style>
-          <a:lnRef idx="2">
-            <a:schemeClr val="accent1">
-              <a:shade val="50000"/>
-            </a:schemeClr>
-          </a:lnRef>
-          <a:fillRef idx="1">
-            <a:schemeClr val="accent1"/>
-          </a:fillRef>
-          <a:effectRef idx="0">
-            <a:schemeClr val="accent1"/>
-          </a:effectRef>
-          <a:fontRef idx="minor">
-            <a:schemeClr val="lt1"/>
-          </a:fontRef>
-        </p:style>
-        <p:txBody>
-          <a:bodyPr rtlCol="0" anchor="ctr"/>
-          <a:lstStyle/>
-          <a:p>
-            <a:pPr algn="ctr"/>
-            <a:r>
-              <a:rPr lang="zh-CN" altLang="en-US" sz="1000" dirty="0" smtClean="0">
-                <a:solidFill>
-                  <a:schemeClr val="tx1"/>
-                </a:solidFill>
-                <a:latin typeface="微软雅黑" panose="020B0503020204020204" pitchFamily="34" charset="-122"/>
-                <a:ea typeface="微软雅黑" panose="020B0503020204020204" pitchFamily="34" charset="-122"/>
-              </a:rPr>
-              <a:t>传输层</a:t>
-            </a:r>
-            <a:endParaRPr lang="zh-CN" altLang="en-US" sz="1000" dirty="0">
-              <a:solidFill>
-                <a:schemeClr val="tx1"/>
-              </a:solidFill>
-              <a:latin typeface="微软雅黑" panose="020B0503020204020204" pitchFamily="34" charset="-122"/>
-              <a:ea typeface="微软雅黑" panose="020B0503020204020204" pitchFamily="34" charset="-122"/>
-            </a:endParaRPr>
-          </a:p>
-        </p:txBody>
-      </p:sp>
-      <p:sp>
-        <p:nvSpPr>
-          <p:cNvPr id="4" name="矩形 3"/>
-          <p:cNvSpPr/>
-          <p:nvPr/>
-        </p:nvSpPr>
-        <p:spPr>
-          <a:xfrm>
-            <a:off x="1190445" y="1414732"/>
-            <a:ext cx="940280" cy="301925"/>
-          </a:xfrm>
-          <a:prstGeom prst="rect">
-            <a:avLst/>
-          </a:prstGeom>
-          <a:solidFill>
-            <a:schemeClr val="bg1"/>
-          </a:solidFill>
-          <a:ln>
-            <a:solidFill>
-              <a:schemeClr val="tx1"/>
-            </a:solidFill>
-          </a:ln>
-        </p:spPr>
-        <p:style>
-          <a:lnRef idx="2">
-            <a:schemeClr val="accent1">
-              <a:shade val="50000"/>
-            </a:schemeClr>
-          </a:lnRef>
-          <a:fillRef idx="1">
-            <a:schemeClr val="accent1"/>
-          </a:fillRef>
-          <a:effectRef idx="0">
-            <a:schemeClr val="accent1"/>
-          </a:effectRef>
-          <a:fontRef idx="minor">
-            <a:schemeClr val="lt1"/>
-          </a:fontRef>
-        </p:style>
-        <p:txBody>
-          <a:bodyPr rtlCol="0" anchor="ctr"/>
-          <a:lstStyle/>
-          <a:p>
-            <a:pPr algn="ctr"/>
-            <a:r>
-              <a:rPr lang="zh-CN" altLang="en-US" sz="1000" dirty="0" smtClean="0">
-                <a:solidFill>
-                  <a:schemeClr val="tx1"/>
-                </a:solidFill>
-                <a:latin typeface="微软雅黑" panose="020B0503020204020204" pitchFamily="34" charset="-122"/>
-                <a:ea typeface="微软雅黑" panose="020B0503020204020204" pitchFamily="34" charset="-122"/>
-              </a:rPr>
-              <a:t>网际层</a:t>
-            </a:r>
-            <a:endParaRPr lang="zh-CN" altLang="en-US" sz="1000" dirty="0">
-              <a:solidFill>
-                <a:schemeClr val="tx1"/>
-              </a:solidFill>
-              <a:latin typeface="微软雅黑" panose="020B0503020204020204" pitchFamily="34" charset="-122"/>
-              <a:ea typeface="微软雅黑" panose="020B0503020204020204" pitchFamily="34" charset="-122"/>
-            </a:endParaRPr>
-          </a:p>
-        </p:txBody>
-      </p:sp>
-      <p:sp>
-        <p:nvSpPr>
-          <p:cNvPr id="5" name="矩形 4"/>
-          <p:cNvSpPr/>
-          <p:nvPr/>
-        </p:nvSpPr>
-        <p:spPr>
-          <a:xfrm>
-            <a:off x="1190445" y="1716658"/>
-            <a:ext cx="940280" cy="301925"/>
-          </a:xfrm>
-          <a:prstGeom prst="rect">
-            <a:avLst/>
-          </a:prstGeom>
-          <a:solidFill>
-            <a:schemeClr val="bg1"/>
-          </a:solidFill>
-          <a:ln>
-            <a:solidFill>
-              <a:schemeClr val="tx1"/>
-            </a:solidFill>
-          </a:ln>
-        </p:spPr>
-        <p:style>
-          <a:lnRef idx="2">
-            <a:schemeClr val="accent1">
-              <a:shade val="50000"/>
-            </a:schemeClr>
-          </a:lnRef>
-          <a:fillRef idx="1">
-            <a:schemeClr val="accent1"/>
-          </a:fillRef>
-          <a:effectRef idx="0">
-            <a:schemeClr val="accent1"/>
-          </a:effectRef>
-          <a:fontRef idx="minor">
-            <a:schemeClr val="lt1"/>
-          </a:fontRef>
-        </p:style>
-        <p:txBody>
-          <a:bodyPr rtlCol="0" anchor="ctr"/>
-          <a:lstStyle/>
-          <a:p>
-            <a:pPr algn="ctr"/>
-            <a:r>
-              <a:rPr lang="zh-CN" altLang="en-US" sz="1000" dirty="0" smtClean="0">
-                <a:solidFill>
-                  <a:schemeClr val="tx1"/>
-                </a:solidFill>
-                <a:latin typeface="微软雅黑" panose="020B0503020204020204" pitchFamily="34" charset="-122"/>
-                <a:ea typeface="微软雅黑" panose="020B0503020204020204" pitchFamily="34" charset="-122"/>
-              </a:rPr>
-              <a:t>网络访问层</a:t>
-            </a:r>
-            <a:endParaRPr lang="zh-CN" altLang="en-US" sz="1000" dirty="0">
-              <a:solidFill>
-                <a:schemeClr val="tx1"/>
-              </a:solidFill>
-              <a:latin typeface="微软雅黑" panose="020B0503020204020204" pitchFamily="34" charset="-122"/>
-              <a:ea typeface="微软雅黑" panose="020B0503020204020204" pitchFamily="34" charset="-122"/>
-            </a:endParaRPr>
-          </a:p>
-        </p:txBody>
-      </p:sp>
-      <p:grpSp>
-        <p:nvGrpSpPr>
-          <p:cNvPr id="71" name="组合 70"/>
-          <p:cNvGrpSpPr/>
-          <p:nvPr/>
-        </p:nvGrpSpPr>
-        <p:grpSpPr>
-          <a:xfrm>
-            <a:off x="4143354" y="807164"/>
-            <a:ext cx="3899556" cy="4953556"/>
-            <a:chOff x="4143354" y="807164"/>
-            <a:chExt cx="3899556" cy="4953556"/>
-          </a:xfrm>
-        </p:grpSpPr>
-        <p:sp>
-          <p:nvSpPr>
-            <p:cNvPr id="31" name="矩形 30"/>
-            <p:cNvSpPr/>
-            <p:nvPr/>
-          </p:nvSpPr>
-          <p:spPr>
-            <a:xfrm>
-              <a:off x="5620540" y="807164"/>
-              <a:ext cx="940280" cy="293299"/>
-            </a:xfrm>
-            <a:prstGeom prst="rect">
-              <a:avLst/>
-            </a:prstGeom>
-            <a:solidFill>
-              <a:schemeClr val="bg1"/>
-            </a:solidFill>
-            <a:ln>
-              <a:solidFill>
-                <a:schemeClr val="tx1"/>
-              </a:solidFill>
-            </a:ln>
-          </p:spPr>
-          <p:style>
-            <a:lnRef idx="2">
-              <a:schemeClr val="accent1">
-                <a:shade val="50000"/>
-              </a:schemeClr>
-            </a:lnRef>
-            <a:fillRef idx="1">
-              <a:schemeClr val="accent1"/>
-            </a:fillRef>
-            <a:effectRef idx="0">
-              <a:schemeClr val="accent1"/>
-            </a:effectRef>
-            <a:fontRef idx="minor">
-              <a:schemeClr val="lt1"/>
-            </a:fontRef>
-          </p:style>
-          <p:txBody>
-            <a:bodyPr rtlCol="0" anchor="ctr"/>
-            <a:lstStyle/>
-            <a:p>
-              <a:pPr algn="ctr"/>
-              <a:r>
-                <a:rPr lang="zh-CN" altLang="en-US" sz="1000" dirty="0" smtClean="0">
-                  <a:solidFill>
-                    <a:schemeClr val="tx1"/>
-                  </a:solidFill>
-                  <a:latin typeface="微软雅黑" panose="020B0503020204020204" pitchFamily="34" charset="-122"/>
-                  <a:ea typeface="微软雅黑" panose="020B0503020204020204" pitchFamily="34" charset="-122"/>
-                </a:rPr>
-                <a:t>应用程序</a:t>
-              </a:r>
-              <a:endParaRPr lang="zh-CN" altLang="en-US" sz="1000" dirty="0">
-                <a:solidFill>
-                  <a:schemeClr val="tx1"/>
-                </a:solidFill>
-                <a:latin typeface="微软雅黑" panose="020B0503020204020204" pitchFamily="34" charset="-122"/>
-                <a:ea typeface="微软雅黑" panose="020B0503020204020204" pitchFamily="34" charset="-122"/>
-              </a:endParaRPr>
-            </a:p>
-          </p:txBody>
-        </p:sp>
-        <p:sp>
-          <p:nvSpPr>
-            <p:cNvPr id="6" name="矩形 5"/>
-            <p:cNvSpPr/>
-            <p:nvPr/>
-          </p:nvSpPr>
-          <p:spPr>
-            <a:xfrm>
-              <a:off x="4149090" y="1197920"/>
-              <a:ext cx="3893820" cy="1037470"/>
-            </a:xfrm>
-            <a:prstGeom prst="rect">
-              <a:avLst/>
-            </a:prstGeom>
-            <a:solidFill>
-              <a:schemeClr val="accent1">
-                <a:lumMod val="40000"/>
-                <a:lumOff val="60000"/>
-              </a:schemeClr>
-            </a:solidFill>
-            <a:ln>
-              <a:solidFill>
-                <a:schemeClr val="tx1"/>
-              </a:solidFill>
-            </a:ln>
-          </p:spPr>
-          <p:style>
-            <a:lnRef idx="2">
-              <a:schemeClr val="accent1">
-                <a:shade val="50000"/>
-              </a:schemeClr>
-            </a:lnRef>
-            <a:fillRef idx="1">
-              <a:schemeClr val="accent1"/>
-            </a:fillRef>
-            <a:effectRef idx="0">
-              <a:schemeClr val="accent1"/>
-            </a:effectRef>
-            <a:fontRef idx="minor">
-              <a:schemeClr val="lt1"/>
-            </a:fontRef>
-          </p:style>
-          <p:txBody>
-            <a:bodyPr rtlCol="0" anchor="ctr"/>
-            <a:lstStyle/>
-            <a:p>
-              <a:pPr algn="ctr"/>
-              <a:endParaRPr lang="zh-CN" altLang="en-US"/>
-            </a:p>
-          </p:txBody>
-        </p:sp>
-        <p:sp>
-          <p:nvSpPr>
-            <p:cNvPr id="14" name="矩形 13"/>
-            <p:cNvSpPr/>
-            <p:nvPr/>
-          </p:nvSpPr>
-          <p:spPr>
-            <a:xfrm>
-              <a:off x="4404360" y="1414732"/>
-              <a:ext cx="929640" cy="603851"/>
-            </a:xfrm>
-            <a:prstGeom prst="rect">
-              <a:avLst/>
-            </a:prstGeom>
-            <a:solidFill>
-              <a:schemeClr val="bg1"/>
-            </a:solidFill>
-          </p:spPr>
-          <p:style>
-            <a:lnRef idx="2">
-              <a:schemeClr val="accent1">
-                <a:shade val="50000"/>
-              </a:schemeClr>
-            </a:lnRef>
-            <a:fillRef idx="1">
-              <a:schemeClr val="accent1"/>
-            </a:fillRef>
-            <a:effectRef idx="0">
-              <a:schemeClr val="accent1"/>
-            </a:effectRef>
-            <a:fontRef idx="minor">
-              <a:schemeClr val="lt1"/>
-            </a:fontRef>
-          </p:style>
-          <p:txBody>
-            <a:bodyPr rtlCol="0" anchor="ctr"/>
-            <a:lstStyle/>
-            <a:p>
-              <a:pPr algn="ctr"/>
-              <a:r>
-                <a:rPr lang="zh-CN" altLang="en-US" sz="1050" dirty="0" smtClean="0">
-                  <a:solidFill>
-                    <a:schemeClr val="tx1"/>
-                  </a:solidFill>
-                  <a:latin typeface="微软雅黑" panose="020B0503020204020204" pitchFamily="34" charset="-122"/>
-                  <a:ea typeface="微软雅黑" panose="020B0503020204020204" pitchFamily="34" charset="-122"/>
-                </a:rPr>
-                <a:t>网络服务</a:t>
-              </a:r>
-              <a:endParaRPr lang="zh-CN" altLang="en-US" sz="1050" dirty="0">
-                <a:solidFill>
-                  <a:schemeClr val="tx1"/>
-                </a:solidFill>
-                <a:latin typeface="微软雅黑" panose="020B0503020204020204" pitchFamily="34" charset="-122"/>
-                <a:ea typeface="微软雅黑" panose="020B0503020204020204" pitchFamily="34" charset="-122"/>
-              </a:endParaRPr>
-            </a:p>
-          </p:txBody>
-        </p:sp>
-        <p:sp>
-          <p:nvSpPr>
-            <p:cNvPr id="36" name="矩形 35"/>
-            <p:cNvSpPr/>
-            <p:nvPr/>
-          </p:nvSpPr>
-          <p:spPr>
-            <a:xfrm>
-              <a:off x="5625860" y="1414730"/>
-              <a:ext cx="929640" cy="603851"/>
-            </a:xfrm>
-            <a:prstGeom prst="rect">
-              <a:avLst/>
-            </a:prstGeom>
-            <a:solidFill>
-              <a:schemeClr val="bg1"/>
-            </a:solidFill>
-          </p:spPr>
-          <p:style>
-            <a:lnRef idx="2">
-              <a:schemeClr val="accent1">
-                <a:shade val="50000"/>
-              </a:schemeClr>
-            </a:lnRef>
-            <a:fillRef idx="1">
-              <a:schemeClr val="accent1"/>
-            </a:fillRef>
-            <a:effectRef idx="0">
-              <a:schemeClr val="accent1"/>
-            </a:effectRef>
-            <a:fontRef idx="minor">
-              <a:schemeClr val="lt1"/>
-            </a:fontRef>
-          </p:style>
-          <p:txBody>
-            <a:bodyPr rtlCol="0" anchor="ctr"/>
-            <a:lstStyle/>
-            <a:p>
-              <a:pPr algn="ctr"/>
-              <a:r>
-                <a:rPr lang="en-US" altLang="zh-CN" sz="1050" dirty="0" smtClean="0">
-                  <a:solidFill>
-                    <a:schemeClr val="tx1"/>
-                  </a:solidFill>
-                  <a:latin typeface="微软雅黑" panose="020B0503020204020204" pitchFamily="34" charset="-122"/>
-                  <a:ea typeface="微软雅黑" panose="020B0503020204020204" pitchFamily="34" charset="-122"/>
-                </a:rPr>
-                <a:t>API</a:t>
-              </a:r>
-              <a:endParaRPr lang="zh-CN" altLang="en-US" sz="1050" dirty="0">
-                <a:solidFill>
-                  <a:schemeClr val="tx1"/>
-                </a:solidFill>
-                <a:latin typeface="微软雅黑" panose="020B0503020204020204" pitchFamily="34" charset="-122"/>
-                <a:ea typeface="微软雅黑" panose="020B0503020204020204" pitchFamily="34" charset="-122"/>
-              </a:endParaRPr>
-            </a:p>
-          </p:txBody>
-        </p:sp>
-        <p:sp>
-          <p:nvSpPr>
-            <p:cNvPr id="37" name="矩形 36"/>
-            <p:cNvSpPr/>
-            <p:nvPr/>
-          </p:nvSpPr>
-          <p:spPr>
-            <a:xfrm>
-              <a:off x="6950590" y="1414730"/>
-              <a:ext cx="929640" cy="603851"/>
-            </a:xfrm>
-            <a:prstGeom prst="rect">
-              <a:avLst/>
-            </a:prstGeom>
-            <a:solidFill>
-              <a:schemeClr val="bg1"/>
-            </a:solidFill>
-          </p:spPr>
-          <p:style>
-            <a:lnRef idx="2">
-              <a:schemeClr val="accent1">
-                <a:shade val="50000"/>
-              </a:schemeClr>
-            </a:lnRef>
-            <a:fillRef idx="1">
-              <a:schemeClr val="accent1"/>
-            </a:fillRef>
-            <a:effectRef idx="0">
-              <a:schemeClr val="accent1"/>
-            </a:effectRef>
-            <a:fontRef idx="minor">
-              <a:schemeClr val="lt1"/>
-            </a:fontRef>
-          </p:style>
-          <p:txBody>
-            <a:bodyPr rtlCol="0" anchor="ctr"/>
-            <a:lstStyle/>
-            <a:p>
-              <a:pPr algn="ctr"/>
-              <a:r>
-                <a:rPr lang="zh-CN" altLang="en-US" sz="1050" dirty="0" smtClean="0">
-                  <a:solidFill>
-                    <a:schemeClr val="tx1"/>
-                  </a:solidFill>
-                  <a:latin typeface="微软雅黑" panose="020B0503020204020204" pitchFamily="34" charset="-122"/>
-                  <a:ea typeface="微软雅黑" panose="020B0503020204020204" pitchFamily="34" charset="-122"/>
-                </a:rPr>
-                <a:t>网络应用程序和功能</a:t>
-              </a:r>
-              <a:endParaRPr lang="zh-CN" altLang="en-US" sz="1050" dirty="0">
-                <a:solidFill>
-                  <a:schemeClr val="tx1"/>
-                </a:solidFill>
-                <a:latin typeface="微软雅黑" panose="020B0503020204020204" pitchFamily="34" charset="-122"/>
-                <a:ea typeface="微软雅黑" panose="020B0503020204020204" pitchFamily="34" charset="-122"/>
-              </a:endParaRPr>
-            </a:p>
-          </p:txBody>
-        </p:sp>
-        <p:sp>
-          <p:nvSpPr>
-            <p:cNvPr id="29" name="矩形 28"/>
-            <p:cNvSpPr/>
-            <p:nvPr/>
-          </p:nvSpPr>
-          <p:spPr>
-            <a:xfrm>
-              <a:off x="4149090" y="1197920"/>
-              <a:ext cx="588623" cy="253916"/>
-            </a:xfrm>
-            <a:prstGeom prst="rect">
-              <a:avLst/>
-            </a:prstGeom>
-          </p:spPr>
-          <p:txBody>
-            <a:bodyPr wrap="none">
-              <a:spAutoFit/>
-            </a:bodyPr>
-            <a:lstStyle/>
-            <a:p>
-              <a:pPr algn="ctr"/>
-              <a:r>
-                <a:rPr lang="zh-CN" altLang="en-US" sz="1050" dirty="0">
-                  <a:latin typeface="微软雅黑" panose="020B0503020204020204" pitchFamily="34" charset="-122"/>
-                  <a:ea typeface="微软雅黑" panose="020B0503020204020204" pitchFamily="34" charset="-122"/>
-                </a:rPr>
-                <a:t>应用层</a:t>
-              </a:r>
-            </a:p>
-          </p:txBody>
-        </p:sp>
-        <p:sp>
-          <p:nvSpPr>
-            <p:cNvPr id="38" name="矩形 37"/>
-            <p:cNvSpPr/>
-            <p:nvPr/>
-          </p:nvSpPr>
-          <p:spPr>
-            <a:xfrm>
-              <a:off x="4149090" y="2235390"/>
-              <a:ext cx="3893820" cy="857767"/>
-            </a:xfrm>
-            <a:prstGeom prst="rect">
-              <a:avLst/>
-            </a:prstGeom>
-            <a:solidFill>
-              <a:schemeClr val="accent1">
-                <a:lumMod val="20000"/>
-                <a:lumOff val="80000"/>
-              </a:schemeClr>
-            </a:solidFill>
-            <a:ln>
-              <a:solidFill>
-                <a:schemeClr val="tx1"/>
-              </a:solidFill>
-            </a:ln>
-          </p:spPr>
-          <p:style>
-            <a:lnRef idx="2">
-              <a:schemeClr val="accent1">
-                <a:shade val="50000"/>
-              </a:schemeClr>
-            </a:lnRef>
-            <a:fillRef idx="1">
-              <a:schemeClr val="accent1"/>
-            </a:fillRef>
-            <a:effectRef idx="0">
-              <a:schemeClr val="accent1"/>
-            </a:effectRef>
-            <a:fontRef idx="minor">
-              <a:schemeClr val="lt1"/>
-            </a:fontRef>
-          </p:style>
-          <p:txBody>
-            <a:bodyPr rtlCol="0" anchor="ctr"/>
-            <a:lstStyle/>
-            <a:p>
-              <a:pPr algn="ctr"/>
-              <a:endParaRPr lang="zh-CN" altLang="en-US"/>
-            </a:p>
-          </p:txBody>
-        </p:sp>
-        <p:sp>
-          <p:nvSpPr>
-            <p:cNvPr id="39" name="矩形 38"/>
-            <p:cNvSpPr/>
-            <p:nvPr/>
-          </p:nvSpPr>
-          <p:spPr>
-            <a:xfrm>
-              <a:off x="4149091" y="2235390"/>
-              <a:ext cx="588623" cy="253916"/>
-            </a:xfrm>
-            <a:prstGeom prst="rect">
-              <a:avLst/>
-            </a:prstGeom>
-          </p:spPr>
-          <p:txBody>
-            <a:bodyPr wrap="none">
-              <a:spAutoFit/>
-            </a:bodyPr>
-            <a:lstStyle/>
-            <a:p>
-              <a:pPr algn="ctr"/>
-              <a:r>
-                <a:rPr lang="zh-CN" altLang="en-US" sz="1050" dirty="0" smtClean="0">
-                  <a:latin typeface="微软雅黑" panose="020B0503020204020204" pitchFamily="34" charset="-122"/>
-                  <a:ea typeface="微软雅黑" panose="020B0503020204020204" pitchFamily="34" charset="-122"/>
-                </a:rPr>
-                <a:t>传输层</a:t>
-              </a:r>
-              <a:endParaRPr lang="zh-CN" altLang="en-US" sz="1050" dirty="0">
-                <a:latin typeface="微软雅黑" panose="020B0503020204020204" pitchFamily="34" charset="-122"/>
-                <a:ea typeface="微软雅黑" panose="020B0503020204020204" pitchFamily="34" charset="-122"/>
-              </a:endParaRPr>
-            </a:p>
-          </p:txBody>
-        </p:sp>
-        <p:sp>
-          <p:nvSpPr>
-            <p:cNvPr id="40" name="矩形 39"/>
-            <p:cNvSpPr/>
-            <p:nvPr/>
-          </p:nvSpPr>
-          <p:spPr>
-            <a:xfrm>
-              <a:off x="4995852" y="2489306"/>
-              <a:ext cx="929640" cy="451023"/>
-            </a:xfrm>
-            <a:prstGeom prst="rect">
-              <a:avLst/>
-            </a:prstGeom>
-            <a:solidFill>
-              <a:schemeClr val="bg1"/>
-            </a:solidFill>
-          </p:spPr>
-          <p:style>
-            <a:lnRef idx="2">
-              <a:schemeClr val="accent1">
-                <a:shade val="50000"/>
-              </a:schemeClr>
-            </a:lnRef>
-            <a:fillRef idx="1">
-              <a:schemeClr val="accent1"/>
-            </a:fillRef>
-            <a:effectRef idx="0">
-              <a:schemeClr val="accent1"/>
-            </a:effectRef>
-            <a:fontRef idx="minor">
-              <a:schemeClr val="lt1"/>
-            </a:fontRef>
-          </p:style>
-          <p:txBody>
-            <a:bodyPr rtlCol="0" anchor="ctr"/>
-            <a:lstStyle/>
-            <a:p>
-              <a:pPr algn="ctr"/>
-              <a:r>
-                <a:rPr lang="en-US" altLang="zh-CN" sz="1050" dirty="0" smtClean="0">
-                  <a:solidFill>
-                    <a:schemeClr val="tx1"/>
-                  </a:solidFill>
-                  <a:latin typeface="微软雅黑" panose="020B0503020204020204" pitchFamily="34" charset="-122"/>
-                  <a:ea typeface="微软雅黑" panose="020B0503020204020204" pitchFamily="34" charset="-122"/>
-                </a:rPr>
-                <a:t>TCP</a:t>
-              </a:r>
-            </a:p>
-          </p:txBody>
-        </p:sp>
-        <p:sp>
-          <p:nvSpPr>
-            <p:cNvPr id="41" name="矩形 40"/>
-            <p:cNvSpPr/>
-            <p:nvPr/>
-          </p:nvSpPr>
-          <p:spPr>
-            <a:xfrm>
-              <a:off x="6307434" y="2492611"/>
-              <a:ext cx="929640" cy="451023"/>
-            </a:xfrm>
-            <a:prstGeom prst="rect">
-              <a:avLst/>
-            </a:prstGeom>
-            <a:solidFill>
-              <a:schemeClr val="bg1"/>
-            </a:solidFill>
-          </p:spPr>
-          <p:style>
-            <a:lnRef idx="2">
-              <a:schemeClr val="accent1">
-                <a:shade val="50000"/>
-              </a:schemeClr>
-            </a:lnRef>
-            <a:fillRef idx="1">
-              <a:schemeClr val="accent1"/>
-            </a:fillRef>
-            <a:effectRef idx="0">
-              <a:schemeClr val="accent1"/>
-            </a:effectRef>
-            <a:fontRef idx="minor">
-              <a:schemeClr val="lt1"/>
-            </a:fontRef>
-          </p:style>
-          <p:txBody>
-            <a:bodyPr rtlCol="0" anchor="ctr"/>
-            <a:lstStyle/>
-            <a:p>
-              <a:pPr algn="ctr"/>
-              <a:r>
-                <a:rPr lang="en-US" altLang="zh-CN" sz="1050" dirty="0" smtClean="0">
-                  <a:solidFill>
-                    <a:schemeClr val="tx1"/>
-                  </a:solidFill>
-                  <a:latin typeface="微软雅黑" panose="020B0503020204020204" pitchFamily="34" charset="-122"/>
-                  <a:ea typeface="微软雅黑" panose="020B0503020204020204" pitchFamily="34" charset="-122"/>
-                </a:rPr>
-                <a:t>UDP</a:t>
-              </a:r>
-            </a:p>
-          </p:txBody>
-        </p:sp>
-        <p:cxnSp>
-          <p:nvCxnSpPr>
-            <p:cNvPr id="42" name="直接箭头连接符 41"/>
-            <p:cNvCxnSpPr/>
-            <p:nvPr/>
-          </p:nvCxnSpPr>
-          <p:spPr>
-            <a:xfrm>
-              <a:off x="5737860" y="2018581"/>
-              <a:ext cx="0" cy="470725"/>
-            </a:xfrm>
-            <a:prstGeom prst="straightConnector1">
-              <a:avLst/>
-            </a:prstGeom>
-            <a:ln>
-              <a:solidFill>
-                <a:schemeClr val="tx1"/>
-              </a:solidFill>
-              <a:tailEnd type="triangle"/>
-            </a:ln>
-          </p:spPr>
-          <p:style>
-            <a:lnRef idx="1">
-              <a:schemeClr val="accent1"/>
-            </a:lnRef>
-            <a:fillRef idx="0">
-              <a:schemeClr val="accent1"/>
-            </a:fillRef>
-            <a:effectRef idx="0">
-              <a:schemeClr val="accent1"/>
-            </a:effectRef>
-            <a:fontRef idx="minor">
-              <a:schemeClr val="tx1"/>
-            </a:fontRef>
-          </p:style>
-        </p:cxnSp>
-        <p:cxnSp>
-          <p:nvCxnSpPr>
-            <p:cNvPr id="43" name="直接箭头连接符 42"/>
-            <p:cNvCxnSpPr/>
-            <p:nvPr/>
-          </p:nvCxnSpPr>
-          <p:spPr>
-            <a:xfrm>
-              <a:off x="6431280" y="2000027"/>
-              <a:ext cx="0" cy="470725"/>
-            </a:xfrm>
-            <a:prstGeom prst="straightConnector1">
-              <a:avLst/>
-            </a:prstGeom>
-            <a:ln>
-              <a:solidFill>
-                <a:schemeClr val="tx1"/>
-              </a:solidFill>
-              <a:tailEnd type="triangle"/>
-            </a:ln>
-          </p:spPr>
-          <p:style>
-            <a:lnRef idx="1">
-              <a:schemeClr val="accent1"/>
-            </a:lnRef>
-            <a:fillRef idx="0">
-              <a:schemeClr val="accent1"/>
-            </a:fillRef>
-            <a:effectRef idx="0">
-              <a:schemeClr val="accent1"/>
-            </a:effectRef>
-            <a:fontRef idx="minor">
-              <a:schemeClr val="tx1"/>
-            </a:fontRef>
-          </p:style>
-        </p:cxnSp>
-        <p:sp>
-          <p:nvSpPr>
-            <p:cNvPr id="44" name="矩形 43"/>
-            <p:cNvSpPr/>
-            <p:nvPr/>
-          </p:nvSpPr>
-          <p:spPr>
-            <a:xfrm>
-              <a:off x="4149090" y="3080333"/>
-              <a:ext cx="3893820" cy="857767"/>
-            </a:xfrm>
-            <a:prstGeom prst="rect">
-              <a:avLst/>
-            </a:prstGeom>
-            <a:solidFill>
-              <a:schemeClr val="accent1">
-                <a:lumMod val="20000"/>
-                <a:lumOff val="80000"/>
-              </a:schemeClr>
-            </a:solidFill>
-            <a:ln>
-              <a:solidFill>
-                <a:schemeClr val="tx1"/>
-              </a:solidFill>
-            </a:ln>
-          </p:spPr>
-          <p:style>
-            <a:lnRef idx="2">
-              <a:schemeClr val="accent1">
-                <a:shade val="50000"/>
-              </a:schemeClr>
-            </a:lnRef>
-            <a:fillRef idx="1">
-              <a:schemeClr val="accent1"/>
-            </a:fillRef>
-            <a:effectRef idx="0">
-              <a:schemeClr val="accent1"/>
-            </a:effectRef>
-            <a:fontRef idx="minor">
-              <a:schemeClr val="lt1"/>
-            </a:fontRef>
-          </p:style>
-          <p:txBody>
-            <a:bodyPr rtlCol="0" anchor="ctr"/>
-            <a:lstStyle/>
-            <a:p>
-              <a:pPr algn="ctr"/>
-              <a:endParaRPr lang="zh-CN" altLang="en-US"/>
-            </a:p>
-          </p:txBody>
-        </p:sp>
-        <p:sp>
-          <p:nvSpPr>
-            <p:cNvPr id="45" name="矩形 44"/>
-            <p:cNvSpPr/>
-            <p:nvPr/>
-          </p:nvSpPr>
-          <p:spPr>
-            <a:xfrm>
-              <a:off x="4149092" y="3080333"/>
-              <a:ext cx="588623" cy="253916"/>
-            </a:xfrm>
-            <a:prstGeom prst="rect">
-              <a:avLst/>
-            </a:prstGeom>
-          </p:spPr>
-          <p:txBody>
-            <a:bodyPr wrap="none">
-              <a:spAutoFit/>
-            </a:bodyPr>
-            <a:lstStyle/>
-            <a:p>
-              <a:pPr algn="ctr"/>
-              <a:r>
-                <a:rPr lang="zh-CN" altLang="en-US" sz="1050" dirty="0" smtClean="0">
-                  <a:latin typeface="微软雅黑" panose="020B0503020204020204" pitchFamily="34" charset="-122"/>
-                  <a:ea typeface="微软雅黑" panose="020B0503020204020204" pitchFamily="34" charset="-122"/>
-                </a:rPr>
-                <a:t>网际层</a:t>
-              </a:r>
-              <a:endParaRPr lang="zh-CN" altLang="en-US" sz="1050" dirty="0">
-                <a:latin typeface="微软雅黑" panose="020B0503020204020204" pitchFamily="34" charset="-122"/>
-                <a:ea typeface="微软雅黑" panose="020B0503020204020204" pitchFamily="34" charset="-122"/>
-              </a:endParaRPr>
-            </a:p>
-          </p:txBody>
-        </p:sp>
-        <p:sp>
-          <p:nvSpPr>
-            <p:cNvPr id="46" name="矩形 45"/>
-            <p:cNvSpPr/>
-            <p:nvPr/>
-          </p:nvSpPr>
-          <p:spPr>
-            <a:xfrm>
-              <a:off x="4995852" y="3229856"/>
-              <a:ext cx="2241222" cy="451023"/>
-            </a:xfrm>
-            <a:prstGeom prst="rect">
-              <a:avLst/>
-            </a:prstGeom>
-            <a:solidFill>
-              <a:schemeClr val="bg1"/>
-            </a:solidFill>
-          </p:spPr>
-          <p:style>
-            <a:lnRef idx="2">
-              <a:schemeClr val="accent1">
-                <a:shade val="50000"/>
-              </a:schemeClr>
-            </a:lnRef>
-            <a:fillRef idx="1">
-              <a:schemeClr val="accent1"/>
-            </a:fillRef>
-            <a:effectRef idx="0">
-              <a:schemeClr val="accent1"/>
-            </a:effectRef>
-            <a:fontRef idx="minor">
-              <a:schemeClr val="lt1"/>
-            </a:fontRef>
-          </p:style>
-          <p:txBody>
-            <a:bodyPr rtlCol="0" anchor="ctr"/>
-            <a:lstStyle/>
-            <a:p>
-              <a:pPr algn="ctr"/>
-              <a:r>
-                <a:rPr lang="en-US" altLang="zh-CN" sz="1050" dirty="0" smtClean="0">
-                  <a:solidFill>
-                    <a:schemeClr val="tx1"/>
-                  </a:solidFill>
-                  <a:latin typeface="微软雅黑" panose="020B0503020204020204" pitchFamily="34" charset="-122"/>
-                  <a:ea typeface="微软雅黑" panose="020B0503020204020204" pitchFamily="34" charset="-122"/>
-                </a:rPr>
-                <a:t>IP</a:t>
-              </a:r>
-            </a:p>
-          </p:txBody>
-        </p:sp>
-        <p:cxnSp>
-          <p:nvCxnSpPr>
-            <p:cNvPr id="48" name="直接箭头连接符 47"/>
-            <p:cNvCxnSpPr>
-              <a:stCxn id="40" idx="2"/>
-            </p:cNvCxnSpPr>
-            <p:nvPr/>
-          </p:nvCxnSpPr>
-          <p:spPr>
-            <a:xfrm>
-              <a:off x="5460672" y="2940329"/>
-              <a:ext cx="1916" cy="289527"/>
-            </a:xfrm>
-            <a:prstGeom prst="straightConnector1">
-              <a:avLst/>
-            </a:prstGeom>
-            <a:ln>
-              <a:solidFill>
-                <a:schemeClr val="tx1"/>
-              </a:solidFill>
-              <a:tailEnd type="triangle"/>
-            </a:ln>
-          </p:spPr>
-          <p:style>
-            <a:lnRef idx="1">
-              <a:schemeClr val="accent1"/>
-            </a:lnRef>
-            <a:fillRef idx="0">
-              <a:schemeClr val="accent1"/>
-            </a:fillRef>
-            <a:effectRef idx="0">
-              <a:schemeClr val="accent1"/>
-            </a:effectRef>
-            <a:fontRef idx="minor">
-              <a:schemeClr val="tx1"/>
-            </a:fontRef>
-          </p:style>
-        </p:cxnSp>
-        <p:cxnSp>
-          <p:nvCxnSpPr>
-            <p:cNvPr id="50" name="直接箭头连接符 49"/>
-            <p:cNvCxnSpPr/>
-            <p:nvPr/>
-          </p:nvCxnSpPr>
-          <p:spPr>
-            <a:xfrm>
-              <a:off x="6802279" y="2940329"/>
-              <a:ext cx="0" cy="289527"/>
-            </a:xfrm>
-            <a:prstGeom prst="straightConnector1">
-              <a:avLst/>
-            </a:prstGeom>
-            <a:ln>
-              <a:solidFill>
-                <a:schemeClr val="tx1"/>
-              </a:solidFill>
-              <a:tailEnd type="triangle"/>
-            </a:ln>
-          </p:spPr>
-          <p:style>
-            <a:lnRef idx="1">
-              <a:schemeClr val="accent1"/>
-            </a:lnRef>
-            <a:fillRef idx="0">
-              <a:schemeClr val="accent1"/>
-            </a:fillRef>
-            <a:effectRef idx="0">
-              <a:schemeClr val="accent1"/>
-            </a:effectRef>
-            <a:fontRef idx="minor">
-              <a:schemeClr val="tx1"/>
-            </a:fontRef>
-          </p:style>
-        </p:cxnSp>
-        <p:sp>
-          <p:nvSpPr>
-            <p:cNvPr id="52" name="矩形 51"/>
-            <p:cNvSpPr/>
-            <p:nvPr/>
-          </p:nvSpPr>
-          <p:spPr>
-            <a:xfrm>
-              <a:off x="7426620" y="3229856"/>
-              <a:ext cx="533411" cy="451023"/>
-            </a:xfrm>
-            <a:prstGeom prst="rect">
-              <a:avLst/>
-            </a:prstGeom>
-            <a:solidFill>
-              <a:schemeClr val="bg1"/>
-            </a:solidFill>
-          </p:spPr>
-          <p:style>
-            <a:lnRef idx="2">
-              <a:schemeClr val="accent1">
-                <a:shade val="50000"/>
-              </a:schemeClr>
-            </a:lnRef>
-            <a:fillRef idx="1">
-              <a:schemeClr val="accent1"/>
-            </a:fillRef>
-            <a:effectRef idx="0">
-              <a:schemeClr val="accent1"/>
-            </a:effectRef>
-            <a:fontRef idx="minor">
-              <a:schemeClr val="lt1"/>
-            </a:fontRef>
-          </p:style>
-          <p:txBody>
-            <a:bodyPr rtlCol="0" anchor="ctr"/>
-            <a:lstStyle/>
-            <a:p>
-              <a:pPr algn="ctr"/>
-              <a:r>
-                <a:rPr lang="en-US" altLang="zh-CN" sz="1050" dirty="0" smtClean="0">
-                  <a:solidFill>
-                    <a:schemeClr val="tx1"/>
-                  </a:solidFill>
-                  <a:latin typeface="微软雅黑" panose="020B0503020204020204" pitchFamily="34" charset="-122"/>
-                  <a:ea typeface="微软雅黑" panose="020B0503020204020204" pitchFamily="34" charset="-122"/>
-                </a:rPr>
-                <a:t>ARP</a:t>
-              </a:r>
-            </a:p>
-          </p:txBody>
-        </p:sp>
-        <p:sp>
-          <p:nvSpPr>
-            <p:cNvPr id="53" name="矩形 52"/>
-            <p:cNvSpPr/>
-            <p:nvPr/>
-          </p:nvSpPr>
-          <p:spPr>
-            <a:xfrm>
-              <a:off x="4146222" y="3942834"/>
-              <a:ext cx="3893820" cy="1612146"/>
-            </a:xfrm>
-            <a:prstGeom prst="rect">
-              <a:avLst/>
-            </a:prstGeom>
-            <a:solidFill>
-              <a:schemeClr val="accent1">
-                <a:lumMod val="20000"/>
-                <a:lumOff val="80000"/>
-              </a:schemeClr>
-            </a:solidFill>
-            <a:ln>
-              <a:solidFill>
-                <a:schemeClr val="tx1"/>
-              </a:solidFill>
-            </a:ln>
-          </p:spPr>
-          <p:style>
-            <a:lnRef idx="2">
-              <a:schemeClr val="accent1">
-                <a:shade val="50000"/>
-              </a:schemeClr>
-            </a:lnRef>
-            <a:fillRef idx="1">
-              <a:schemeClr val="accent1"/>
-            </a:fillRef>
-            <a:effectRef idx="0">
-              <a:schemeClr val="accent1"/>
-            </a:effectRef>
-            <a:fontRef idx="minor">
-              <a:schemeClr val="lt1"/>
-            </a:fontRef>
-          </p:style>
-          <p:txBody>
-            <a:bodyPr rtlCol="0" anchor="ctr"/>
-            <a:lstStyle/>
-            <a:p>
-              <a:pPr algn="ctr"/>
-              <a:endParaRPr lang="zh-CN" altLang="en-US"/>
-            </a:p>
-          </p:txBody>
-        </p:sp>
-        <p:sp>
-          <p:nvSpPr>
-            <p:cNvPr id="54" name="矩形 53"/>
-            <p:cNvSpPr/>
-            <p:nvPr/>
-          </p:nvSpPr>
-          <p:spPr>
-            <a:xfrm>
-              <a:off x="4143354" y="3947841"/>
-              <a:ext cx="857927" cy="253916"/>
-            </a:xfrm>
-            <a:prstGeom prst="rect">
-              <a:avLst/>
-            </a:prstGeom>
-          </p:spPr>
-          <p:txBody>
-            <a:bodyPr wrap="none">
-              <a:spAutoFit/>
-            </a:bodyPr>
-            <a:lstStyle/>
-            <a:p>
-              <a:pPr algn="ctr"/>
-              <a:r>
-                <a:rPr lang="zh-CN" altLang="en-US" sz="1050" dirty="0" smtClean="0">
-                  <a:latin typeface="微软雅黑" panose="020B0503020204020204" pitchFamily="34" charset="-122"/>
-                  <a:ea typeface="微软雅黑" panose="020B0503020204020204" pitchFamily="34" charset="-122"/>
-                </a:rPr>
-                <a:t>网络访问层</a:t>
-              </a:r>
-              <a:endParaRPr lang="zh-CN" altLang="en-US" sz="1050" dirty="0">
-                <a:latin typeface="微软雅黑" panose="020B0503020204020204" pitchFamily="34" charset="-122"/>
-                <a:ea typeface="微软雅黑" panose="020B0503020204020204" pitchFamily="34" charset="-122"/>
-              </a:endParaRPr>
-            </a:p>
-          </p:txBody>
-        </p:sp>
-        <p:sp>
-          <p:nvSpPr>
-            <p:cNvPr id="55" name="矩形 54"/>
-            <p:cNvSpPr/>
-            <p:nvPr/>
-          </p:nvSpPr>
-          <p:spPr>
-            <a:xfrm>
-              <a:off x="5036252" y="4030553"/>
-              <a:ext cx="1988820" cy="617220"/>
-            </a:xfrm>
-            <a:prstGeom prst="rect">
-              <a:avLst/>
-            </a:prstGeom>
-            <a:solidFill>
-              <a:schemeClr val="bg1"/>
-            </a:solidFill>
-          </p:spPr>
-          <p:style>
-            <a:lnRef idx="2">
-              <a:schemeClr val="accent1">
-                <a:shade val="50000"/>
-              </a:schemeClr>
-            </a:lnRef>
-            <a:fillRef idx="1">
-              <a:schemeClr val="accent1"/>
-            </a:fillRef>
-            <a:effectRef idx="0">
-              <a:schemeClr val="accent1"/>
-            </a:effectRef>
-            <a:fontRef idx="minor">
-              <a:schemeClr val="lt1"/>
-            </a:fontRef>
-          </p:style>
-          <p:txBody>
-            <a:bodyPr rtlCol="0" anchor="ctr"/>
-            <a:lstStyle/>
-            <a:p>
-              <a:pPr algn="ctr"/>
-              <a:endParaRPr lang="zh-CN" altLang="en-US"/>
-            </a:p>
-          </p:txBody>
-        </p:sp>
-        <p:sp>
-          <p:nvSpPr>
-            <p:cNvPr id="56" name="矩形 55"/>
-            <p:cNvSpPr/>
-            <p:nvPr/>
-          </p:nvSpPr>
-          <p:spPr>
-            <a:xfrm>
-              <a:off x="5188652" y="4182953"/>
-              <a:ext cx="1988820" cy="617220"/>
-            </a:xfrm>
-            <a:prstGeom prst="rect">
-              <a:avLst/>
-            </a:prstGeom>
-            <a:solidFill>
-              <a:schemeClr val="bg1"/>
-            </a:solidFill>
-          </p:spPr>
-          <p:style>
-            <a:lnRef idx="2">
-              <a:schemeClr val="accent1">
-                <a:shade val="50000"/>
-              </a:schemeClr>
-            </a:lnRef>
-            <a:fillRef idx="1">
-              <a:schemeClr val="accent1"/>
-            </a:fillRef>
-            <a:effectRef idx="0">
-              <a:schemeClr val="accent1"/>
-            </a:effectRef>
-            <a:fontRef idx="minor">
-              <a:schemeClr val="lt1"/>
-            </a:fontRef>
-          </p:style>
-          <p:txBody>
-            <a:bodyPr rtlCol="0" anchor="ctr"/>
-            <a:lstStyle/>
-            <a:p>
-              <a:pPr algn="ctr"/>
-              <a:endParaRPr lang="zh-CN" altLang="en-US"/>
-            </a:p>
-          </p:txBody>
-        </p:sp>
-        <p:sp>
-          <p:nvSpPr>
-            <p:cNvPr id="57" name="矩形 56"/>
-            <p:cNvSpPr/>
-            <p:nvPr/>
-          </p:nvSpPr>
-          <p:spPr>
-            <a:xfrm>
-              <a:off x="5341052" y="4335353"/>
-              <a:ext cx="1988820" cy="617220"/>
-            </a:xfrm>
-            <a:prstGeom prst="rect">
-              <a:avLst/>
-            </a:prstGeom>
-            <a:solidFill>
-              <a:schemeClr val="bg1"/>
-            </a:solidFill>
-          </p:spPr>
-          <p:style>
-            <a:lnRef idx="2">
-              <a:schemeClr val="accent1">
-                <a:shade val="50000"/>
-              </a:schemeClr>
-            </a:lnRef>
-            <a:fillRef idx="1">
-              <a:schemeClr val="accent1"/>
-            </a:fillRef>
-            <a:effectRef idx="0">
-              <a:schemeClr val="accent1"/>
-            </a:effectRef>
-            <a:fontRef idx="minor">
-              <a:schemeClr val="lt1"/>
-            </a:fontRef>
-          </p:style>
-          <p:txBody>
-            <a:bodyPr rtlCol="0" anchor="ctr"/>
-            <a:lstStyle/>
-            <a:p>
-              <a:pPr algn="ctr"/>
-              <a:endParaRPr lang="zh-CN" altLang="en-US"/>
-            </a:p>
-          </p:txBody>
-        </p:sp>
-        <p:sp>
-          <p:nvSpPr>
-            <p:cNvPr id="58" name="矩形 57"/>
-            <p:cNvSpPr/>
-            <p:nvPr/>
-          </p:nvSpPr>
-          <p:spPr>
-            <a:xfrm>
-              <a:off x="5493452" y="4487753"/>
-              <a:ext cx="1988820" cy="617220"/>
-            </a:xfrm>
-            <a:prstGeom prst="rect">
-              <a:avLst/>
-            </a:prstGeom>
-            <a:solidFill>
-              <a:schemeClr val="bg1"/>
-            </a:solidFill>
-          </p:spPr>
-          <p:style>
-            <a:lnRef idx="2">
-              <a:schemeClr val="accent1">
-                <a:shade val="50000"/>
-              </a:schemeClr>
-            </a:lnRef>
-            <a:fillRef idx="1">
-              <a:schemeClr val="accent1"/>
-            </a:fillRef>
-            <a:effectRef idx="0">
-              <a:schemeClr val="accent1"/>
-            </a:effectRef>
-            <a:fontRef idx="minor">
-              <a:schemeClr val="lt1"/>
-            </a:fontRef>
-          </p:style>
-          <p:txBody>
-            <a:bodyPr rtlCol="0" anchor="ctr"/>
-            <a:lstStyle/>
-            <a:p>
-              <a:pPr algn="ctr"/>
-              <a:r>
-                <a:rPr lang="zh-CN" altLang="en-US" sz="1050" dirty="0" smtClean="0">
-                  <a:solidFill>
-                    <a:schemeClr val="tx1"/>
-                  </a:solidFill>
-                  <a:latin typeface="微软雅黑" panose="020B0503020204020204" pitchFamily="34" charset="-122"/>
-                  <a:ea typeface="微软雅黑" panose="020B0503020204020204" pitchFamily="34" charset="-122"/>
-                </a:rPr>
-                <a:t>物理网络</a:t>
-              </a:r>
-              <a:endParaRPr lang="zh-CN" altLang="en-US" sz="1050" dirty="0">
-                <a:solidFill>
-                  <a:schemeClr val="tx1"/>
-                </a:solidFill>
-                <a:latin typeface="微软雅黑" panose="020B0503020204020204" pitchFamily="34" charset="-122"/>
-                <a:ea typeface="微软雅黑" panose="020B0503020204020204" pitchFamily="34" charset="-122"/>
-              </a:endParaRPr>
-            </a:p>
-          </p:txBody>
-        </p:sp>
-        <p:cxnSp>
-          <p:nvCxnSpPr>
-            <p:cNvPr id="60" name="直接箭头连接符 59"/>
-            <p:cNvCxnSpPr>
-              <a:stCxn id="46" idx="3"/>
-              <a:endCxn id="52" idx="1"/>
-            </p:cNvCxnSpPr>
-            <p:nvPr/>
-          </p:nvCxnSpPr>
-          <p:spPr>
-            <a:xfrm>
-              <a:off x="7237074" y="3455368"/>
-              <a:ext cx="189546" cy="0"/>
-            </a:xfrm>
-            <a:prstGeom prst="straightConnector1">
-              <a:avLst/>
-            </a:prstGeom>
-            <a:ln>
-              <a:solidFill>
-                <a:schemeClr val="tx1"/>
-              </a:solidFill>
-              <a:tailEnd type="triangle"/>
-            </a:ln>
-          </p:spPr>
-          <p:style>
-            <a:lnRef idx="1">
-              <a:schemeClr val="accent1"/>
-            </a:lnRef>
-            <a:fillRef idx="0">
-              <a:schemeClr val="accent1"/>
-            </a:fillRef>
-            <a:effectRef idx="0">
-              <a:schemeClr val="accent1"/>
-            </a:effectRef>
-            <a:fontRef idx="minor">
-              <a:schemeClr val="tx1"/>
-            </a:fontRef>
-          </p:style>
-        </p:cxnSp>
-        <p:cxnSp>
-          <p:nvCxnSpPr>
-            <p:cNvPr id="62" name="直接箭头连接符 61"/>
-            <p:cNvCxnSpPr>
-              <a:stCxn id="46" idx="2"/>
-            </p:cNvCxnSpPr>
-            <p:nvPr/>
-          </p:nvCxnSpPr>
-          <p:spPr>
-            <a:xfrm>
-              <a:off x="6116463" y="3680879"/>
-              <a:ext cx="0" cy="349674"/>
-            </a:xfrm>
-            <a:prstGeom prst="straightConnector1">
-              <a:avLst/>
-            </a:prstGeom>
-            <a:ln>
-              <a:solidFill>
-                <a:schemeClr val="tx1"/>
-              </a:solidFill>
-              <a:tailEnd type="triangle"/>
-            </a:ln>
-          </p:spPr>
-          <p:style>
-            <a:lnRef idx="1">
-              <a:schemeClr val="accent1"/>
-            </a:lnRef>
-            <a:fillRef idx="0">
-              <a:schemeClr val="accent1"/>
-            </a:fillRef>
-            <a:effectRef idx="0">
-              <a:schemeClr val="accent1"/>
-            </a:effectRef>
-            <a:fontRef idx="minor">
-              <a:schemeClr val="tx1"/>
-            </a:fontRef>
-          </p:style>
-        </p:cxnSp>
-        <p:cxnSp>
-          <p:nvCxnSpPr>
-            <p:cNvPr id="64" name="肘形连接符 63"/>
-            <p:cNvCxnSpPr>
-              <a:endCxn id="52" idx="2"/>
-            </p:cNvCxnSpPr>
-            <p:nvPr/>
-          </p:nvCxnSpPr>
-          <p:spPr>
-            <a:xfrm rot="5400000" flipH="1" flipV="1">
-              <a:off x="7157479" y="3853273"/>
-              <a:ext cx="708241" cy="363454"/>
-            </a:xfrm>
-            <a:prstGeom prst="bentConnector3">
-              <a:avLst>
-                <a:gd name="adj1" fmla="val -1644"/>
-              </a:avLst>
-            </a:prstGeom>
-            <a:ln>
-              <a:solidFill>
-                <a:schemeClr val="tx1"/>
-              </a:solidFill>
-              <a:tailEnd type="triangle"/>
-            </a:ln>
-          </p:spPr>
-          <p:style>
-            <a:lnRef idx="1">
-              <a:schemeClr val="accent1"/>
-            </a:lnRef>
-            <a:fillRef idx="0">
-              <a:schemeClr val="accent1"/>
-            </a:fillRef>
-            <a:effectRef idx="0">
-              <a:schemeClr val="accent1"/>
-            </a:effectRef>
-            <a:fontRef idx="minor">
-              <a:schemeClr val="tx1"/>
-            </a:fontRef>
-          </p:style>
-        </p:cxnSp>
-        <p:cxnSp>
-          <p:nvCxnSpPr>
-            <p:cNvPr id="67" name="直接箭头连接符 66"/>
-            <p:cNvCxnSpPr>
-              <a:stCxn id="58" idx="2"/>
-            </p:cNvCxnSpPr>
-            <p:nvPr/>
-          </p:nvCxnSpPr>
-          <p:spPr>
-            <a:xfrm>
-              <a:off x="6487862" y="5104973"/>
-              <a:ext cx="0" cy="655747"/>
-            </a:xfrm>
-            <a:prstGeom prst="straightConnector1">
-              <a:avLst/>
-            </a:prstGeom>
-            <a:ln>
-              <a:solidFill>
-                <a:schemeClr val="tx1"/>
-              </a:solidFill>
-              <a:tailEnd type="triangle"/>
-            </a:ln>
-          </p:spPr>
-          <p:style>
-            <a:lnRef idx="1">
-              <a:schemeClr val="accent1"/>
-            </a:lnRef>
-            <a:fillRef idx="0">
-              <a:schemeClr val="accent1"/>
-            </a:fillRef>
-            <a:effectRef idx="0">
-              <a:schemeClr val="accent1"/>
-            </a:effectRef>
-            <a:fontRef idx="minor">
-              <a:schemeClr val="tx1"/>
-            </a:fontRef>
-          </p:style>
-        </p:cxnSp>
-        <p:cxnSp>
-          <p:nvCxnSpPr>
-            <p:cNvPr id="69" name="直接箭头连接符 68"/>
-            <p:cNvCxnSpPr>
-              <a:stCxn id="31" idx="2"/>
-              <a:endCxn id="36" idx="0"/>
-            </p:cNvCxnSpPr>
-            <p:nvPr/>
-          </p:nvCxnSpPr>
-          <p:spPr>
-            <a:xfrm>
-              <a:off x="6090680" y="1100463"/>
-              <a:ext cx="0" cy="314267"/>
-            </a:xfrm>
-            <a:prstGeom prst="straightConnector1">
-              <a:avLst/>
-            </a:prstGeom>
-            <a:ln>
-              <a:solidFill>
-                <a:schemeClr val="tx1"/>
-              </a:solidFill>
-              <a:tailEnd type="triangle"/>
-            </a:ln>
-          </p:spPr>
-          <p:style>
-            <a:lnRef idx="1">
-              <a:schemeClr val="accent1"/>
-            </a:lnRef>
-            <a:fillRef idx="0">
-              <a:schemeClr val="accent1"/>
-            </a:fillRef>
-            <a:effectRef idx="0">
-              <a:schemeClr val="accent1"/>
-            </a:effectRef>
-            <a:fontRef idx="minor">
-              <a:schemeClr val="tx1"/>
-            </a:fontRef>
-          </p:style>
-        </p:cxnSp>
-      </p:grpSp>
-    </p:spTree>
-    <p:extLst>
-      <p:ext uri="{BB962C8B-B14F-4D97-AF65-F5344CB8AC3E}">
-        <p14:creationId xmlns:p14="http://schemas.microsoft.com/office/powerpoint/2010/main" val="1756324376"/>
-      </p:ext>
-    </p:extLst>
-  </p:cSld>
-  <p:clrMapOvr>
-    <a:masterClrMapping/>
-  </p:clrMapOvr>
-</p:sld>
-</file>
-
-<file path=ppt/slides/slide9.xml><?xml version="1.0" encoding="utf-8"?>
-<p:sld xmlns:a="http://schemas.openxmlformats.org/drawingml/2006/main" xmlns:r="http://schemas.openxmlformats.org/officeDocument/2006/relationships" xmlns:p="http://schemas.openxmlformats.org/presentationml/2006/main">
-  <p:cSld>
-    <p:spTree>
-      <p:nvGrpSpPr>
-        <p:cNvPr id="1" name=""/>
-        <p:cNvGrpSpPr/>
-        <p:nvPr/>
-      </p:nvGrpSpPr>
-      <p:grpSpPr>
-        <a:xfrm>
-          <a:off x="0" y="0"/>
-          <a:ext cx="0" cy="0"/>
-          <a:chOff x="0" y="0"/>
-          <a:chExt cx="0" cy="0"/>
-        </a:xfrm>
-      </p:grpSpPr>
-      <p:grpSp>
-        <p:nvGrpSpPr>
-          <p:cNvPr id="26" name="组合 25"/>
-          <p:cNvGrpSpPr/>
-          <p:nvPr/>
-        </p:nvGrpSpPr>
-        <p:grpSpPr>
-          <a:xfrm>
-            <a:off x="2622430" y="1026542"/>
-            <a:ext cx="2835215" cy="1219737"/>
-            <a:chOff x="2622430" y="1026542"/>
-            <a:chExt cx="2835215" cy="1219737"/>
-          </a:xfrm>
-        </p:grpSpPr>
-        <p:sp>
-          <p:nvSpPr>
-            <p:cNvPr id="2" name="矩形 1"/>
-            <p:cNvSpPr/>
-            <p:nvPr/>
-          </p:nvSpPr>
-          <p:spPr>
-            <a:xfrm>
-              <a:off x="2622430" y="1026543"/>
-              <a:ext cx="966159" cy="388189"/>
-            </a:xfrm>
-            <a:prstGeom prst="rect">
-              <a:avLst/>
-            </a:prstGeom>
-            <a:solidFill>
-              <a:schemeClr val="bg1"/>
-            </a:solidFill>
-            <a:ln>
-              <a:solidFill>
-                <a:schemeClr val="tx1"/>
-              </a:solidFill>
-            </a:ln>
-          </p:spPr>
-          <p:style>
-            <a:lnRef idx="2">
-              <a:schemeClr val="accent1">
-                <a:shade val="50000"/>
-              </a:schemeClr>
-            </a:lnRef>
-            <a:fillRef idx="1">
-              <a:schemeClr val="accent1"/>
-            </a:fillRef>
-            <a:effectRef idx="0">
-              <a:schemeClr val="accent1"/>
-            </a:effectRef>
-            <a:fontRef idx="minor">
-              <a:schemeClr val="lt1"/>
-            </a:fontRef>
-          </p:style>
-          <p:txBody>
-            <a:bodyPr rtlCol="0" anchor="ctr"/>
-            <a:lstStyle/>
-            <a:p>
-              <a:pPr algn="ctr"/>
-              <a:r>
-                <a:rPr lang="zh-CN" altLang="en-US" sz="1050" dirty="0" smtClean="0">
-                  <a:solidFill>
-                    <a:schemeClr val="tx1"/>
-                  </a:solidFill>
-                  <a:latin typeface="微软雅黑" panose="020B0503020204020204" pitchFamily="34" charset="-122"/>
-                  <a:ea typeface="微软雅黑" panose="020B0503020204020204" pitchFamily="34" charset="-122"/>
-                </a:rPr>
-                <a:t>计算机</a:t>
-              </a:r>
-              <a:r>
-                <a:rPr lang="en-US" altLang="zh-CN" sz="1050" dirty="0" smtClean="0">
-                  <a:solidFill>
-                    <a:schemeClr val="tx1"/>
-                  </a:solidFill>
-                  <a:latin typeface="微软雅黑" panose="020B0503020204020204" pitchFamily="34" charset="-122"/>
-                  <a:ea typeface="微软雅黑" panose="020B0503020204020204" pitchFamily="34" charset="-122"/>
-                </a:rPr>
-                <a:t>A</a:t>
-              </a:r>
-              <a:endParaRPr lang="zh-CN" altLang="en-US" sz="1050" dirty="0">
-                <a:solidFill>
-                  <a:schemeClr val="tx1"/>
-                </a:solidFill>
-                <a:latin typeface="微软雅黑" panose="020B0503020204020204" pitchFamily="34" charset="-122"/>
-                <a:ea typeface="微软雅黑" panose="020B0503020204020204" pitchFamily="34" charset="-122"/>
-              </a:endParaRPr>
-            </a:p>
-          </p:txBody>
-        </p:sp>
-        <p:sp>
-          <p:nvSpPr>
-            <p:cNvPr id="4" name="矩形 3"/>
-            <p:cNvSpPr/>
-            <p:nvPr/>
-          </p:nvSpPr>
-          <p:spPr>
-            <a:xfrm>
-              <a:off x="4491486" y="1026542"/>
-              <a:ext cx="966159" cy="388189"/>
-            </a:xfrm>
-            <a:prstGeom prst="rect">
-              <a:avLst/>
-            </a:prstGeom>
-            <a:solidFill>
-              <a:schemeClr val="bg1"/>
-            </a:solidFill>
-            <a:ln>
-              <a:solidFill>
-                <a:schemeClr val="tx1"/>
-              </a:solidFill>
-            </a:ln>
-          </p:spPr>
-          <p:style>
-            <a:lnRef idx="2">
-              <a:schemeClr val="accent1">
-                <a:shade val="50000"/>
-              </a:schemeClr>
-            </a:lnRef>
-            <a:fillRef idx="1">
-              <a:schemeClr val="accent1"/>
-            </a:fillRef>
-            <a:effectRef idx="0">
-              <a:schemeClr val="accent1"/>
-            </a:effectRef>
-            <a:fontRef idx="minor">
-              <a:schemeClr val="lt1"/>
-            </a:fontRef>
-          </p:style>
-          <p:txBody>
-            <a:bodyPr rtlCol="0" anchor="ctr"/>
-            <a:lstStyle/>
-            <a:p>
-              <a:pPr algn="ctr"/>
-              <a:r>
-                <a:rPr lang="zh-CN" altLang="en-US" sz="1050" dirty="0" smtClean="0">
-                  <a:solidFill>
-                    <a:schemeClr val="tx1"/>
-                  </a:solidFill>
-                  <a:latin typeface="微软雅黑" panose="020B0503020204020204" pitchFamily="34" charset="-122"/>
-                  <a:ea typeface="微软雅黑" panose="020B0503020204020204" pitchFamily="34" charset="-122"/>
-                </a:rPr>
-                <a:t>计算机</a:t>
-              </a:r>
-              <a:r>
-                <a:rPr lang="en-US" altLang="zh-CN" sz="1050" dirty="0" smtClean="0">
-                  <a:solidFill>
-                    <a:schemeClr val="tx1"/>
-                  </a:solidFill>
-                  <a:latin typeface="微软雅黑" panose="020B0503020204020204" pitchFamily="34" charset="-122"/>
-                  <a:ea typeface="微软雅黑" panose="020B0503020204020204" pitchFamily="34" charset="-122"/>
-                </a:rPr>
-                <a:t>B</a:t>
-              </a:r>
-              <a:endParaRPr lang="zh-CN" altLang="en-US" sz="1050" dirty="0">
-                <a:solidFill>
-                  <a:schemeClr val="tx1"/>
-                </a:solidFill>
-                <a:latin typeface="微软雅黑" panose="020B0503020204020204" pitchFamily="34" charset="-122"/>
-                <a:ea typeface="微软雅黑" panose="020B0503020204020204" pitchFamily="34" charset="-122"/>
-              </a:endParaRPr>
-            </a:p>
-          </p:txBody>
-        </p:sp>
-        <p:cxnSp>
-          <p:nvCxnSpPr>
-            <p:cNvPr id="11" name="直接连接符 10"/>
-            <p:cNvCxnSpPr/>
-            <p:nvPr/>
-          </p:nvCxnSpPr>
-          <p:spPr>
-            <a:xfrm>
-              <a:off x="3329796" y="1414731"/>
-              <a:ext cx="0" cy="241541"/>
-            </a:xfrm>
-            <a:prstGeom prst="line">
-              <a:avLst/>
-            </a:prstGeom>
-            <a:ln>
-              <a:solidFill>
-                <a:schemeClr val="tx1"/>
-              </a:solidFill>
-            </a:ln>
-          </p:spPr>
-          <p:style>
-            <a:lnRef idx="1">
-              <a:schemeClr val="accent1"/>
-            </a:lnRef>
-            <a:fillRef idx="0">
-              <a:schemeClr val="accent1"/>
-            </a:fillRef>
-            <a:effectRef idx="0">
-              <a:schemeClr val="accent1"/>
-            </a:effectRef>
-            <a:fontRef idx="minor">
-              <a:schemeClr val="tx1"/>
-            </a:fontRef>
-          </p:style>
-        </p:cxnSp>
-        <p:cxnSp>
-          <p:nvCxnSpPr>
-            <p:cNvPr id="13" name="肘形连接符 12"/>
-            <p:cNvCxnSpPr/>
-            <p:nvPr/>
-          </p:nvCxnSpPr>
-          <p:spPr>
-            <a:xfrm flipV="1">
-              <a:off x="3321170" y="1414731"/>
-              <a:ext cx="1483743" cy="241541"/>
-            </a:xfrm>
-            <a:prstGeom prst="bentConnector3">
-              <a:avLst>
-                <a:gd name="adj1" fmla="val 100000"/>
-              </a:avLst>
-            </a:prstGeom>
-            <a:ln>
-              <a:solidFill>
-                <a:schemeClr val="tx1"/>
-              </a:solidFill>
-              <a:tailEnd type="triangle"/>
-            </a:ln>
-          </p:spPr>
-          <p:style>
-            <a:lnRef idx="1">
-              <a:schemeClr val="accent1"/>
-            </a:lnRef>
-            <a:fillRef idx="0">
-              <a:schemeClr val="accent1"/>
-            </a:fillRef>
-            <a:effectRef idx="0">
-              <a:schemeClr val="accent1"/>
-            </a:effectRef>
-            <a:fontRef idx="minor">
-              <a:schemeClr val="tx1"/>
-            </a:fontRef>
-          </p:style>
-        </p:cxnSp>
-        <p:cxnSp>
-          <p:nvCxnSpPr>
-            <p:cNvPr id="16" name="直接连接符 15"/>
-            <p:cNvCxnSpPr/>
-            <p:nvPr/>
-          </p:nvCxnSpPr>
-          <p:spPr>
-            <a:xfrm>
-              <a:off x="5244321" y="1414731"/>
-              <a:ext cx="0" cy="471219"/>
-            </a:xfrm>
-            <a:prstGeom prst="line">
-              <a:avLst/>
-            </a:prstGeom>
-            <a:ln>
-              <a:solidFill>
-                <a:schemeClr val="tx1"/>
-              </a:solidFill>
-            </a:ln>
-          </p:spPr>
-          <p:style>
-            <a:lnRef idx="1">
-              <a:schemeClr val="accent1"/>
-            </a:lnRef>
-            <a:fillRef idx="0">
-              <a:schemeClr val="accent1"/>
-            </a:fillRef>
-            <a:effectRef idx="0">
-              <a:schemeClr val="accent1"/>
-            </a:effectRef>
-            <a:fontRef idx="minor">
-              <a:schemeClr val="tx1"/>
-            </a:fontRef>
-          </p:style>
-        </p:cxnSp>
-        <p:cxnSp>
-          <p:nvCxnSpPr>
-            <p:cNvPr id="19" name="肘形连接符 18"/>
-            <p:cNvCxnSpPr/>
-            <p:nvPr/>
-          </p:nvCxnSpPr>
-          <p:spPr>
-            <a:xfrm rot="10800000">
-              <a:off x="2787651" y="1414734"/>
-              <a:ext cx="2456671" cy="471217"/>
-            </a:xfrm>
-            <a:prstGeom prst="bentConnector3">
-              <a:avLst>
-                <a:gd name="adj1" fmla="val 100016"/>
-              </a:avLst>
-            </a:prstGeom>
-            <a:ln>
-              <a:solidFill>
-                <a:schemeClr val="tx1"/>
-              </a:solidFill>
-              <a:tailEnd type="triangle"/>
-            </a:ln>
-          </p:spPr>
-          <p:style>
-            <a:lnRef idx="1">
-              <a:schemeClr val="accent1"/>
-            </a:lnRef>
-            <a:fillRef idx="0">
-              <a:schemeClr val="accent1"/>
-            </a:fillRef>
-            <a:effectRef idx="0">
-              <a:schemeClr val="accent1"/>
-            </a:effectRef>
-            <a:fontRef idx="minor">
-              <a:schemeClr val="tx1"/>
-            </a:fontRef>
-          </p:style>
-        </p:cxnSp>
-        <p:sp>
-          <p:nvSpPr>
-            <p:cNvPr id="24" name="文本框 23"/>
-            <p:cNvSpPr txBox="1"/>
-            <p:nvPr/>
-          </p:nvSpPr>
-          <p:spPr>
-            <a:xfrm>
-              <a:off x="3546309" y="1304092"/>
-              <a:ext cx="1033463" cy="369332"/>
-            </a:xfrm>
-            <a:prstGeom prst="rect">
-              <a:avLst/>
-            </a:prstGeom>
-            <a:noFill/>
-          </p:spPr>
-          <p:txBody>
-            <a:bodyPr wrap="square" rtlCol="0">
-              <a:spAutoFit/>
-            </a:bodyPr>
-            <a:lstStyle/>
-            <a:p>
-              <a:r>
-                <a:rPr lang="zh-CN" altLang="en-US" sz="900" dirty="0" smtClean="0">
-                  <a:latin typeface="微软雅黑" panose="020B0503020204020204" pitchFamily="34" charset="-122"/>
-                  <a:ea typeface="微软雅黑" panose="020B0503020204020204" pitchFamily="34" charset="-122"/>
-                </a:rPr>
-                <a:t>请求连接端口</a:t>
-              </a:r>
-              <a:r>
-                <a:rPr lang="en-US" altLang="zh-CN" sz="900" dirty="0" smtClean="0">
-                  <a:latin typeface="微软雅黑" panose="020B0503020204020204" pitchFamily="34" charset="-122"/>
-                  <a:ea typeface="微软雅黑" panose="020B0503020204020204" pitchFamily="34" charset="-122"/>
-                </a:rPr>
-                <a:t>23</a:t>
-              </a:r>
-            </a:p>
-            <a:p>
-              <a:pPr algn="ctr"/>
-              <a:r>
-                <a:rPr lang="zh-CN" altLang="en-US" sz="900" dirty="0" smtClean="0">
-                  <a:latin typeface="微软雅黑" panose="020B0503020204020204" pitchFamily="34" charset="-122"/>
-                  <a:ea typeface="微软雅黑" panose="020B0503020204020204" pitchFamily="34" charset="-122"/>
-                </a:rPr>
-                <a:t>源端口</a:t>
-              </a:r>
-              <a:r>
-                <a:rPr lang="en-US" altLang="zh-CN" sz="900" dirty="0" smtClean="0">
-                  <a:latin typeface="微软雅黑" panose="020B0503020204020204" pitchFamily="34" charset="-122"/>
-                  <a:ea typeface="微软雅黑" panose="020B0503020204020204" pitchFamily="34" charset="-122"/>
-                </a:rPr>
-                <a:t>2500</a:t>
-              </a:r>
-              <a:endParaRPr lang="zh-CN" altLang="en-US" sz="900" dirty="0">
-                <a:latin typeface="微软雅黑" panose="020B0503020204020204" pitchFamily="34" charset="-122"/>
-                <a:ea typeface="微软雅黑" panose="020B0503020204020204" pitchFamily="34" charset="-122"/>
-              </a:endParaRPr>
-            </a:p>
-          </p:txBody>
-        </p:sp>
-        <p:sp>
-          <p:nvSpPr>
-            <p:cNvPr id="25" name="文本框 24"/>
-            <p:cNvSpPr txBox="1"/>
-            <p:nvPr/>
-          </p:nvSpPr>
-          <p:spPr>
-            <a:xfrm>
-              <a:off x="3546308" y="1876947"/>
-              <a:ext cx="1033463" cy="369332"/>
-            </a:xfrm>
-            <a:prstGeom prst="rect">
-              <a:avLst/>
-            </a:prstGeom>
-            <a:noFill/>
-          </p:spPr>
-          <p:txBody>
-            <a:bodyPr wrap="square" rtlCol="0">
-              <a:spAutoFit/>
-            </a:bodyPr>
-            <a:lstStyle/>
-            <a:p>
-              <a:pPr algn="ctr"/>
-              <a:r>
-                <a:rPr lang="zh-CN" altLang="en-US" sz="900" dirty="0" smtClean="0">
-                  <a:latin typeface="微软雅黑" panose="020B0503020204020204" pitchFamily="34" charset="-122"/>
-                  <a:ea typeface="微软雅黑" panose="020B0503020204020204" pitchFamily="34" charset="-122"/>
-                </a:rPr>
-                <a:t>目的端口</a:t>
-              </a:r>
-              <a:r>
-                <a:rPr lang="en-US" altLang="zh-CN" sz="900" dirty="0" smtClean="0">
-                  <a:latin typeface="微软雅黑" panose="020B0503020204020204" pitchFamily="34" charset="-122"/>
-                  <a:ea typeface="微软雅黑" panose="020B0503020204020204" pitchFamily="34" charset="-122"/>
-                </a:rPr>
-                <a:t>2500</a:t>
-              </a:r>
-              <a:r>
-                <a:rPr lang="zh-CN" altLang="en-US" sz="900" dirty="0" smtClean="0">
-                  <a:latin typeface="微软雅黑" panose="020B0503020204020204" pitchFamily="34" charset="-122"/>
-                  <a:ea typeface="微软雅黑" panose="020B0503020204020204" pitchFamily="34" charset="-122"/>
-                </a:rPr>
-                <a:t>源源端口</a:t>
-              </a:r>
-              <a:r>
-                <a:rPr lang="en-US" altLang="zh-CN" sz="900" dirty="0" smtClean="0">
-                  <a:latin typeface="微软雅黑" panose="020B0503020204020204" pitchFamily="34" charset="-122"/>
-                  <a:ea typeface="微软雅黑" panose="020B0503020204020204" pitchFamily="34" charset="-122"/>
-                </a:rPr>
-                <a:t>23</a:t>
-              </a:r>
-              <a:endParaRPr lang="zh-CN" altLang="en-US" sz="900" dirty="0">
-                <a:latin typeface="微软雅黑" panose="020B0503020204020204" pitchFamily="34" charset="-122"/>
-                <a:ea typeface="微软雅黑" panose="020B0503020204020204" pitchFamily="34" charset="-122"/>
-              </a:endParaRPr>
-            </a:p>
-          </p:txBody>
-        </p:sp>
-      </p:grpSp>
-    </p:spTree>
-    <p:extLst>
-      <p:ext uri="{BB962C8B-B14F-4D97-AF65-F5344CB8AC3E}">
-        <p14:creationId xmlns:p14="http://schemas.microsoft.com/office/powerpoint/2010/main" val="1055667938"/>
-      </p:ext>
-    </p:extLst>
-  </p:cSld>
-  <p:clrMapOvr>
-    <a:masterClrMapping/>
-  </p:clrMapOvr>
-</p:sld>
-</file>
-
 <file path=ppt/theme/theme1.xml><?xml version="1.0" encoding="utf-8"?>
 <a:theme xmlns:a="http://schemas.openxmlformats.org/drawingml/2006/main" name="Office 主题​​">
   <a:themeElements>

--- a/Note/component.pptx
+++ b/Note/component.pptx
@@ -4,6 +4,9 @@
   <p:sldMasterIdLst>
     <p:sldMasterId id="2147483648" r:id="rId1"/>
   </p:sldMasterIdLst>
+  <p:notesMasterIdLst>
+    <p:notesMasterId r:id="rId24"/>
+  </p:notesMasterIdLst>
   <p:sldIdLst>
     <p:sldId id="256" r:id="rId2"/>
     <p:sldId id="257" r:id="rId3"/>
@@ -16,11 +19,17 @@
     <p:sldId id="269" r:id="rId10"/>
     <p:sldId id="270" r:id="rId11"/>
     <p:sldId id="271" r:id="rId12"/>
-    <p:sldId id="260" r:id="rId13"/>
-    <p:sldId id="261" r:id="rId14"/>
-    <p:sldId id="264" r:id="rId15"/>
-    <p:sldId id="262" r:id="rId16"/>
-    <p:sldId id="263" r:id="rId17"/>
+    <p:sldId id="272" r:id="rId13"/>
+    <p:sldId id="273" r:id="rId14"/>
+    <p:sldId id="275" r:id="rId15"/>
+    <p:sldId id="276" r:id="rId16"/>
+    <p:sldId id="277" r:id="rId17"/>
+    <p:sldId id="278" r:id="rId18"/>
+    <p:sldId id="260" r:id="rId19"/>
+    <p:sldId id="261" r:id="rId20"/>
+    <p:sldId id="264" r:id="rId21"/>
+    <p:sldId id="262" r:id="rId22"/>
+    <p:sldId id="263" r:id="rId23"/>
   </p:sldIdLst>
   <p:sldSz cx="12192000" cy="6858000"/>
   <p:notesSz cx="6858000" cy="9144000"/>
@@ -138,8 +147,353 @@
 </p:presentation>
 </file>
 
-<file path=ppt/revisionInfo.xml><?xml version="1.0" encoding="utf-8"?>
-<p1510:revInfo xmlns:a="http://schemas.openxmlformats.org/drawingml/2006/main" xmlns:r="http://schemas.openxmlformats.org/officeDocument/2006/relationships" xmlns:p1510="http://schemas.microsoft.com/office/powerpoint/2015/10/main"/>
+<file path=ppt/notesMasters/notesMaster1.xml><?xml version="1.0" encoding="utf-8"?>
+<p:notesMaster xmlns:a="http://schemas.openxmlformats.org/drawingml/2006/main" xmlns:r="http://schemas.openxmlformats.org/officeDocument/2006/relationships" xmlns:p="http://schemas.openxmlformats.org/presentationml/2006/main">
+  <p:cSld>
+    <p:bg>
+      <p:bgRef idx="1001">
+        <a:schemeClr val="bg1"/>
+      </p:bgRef>
+    </p:bg>
+    <p:spTree>
+      <p:nvGrpSpPr>
+        <p:cNvPr id="1" name=""/>
+        <p:cNvGrpSpPr/>
+        <p:nvPr/>
+      </p:nvGrpSpPr>
+      <p:grpSpPr>
+        <a:xfrm>
+          <a:off x="0" y="0"/>
+          <a:ext cx="0" cy="0"/>
+          <a:chOff x="0" y="0"/>
+          <a:chExt cx="0" cy="0"/>
+        </a:xfrm>
+      </p:grpSpPr>
+      <p:sp>
+        <p:nvSpPr>
+          <p:cNvPr id="2" name="页眉占位符 1"/>
+          <p:cNvSpPr>
+            <a:spLocks noGrp="1"/>
+          </p:cNvSpPr>
+          <p:nvPr>
+            <p:ph type="hdr" sz="quarter"/>
+          </p:nvPr>
+        </p:nvSpPr>
+        <p:spPr>
+          <a:xfrm>
+            <a:off x="0" y="0"/>
+            <a:ext cx="2971800" cy="458788"/>
+          </a:xfrm>
+          <a:prstGeom prst="rect">
+            <a:avLst/>
+          </a:prstGeom>
+        </p:spPr>
+        <p:txBody>
+          <a:bodyPr vert="horz" lIns="91440" tIns="45720" rIns="91440" bIns="45720" rtlCol="0"/>
+          <a:lstStyle>
+            <a:lvl1pPr algn="l">
+              <a:defRPr sz="1200"/>
+            </a:lvl1pPr>
+          </a:lstStyle>
+          <a:p>
+            <a:endParaRPr lang="zh-CN" altLang="en-US"/>
+          </a:p>
+        </p:txBody>
+      </p:sp>
+      <p:sp>
+        <p:nvSpPr>
+          <p:cNvPr id="3" name="日期占位符 2"/>
+          <p:cNvSpPr>
+            <a:spLocks noGrp="1"/>
+          </p:cNvSpPr>
+          <p:nvPr>
+            <p:ph type="dt" idx="1"/>
+          </p:nvPr>
+        </p:nvSpPr>
+        <p:spPr>
+          <a:xfrm>
+            <a:off x="3884613" y="0"/>
+            <a:ext cx="2971800" cy="458788"/>
+          </a:xfrm>
+          <a:prstGeom prst="rect">
+            <a:avLst/>
+          </a:prstGeom>
+        </p:spPr>
+        <p:txBody>
+          <a:bodyPr vert="horz" lIns="91440" tIns="45720" rIns="91440" bIns="45720" rtlCol="0"/>
+          <a:lstStyle>
+            <a:lvl1pPr algn="r">
+              <a:defRPr sz="1200"/>
+            </a:lvl1pPr>
+          </a:lstStyle>
+          <a:p>
+            <a:fld id="{B844A578-47D6-4F22-8B8D-CD83BEB920D0}" type="datetimeFigureOut">
+              <a:rPr lang="zh-CN" altLang="en-US" smtClean="0"/>
+              <a:t>2018/2/8</a:t>
+            </a:fld>
+            <a:endParaRPr lang="zh-CN" altLang="en-US"/>
+          </a:p>
+        </p:txBody>
+      </p:sp>
+      <p:sp>
+        <p:nvSpPr>
+          <p:cNvPr id="4" name="幻灯片图像占位符 3"/>
+          <p:cNvSpPr>
+            <a:spLocks noGrp="1" noRot="1" noChangeAspect="1"/>
+          </p:cNvSpPr>
+          <p:nvPr>
+            <p:ph type="sldImg" idx="2"/>
+          </p:nvPr>
+        </p:nvSpPr>
+        <p:spPr>
+          <a:xfrm>
+            <a:off x="685800" y="1143000"/>
+            <a:ext cx="5486400" cy="3086100"/>
+          </a:xfrm>
+          <a:prstGeom prst="rect">
+            <a:avLst/>
+          </a:prstGeom>
+          <a:noFill/>
+          <a:ln w="12700">
+            <a:solidFill>
+              <a:prstClr val="black"/>
+            </a:solidFill>
+          </a:ln>
+        </p:spPr>
+        <p:txBody>
+          <a:bodyPr vert="horz" lIns="91440" tIns="45720" rIns="91440" bIns="45720" rtlCol="0" anchor="ctr"/>
+          <a:lstStyle/>
+          <a:p>
+            <a:endParaRPr lang="zh-CN" altLang="en-US"/>
+          </a:p>
+        </p:txBody>
+      </p:sp>
+      <p:sp>
+        <p:nvSpPr>
+          <p:cNvPr id="5" name="备注占位符 4"/>
+          <p:cNvSpPr>
+            <a:spLocks noGrp="1"/>
+          </p:cNvSpPr>
+          <p:nvPr>
+            <p:ph type="body" sz="quarter" idx="3"/>
+          </p:nvPr>
+        </p:nvSpPr>
+        <p:spPr>
+          <a:xfrm>
+            <a:off x="685800" y="4400550"/>
+            <a:ext cx="5486400" cy="3600450"/>
+          </a:xfrm>
+          <a:prstGeom prst="rect">
+            <a:avLst/>
+          </a:prstGeom>
+        </p:spPr>
+        <p:txBody>
+          <a:bodyPr vert="horz" lIns="91440" tIns="45720" rIns="91440" bIns="45720" rtlCol="0"/>
+          <a:lstStyle/>
+          <a:p>
+            <a:pPr lvl="0"/>
+            <a:r>
+              <a:rPr lang="zh-CN" altLang="en-US"/>
+              <a:t>编辑母版文本样式</a:t>
+            </a:r>
+          </a:p>
+          <a:p>
+            <a:pPr lvl="1"/>
+            <a:r>
+              <a:rPr lang="zh-CN" altLang="en-US"/>
+              <a:t>第二级</a:t>
+            </a:r>
+          </a:p>
+          <a:p>
+            <a:pPr lvl="2"/>
+            <a:r>
+              <a:rPr lang="zh-CN" altLang="en-US"/>
+              <a:t>第三级</a:t>
+            </a:r>
+          </a:p>
+          <a:p>
+            <a:pPr lvl="3"/>
+            <a:r>
+              <a:rPr lang="zh-CN" altLang="en-US"/>
+              <a:t>第四级</a:t>
+            </a:r>
+          </a:p>
+          <a:p>
+            <a:pPr lvl="4"/>
+            <a:r>
+              <a:rPr lang="zh-CN" altLang="en-US"/>
+              <a:t>第五级</a:t>
+            </a:r>
+          </a:p>
+        </p:txBody>
+      </p:sp>
+      <p:sp>
+        <p:nvSpPr>
+          <p:cNvPr id="6" name="页脚占位符 5"/>
+          <p:cNvSpPr>
+            <a:spLocks noGrp="1"/>
+          </p:cNvSpPr>
+          <p:nvPr>
+            <p:ph type="ftr" sz="quarter" idx="4"/>
+          </p:nvPr>
+        </p:nvSpPr>
+        <p:spPr>
+          <a:xfrm>
+            <a:off x="0" y="8685213"/>
+            <a:ext cx="2971800" cy="458787"/>
+          </a:xfrm>
+          <a:prstGeom prst="rect">
+            <a:avLst/>
+          </a:prstGeom>
+        </p:spPr>
+        <p:txBody>
+          <a:bodyPr vert="horz" lIns="91440" tIns="45720" rIns="91440" bIns="45720" rtlCol="0" anchor="b"/>
+          <a:lstStyle>
+            <a:lvl1pPr algn="l">
+              <a:defRPr sz="1200"/>
+            </a:lvl1pPr>
+          </a:lstStyle>
+          <a:p>
+            <a:endParaRPr lang="zh-CN" altLang="en-US"/>
+          </a:p>
+        </p:txBody>
+      </p:sp>
+      <p:sp>
+        <p:nvSpPr>
+          <p:cNvPr id="7" name="灯片编号占位符 6"/>
+          <p:cNvSpPr>
+            <a:spLocks noGrp="1"/>
+          </p:cNvSpPr>
+          <p:nvPr>
+            <p:ph type="sldNum" sz="quarter" idx="5"/>
+          </p:nvPr>
+        </p:nvSpPr>
+        <p:spPr>
+          <a:xfrm>
+            <a:off x="3884613" y="8685213"/>
+            <a:ext cx="2971800" cy="458787"/>
+          </a:xfrm>
+          <a:prstGeom prst="rect">
+            <a:avLst/>
+          </a:prstGeom>
+        </p:spPr>
+        <p:txBody>
+          <a:bodyPr vert="horz" lIns="91440" tIns="45720" rIns="91440" bIns="45720" rtlCol="0" anchor="b"/>
+          <a:lstStyle>
+            <a:lvl1pPr algn="r">
+              <a:defRPr sz="1200"/>
+            </a:lvl1pPr>
+          </a:lstStyle>
+          <a:p>
+            <a:fld id="{6287A21F-4CB7-45CA-A61A-4D0235BADD2A}" type="slidenum">
+              <a:rPr lang="zh-CN" altLang="en-US" smtClean="0"/>
+              <a:t>‹#›</a:t>
+            </a:fld>
+            <a:endParaRPr lang="zh-CN" altLang="en-US"/>
+          </a:p>
+        </p:txBody>
+      </p:sp>
+    </p:spTree>
+    <p:extLst>
+      <p:ext uri="{BB962C8B-B14F-4D97-AF65-F5344CB8AC3E}">
+        <p14:creationId xmlns:p14="http://schemas.microsoft.com/office/powerpoint/2010/main" val="2810272534"/>
+      </p:ext>
+    </p:extLst>
+  </p:cSld>
+  <p:clrMap bg1="lt1" tx1="dk1" bg2="lt2" tx2="dk2" accent1="accent1" accent2="accent2" accent3="accent3" accent4="accent4" accent5="accent5" accent6="accent6" hlink="hlink" folHlink="folHlink"/>
+  <p:notesStyle>
+    <a:lvl1pPr marL="0" algn="l" defTabSz="914400" rtl="0" eaLnBrk="1" latinLnBrk="0" hangingPunct="1">
+      <a:defRPr sz="1200" kern="1200">
+        <a:solidFill>
+          <a:schemeClr val="tx1"/>
+        </a:solidFill>
+        <a:latin typeface="+mn-lt"/>
+        <a:ea typeface="+mn-ea"/>
+        <a:cs typeface="+mn-cs"/>
+      </a:defRPr>
+    </a:lvl1pPr>
+    <a:lvl2pPr marL="457200" algn="l" defTabSz="914400" rtl="0" eaLnBrk="1" latinLnBrk="0" hangingPunct="1">
+      <a:defRPr sz="1200" kern="1200">
+        <a:solidFill>
+          <a:schemeClr val="tx1"/>
+        </a:solidFill>
+        <a:latin typeface="+mn-lt"/>
+        <a:ea typeface="+mn-ea"/>
+        <a:cs typeface="+mn-cs"/>
+      </a:defRPr>
+    </a:lvl2pPr>
+    <a:lvl3pPr marL="914400" algn="l" defTabSz="914400" rtl="0" eaLnBrk="1" latinLnBrk="0" hangingPunct="1">
+      <a:defRPr sz="1200" kern="1200">
+        <a:solidFill>
+          <a:schemeClr val="tx1"/>
+        </a:solidFill>
+        <a:latin typeface="+mn-lt"/>
+        <a:ea typeface="+mn-ea"/>
+        <a:cs typeface="+mn-cs"/>
+      </a:defRPr>
+    </a:lvl3pPr>
+    <a:lvl4pPr marL="1371600" algn="l" defTabSz="914400" rtl="0" eaLnBrk="1" latinLnBrk="0" hangingPunct="1">
+      <a:defRPr sz="1200" kern="1200">
+        <a:solidFill>
+          <a:schemeClr val="tx1"/>
+        </a:solidFill>
+        <a:latin typeface="+mn-lt"/>
+        <a:ea typeface="+mn-ea"/>
+        <a:cs typeface="+mn-cs"/>
+      </a:defRPr>
+    </a:lvl4pPr>
+    <a:lvl5pPr marL="1828800" algn="l" defTabSz="914400" rtl="0" eaLnBrk="1" latinLnBrk="0" hangingPunct="1">
+      <a:defRPr sz="1200" kern="1200">
+        <a:solidFill>
+          <a:schemeClr val="tx1"/>
+        </a:solidFill>
+        <a:latin typeface="+mn-lt"/>
+        <a:ea typeface="+mn-ea"/>
+        <a:cs typeface="+mn-cs"/>
+      </a:defRPr>
+    </a:lvl5pPr>
+    <a:lvl6pPr marL="2286000" algn="l" defTabSz="914400" rtl="0" eaLnBrk="1" latinLnBrk="0" hangingPunct="1">
+      <a:defRPr sz="1200" kern="1200">
+        <a:solidFill>
+          <a:schemeClr val="tx1"/>
+        </a:solidFill>
+        <a:latin typeface="+mn-lt"/>
+        <a:ea typeface="+mn-ea"/>
+        <a:cs typeface="+mn-cs"/>
+      </a:defRPr>
+    </a:lvl6pPr>
+    <a:lvl7pPr marL="2743200" algn="l" defTabSz="914400" rtl="0" eaLnBrk="1" latinLnBrk="0" hangingPunct="1">
+      <a:defRPr sz="1200" kern="1200">
+        <a:solidFill>
+          <a:schemeClr val="tx1"/>
+        </a:solidFill>
+        <a:latin typeface="+mn-lt"/>
+        <a:ea typeface="+mn-ea"/>
+        <a:cs typeface="+mn-cs"/>
+      </a:defRPr>
+    </a:lvl7pPr>
+    <a:lvl8pPr marL="3200400" algn="l" defTabSz="914400" rtl="0" eaLnBrk="1" latinLnBrk="0" hangingPunct="1">
+      <a:defRPr sz="1200" kern="1200">
+        <a:solidFill>
+          <a:schemeClr val="tx1"/>
+        </a:solidFill>
+        <a:latin typeface="+mn-lt"/>
+        <a:ea typeface="+mn-ea"/>
+        <a:cs typeface="+mn-cs"/>
+      </a:defRPr>
+    </a:lvl8pPr>
+    <a:lvl9pPr marL="3657600" algn="l" defTabSz="914400" rtl="0" eaLnBrk="1" latinLnBrk="0" hangingPunct="1">
+      <a:defRPr sz="1200" kern="1200">
+        <a:solidFill>
+          <a:schemeClr val="tx1"/>
+        </a:solidFill>
+        <a:latin typeface="+mn-lt"/>
+        <a:ea typeface="+mn-ea"/>
+        <a:cs typeface="+mn-cs"/>
+      </a:defRPr>
+    </a:lvl9pPr>
+  </p:notesStyle>
+</p:notesMaster>
 </file>
 
 <file path=ppt/slideLayouts/slideLayout1.xml><?xml version="1.0" encoding="utf-8"?>
@@ -271,7 +625,7 @@
           <a:p>
             <a:fld id="{3F170F1F-D865-4EB8-ACA1-7F3D21CD77A5}" type="datetimeFigureOut">
               <a:rPr lang="zh-CN" altLang="en-US" smtClean="0"/>
-              <a:t>2018/2/1</a:t>
+              <a:t>2018/2/8</a:t>
             </a:fld>
             <a:endParaRPr lang="zh-CN" altLang="en-US"/>
           </a:p>
@@ -439,7 +793,7 @@
           <a:p>
             <a:fld id="{3F170F1F-D865-4EB8-ACA1-7F3D21CD77A5}" type="datetimeFigureOut">
               <a:rPr lang="zh-CN" altLang="en-US" smtClean="0"/>
-              <a:t>2018/2/1</a:t>
+              <a:t>2018/2/8</a:t>
             </a:fld>
             <a:endParaRPr lang="zh-CN" altLang="en-US"/>
           </a:p>
@@ -617,7 +971,7 @@
           <a:p>
             <a:fld id="{3F170F1F-D865-4EB8-ACA1-7F3D21CD77A5}" type="datetimeFigureOut">
               <a:rPr lang="zh-CN" altLang="en-US" smtClean="0"/>
-              <a:t>2018/2/1</a:t>
+              <a:t>2018/2/8</a:t>
             </a:fld>
             <a:endParaRPr lang="zh-CN" altLang="en-US"/>
           </a:p>
@@ -785,7 +1139,7 @@
           <a:p>
             <a:fld id="{3F170F1F-D865-4EB8-ACA1-7F3D21CD77A5}" type="datetimeFigureOut">
               <a:rPr lang="zh-CN" altLang="en-US" smtClean="0"/>
-              <a:t>2018/2/1</a:t>
+              <a:t>2018/2/8</a:t>
             </a:fld>
             <a:endParaRPr lang="zh-CN" altLang="en-US"/>
           </a:p>
@@ -1030,7 +1384,7 @@
           <a:p>
             <a:fld id="{3F170F1F-D865-4EB8-ACA1-7F3D21CD77A5}" type="datetimeFigureOut">
               <a:rPr lang="zh-CN" altLang="en-US" smtClean="0"/>
-              <a:t>2018/2/1</a:t>
+              <a:t>2018/2/8</a:t>
             </a:fld>
             <a:endParaRPr lang="zh-CN" altLang="en-US"/>
           </a:p>
@@ -1259,7 +1613,7 @@
           <a:p>
             <a:fld id="{3F170F1F-D865-4EB8-ACA1-7F3D21CD77A5}" type="datetimeFigureOut">
               <a:rPr lang="zh-CN" altLang="en-US" smtClean="0"/>
-              <a:t>2018/2/1</a:t>
+              <a:t>2018/2/8</a:t>
             </a:fld>
             <a:endParaRPr lang="zh-CN" altLang="en-US"/>
           </a:p>
@@ -1623,7 +1977,7 @@
           <a:p>
             <a:fld id="{3F170F1F-D865-4EB8-ACA1-7F3D21CD77A5}" type="datetimeFigureOut">
               <a:rPr lang="zh-CN" altLang="en-US" smtClean="0"/>
-              <a:t>2018/2/1</a:t>
+              <a:t>2018/2/8</a:t>
             </a:fld>
             <a:endParaRPr lang="zh-CN" altLang="en-US"/>
           </a:p>
@@ -1740,7 +2094,7 @@
           <a:p>
             <a:fld id="{3F170F1F-D865-4EB8-ACA1-7F3D21CD77A5}" type="datetimeFigureOut">
               <a:rPr lang="zh-CN" altLang="en-US" smtClean="0"/>
-              <a:t>2018/2/1</a:t>
+              <a:t>2018/2/8</a:t>
             </a:fld>
             <a:endParaRPr lang="zh-CN" altLang="en-US"/>
           </a:p>
@@ -1835,7 +2189,7 @@
           <a:p>
             <a:fld id="{3F170F1F-D865-4EB8-ACA1-7F3D21CD77A5}" type="datetimeFigureOut">
               <a:rPr lang="zh-CN" altLang="en-US" smtClean="0"/>
-              <a:t>2018/2/1</a:t>
+              <a:t>2018/2/8</a:t>
             </a:fld>
             <a:endParaRPr lang="zh-CN" altLang="en-US"/>
           </a:p>
@@ -2110,7 +2464,7 @@
           <a:p>
             <a:fld id="{3F170F1F-D865-4EB8-ACA1-7F3D21CD77A5}" type="datetimeFigureOut">
               <a:rPr lang="zh-CN" altLang="en-US" smtClean="0"/>
-              <a:t>2018/2/1</a:t>
+              <a:t>2018/2/8</a:t>
             </a:fld>
             <a:endParaRPr lang="zh-CN" altLang="en-US"/>
           </a:p>
@@ -2362,7 +2716,7 @@
           <a:p>
             <a:fld id="{3F170F1F-D865-4EB8-ACA1-7F3D21CD77A5}" type="datetimeFigureOut">
               <a:rPr lang="zh-CN" altLang="en-US" smtClean="0"/>
-              <a:t>2018/2/1</a:t>
+              <a:t>2018/2/8</a:t>
             </a:fld>
             <a:endParaRPr lang="zh-CN" altLang="en-US"/>
           </a:p>
@@ -2573,7 +2927,7 @@
           <a:p>
             <a:fld id="{3F170F1F-D865-4EB8-ACA1-7F3D21CD77A5}" type="datetimeFigureOut">
               <a:rPr lang="zh-CN" altLang="en-US" smtClean="0"/>
-              <a:t>2018/2/1</a:t>
+              <a:t>2018/2/8</a:t>
             </a:fld>
             <a:endParaRPr lang="zh-CN" altLang="en-US"/>
           </a:p>
@@ -4608,6 +4962,5390 @@
 </file>
 
 <file path=ppt/slides/slide12.xml><?xml version="1.0" encoding="utf-8"?>
+<p:sld xmlns:a="http://schemas.openxmlformats.org/drawingml/2006/main" xmlns:r="http://schemas.openxmlformats.org/officeDocument/2006/relationships" xmlns:p="http://schemas.openxmlformats.org/presentationml/2006/main">
+  <p:cSld>
+    <p:spTree>
+      <p:nvGrpSpPr>
+        <p:cNvPr id="1" name=""/>
+        <p:cNvGrpSpPr/>
+        <p:nvPr/>
+      </p:nvGrpSpPr>
+      <p:grpSpPr>
+        <a:xfrm>
+          <a:off x="0" y="0"/>
+          <a:ext cx="0" cy="0"/>
+          <a:chOff x="0" y="0"/>
+          <a:chExt cx="0" cy="0"/>
+        </a:xfrm>
+      </p:grpSpPr>
+      <p:grpSp>
+        <p:nvGrpSpPr>
+          <p:cNvPr id="21" name="组合 20">
+            <a:extLst>
+              <a:ext uri="{FF2B5EF4-FFF2-40B4-BE49-F238E27FC236}">
+                <a16:creationId xmlns:a16="http://schemas.microsoft.com/office/drawing/2014/main" id="{D4232C4B-7BFA-4BC3-8F78-D5A6DCD45DC4}"/>
+              </a:ext>
+            </a:extLst>
+          </p:cNvPr>
+          <p:cNvGrpSpPr/>
+          <p:nvPr/>
+        </p:nvGrpSpPr>
+        <p:grpSpPr>
+          <a:xfrm>
+            <a:off x="2070100" y="590191"/>
+            <a:ext cx="3332566" cy="3161283"/>
+            <a:chOff x="2070100" y="590191"/>
+            <a:chExt cx="3332566" cy="3161283"/>
+          </a:xfrm>
+        </p:grpSpPr>
+        <p:grpSp>
+          <p:nvGrpSpPr>
+            <p:cNvPr id="4" name="组合 3">
+              <a:extLst>
+                <a:ext uri="{FF2B5EF4-FFF2-40B4-BE49-F238E27FC236}">
+                  <a16:creationId xmlns:a16="http://schemas.microsoft.com/office/drawing/2014/main" id="{2BA59696-C8CA-4AAC-A69E-4E23D0338213}"/>
+                </a:ext>
+              </a:extLst>
+            </p:cNvPr>
+            <p:cNvGrpSpPr/>
+            <p:nvPr/>
+          </p:nvGrpSpPr>
+          <p:grpSpPr>
+            <a:xfrm>
+              <a:off x="2491151" y="3224332"/>
+              <a:ext cx="984290" cy="527142"/>
+              <a:chOff x="1790941" y="2888882"/>
+              <a:chExt cx="1799679" cy="963828"/>
+            </a:xfrm>
+          </p:grpSpPr>
+          <p:sp>
+            <p:nvSpPr>
+              <p:cNvPr id="2" name="圆柱形 1">
+                <a:extLst>
+                  <a:ext uri="{FF2B5EF4-FFF2-40B4-BE49-F238E27FC236}">
+                    <a16:creationId xmlns:a16="http://schemas.microsoft.com/office/drawing/2014/main" id="{A8691AED-7B11-4911-BE34-544D0174DB32}"/>
+                  </a:ext>
+                </a:extLst>
+              </p:cNvPr>
+              <p:cNvSpPr/>
+              <p:nvPr/>
+            </p:nvSpPr>
+            <p:spPr>
+              <a:xfrm rot="5400000">
+                <a:off x="2208867" y="2470956"/>
+                <a:ext cx="963828" cy="1799679"/>
+              </a:xfrm>
+              <a:prstGeom prst="can">
+                <a:avLst/>
+              </a:prstGeom>
+              <a:solidFill>
+                <a:schemeClr val="bg1"/>
+              </a:solidFill>
+            </p:spPr>
+            <p:style>
+              <a:lnRef idx="2">
+                <a:schemeClr val="accent1">
+                  <a:shade val="50000"/>
+                </a:schemeClr>
+              </a:lnRef>
+              <a:fillRef idx="1">
+                <a:schemeClr val="accent1"/>
+              </a:fillRef>
+              <a:effectRef idx="0">
+                <a:schemeClr val="accent1"/>
+              </a:effectRef>
+              <a:fontRef idx="minor">
+                <a:schemeClr val="lt1"/>
+              </a:fontRef>
+            </p:style>
+            <p:txBody>
+              <a:bodyPr rtlCol="0" anchor="ctr"/>
+              <a:lstStyle/>
+              <a:p>
+                <a:pPr algn="ctr"/>
+                <a:endParaRPr lang="zh-CN" altLang="en-US" sz="1050" dirty="0"/>
+              </a:p>
+            </p:txBody>
+          </p:sp>
+          <p:sp>
+            <p:nvSpPr>
+              <p:cNvPr id="3" name="文本框 2">
+                <a:extLst>
+                  <a:ext uri="{FF2B5EF4-FFF2-40B4-BE49-F238E27FC236}">
+                    <a16:creationId xmlns:a16="http://schemas.microsoft.com/office/drawing/2014/main" id="{A6340C34-643C-4F5D-A538-41E43E4EB39F}"/>
+                  </a:ext>
+                </a:extLst>
+              </p:cNvPr>
+              <p:cNvSpPr txBox="1"/>
+              <p:nvPr/>
+            </p:nvSpPr>
+            <p:spPr>
+              <a:xfrm>
+                <a:off x="2091553" y="3107162"/>
+                <a:ext cx="1030883" cy="605430"/>
+              </a:xfrm>
+              <a:prstGeom prst="rect">
+                <a:avLst/>
+              </a:prstGeom>
+              <a:noFill/>
+            </p:spPr>
+            <p:txBody>
+              <a:bodyPr wrap="square" rtlCol="0">
+                <a:spAutoFit/>
+              </a:bodyPr>
+              <a:lstStyle/>
+              <a:p>
+                <a:pPr algn="ctr"/>
+                <a:r>
+                  <a:rPr lang="zh-CN" altLang="en-US" sz="900" dirty="0"/>
+                  <a:t>数据库服务器</a:t>
+                </a:r>
+              </a:p>
+            </p:txBody>
+          </p:sp>
+        </p:grpSp>
+        <p:sp>
+          <p:nvSpPr>
+            <p:cNvPr id="5" name="矩形 4">
+              <a:extLst>
+                <a:ext uri="{FF2B5EF4-FFF2-40B4-BE49-F238E27FC236}">
+                  <a16:creationId xmlns:a16="http://schemas.microsoft.com/office/drawing/2014/main" id="{0317FA47-CEBE-419E-A003-46782D3A2D47}"/>
+                </a:ext>
+              </a:extLst>
+            </p:cNvPr>
+            <p:cNvSpPr/>
+            <p:nvPr/>
+          </p:nvSpPr>
+          <p:spPr>
+            <a:xfrm>
+              <a:off x="2491151" y="2787517"/>
+              <a:ext cx="984290" cy="436815"/>
+            </a:xfrm>
+            <a:prstGeom prst="rect">
+              <a:avLst/>
+            </a:prstGeom>
+            <a:solidFill>
+              <a:schemeClr val="bg1"/>
+            </a:solidFill>
+          </p:spPr>
+          <p:style>
+            <a:lnRef idx="2">
+              <a:schemeClr val="accent1">
+                <a:shade val="50000"/>
+              </a:schemeClr>
+            </a:lnRef>
+            <a:fillRef idx="1">
+              <a:schemeClr val="accent1"/>
+            </a:fillRef>
+            <a:effectRef idx="0">
+              <a:schemeClr val="accent1"/>
+            </a:effectRef>
+            <a:fontRef idx="minor">
+              <a:schemeClr val="lt1"/>
+            </a:fontRef>
+          </p:style>
+          <p:txBody>
+            <a:bodyPr rtlCol="0" anchor="ctr"/>
+            <a:lstStyle/>
+            <a:p>
+              <a:pPr algn="ctr"/>
+              <a:r>
+                <a:rPr lang="zh-CN" altLang="en-US" sz="900" dirty="0">
+                  <a:solidFill>
+                    <a:schemeClr val="tx1"/>
+                  </a:solidFill>
+                </a:rPr>
+                <a:t>模型</a:t>
+              </a:r>
+              <a:r>
+                <a:rPr lang="en-US" altLang="zh-CN" sz="900" dirty="0">
+                  <a:solidFill>
+                    <a:schemeClr val="tx1"/>
+                  </a:solidFill>
+                </a:rPr>
+                <a:t>(Model)</a:t>
+              </a:r>
+              <a:endParaRPr lang="zh-CN" altLang="en-US" sz="900" dirty="0">
+                <a:solidFill>
+                  <a:schemeClr val="tx1"/>
+                </a:solidFill>
+              </a:endParaRPr>
+            </a:p>
+          </p:txBody>
+        </p:sp>
+        <p:sp>
+          <p:nvSpPr>
+            <p:cNvPr id="6" name="矩形 5">
+              <a:extLst>
+                <a:ext uri="{FF2B5EF4-FFF2-40B4-BE49-F238E27FC236}">
+                  <a16:creationId xmlns:a16="http://schemas.microsoft.com/office/drawing/2014/main" id="{913D9B0D-7C5D-4DB7-9717-0FBDAD8FDAB7}"/>
+                </a:ext>
+              </a:extLst>
+            </p:cNvPr>
+            <p:cNvSpPr/>
+            <p:nvPr/>
+          </p:nvSpPr>
+          <p:spPr>
+            <a:xfrm>
+              <a:off x="2491151" y="1688967"/>
+              <a:ext cx="984290" cy="436815"/>
+            </a:xfrm>
+            <a:prstGeom prst="rect">
+              <a:avLst/>
+            </a:prstGeom>
+            <a:solidFill>
+              <a:schemeClr val="bg1"/>
+            </a:solidFill>
+          </p:spPr>
+          <p:style>
+            <a:lnRef idx="2">
+              <a:schemeClr val="accent1">
+                <a:shade val="50000"/>
+              </a:schemeClr>
+            </a:lnRef>
+            <a:fillRef idx="1">
+              <a:schemeClr val="accent1"/>
+            </a:fillRef>
+            <a:effectRef idx="0">
+              <a:schemeClr val="accent1"/>
+            </a:effectRef>
+            <a:fontRef idx="minor">
+              <a:schemeClr val="lt1"/>
+            </a:fontRef>
+          </p:style>
+          <p:txBody>
+            <a:bodyPr rtlCol="0" anchor="ctr"/>
+            <a:lstStyle/>
+            <a:p>
+              <a:pPr algn="ctr"/>
+              <a:r>
+                <a:rPr lang="zh-CN" altLang="en-US" sz="900" dirty="0">
+                  <a:solidFill>
+                    <a:schemeClr val="tx1"/>
+                  </a:solidFill>
+                </a:rPr>
+                <a:t>控制器</a:t>
+              </a:r>
+              <a:endParaRPr lang="en-US" altLang="zh-CN" sz="900" dirty="0">
+                <a:solidFill>
+                  <a:schemeClr val="tx1"/>
+                </a:solidFill>
+              </a:endParaRPr>
+            </a:p>
+            <a:p>
+              <a:pPr algn="ctr"/>
+              <a:r>
+                <a:rPr lang="en-US" altLang="zh-CN" sz="900" dirty="0">
+                  <a:solidFill>
+                    <a:schemeClr val="tx1"/>
+                  </a:solidFill>
+                </a:rPr>
+                <a:t>(Controller)</a:t>
+              </a:r>
+              <a:endParaRPr lang="zh-CN" altLang="en-US" sz="900" dirty="0">
+                <a:solidFill>
+                  <a:schemeClr val="tx1"/>
+                </a:solidFill>
+              </a:endParaRPr>
+            </a:p>
+          </p:txBody>
+        </p:sp>
+        <p:sp>
+          <p:nvSpPr>
+            <p:cNvPr id="7" name="矩形 6">
+              <a:extLst>
+                <a:ext uri="{FF2B5EF4-FFF2-40B4-BE49-F238E27FC236}">
+                  <a16:creationId xmlns:a16="http://schemas.microsoft.com/office/drawing/2014/main" id="{4B1BB7BB-F242-40FB-A8DC-ECB544B13305}"/>
+                </a:ext>
+              </a:extLst>
+            </p:cNvPr>
+            <p:cNvSpPr/>
+            <p:nvPr/>
+          </p:nvSpPr>
+          <p:spPr>
+            <a:xfrm>
+              <a:off x="4418376" y="1688967"/>
+              <a:ext cx="984290" cy="436815"/>
+            </a:xfrm>
+            <a:prstGeom prst="rect">
+              <a:avLst/>
+            </a:prstGeom>
+            <a:solidFill>
+              <a:schemeClr val="bg1"/>
+            </a:solidFill>
+          </p:spPr>
+          <p:style>
+            <a:lnRef idx="2">
+              <a:schemeClr val="accent1">
+                <a:shade val="50000"/>
+              </a:schemeClr>
+            </a:lnRef>
+            <a:fillRef idx="1">
+              <a:schemeClr val="accent1"/>
+            </a:fillRef>
+            <a:effectRef idx="0">
+              <a:schemeClr val="accent1"/>
+            </a:effectRef>
+            <a:fontRef idx="minor">
+              <a:schemeClr val="lt1"/>
+            </a:fontRef>
+          </p:style>
+          <p:txBody>
+            <a:bodyPr rtlCol="0" anchor="ctr"/>
+            <a:lstStyle/>
+            <a:p>
+              <a:pPr algn="ctr"/>
+              <a:r>
+                <a:rPr lang="zh-CN" altLang="en-US" sz="900" dirty="0">
+                  <a:solidFill>
+                    <a:schemeClr val="tx1"/>
+                  </a:solidFill>
+                </a:rPr>
+                <a:t>视图</a:t>
+              </a:r>
+              <a:endParaRPr lang="en-US" altLang="zh-CN" sz="900" dirty="0">
+                <a:solidFill>
+                  <a:schemeClr val="tx1"/>
+                </a:solidFill>
+              </a:endParaRPr>
+            </a:p>
+            <a:p>
+              <a:pPr algn="ctr"/>
+              <a:r>
+                <a:rPr lang="en-US" altLang="zh-CN" sz="900" dirty="0">
+                  <a:solidFill>
+                    <a:schemeClr val="tx1"/>
+                  </a:solidFill>
+                </a:rPr>
+                <a:t>(View)</a:t>
+              </a:r>
+              <a:endParaRPr lang="zh-CN" altLang="en-US" sz="900" dirty="0">
+                <a:solidFill>
+                  <a:schemeClr val="tx1"/>
+                </a:solidFill>
+              </a:endParaRPr>
+            </a:p>
+          </p:txBody>
+        </p:sp>
+        <p:sp>
+          <p:nvSpPr>
+            <p:cNvPr id="8" name="矩形 7">
+              <a:extLst>
+                <a:ext uri="{FF2B5EF4-FFF2-40B4-BE49-F238E27FC236}">
+                  <a16:creationId xmlns:a16="http://schemas.microsoft.com/office/drawing/2014/main" id="{8DDB5BF2-7FA4-40BB-B286-8ACF3F40DE9F}"/>
+                </a:ext>
+              </a:extLst>
+            </p:cNvPr>
+            <p:cNvSpPr/>
+            <p:nvPr/>
+          </p:nvSpPr>
+          <p:spPr>
+            <a:xfrm>
+              <a:off x="2491151" y="590191"/>
+              <a:ext cx="984290" cy="436815"/>
+            </a:xfrm>
+            <a:prstGeom prst="rect">
+              <a:avLst/>
+            </a:prstGeom>
+            <a:solidFill>
+              <a:schemeClr val="bg1"/>
+            </a:solidFill>
+          </p:spPr>
+          <p:style>
+            <a:lnRef idx="2">
+              <a:schemeClr val="accent1">
+                <a:shade val="50000"/>
+              </a:schemeClr>
+            </a:lnRef>
+            <a:fillRef idx="1">
+              <a:schemeClr val="accent1"/>
+            </a:fillRef>
+            <a:effectRef idx="0">
+              <a:schemeClr val="accent1"/>
+            </a:effectRef>
+            <a:fontRef idx="minor">
+              <a:schemeClr val="lt1"/>
+            </a:fontRef>
+          </p:style>
+          <p:txBody>
+            <a:bodyPr rtlCol="0" anchor="ctr"/>
+            <a:lstStyle/>
+            <a:p>
+              <a:pPr algn="ctr"/>
+              <a:r>
+                <a:rPr lang="en-US" altLang="zh-CN" sz="900" dirty="0">
+                  <a:solidFill>
+                    <a:schemeClr val="tx1"/>
+                  </a:solidFill>
+                </a:rPr>
+                <a:t>Web</a:t>
+              </a:r>
+              <a:r>
+                <a:rPr lang="zh-CN" altLang="en-US" sz="900" dirty="0">
+                  <a:solidFill>
+                    <a:schemeClr val="tx1"/>
+                  </a:solidFill>
+                </a:rPr>
+                <a:t>浏览器</a:t>
+              </a:r>
+            </a:p>
+          </p:txBody>
+        </p:sp>
+        <p:sp>
+          <p:nvSpPr>
+            <p:cNvPr id="9" name="箭头: 右 8">
+              <a:extLst>
+                <a:ext uri="{FF2B5EF4-FFF2-40B4-BE49-F238E27FC236}">
+                  <a16:creationId xmlns:a16="http://schemas.microsoft.com/office/drawing/2014/main" id="{0D41E4E4-B197-478F-8F52-1A2EC80BE6F2}"/>
+                </a:ext>
+              </a:extLst>
+            </p:cNvPr>
+            <p:cNvSpPr/>
+            <p:nvPr/>
+          </p:nvSpPr>
+          <p:spPr>
+            <a:xfrm>
+              <a:off x="3492702" y="1743075"/>
+              <a:ext cx="908413" cy="147638"/>
+            </a:xfrm>
+            <a:prstGeom prst="rightArrow">
+              <a:avLst>
+                <a:gd name="adj1" fmla="val 32795"/>
+                <a:gd name="adj2" fmla="val 72580"/>
+              </a:avLst>
+            </a:prstGeom>
+            <a:solidFill>
+              <a:schemeClr val="bg1"/>
+            </a:solidFill>
+          </p:spPr>
+          <p:style>
+            <a:lnRef idx="2">
+              <a:schemeClr val="accent1">
+                <a:shade val="50000"/>
+              </a:schemeClr>
+            </a:lnRef>
+            <a:fillRef idx="1">
+              <a:schemeClr val="accent1"/>
+            </a:fillRef>
+            <a:effectRef idx="0">
+              <a:schemeClr val="accent1"/>
+            </a:effectRef>
+            <a:fontRef idx="minor">
+              <a:schemeClr val="lt1"/>
+            </a:fontRef>
+          </p:style>
+          <p:txBody>
+            <a:bodyPr rtlCol="0" anchor="ctr"/>
+            <a:lstStyle/>
+            <a:p>
+              <a:pPr algn="ctr"/>
+              <a:endParaRPr lang="zh-CN" altLang="en-US"/>
+            </a:p>
+          </p:txBody>
+        </p:sp>
+        <p:sp>
+          <p:nvSpPr>
+            <p:cNvPr id="10" name="箭头: 右 9">
+              <a:extLst>
+                <a:ext uri="{FF2B5EF4-FFF2-40B4-BE49-F238E27FC236}">
+                  <a16:creationId xmlns:a16="http://schemas.microsoft.com/office/drawing/2014/main" id="{2CE28B39-113E-4C26-8300-37C15684FBD3}"/>
+                </a:ext>
+              </a:extLst>
+            </p:cNvPr>
+            <p:cNvSpPr/>
+            <p:nvPr/>
+          </p:nvSpPr>
+          <p:spPr>
+            <a:xfrm rot="10800000">
+              <a:off x="3492702" y="1907374"/>
+              <a:ext cx="908413" cy="147638"/>
+            </a:xfrm>
+            <a:prstGeom prst="rightArrow">
+              <a:avLst>
+                <a:gd name="adj1" fmla="val 32795"/>
+                <a:gd name="adj2" fmla="val 72580"/>
+              </a:avLst>
+            </a:prstGeom>
+            <a:solidFill>
+              <a:schemeClr val="bg1"/>
+            </a:solidFill>
+          </p:spPr>
+          <p:style>
+            <a:lnRef idx="2">
+              <a:schemeClr val="accent1">
+                <a:shade val="50000"/>
+              </a:schemeClr>
+            </a:lnRef>
+            <a:fillRef idx="1">
+              <a:schemeClr val="accent1"/>
+            </a:fillRef>
+            <a:effectRef idx="0">
+              <a:schemeClr val="accent1"/>
+            </a:effectRef>
+            <a:fontRef idx="minor">
+              <a:schemeClr val="lt1"/>
+            </a:fontRef>
+          </p:style>
+          <p:txBody>
+            <a:bodyPr rtlCol="0" anchor="ctr"/>
+            <a:lstStyle/>
+            <a:p>
+              <a:pPr algn="ctr"/>
+              <a:endParaRPr lang="zh-CN" altLang="en-US"/>
+            </a:p>
+          </p:txBody>
+        </p:sp>
+        <p:sp>
+          <p:nvSpPr>
+            <p:cNvPr id="11" name="箭头: 右 10">
+              <a:extLst>
+                <a:ext uri="{FF2B5EF4-FFF2-40B4-BE49-F238E27FC236}">
+                  <a16:creationId xmlns:a16="http://schemas.microsoft.com/office/drawing/2014/main" id="{80380AC9-8053-4AEF-B1EB-DE992D7A14A1}"/>
+                </a:ext>
+              </a:extLst>
+            </p:cNvPr>
+            <p:cNvSpPr/>
+            <p:nvPr/>
+          </p:nvSpPr>
+          <p:spPr>
+            <a:xfrm rot="5400000">
+              <a:off x="2889797" y="2380546"/>
+              <a:ext cx="659163" cy="149635"/>
+            </a:xfrm>
+            <a:prstGeom prst="rightArrow">
+              <a:avLst>
+                <a:gd name="adj1" fmla="val 32795"/>
+                <a:gd name="adj2" fmla="val 72580"/>
+              </a:avLst>
+            </a:prstGeom>
+            <a:solidFill>
+              <a:schemeClr val="bg1"/>
+            </a:solidFill>
+          </p:spPr>
+          <p:style>
+            <a:lnRef idx="2">
+              <a:schemeClr val="accent1">
+                <a:shade val="50000"/>
+              </a:schemeClr>
+            </a:lnRef>
+            <a:fillRef idx="1">
+              <a:schemeClr val="accent1"/>
+            </a:fillRef>
+            <a:effectRef idx="0">
+              <a:schemeClr val="accent1"/>
+            </a:effectRef>
+            <a:fontRef idx="minor">
+              <a:schemeClr val="lt1"/>
+            </a:fontRef>
+          </p:style>
+          <p:txBody>
+            <a:bodyPr rtlCol="0" anchor="ctr"/>
+            <a:lstStyle/>
+            <a:p>
+              <a:pPr algn="ctr"/>
+              <a:endParaRPr lang="zh-CN" altLang="en-US"/>
+            </a:p>
+          </p:txBody>
+        </p:sp>
+        <p:sp>
+          <p:nvSpPr>
+            <p:cNvPr id="12" name="箭头: 右 11">
+              <a:extLst>
+                <a:ext uri="{FF2B5EF4-FFF2-40B4-BE49-F238E27FC236}">
+                  <a16:creationId xmlns:a16="http://schemas.microsoft.com/office/drawing/2014/main" id="{8EB7D6B2-605A-4D9F-92E9-4759F1D9DD25}"/>
+                </a:ext>
+              </a:extLst>
+            </p:cNvPr>
+            <p:cNvSpPr/>
+            <p:nvPr/>
+          </p:nvSpPr>
+          <p:spPr>
+            <a:xfrm rot="5400000">
+              <a:off x="2889796" y="1285626"/>
+              <a:ext cx="659163" cy="149635"/>
+            </a:xfrm>
+            <a:prstGeom prst="rightArrow">
+              <a:avLst>
+                <a:gd name="adj1" fmla="val 32795"/>
+                <a:gd name="adj2" fmla="val 72580"/>
+              </a:avLst>
+            </a:prstGeom>
+            <a:solidFill>
+              <a:schemeClr val="bg1"/>
+            </a:solidFill>
+          </p:spPr>
+          <p:style>
+            <a:lnRef idx="2">
+              <a:schemeClr val="accent1">
+                <a:shade val="50000"/>
+              </a:schemeClr>
+            </a:lnRef>
+            <a:fillRef idx="1">
+              <a:schemeClr val="accent1"/>
+            </a:fillRef>
+            <a:effectRef idx="0">
+              <a:schemeClr val="accent1"/>
+            </a:effectRef>
+            <a:fontRef idx="minor">
+              <a:schemeClr val="lt1"/>
+            </a:fontRef>
+          </p:style>
+          <p:txBody>
+            <a:bodyPr rtlCol="0" anchor="ctr"/>
+            <a:lstStyle/>
+            <a:p>
+              <a:pPr algn="ctr"/>
+              <a:endParaRPr lang="zh-CN" altLang="en-US"/>
+            </a:p>
+          </p:txBody>
+        </p:sp>
+        <p:sp>
+          <p:nvSpPr>
+            <p:cNvPr id="13" name="箭头: 右 12">
+              <a:extLst>
+                <a:ext uri="{FF2B5EF4-FFF2-40B4-BE49-F238E27FC236}">
+                  <a16:creationId xmlns:a16="http://schemas.microsoft.com/office/drawing/2014/main" id="{29BDBE5D-E6A9-4F3E-85F4-1D73C52FCEFD}"/>
+                </a:ext>
+              </a:extLst>
+            </p:cNvPr>
+            <p:cNvSpPr/>
+            <p:nvPr/>
+          </p:nvSpPr>
+          <p:spPr>
+            <a:xfrm rot="16200000">
+              <a:off x="2488275" y="2380546"/>
+              <a:ext cx="659163" cy="149635"/>
+            </a:xfrm>
+            <a:prstGeom prst="rightArrow">
+              <a:avLst>
+                <a:gd name="adj1" fmla="val 32795"/>
+                <a:gd name="adj2" fmla="val 72580"/>
+              </a:avLst>
+            </a:prstGeom>
+            <a:solidFill>
+              <a:schemeClr val="bg1"/>
+            </a:solidFill>
+          </p:spPr>
+          <p:style>
+            <a:lnRef idx="2">
+              <a:schemeClr val="accent1">
+                <a:shade val="50000"/>
+              </a:schemeClr>
+            </a:lnRef>
+            <a:fillRef idx="1">
+              <a:schemeClr val="accent1"/>
+            </a:fillRef>
+            <a:effectRef idx="0">
+              <a:schemeClr val="accent1"/>
+            </a:effectRef>
+            <a:fontRef idx="minor">
+              <a:schemeClr val="lt1"/>
+            </a:fontRef>
+          </p:style>
+          <p:txBody>
+            <a:bodyPr rtlCol="0" anchor="ctr"/>
+            <a:lstStyle/>
+            <a:p>
+              <a:pPr algn="ctr"/>
+              <a:endParaRPr lang="zh-CN" altLang="en-US"/>
+            </a:p>
+          </p:txBody>
+        </p:sp>
+        <p:sp>
+          <p:nvSpPr>
+            <p:cNvPr id="14" name="箭头: 右 13">
+              <a:extLst>
+                <a:ext uri="{FF2B5EF4-FFF2-40B4-BE49-F238E27FC236}">
+                  <a16:creationId xmlns:a16="http://schemas.microsoft.com/office/drawing/2014/main" id="{1D2284B5-9058-4CA8-B818-F00C7BADA23F}"/>
+                </a:ext>
+              </a:extLst>
+            </p:cNvPr>
+            <p:cNvSpPr/>
+            <p:nvPr/>
+          </p:nvSpPr>
+          <p:spPr>
+            <a:xfrm rot="16200000">
+              <a:off x="2488275" y="1282225"/>
+              <a:ext cx="659163" cy="149635"/>
+            </a:xfrm>
+            <a:prstGeom prst="rightArrow">
+              <a:avLst>
+                <a:gd name="adj1" fmla="val 32795"/>
+                <a:gd name="adj2" fmla="val 72580"/>
+              </a:avLst>
+            </a:prstGeom>
+            <a:solidFill>
+              <a:schemeClr val="bg1"/>
+            </a:solidFill>
+          </p:spPr>
+          <p:style>
+            <a:lnRef idx="2">
+              <a:schemeClr val="accent1">
+                <a:shade val="50000"/>
+              </a:schemeClr>
+            </a:lnRef>
+            <a:fillRef idx="1">
+              <a:schemeClr val="accent1"/>
+            </a:fillRef>
+            <a:effectRef idx="0">
+              <a:schemeClr val="accent1"/>
+            </a:effectRef>
+            <a:fontRef idx="minor">
+              <a:schemeClr val="lt1"/>
+            </a:fontRef>
+          </p:style>
+          <p:txBody>
+            <a:bodyPr rtlCol="0" anchor="ctr"/>
+            <a:lstStyle/>
+            <a:p>
+              <a:pPr algn="ctr"/>
+              <a:endParaRPr lang="zh-CN" altLang="en-US"/>
+            </a:p>
+          </p:txBody>
+        </p:sp>
+        <p:sp>
+          <p:nvSpPr>
+            <p:cNvPr id="15" name="文本框 14">
+              <a:extLst>
+                <a:ext uri="{FF2B5EF4-FFF2-40B4-BE49-F238E27FC236}">
+                  <a16:creationId xmlns:a16="http://schemas.microsoft.com/office/drawing/2014/main" id="{5CDD2F0C-B7DE-4166-97D8-84E7B77DADA1}"/>
+                </a:ext>
+              </a:extLst>
+            </p:cNvPr>
+            <p:cNvSpPr txBox="1"/>
+            <p:nvPr/>
+          </p:nvSpPr>
+          <p:spPr>
+            <a:xfrm>
+              <a:off x="3552825" y="1590675"/>
+              <a:ext cx="742950" cy="230832"/>
+            </a:xfrm>
+            <a:prstGeom prst="rect">
+              <a:avLst/>
+            </a:prstGeom>
+            <a:noFill/>
+          </p:spPr>
+          <p:txBody>
+            <a:bodyPr wrap="square" rtlCol="0">
+              <a:spAutoFit/>
+            </a:bodyPr>
+            <a:lstStyle/>
+            <a:p>
+              <a:r>
+                <a:rPr lang="zh-CN" altLang="en-US" sz="900" dirty="0"/>
+                <a:t>处理结果</a:t>
+              </a:r>
+            </a:p>
+          </p:txBody>
+        </p:sp>
+        <p:sp>
+          <p:nvSpPr>
+            <p:cNvPr id="16" name="文本框 15">
+              <a:extLst>
+                <a:ext uri="{FF2B5EF4-FFF2-40B4-BE49-F238E27FC236}">
+                  <a16:creationId xmlns:a16="http://schemas.microsoft.com/office/drawing/2014/main" id="{E0EF99AA-22EA-439D-B7BA-8257AAD20E51}"/>
+                </a:ext>
+              </a:extLst>
+            </p:cNvPr>
+            <p:cNvSpPr txBox="1"/>
+            <p:nvPr/>
+          </p:nvSpPr>
+          <p:spPr>
+            <a:xfrm>
+              <a:off x="3727328" y="1973907"/>
+              <a:ext cx="742950" cy="230832"/>
+            </a:xfrm>
+            <a:prstGeom prst="rect">
+              <a:avLst/>
+            </a:prstGeom>
+            <a:noFill/>
+          </p:spPr>
+          <p:txBody>
+            <a:bodyPr wrap="square" rtlCol="0">
+              <a:spAutoFit/>
+            </a:bodyPr>
+            <a:lstStyle/>
+            <a:p>
+              <a:r>
+                <a:rPr lang="zh-CN" altLang="en-US" sz="900" dirty="0"/>
+                <a:t>形成页面</a:t>
+              </a:r>
+            </a:p>
+          </p:txBody>
+        </p:sp>
+        <p:sp>
+          <p:nvSpPr>
+            <p:cNvPr id="17" name="文本框 16">
+              <a:extLst>
+                <a:ext uri="{FF2B5EF4-FFF2-40B4-BE49-F238E27FC236}">
+                  <a16:creationId xmlns:a16="http://schemas.microsoft.com/office/drawing/2014/main" id="{954F3B49-A275-4137-ACB5-FC53C1EDD737}"/>
+                </a:ext>
+              </a:extLst>
+            </p:cNvPr>
+            <p:cNvSpPr txBox="1"/>
+            <p:nvPr/>
+          </p:nvSpPr>
+          <p:spPr>
+            <a:xfrm>
+              <a:off x="3181350" y="2295306"/>
+              <a:ext cx="742950" cy="369332"/>
+            </a:xfrm>
+            <a:prstGeom prst="rect">
+              <a:avLst/>
+            </a:prstGeom>
+            <a:noFill/>
+          </p:spPr>
+          <p:txBody>
+            <a:bodyPr wrap="square" rtlCol="0">
+              <a:spAutoFit/>
+            </a:bodyPr>
+            <a:lstStyle/>
+            <a:p>
+              <a:r>
+                <a:rPr lang="zh-CN" altLang="en-US" sz="900" dirty="0"/>
+                <a:t>处理结果</a:t>
+              </a:r>
+              <a:endParaRPr lang="en-US" altLang="zh-CN" sz="900" dirty="0"/>
+            </a:p>
+            <a:p>
+              <a:r>
+                <a:rPr lang="zh-CN" altLang="en-US" sz="900" dirty="0"/>
+                <a:t>返回</a:t>
+              </a:r>
+            </a:p>
+          </p:txBody>
+        </p:sp>
+        <p:sp>
+          <p:nvSpPr>
+            <p:cNvPr id="18" name="文本框 17">
+              <a:extLst>
+                <a:ext uri="{FF2B5EF4-FFF2-40B4-BE49-F238E27FC236}">
+                  <a16:creationId xmlns:a16="http://schemas.microsoft.com/office/drawing/2014/main" id="{9EF73066-B5CC-4B31-9D76-9D4D9C8781D5}"/>
+                </a:ext>
+              </a:extLst>
+            </p:cNvPr>
+            <p:cNvSpPr txBox="1"/>
+            <p:nvPr/>
+          </p:nvSpPr>
+          <p:spPr>
+            <a:xfrm>
+              <a:off x="2070100" y="2270697"/>
+              <a:ext cx="781646" cy="369332"/>
+            </a:xfrm>
+            <a:prstGeom prst="rect">
+              <a:avLst/>
+            </a:prstGeom>
+            <a:noFill/>
+          </p:spPr>
+          <p:txBody>
+            <a:bodyPr wrap="square" rtlCol="0">
+              <a:spAutoFit/>
+            </a:bodyPr>
+            <a:lstStyle/>
+            <a:p>
+              <a:pPr algn="ctr"/>
+              <a:r>
+                <a:rPr lang="zh-CN" altLang="en-US" sz="900" dirty="0"/>
+                <a:t>数据或业务处理请求</a:t>
+              </a:r>
+            </a:p>
+          </p:txBody>
+        </p:sp>
+        <p:sp>
+          <p:nvSpPr>
+            <p:cNvPr id="19" name="文本框 18">
+              <a:extLst>
+                <a:ext uri="{FF2B5EF4-FFF2-40B4-BE49-F238E27FC236}">
+                  <a16:creationId xmlns:a16="http://schemas.microsoft.com/office/drawing/2014/main" id="{96DE8EC2-F3B5-46CB-BC9E-891207C5410D}"/>
+                </a:ext>
+              </a:extLst>
+            </p:cNvPr>
+            <p:cNvSpPr txBox="1"/>
+            <p:nvPr/>
+          </p:nvSpPr>
+          <p:spPr>
+            <a:xfrm>
+              <a:off x="3219377" y="1210116"/>
+              <a:ext cx="742950" cy="230832"/>
+            </a:xfrm>
+            <a:prstGeom prst="rect">
+              <a:avLst/>
+            </a:prstGeom>
+            <a:noFill/>
+          </p:spPr>
+          <p:txBody>
+            <a:bodyPr wrap="square" rtlCol="0">
+              <a:spAutoFit/>
+            </a:bodyPr>
+            <a:lstStyle/>
+            <a:p>
+              <a:r>
+                <a:rPr lang="en-US" altLang="zh-CN" sz="900" dirty="0"/>
+                <a:t>HTTP</a:t>
+              </a:r>
+              <a:r>
+                <a:rPr lang="zh-CN" altLang="en-US" sz="900" dirty="0"/>
+                <a:t>请求</a:t>
+              </a:r>
+            </a:p>
+          </p:txBody>
+        </p:sp>
+        <p:sp>
+          <p:nvSpPr>
+            <p:cNvPr id="20" name="文本框 19">
+              <a:extLst>
+                <a:ext uri="{FF2B5EF4-FFF2-40B4-BE49-F238E27FC236}">
+                  <a16:creationId xmlns:a16="http://schemas.microsoft.com/office/drawing/2014/main" id="{559E425E-66C1-4351-A525-17C6304EA74B}"/>
+                </a:ext>
+              </a:extLst>
+            </p:cNvPr>
+            <p:cNvSpPr txBox="1"/>
+            <p:nvPr/>
+          </p:nvSpPr>
+          <p:spPr>
+            <a:xfrm>
+              <a:off x="2194521" y="1210062"/>
+              <a:ext cx="742950" cy="230832"/>
+            </a:xfrm>
+            <a:prstGeom prst="rect">
+              <a:avLst/>
+            </a:prstGeom>
+            <a:noFill/>
+          </p:spPr>
+          <p:txBody>
+            <a:bodyPr wrap="square" rtlCol="0">
+              <a:spAutoFit/>
+            </a:bodyPr>
+            <a:lstStyle/>
+            <a:p>
+              <a:r>
+                <a:rPr lang="en-US" altLang="zh-CN" sz="900" dirty="0"/>
+                <a:t>HTTP</a:t>
+              </a:r>
+              <a:r>
+                <a:rPr lang="zh-CN" altLang="en-US" sz="900" dirty="0"/>
+                <a:t>回复</a:t>
+              </a:r>
+            </a:p>
+          </p:txBody>
+        </p:sp>
+      </p:grpSp>
+    </p:spTree>
+    <p:extLst>
+      <p:ext uri="{BB962C8B-B14F-4D97-AF65-F5344CB8AC3E}">
+        <p14:creationId xmlns:p14="http://schemas.microsoft.com/office/powerpoint/2010/main" val="1102302880"/>
+      </p:ext>
+    </p:extLst>
+  </p:cSld>
+  <p:clrMapOvr>
+    <a:masterClrMapping/>
+  </p:clrMapOvr>
+</p:sld>
+</file>
+
+<file path=ppt/slides/slide13.xml><?xml version="1.0" encoding="utf-8"?>
+<p:sld xmlns:a="http://schemas.openxmlformats.org/drawingml/2006/main" xmlns:r="http://schemas.openxmlformats.org/officeDocument/2006/relationships" xmlns:p="http://schemas.openxmlformats.org/presentationml/2006/main">
+  <p:cSld>
+    <p:spTree>
+      <p:nvGrpSpPr>
+        <p:cNvPr id="1" name=""/>
+        <p:cNvGrpSpPr/>
+        <p:nvPr/>
+      </p:nvGrpSpPr>
+      <p:grpSpPr>
+        <a:xfrm>
+          <a:off x="0" y="0"/>
+          <a:ext cx="0" cy="0"/>
+          <a:chOff x="0" y="0"/>
+          <a:chExt cx="0" cy="0"/>
+        </a:xfrm>
+      </p:grpSpPr>
+      <p:grpSp>
+        <p:nvGrpSpPr>
+          <p:cNvPr id="15" name="组合 14">
+            <a:extLst>
+              <a:ext uri="{FF2B5EF4-FFF2-40B4-BE49-F238E27FC236}">
+                <a16:creationId xmlns:a16="http://schemas.microsoft.com/office/drawing/2014/main" id="{E4B72A92-446E-473A-84C6-EC2CA6491C41}"/>
+              </a:ext>
+            </a:extLst>
+          </p:cNvPr>
+          <p:cNvGrpSpPr/>
+          <p:nvPr/>
+        </p:nvGrpSpPr>
+        <p:grpSpPr>
+          <a:xfrm>
+            <a:off x="1071925" y="904206"/>
+            <a:ext cx="3247042" cy="736600"/>
+            <a:chOff x="1071925" y="904206"/>
+            <a:chExt cx="3247042" cy="736600"/>
+          </a:xfrm>
+        </p:grpSpPr>
+        <p:sp>
+          <p:nvSpPr>
+            <p:cNvPr id="2" name="圆柱形 1">
+              <a:extLst>
+                <a:ext uri="{FF2B5EF4-FFF2-40B4-BE49-F238E27FC236}">
+                  <a16:creationId xmlns:a16="http://schemas.microsoft.com/office/drawing/2014/main" id="{47A80BB5-5151-4B26-B5BD-79157A691ACF}"/>
+                </a:ext>
+              </a:extLst>
+            </p:cNvPr>
+            <p:cNvSpPr/>
+            <p:nvPr/>
+          </p:nvSpPr>
+          <p:spPr>
+            <a:xfrm>
+              <a:off x="3762376" y="1072481"/>
+              <a:ext cx="556591" cy="400050"/>
+            </a:xfrm>
+            <a:prstGeom prst="can">
+              <a:avLst/>
+            </a:prstGeom>
+            <a:solidFill>
+              <a:schemeClr val="bg1"/>
+            </a:solidFill>
+          </p:spPr>
+          <p:style>
+            <a:lnRef idx="2">
+              <a:schemeClr val="accent1">
+                <a:shade val="50000"/>
+              </a:schemeClr>
+            </a:lnRef>
+            <a:fillRef idx="1">
+              <a:schemeClr val="accent1"/>
+            </a:fillRef>
+            <a:effectRef idx="0">
+              <a:schemeClr val="accent1"/>
+            </a:effectRef>
+            <a:fontRef idx="minor">
+              <a:schemeClr val="lt1"/>
+            </a:fontRef>
+          </p:style>
+          <p:txBody>
+            <a:bodyPr rtlCol="0" anchor="ctr"/>
+            <a:lstStyle/>
+            <a:p>
+              <a:pPr algn="ctr"/>
+              <a:r>
+                <a:rPr lang="zh-CN" altLang="en-US" sz="900" dirty="0">
+                  <a:solidFill>
+                    <a:schemeClr val="tx1"/>
+                  </a:solidFill>
+                </a:rPr>
+                <a:t>数据库</a:t>
+              </a:r>
+            </a:p>
+          </p:txBody>
+        </p:sp>
+        <p:sp>
+          <p:nvSpPr>
+            <p:cNvPr id="3" name="矩形 2">
+              <a:extLst>
+                <a:ext uri="{FF2B5EF4-FFF2-40B4-BE49-F238E27FC236}">
+                  <a16:creationId xmlns:a16="http://schemas.microsoft.com/office/drawing/2014/main" id="{75E5D6D1-E120-4CF3-805C-E73E2C6B517B}"/>
+                </a:ext>
+              </a:extLst>
+            </p:cNvPr>
+            <p:cNvSpPr/>
+            <p:nvPr/>
+          </p:nvSpPr>
+          <p:spPr>
+            <a:xfrm>
+              <a:off x="1071925" y="1117242"/>
+              <a:ext cx="804499" cy="310528"/>
+            </a:xfrm>
+            <a:prstGeom prst="rect">
+              <a:avLst/>
+            </a:prstGeom>
+            <a:solidFill>
+              <a:schemeClr val="bg1"/>
+            </a:solidFill>
+          </p:spPr>
+          <p:style>
+            <a:lnRef idx="2">
+              <a:schemeClr val="accent1">
+                <a:shade val="50000"/>
+              </a:schemeClr>
+            </a:lnRef>
+            <a:fillRef idx="1">
+              <a:schemeClr val="accent1"/>
+            </a:fillRef>
+            <a:effectRef idx="0">
+              <a:schemeClr val="accent1"/>
+            </a:effectRef>
+            <a:fontRef idx="minor">
+              <a:schemeClr val="lt1"/>
+            </a:fontRef>
+          </p:style>
+          <p:txBody>
+            <a:bodyPr rtlCol="0" anchor="ctr"/>
+            <a:lstStyle/>
+            <a:p>
+              <a:pPr algn="ctr"/>
+              <a:r>
+                <a:rPr lang="en-US" altLang="zh-CN" sz="900" dirty="0">
+                  <a:solidFill>
+                    <a:schemeClr val="tx1"/>
+                  </a:solidFill>
+                </a:rPr>
+                <a:t>Web</a:t>
+              </a:r>
+              <a:r>
+                <a:rPr lang="zh-CN" altLang="en-US" sz="900" dirty="0">
+                  <a:solidFill>
+                    <a:schemeClr val="tx1"/>
+                  </a:solidFill>
+                </a:rPr>
+                <a:t>浏览器</a:t>
+              </a:r>
+            </a:p>
+          </p:txBody>
+        </p:sp>
+        <p:sp>
+          <p:nvSpPr>
+            <p:cNvPr id="4" name="矩形 3">
+              <a:extLst>
+                <a:ext uri="{FF2B5EF4-FFF2-40B4-BE49-F238E27FC236}">
+                  <a16:creationId xmlns:a16="http://schemas.microsoft.com/office/drawing/2014/main" id="{383DD99B-4995-4FEF-A29D-6986C92F2236}"/>
+                </a:ext>
+              </a:extLst>
+            </p:cNvPr>
+            <p:cNvSpPr/>
+            <p:nvPr/>
+          </p:nvSpPr>
+          <p:spPr>
+            <a:xfrm>
+              <a:off x="2016125" y="904206"/>
+              <a:ext cx="1606550" cy="736600"/>
+            </a:xfrm>
+            <a:prstGeom prst="rect">
+              <a:avLst/>
+            </a:prstGeom>
+            <a:solidFill>
+              <a:schemeClr val="bg1"/>
+            </a:solidFill>
+          </p:spPr>
+          <p:style>
+            <a:lnRef idx="2">
+              <a:schemeClr val="accent1">
+                <a:shade val="50000"/>
+              </a:schemeClr>
+            </a:lnRef>
+            <a:fillRef idx="1">
+              <a:schemeClr val="accent1"/>
+            </a:fillRef>
+            <a:effectRef idx="0">
+              <a:schemeClr val="accent1"/>
+            </a:effectRef>
+            <a:fontRef idx="minor">
+              <a:schemeClr val="lt1"/>
+            </a:fontRef>
+          </p:style>
+          <p:txBody>
+            <a:bodyPr rtlCol="0" anchor="ctr"/>
+            <a:lstStyle/>
+            <a:p>
+              <a:pPr algn="ctr"/>
+              <a:endParaRPr lang="zh-CN" altLang="en-US"/>
+            </a:p>
+          </p:txBody>
+        </p:sp>
+        <p:sp>
+          <p:nvSpPr>
+            <p:cNvPr id="5" name="矩形 4">
+              <a:extLst>
+                <a:ext uri="{FF2B5EF4-FFF2-40B4-BE49-F238E27FC236}">
+                  <a16:creationId xmlns:a16="http://schemas.microsoft.com/office/drawing/2014/main" id="{847FFD5C-1313-4004-93E8-5A0F30D24486}"/>
+                </a:ext>
+              </a:extLst>
+            </p:cNvPr>
+            <p:cNvSpPr/>
+            <p:nvPr/>
+          </p:nvSpPr>
+          <p:spPr>
+            <a:xfrm>
+              <a:off x="2138726" y="1117242"/>
+              <a:ext cx="531450" cy="310528"/>
+            </a:xfrm>
+            <a:prstGeom prst="rect">
+              <a:avLst/>
+            </a:prstGeom>
+            <a:solidFill>
+              <a:schemeClr val="bg1"/>
+            </a:solidFill>
+          </p:spPr>
+          <p:style>
+            <a:lnRef idx="2">
+              <a:schemeClr val="accent1">
+                <a:shade val="50000"/>
+              </a:schemeClr>
+            </a:lnRef>
+            <a:fillRef idx="1">
+              <a:schemeClr val="accent1"/>
+            </a:fillRef>
+            <a:effectRef idx="0">
+              <a:schemeClr val="accent1"/>
+            </a:effectRef>
+            <a:fontRef idx="minor">
+              <a:schemeClr val="lt1"/>
+            </a:fontRef>
+          </p:style>
+          <p:txBody>
+            <a:bodyPr rtlCol="0" anchor="ctr"/>
+            <a:lstStyle/>
+            <a:p>
+              <a:pPr algn="ctr"/>
+              <a:r>
+                <a:rPr lang="en-US" altLang="zh-CN" sz="900" dirty="0">
+                  <a:solidFill>
+                    <a:schemeClr val="tx1"/>
+                  </a:solidFill>
+                </a:rPr>
+                <a:t>JSP</a:t>
+              </a:r>
+              <a:endParaRPr lang="zh-CN" altLang="en-US" sz="900" dirty="0">
+                <a:solidFill>
+                  <a:schemeClr val="tx1"/>
+                </a:solidFill>
+              </a:endParaRPr>
+            </a:p>
+          </p:txBody>
+        </p:sp>
+        <p:sp>
+          <p:nvSpPr>
+            <p:cNvPr id="6" name="矩形 5">
+              <a:extLst>
+                <a:ext uri="{FF2B5EF4-FFF2-40B4-BE49-F238E27FC236}">
+                  <a16:creationId xmlns:a16="http://schemas.microsoft.com/office/drawing/2014/main" id="{480E4C4A-3F84-400F-B634-DC50D070AC31}"/>
+                </a:ext>
+              </a:extLst>
+            </p:cNvPr>
+            <p:cNvSpPr/>
+            <p:nvPr/>
+          </p:nvSpPr>
+          <p:spPr>
+            <a:xfrm>
+              <a:off x="2857502" y="1117242"/>
+              <a:ext cx="673098" cy="310528"/>
+            </a:xfrm>
+            <a:prstGeom prst="rect">
+              <a:avLst/>
+            </a:prstGeom>
+            <a:solidFill>
+              <a:schemeClr val="bg1"/>
+            </a:solidFill>
+          </p:spPr>
+          <p:style>
+            <a:lnRef idx="2">
+              <a:schemeClr val="accent1">
+                <a:shade val="50000"/>
+              </a:schemeClr>
+            </a:lnRef>
+            <a:fillRef idx="1">
+              <a:schemeClr val="accent1"/>
+            </a:fillRef>
+            <a:effectRef idx="0">
+              <a:schemeClr val="accent1"/>
+            </a:effectRef>
+            <a:fontRef idx="minor">
+              <a:schemeClr val="lt1"/>
+            </a:fontRef>
+          </p:style>
+          <p:txBody>
+            <a:bodyPr rtlCol="0" anchor="ctr"/>
+            <a:lstStyle/>
+            <a:p>
+              <a:pPr algn="ctr"/>
+              <a:r>
+                <a:rPr lang="en-US" altLang="zh-CN" sz="900" dirty="0">
+                  <a:solidFill>
+                    <a:schemeClr val="tx1"/>
+                  </a:solidFill>
+                </a:rPr>
+                <a:t>JavaBean</a:t>
+              </a:r>
+              <a:endParaRPr lang="zh-CN" altLang="en-US" sz="900" dirty="0">
+                <a:solidFill>
+                  <a:schemeClr val="tx1"/>
+                </a:solidFill>
+              </a:endParaRPr>
+            </a:p>
+          </p:txBody>
+        </p:sp>
+        <p:cxnSp>
+          <p:nvCxnSpPr>
+            <p:cNvPr id="8" name="直接箭头连接符 7">
+              <a:extLst>
+                <a:ext uri="{FF2B5EF4-FFF2-40B4-BE49-F238E27FC236}">
+                  <a16:creationId xmlns:a16="http://schemas.microsoft.com/office/drawing/2014/main" id="{CAC2AF5F-CD10-4F47-A6D2-8A3AA6E57FAD}"/>
+                </a:ext>
+              </a:extLst>
+            </p:cNvPr>
+            <p:cNvCxnSpPr>
+              <a:stCxn id="2" idx="2"/>
+              <a:endCxn id="6" idx="3"/>
+            </p:cNvCxnSpPr>
+            <p:nvPr/>
+          </p:nvCxnSpPr>
+          <p:spPr>
+            <a:xfrm flipH="1">
+              <a:off x="3530600" y="1272506"/>
+              <a:ext cx="231776" cy="0"/>
+            </a:xfrm>
+            <a:prstGeom prst="straightConnector1">
+              <a:avLst/>
+            </a:prstGeom>
+            <a:ln>
+              <a:headEnd type="triangle"/>
+              <a:tailEnd type="triangle"/>
+            </a:ln>
+          </p:spPr>
+          <p:style>
+            <a:lnRef idx="1">
+              <a:schemeClr val="accent1"/>
+            </a:lnRef>
+            <a:fillRef idx="0">
+              <a:schemeClr val="accent1"/>
+            </a:fillRef>
+            <a:effectRef idx="0">
+              <a:schemeClr val="accent1"/>
+            </a:effectRef>
+            <a:fontRef idx="minor">
+              <a:schemeClr val="tx1"/>
+            </a:fontRef>
+          </p:style>
+        </p:cxnSp>
+        <p:cxnSp>
+          <p:nvCxnSpPr>
+            <p:cNvPr id="10" name="直接箭头连接符 9">
+              <a:extLst>
+                <a:ext uri="{FF2B5EF4-FFF2-40B4-BE49-F238E27FC236}">
+                  <a16:creationId xmlns:a16="http://schemas.microsoft.com/office/drawing/2014/main" id="{2B4C13AD-C1E8-4C76-81CB-615B035FD7B4}"/>
+                </a:ext>
+              </a:extLst>
+            </p:cNvPr>
+            <p:cNvCxnSpPr>
+              <a:stCxn id="6" idx="1"/>
+              <a:endCxn id="5" idx="3"/>
+            </p:cNvCxnSpPr>
+            <p:nvPr/>
+          </p:nvCxnSpPr>
+          <p:spPr>
+            <a:xfrm flipH="1">
+              <a:off x="2670176" y="1272506"/>
+              <a:ext cx="187326" cy="0"/>
+            </a:xfrm>
+            <a:prstGeom prst="straightConnector1">
+              <a:avLst/>
+            </a:prstGeom>
+            <a:ln>
+              <a:headEnd type="triangle"/>
+              <a:tailEnd type="triangle"/>
+            </a:ln>
+          </p:spPr>
+          <p:style>
+            <a:lnRef idx="1">
+              <a:schemeClr val="accent1"/>
+            </a:lnRef>
+            <a:fillRef idx="0">
+              <a:schemeClr val="accent1"/>
+            </a:fillRef>
+            <a:effectRef idx="0">
+              <a:schemeClr val="accent1"/>
+            </a:effectRef>
+            <a:fontRef idx="minor">
+              <a:schemeClr val="tx1"/>
+            </a:fontRef>
+          </p:style>
+        </p:cxnSp>
+        <p:cxnSp>
+          <p:nvCxnSpPr>
+            <p:cNvPr id="12" name="直接箭头连接符 11">
+              <a:extLst>
+                <a:ext uri="{FF2B5EF4-FFF2-40B4-BE49-F238E27FC236}">
+                  <a16:creationId xmlns:a16="http://schemas.microsoft.com/office/drawing/2014/main" id="{E2940C71-9427-4580-A959-5BC9306D6409}"/>
+                </a:ext>
+              </a:extLst>
+            </p:cNvPr>
+            <p:cNvCxnSpPr>
+              <a:stCxn id="5" idx="1"/>
+              <a:endCxn id="3" idx="3"/>
+            </p:cNvCxnSpPr>
+            <p:nvPr/>
+          </p:nvCxnSpPr>
+          <p:spPr>
+            <a:xfrm flipH="1">
+              <a:off x="1876424" y="1272506"/>
+              <a:ext cx="262302" cy="0"/>
+            </a:xfrm>
+            <a:prstGeom prst="straightConnector1">
+              <a:avLst/>
+            </a:prstGeom>
+            <a:ln>
+              <a:headEnd type="triangle"/>
+              <a:tailEnd type="triangle"/>
+            </a:ln>
+          </p:spPr>
+          <p:style>
+            <a:lnRef idx="1">
+              <a:schemeClr val="accent1"/>
+            </a:lnRef>
+            <a:fillRef idx="0">
+              <a:schemeClr val="accent1"/>
+            </a:fillRef>
+            <a:effectRef idx="0">
+              <a:schemeClr val="accent1"/>
+            </a:effectRef>
+            <a:fontRef idx="minor">
+              <a:schemeClr val="tx1"/>
+            </a:fontRef>
+          </p:style>
+        </p:cxnSp>
+      </p:grpSp>
+    </p:spTree>
+    <p:extLst>
+      <p:ext uri="{BB962C8B-B14F-4D97-AF65-F5344CB8AC3E}">
+        <p14:creationId xmlns:p14="http://schemas.microsoft.com/office/powerpoint/2010/main" val="3283342538"/>
+      </p:ext>
+    </p:extLst>
+  </p:cSld>
+  <p:clrMapOvr>
+    <a:masterClrMapping/>
+  </p:clrMapOvr>
+</p:sld>
+</file>
+
+<file path=ppt/slides/slide14.xml><?xml version="1.0" encoding="utf-8"?>
+<p:sld xmlns:a="http://schemas.openxmlformats.org/drawingml/2006/main" xmlns:r="http://schemas.openxmlformats.org/officeDocument/2006/relationships" xmlns:p="http://schemas.openxmlformats.org/presentationml/2006/main">
+  <p:cSld>
+    <p:spTree>
+      <p:nvGrpSpPr>
+        <p:cNvPr id="1" name=""/>
+        <p:cNvGrpSpPr/>
+        <p:nvPr/>
+      </p:nvGrpSpPr>
+      <p:grpSpPr>
+        <a:xfrm>
+          <a:off x="0" y="0"/>
+          <a:ext cx="0" cy="0"/>
+          <a:chOff x="0" y="0"/>
+          <a:chExt cx="0" cy="0"/>
+        </a:xfrm>
+      </p:grpSpPr>
+      <p:grpSp>
+        <p:nvGrpSpPr>
+          <p:cNvPr id="11" name="组合 10">
+            <a:extLst>
+              <a:ext uri="{FF2B5EF4-FFF2-40B4-BE49-F238E27FC236}">
+                <a16:creationId xmlns:a16="http://schemas.microsoft.com/office/drawing/2014/main" id="{54F9A94C-5FD3-45ED-A9CF-6B15D6F56A52}"/>
+              </a:ext>
+            </a:extLst>
+          </p:cNvPr>
+          <p:cNvGrpSpPr/>
+          <p:nvPr/>
+        </p:nvGrpSpPr>
+        <p:grpSpPr>
+          <a:xfrm>
+            <a:off x="963217" y="1099349"/>
+            <a:ext cx="4243977" cy="1170550"/>
+            <a:chOff x="979092" y="1099349"/>
+            <a:chExt cx="4243977" cy="1170550"/>
+          </a:xfrm>
+        </p:grpSpPr>
+        <p:pic>
+          <p:nvPicPr>
+            <p:cNvPr id="2" name="图片 1">
+              <a:extLst>
+                <a:ext uri="{FF2B5EF4-FFF2-40B4-BE49-F238E27FC236}">
+                  <a16:creationId xmlns:a16="http://schemas.microsoft.com/office/drawing/2014/main" id="{D9E1401E-1310-4424-B8A8-D1067974AB07}"/>
+                </a:ext>
+              </a:extLst>
+            </p:cNvPr>
+            <p:cNvPicPr>
+              <a:picLocks noChangeAspect="1"/>
+            </p:cNvPicPr>
+            <p:nvPr/>
+          </p:nvPicPr>
+          <p:blipFill>
+            <a:blip r:embed="rId2">
+              <a:extLst>
+                <a:ext uri="{28A0092B-C50C-407E-A947-70E740481C1C}">
+                  <a14:useLocalDpi xmlns:a14="http://schemas.microsoft.com/office/drawing/2010/main" val="0"/>
+                </a:ext>
+              </a:extLst>
+            </a:blip>
+            <a:stretch>
+              <a:fillRect/>
+            </a:stretch>
+          </p:blipFill>
+          <p:spPr>
+            <a:xfrm>
+              <a:off x="979092" y="1346723"/>
+              <a:ext cx="705102" cy="705102"/>
+            </a:xfrm>
+            <a:prstGeom prst="rect">
+              <a:avLst/>
+            </a:prstGeom>
+          </p:spPr>
+        </p:pic>
+        <p:sp>
+          <p:nvSpPr>
+            <p:cNvPr id="3" name="文本框 2">
+              <a:extLst>
+                <a:ext uri="{FF2B5EF4-FFF2-40B4-BE49-F238E27FC236}">
+                  <a16:creationId xmlns:a16="http://schemas.microsoft.com/office/drawing/2014/main" id="{53BC03F3-C090-404F-91F5-9D7A2A7D3B53}"/>
+                </a:ext>
+              </a:extLst>
+            </p:cNvPr>
+            <p:cNvSpPr txBox="1"/>
+            <p:nvPr/>
+          </p:nvSpPr>
+          <p:spPr>
+            <a:xfrm>
+              <a:off x="1000901" y="1917557"/>
+              <a:ext cx="661484" cy="230832"/>
+            </a:xfrm>
+            <a:prstGeom prst="rect">
+              <a:avLst/>
+            </a:prstGeom>
+            <a:noFill/>
+          </p:spPr>
+          <p:txBody>
+            <a:bodyPr wrap="square" rtlCol="0">
+              <a:spAutoFit/>
+            </a:bodyPr>
+            <a:lstStyle/>
+            <a:p>
+              <a:pPr algn="ctr"/>
+              <a:r>
+                <a:rPr lang="zh-CN" altLang="en-US" sz="900" dirty="0"/>
+                <a:t>浏览器</a:t>
+              </a:r>
+            </a:p>
+          </p:txBody>
+        </p:sp>
+        <p:pic>
+          <p:nvPicPr>
+            <p:cNvPr id="8" name="图片 7">
+              <a:extLst>
+                <a:ext uri="{FF2B5EF4-FFF2-40B4-BE49-F238E27FC236}">
+                  <a16:creationId xmlns:a16="http://schemas.microsoft.com/office/drawing/2014/main" id="{04EA7F60-C82C-4314-B9CF-E9A1AA888630}"/>
+                </a:ext>
+              </a:extLst>
+            </p:cNvPr>
+            <p:cNvPicPr>
+              <a:picLocks noChangeAspect="1"/>
+            </p:cNvPicPr>
+            <p:nvPr/>
+          </p:nvPicPr>
+          <p:blipFill>
+            <a:blip r:embed="rId3">
+              <a:extLst>
+                <a:ext uri="{28A0092B-C50C-407E-A947-70E740481C1C}">
+                  <a14:useLocalDpi xmlns:a14="http://schemas.microsoft.com/office/drawing/2010/main" val="0"/>
+                </a:ext>
+              </a:extLst>
+            </a:blip>
+            <a:stretch>
+              <a:fillRect/>
+            </a:stretch>
+          </p:blipFill>
+          <p:spPr>
+            <a:xfrm>
+              <a:off x="4576401" y="1449955"/>
+              <a:ext cx="502948" cy="502948"/>
+            </a:xfrm>
+            <a:prstGeom prst="rect">
+              <a:avLst/>
+            </a:prstGeom>
+          </p:spPr>
+        </p:pic>
+        <p:sp>
+          <p:nvSpPr>
+            <p:cNvPr id="9" name="文本框 8">
+              <a:extLst>
+                <a:ext uri="{FF2B5EF4-FFF2-40B4-BE49-F238E27FC236}">
+                  <a16:creationId xmlns:a16="http://schemas.microsoft.com/office/drawing/2014/main" id="{8161727E-4128-43E1-B8F5-B2EECD4AA7CB}"/>
+                </a:ext>
+              </a:extLst>
+            </p:cNvPr>
+            <p:cNvSpPr txBox="1"/>
+            <p:nvPr/>
+          </p:nvSpPr>
+          <p:spPr>
+            <a:xfrm>
+              <a:off x="4440605" y="1952903"/>
+              <a:ext cx="782464" cy="230832"/>
+            </a:xfrm>
+            <a:prstGeom prst="rect">
+              <a:avLst/>
+            </a:prstGeom>
+            <a:noFill/>
+          </p:spPr>
+          <p:txBody>
+            <a:bodyPr wrap="square" rtlCol="0">
+              <a:spAutoFit/>
+            </a:bodyPr>
+            <a:lstStyle/>
+            <a:p>
+              <a:pPr algn="ctr"/>
+              <a:r>
+                <a:rPr lang="zh-CN" altLang="en-US" sz="900" dirty="0"/>
+                <a:t>数据库</a:t>
+              </a:r>
+            </a:p>
+          </p:txBody>
+        </p:sp>
+        <p:sp>
+          <p:nvSpPr>
+            <p:cNvPr id="14" name="矩形: 圆角 13">
+              <a:extLst>
+                <a:ext uri="{FF2B5EF4-FFF2-40B4-BE49-F238E27FC236}">
+                  <a16:creationId xmlns:a16="http://schemas.microsoft.com/office/drawing/2014/main" id="{8CFA4CBD-0C12-4154-9CEC-ABF716BBB593}"/>
+                </a:ext>
+              </a:extLst>
+            </p:cNvPr>
+            <p:cNvSpPr/>
+            <p:nvPr/>
+          </p:nvSpPr>
+          <p:spPr>
+            <a:xfrm>
+              <a:off x="2139933" y="1099349"/>
+              <a:ext cx="2125680" cy="1170550"/>
+            </a:xfrm>
+            <a:prstGeom prst="roundRect">
+              <a:avLst/>
+            </a:prstGeom>
+            <a:solidFill>
+              <a:schemeClr val="bg1"/>
+            </a:solidFill>
+          </p:spPr>
+          <p:style>
+            <a:lnRef idx="2">
+              <a:schemeClr val="accent1">
+                <a:shade val="50000"/>
+              </a:schemeClr>
+            </a:lnRef>
+            <a:fillRef idx="1">
+              <a:schemeClr val="accent1"/>
+            </a:fillRef>
+            <a:effectRef idx="0">
+              <a:schemeClr val="accent1"/>
+            </a:effectRef>
+            <a:fontRef idx="minor">
+              <a:schemeClr val="lt1"/>
+            </a:fontRef>
+          </p:style>
+          <p:txBody>
+            <a:bodyPr rtlCol="0" anchor="ctr"/>
+            <a:lstStyle/>
+            <a:p>
+              <a:pPr algn="ctr"/>
+              <a:endParaRPr lang="zh-CN" altLang="en-US" dirty="0"/>
+            </a:p>
+          </p:txBody>
+        </p:sp>
+        <p:cxnSp>
+          <p:nvCxnSpPr>
+            <p:cNvPr id="16" name="直接箭头连接符 15">
+              <a:extLst>
+                <a:ext uri="{FF2B5EF4-FFF2-40B4-BE49-F238E27FC236}">
+                  <a16:creationId xmlns:a16="http://schemas.microsoft.com/office/drawing/2014/main" id="{EF6B0061-6D35-4F88-8577-B228D620BC80}"/>
+                </a:ext>
+              </a:extLst>
+            </p:cNvPr>
+            <p:cNvCxnSpPr>
+              <a:cxnSpLocks/>
+            </p:cNvCxnSpPr>
+            <p:nvPr/>
+          </p:nvCxnSpPr>
+          <p:spPr>
+            <a:xfrm flipH="1">
+              <a:off x="1682294" y="1449955"/>
+              <a:ext cx="680122" cy="0"/>
+            </a:xfrm>
+            <a:prstGeom prst="straightConnector1">
+              <a:avLst/>
+            </a:prstGeom>
+            <a:ln>
+              <a:tailEnd type="triangle"/>
+            </a:ln>
+          </p:spPr>
+          <p:style>
+            <a:lnRef idx="1">
+              <a:schemeClr val="accent1"/>
+            </a:lnRef>
+            <a:fillRef idx="0">
+              <a:schemeClr val="accent1"/>
+            </a:fillRef>
+            <a:effectRef idx="0">
+              <a:schemeClr val="accent1"/>
+            </a:effectRef>
+            <a:fontRef idx="minor">
+              <a:schemeClr val="tx1"/>
+            </a:fontRef>
+          </p:style>
+        </p:cxnSp>
+        <p:sp>
+          <p:nvSpPr>
+            <p:cNvPr id="20" name="矩形 19">
+              <a:extLst>
+                <a:ext uri="{FF2B5EF4-FFF2-40B4-BE49-F238E27FC236}">
+                  <a16:creationId xmlns:a16="http://schemas.microsoft.com/office/drawing/2014/main" id="{B51B18E7-805E-4E13-96F4-329F0D727FD5}"/>
+                </a:ext>
+              </a:extLst>
+            </p:cNvPr>
+            <p:cNvSpPr/>
+            <p:nvPr/>
+          </p:nvSpPr>
+          <p:spPr>
+            <a:xfrm>
+              <a:off x="2362416" y="1929073"/>
+              <a:ext cx="819150" cy="276027"/>
+            </a:xfrm>
+            <a:prstGeom prst="rect">
+              <a:avLst/>
+            </a:prstGeom>
+            <a:solidFill>
+              <a:schemeClr val="bg1"/>
+            </a:solidFill>
+          </p:spPr>
+          <p:style>
+            <a:lnRef idx="2">
+              <a:schemeClr val="accent1">
+                <a:shade val="50000"/>
+              </a:schemeClr>
+            </a:lnRef>
+            <a:fillRef idx="1">
+              <a:schemeClr val="accent1"/>
+            </a:fillRef>
+            <a:effectRef idx="0">
+              <a:schemeClr val="accent1"/>
+            </a:effectRef>
+            <a:fontRef idx="minor">
+              <a:schemeClr val="lt1"/>
+            </a:fontRef>
+          </p:style>
+          <p:txBody>
+            <a:bodyPr rtlCol="0" anchor="ctr"/>
+            <a:lstStyle/>
+            <a:p>
+              <a:pPr algn="ctr"/>
+              <a:r>
+                <a:rPr lang="en-US" altLang="zh-CN" sz="900" dirty="0">
+                  <a:solidFill>
+                    <a:schemeClr val="tx1"/>
+                  </a:solidFill>
+                  <a:latin typeface="+mn-ea"/>
+                </a:rPr>
+                <a:t>Servlet</a:t>
+              </a:r>
+            </a:p>
+            <a:p>
+              <a:pPr algn="ctr"/>
+              <a:r>
+                <a:rPr lang="en-US" altLang="zh-CN" sz="900" dirty="0">
+                  <a:solidFill>
+                    <a:schemeClr val="tx1"/>
+                  </a:solidFill>
+                  <a:latin typeface="+mn-ea"/>
+                </a:rPr>
+                <a:t>(</a:t>
+              </a:r>
+              <a:r>
+                <a:rPr lang="zh-CN" altLang="en-US" sz="900" dirty="0">
+                  <a:solidFill>
+                    <a:schemeClr val="tx1"/>
+                  </a:solidFill>
+                  <a:latin typeface="+mn-ea"/>
+                </a:rPr>
+                <a:t>控制层</a:t>
+              </a:r>
+              <a:r>
+                <a:rPr lang="en-US" altLang="zh-CN" sz="900" dirty="0">
+                  <a:solidFill>
+                    <a:schemeClr val="tx1"/>
+                  </a:solidFill>
+                  <a:latin typeface="+mn-ea"/>
+                </a:rPr>
+                <a:t>)</a:t>
+              </a:r>
+              <a:endParaRPr lang="zh-CN" altLang="en-US" sz="900" dirty="0">
+                <a:solidFill>
+                  <a:schemeClr val="tx1"/>
+                </a:solidFill>
+                <a:latin typeface="+mn-ea"/>
+              </a:endParaRPr>
+            </a:p>
+          </p:txBody>
+        </p:sp>
+        <p:cxnSp>
+          <p:nvCxnSpPr>
+            <p:cNvPr id="24" name="直接箭头连接符 23">
+              <a:extLst>
+                <a:ext uri="{FF2B5EF4-FFF2-40B4-BE49-F238E27FC236}">
+                  <a16:creationId xmlns:a16="http://schemas.microsoft.com/office/drawing/2014/main" id="{9AE4DE9C-F80E-4C7E-9A86-337EF9A91305}"/>
+                </a:ext>
+              </a:extLst>
+            </p:cNvPr>
+            <p:cNvCxnSpPr>
+              <a:cxnSpLocks/>
+            </p:cNvCxnSpPr>
+            <p:nvPr/>
+          </p:nvCxnSpPr>
+          <p:spPr>
+            <a:xfrm>
+              <a:off x="1662385" y="2071576"/>
+              <a:ext cx="711229" cy="0"/>
+            </a:xfrm>
+            <a:prstGeom prst="straightConnector1">
+              <a:avLst/>
+            </a:prstGeom>
+            <a:ln>
+              <a:tailEnd type="triangle"/>
+            </a:ln>
+          </p:spPr>
+          <p:style>
+            <a:lnRef idx="1">
+              <a:schemeClr val="accent1"/>
+            </a:lnRef>
+            <a:fillRef idx="0">
+              <a:schemeClr val="accent1"/>
+            </a:fillRef>
+            <a:effectRef idx="0">
+              <a:schemeClr val="accent1"/>
+            </a:effectRef>
+            <a:fontRef idx="minor">
+              <a:schemeClr val="tx1"/>
+            </a:fontRef>
+          </p:style>
+        </p:cxnSp>
+        <p:sp>
+          <p:nvSpPr>
+            <p:cNvPr id="23" name="矩形 22">
+              <a:extLst>
+                <a:ext uri="{FF2B5EF4-FFF2-40B4-BE49-F238E27FC236}">
+                  <a16:creationId xmlns:a16="http://schemas.microsoft.com/office/drawing/2014/main" id="{8353E919-D1C2-45BC-A25F-1D3BE893B955}"/>
+                </a:ext>
+              </a:extLst>
+            </p:cNvPr>
+            <p:cNvSpPr/>
+            <p:nvPr/>
+          </p:nvSpPr>
+          <p:spPr>
+            <a:xfrm>
+              <a:off x="3334254" y="1563415"/>
+              <a:ext cx="819150" cy="276027"/>
+            </a:xfrm>
+            <a:prstGeom prst="rect">
+              <a:avLst/>
+            </a:prstGeom>
+            <a:solidFill>
+              <a:schemeClr val="bg1"/>
+            </a:solidFill>
+          </p:spPr>
+          <p:style>
+            <a:lnRef idx="2">
+              <a:schemeClr val="accent1">
+                <a:shade val="50000"/>
+              </a:schemeClr>
+            </a:lnRef>
+            <a:fillRef idx="1">
+              <a:schemeClr val="accent1"/>
+            </a:fillRef>
+            <a:effectRef idx="0">
+              <a:schemeClr val="accent1"/>
+            </a:effectRef>
+            <a:fontRef idx="minor">
+              <a:schemeClr val="lt1"/>
+            </a:fontRef>
+          </p:style>
+          <p:txBody>
+            <a:bodyPr rtlCol="0" anchor="ctr"/>
+            <a:lstStyle/>
+            <a:p>
+              <a:pPr algn="ctr"/>
+              <a:r>
+                <a:rPr lang="en-US" altLang="zh-CN" sz="900" dirty="0">
+                  <a:solidFill>
+                    <a:schemeClr val="tx1"/>
+                  </a:solidFill>
+                  <a:latin typeface="+mn-ea"/>
+                </a:rPr>
+                <a:t>JavaBean</a:t>
+              </a:r>
+            </a:p>
+            <a:p>
+              <a:pPr algn="ctr"/>
+              <a:r>
+                <a:rPr lang="en-US" altLang="zh-CN" sz="900" dirty="0">
+                  <a:solidFill>
+                    <a:schemeClr val="tx1"/>
+                  </a:solidFill>
+                  <a:latin typeface="+mn-ea"/>
+                </a:rPr>
+                <a:t>(</a:t>
+              </a:r>
+              <a:r>
+                <a:rPr lang="zh-CN" altLang="en-US" sz="900" dirty="0">
+                  <a:solidFill>
+                    <a:schemeClr val="tx1"/>
+                  </a:solidFill>
+                  <a:latin typeface="+mn-ea"/>
+                </a:rPr>
+                <a:t>模型层</a:t>
+              </a:r>
+              <a:r>
+                <a:rPr lang="en-US" altLang="zh-CN" sz="900" dirty="0">
+                  <a:solidFill>
+                    <a:schemeClr val="tx1"/>
+                  </a:solidFill>
+                  <a:latin typeface="+mn-ea"/>
+                </a:rPr>
+                <a:t>)</a:t>
+              </a:r>
+              <a:endParaRPr lang="zh-CN" altLang="en-US" sz="900" dirty="0">
+                <a:solidFill>
+                  <a:schemeClr val="tx1"/>
+                </a:solidFill>
+                <a:latin typeface="+mn-ea"/>
+              </a:endParaRPr>
+            </a:p>
+          </p:txBody>
+        </p:sp>
+        <p:sp>
+          <p:nvSpPr>
+            <p:cNvPr id="25" name="矩形 24">
+              <a:extLst>
+                <a:ext uri="{FF2B5EF4-FFF2-40B4-BE49-F238E27FC236}">
+                  <a16:creationId xmlns:a16="http://schemas.microsoft.com/office/drawing/2014/main" id="{17B1C3E9-286A-450D-8F90-93164EB61933}"/>
+                </a:ext>
+              </a:extLst>
+            </p:cNvPr>
+            <p:cNvSpPr/>
+            <p:nvPr/>
+          </p:nvSpPr>
+          <p:spPr>
+            <a:xfrm>
+              <a:off x="2362416" y="1275354"/>
+              <a:ext cx="819150" cy="276027"/>
+            </a:xfrm>
+            <a:prstGeom prst="rect">
+              <a:avLst/>
+            </a:prstGeom>
+            <a:solidFill>
+              <a:schemeClr val="bg1"/>
+            </a:solidFill>
+          </p:spPr>
+          <p:style>
+            <a:lnRef idx="2">
+              <a:schemeClr val="accent1">
+                <a:shade val="50000"/>
+              </a:schemeClr>
+            </a:lnRef>
+            <a:fillRef idx="1">
+              <a:schemeClr val="accent1"/>
+            </a:fillRef>
+            <a:effectRef idx="0">
+              <a:schemeClr val="accent1"/>
+            </a:effectRef>
+            <a:fontRef idx="minor">
+              <a:schemeClr val="lt1"/>
+            </a:fontRef>
+          </p:style>
+          <p:txBody>
+            <a:bodyPr rtlCol="0" anchor="ctr"/>
+            <a:lstStyle/>
+            <a:p>
+              <a:pPr algn="ctr"/>
+              <a:r>
+                <a:rPr lang="en-US" altLang="zh-CN" sz="900" dirty="0">
+                  <a:solidFill>
+                    <a:schemeClr val="tx1"/>
+                  </a:solidFill>
+                  <a:latin typeface="+mn-ea"/>
+                </a:rPr>
+                <a:t>JSP</a:t>
+              </a:r>
+              <a:r>
+                <a:rPr lang="zh-CN" altLang="en-US" sz="900" dirty="0">
+                  <a:solidFill>
+                    <a:schemeClr val="tx1"/>
+                  </a:solidFill>
+                  <a:latin typeface="+mn-ea"/>
+                </a:rPr>
+                <a:t>页面</a:t>
+              </a:r>
+              <a:endParaRPr lang="en-US" altLang="zh-CN" sz="900" dirty="0">
+                <a:solidFill>
+                  <a:schemeClr val="tx1"/>
+                </a:solidFill>
+                <a:latin typeface="+mn-ea"/>
+              </a:endParaRPr>
+            </a:p>
+            <a:p>
+              <a:pPr algn="ctr"/>
+              <a:r>
+                <a:rPr lang="en-US" altLang="zh-CN" sz="900" dirty="0">
+                  <a:solidFill>
+                    <a:schemeClr val="tx1"/>
+                  </a:solidFill>
+                  <a:latin typeface="+mn-ea"/>
+                </a:rPr>
+                <a:t>(</a:t>
+              </a:r>
+              <a:r>
+                <a:rPr lang="zh-CN" altLang="en-US" sz="900" dirty="0">
+                  <a:solidFill>
+                    <a:schemeClr val="tx1"/>
+                  </a:solidFill>
+                  <a:latin typeface="+mn-ea"/>
+                </a:rPr>
+                <a:t>视图层</a:t>
+              </a:r>
+              <a:r>
+                <a:rPr lang="en-US" altLang="zh-CN" sz="900" dirty="0">
+                  <a:solidFill>
+                    <a:schemeClr val="tx1"/>
+                  </a:solidFill>
+                  <a:latin typeface="+mn-ea"/>
+                </a:rPr>
+                <a:t>)</a:t>
+              </a:r>
+              <a:endParaRPr lang="zh-CN" altLang="en-US" sz="900" dirty="0">
+                <a:solidFill>
+                  <a:schemeClr val="tx1"/>
+                </a:solidFill>
+                <a:latin typeface="+mn-ea"/>
+              </a:endParaRPr>
+            </a:p>
+          </p:txBody>
+        </p:sp>
+        <p:cxnSp>
+          <p:nvCxnSpPr>
+            <p:cNvPr id="15" name="直接箭头连接符 14">
+              <a:extLst>
+                <a:ext uri="{FF2B5EF4-FFF2-40B4-BE49-F238E27FC236}">
+                  <a16:creationId xmlns:a16="http://schemas.microsoft.com/office/drawing/2014/main" id="{20B09192-9DEA-4D2A-B84F-9E533F566978}"/>
+                </a:ext>
+              </a:extLst>
+            </p:cNvPr>
+            <p:cNvCxnSpPr>
+              <a:stCxn id="25" idx="2"/>
+              <a:endCxn id="20" idx="0"/>
+            </p:cNvCxnSpPr>
+            <p:nvPr/>
+          </p:nvCxnSpPr>
+          <p:spPr>
+            <a:xfrm>
+              <a:off x="2771991" y="1551381"/>
+              <a:ext cx="0" cy="377692"/>
+            </a:xfrm>
+            <a:prstGeom prst="straightConnector1">
+              <a:avLst/>
+            </a:prstGeom>
+            <a:ln>
+              <a:headEnd type="triangle"/>
+              <a:tailEnd type="none"/>
+            </a:ln>
+          </p:spPr>
+          <p:style>
+            <a:lnRef idx="1">
+              <a:schemeClr val="accent1"/>
+            </a:lnRef>
+            <a:fillRef idx="0">
+              <a:schemeClr val="accent1"/>
+            </a:fillRef>
+            <a:effectRef idx="0">
+              <a:schemeClr val="accent1"/>
+            </a:effectRef>
+            <a:fontRef idx="minor">
+              <a:schemeClr val="tx1"/>
+            </a:fontRef>
+          </p:style>
+        </p:cxnSp>
+        <p:cxnSp>
+          <p:nvCxnSpPr>
+            <p:cNvPr id="21" name="直接箭头连接符 20">
+              <a:extLst>
+                <a:ext uri="{FF2B5EF4-FFF2-40B4-BE49-F238E27FC236}">
+                  <a16:creationId xmlns:a16="http://schemas.microsoft.com/office/drawing/2014/main" id="{9C985A48-CCE3-4C77-96BC-E60E8ECBA537}"/>
+                </a:ext>
+              </a:extLst>
+            </p:cNvPr>
+            <p:cNvCxnSpPr>
+              <a:stCxn id="20" idx="3"/>
+              <a:endCxn id="23" idx="1"/>
+            </p:cNvCxnSpPr>
+            <p:nvPr/>
+          </p:nvCxnSpPr>
+          <p:spPr>
+            <a:xfrm flipV="1">
+              <a:off x="3181566" y="1701429"/>
+              <a:ext cx="152688" cy="365658"/>
+            </a:xfrm>
+            <a:prstGeom prst="straightConnector1">
+              <a:avLst/>
+            </a:prstGeom>
+            <a:ln>
+              <a:headEnd type="none"/>
+              <a:tailEnd type="triangle"/>
+            </a:ln>
+          </p:spPr>
+          <p:style>
+            <a:lnRef idx="1">
+              <a:schemeClr val="accent1"/>
+            </a:lnRef>
+            <a:fillRef idx="0">
+              <a:schemeClr val="accent1"/>
+            </a:fillRef>
+            <a:effectRef idx="0">
+              <a:schemeClr val="accent1"/>
+            </a:effectRef>
+            <a:fontRef idx="minor">
+              <a:schemeClr val="tx1"/>
+            </a:fontRef>
+          </p:style>
+        </p:cxnSp>
+        <p:cxnSp>
+          <p:nvCxnSpPr>
+            <p:cNvPr id="30" name="直接箭头连接符 29">
+              <a:extLst>
+                <a:ext uri="{FF2B5EF4-FFF2-40B4-BE49-F238E27FC236}">
+                  <a16:creationId xmlns:a16="http://schemas.microsoft.com/office/drawing/2014/main" id="{5D2249EE-D128-4C2D-889D-992BF39F80A6}"/>
+                </a:ext>
+              </a:extLst>
+            </p:cNvPr>
+            <p:cNvCxnSpPr>
+              <a:stCxn id="23" idx="3"/>
+              <a:endCxn id="8" idx="1"/>
+            </p:cNvCxnSpPr>
+            <p:nvPr/>
+          </p:nvCxnSpPr>
+          <p:spPr>
+            <a:xfrm>
+              <a:off x="4153404" y="1701429"/>
+              <a:ext cx="422997" cy="0"/>
+            </a:xfrm>
+            <a:prstGeom prst="straightConnector1">
+              <a:avLst/>
+            </a:prstGeom>
+            <a:ln>
+              <a:headEnd type="triangle"/>
+              <a:tailEnd type="triangle"/>
+            </a:ln>
+          </p:spPr>
+          <p:style>
+            <a:lnRef idx="1">
+              <a:schemeClr val="accent1"/>
+            </a:lnRef>
+            <a:fillRef idx="0">
+              <a:schemeClr val="accent1"/>
+            </a:fillRef>
+            <a:effectRef idx="0">
+              <a:schemeClr val="accent1"/>
+            </a:effectRef>
+            <a:fontRef idx="minor">
+              <a:schemeClr val="tx1"/>
+            </a:fontRef>
+          </p:style>
+        </p:cxnSp>
+        <p:sp>
+          <p:nvSpPr>
+            <p:cNvPr id="4" name="文本框 3">
+              <a:extLst>
+                <a:ext uri="{FF2B5EF4-FFF2-40B4-BE49-F238E27FC236}">
+                  <a16:creationId xmlns:a16="http://schemas.microsoft.com/office/drawing/2014/main" id="{6CE3C75D-6A7F-4D3D-8E35-96C7012A5DED}"/>
+                </a:ext>
+              </a:extLst>
+            </p:cNvPr>
+            <p:cNvSpPr txBox="1"/>
+            <p:nvPr/>
+          </p:nvSpPr>
+          <p:spPr>
+            <a:xfrm>
+              <a:off x="1682294" y="1839442"/>
+              <a:ext cx="511175" cy="230832"/>
+            </a:xfrm>
+            <a:prstGeom prst="rect">
+              <a:avLst/>
+            </a:prstGeom>
+            <a:noFill/>
+          </p:spPr>
+          <p:txBody>
+            <a:bodyPr wrap="square" rtlCol="0">
+              <a:spAutoFit/>
+            </a:bodyPr>
+            <a:lstStyle/>
+            <a:p>
+              <a:pPr algn="ctr"/>
+              <a:r>
+                <a:rPr lang="zh-CN" altLang="en-US" sz="900" dirty="0"/>
+                <a:t>请求</a:t>
+              </a:r>
+            </a:p>
+          </p:txBody>
+        </p:sp>
+        <p:sp>
+          <p:nvSpPr>
+            <p:cNvPr id="17" name="文本框 16">
+              <a:extLst>
+                <a:ext uri="{FF2B5EF4-FFF2-40B4-BE49-F238E27FC236}">
+                  <a16:creationId xmlns:a16="http://schemas.microsoft.com/office/drawing/2014/main" id="{14AC5712-C5FD-4CDA-BA71-8B0DCEF19164}"/>
+                </a:ext>
+              </a:extLst>
+            </p:cNvPr>
+            <p:cNvSpPr txBox="1"/>
+            <p:nvPr/>
+          </p:nvSpPr>
+          <p:spPr>
+            <a:xfrm>
+              <a:off x="1728952" y="1218472"/>
+              <a:ext cx="511175" cy="230832"/>
+            </a:xfrm>
+            <a:prstGeom prst="rect">
+              <a:avLst/>
+            </a:prstGeom>
+            <a:noFill/>
+          </p:spPr>
+          <p:txBody>
+            <a:bodyPr wrap="square" rtlCol="0">
+              <a:spAutoFit/>
+            </a:bodyPr>
+            <a:lstStyle/>
+            <a:p>
+              <a:pPr algn="ctr"/>
+              <a:r>
+                <a:rPr lang="zh-CN" altLang="en-US" sz="900" dirty="0"/>
+                <a:t>回复</a:t>
+              </a:r>
+            </a:p>
+          </p:txBody>
+        </p:sp>
+        <p:cxnSp>
+          <p:nvCxnSpPr>
+            <p:cNvPr id="7" name="直接箭头连接符 6">
+              <a:extLst>
+                <a:ext uri="{FF2B5EF4-FFF2-40B4-BE49-F238E27FC236}">
+                  <a16:creationId xmlns:a16="http://schemas.microsoft.com/office/drawing/2014/main" id="{1A072DE5-D6BE-4A64-9AAA-C9E08E6166B6}"/>
+                </a:ext>
+              </a:extLst>
+            </p:cNvPr>
+            <p:cNvCxnSpPr>
+              <a:stCxn id="25" idx="3"/>
+              <a:endCxn id="23" idx="0"/>
+            </p:cNvCxnSpPr>
+            <p:nvPr/>
+          </p:nvCxnSpPr>
+          <p:spPr>
+            <a:xfrm>
+              <a:off x="3181566" y="1413368"/>
+              <a:ext cx="562263" cy="150047"/>
+            </a:xfrm>
+            <a:prstGeom prst="straightConnector1">
+              <a:avLst/>
+            </a:prstGeom>
+            <a:ln>
+              <a:headEnd type="triangle"/>
+              <a:tailEnd type="triangle"/>
+            </a:ln>
+          </p:spPr>
+          <p:style>
+            <a:lnRef idx="1">
+              <a:schemeClr val="accent1"/>
+            </a:lnRef>
+            <a:fillRef idx="0">
+              <a:schemeClr val="accent1"/>
+            </a:fillRef>
+            <a:effectRef idx="0">
+              <a:schemeClr val="accent1"/>
+            </a:effectRef>
+            <a:fontRef idx="minor">
+              <a:schemeClr val="tx1"/>
+            </a:fontRef>
+          </p:style>
+        </p:cxnSp>
+      </p:grpSp>
+    </p:spTree>
+    <p:extLst>
+      <p:ext uri="{BB962C8B-B14F-4D97-AF65-F5344CB8AC3E}">
+        <p14:creationId xmlns:p14="http://schemas.microsoft.com/office/powerpoint/2010/main" val="4154958071"/>
+      </p:ext>
+    </p:extLst>
+  </p:cSld>
+  <p:clrMapOvr>
+    <a:masterClrMapping/>
+  </p:clrMapOvr>
+</p:sld>
+</file>
+
+<file path=ppt/slides/slide15.xml><?xml version="1.0" encoding="utf-8"?>
+<p:sld xmlns:a="http://schemas.openxmlformats.org/drawingml/2006/main" xmlns:r="http://schemas.openxmlformats.org/officeDocument/2006/relationships" xmlns:p="http://schemas.openxmlformats.org/presentationml/2006/main">
+  <p:cSld>
+    <p:spTree>
+      <p:nvGrpSpPr>
+        <p:cNvPr id="1" name=""/>
+        <p:cNvGrpSpPr/>
+        <p:nvPr/>
+      </p:nvGrpSpPr>
+      <p:grpSpPr>
+        <a:xfrm>
+          <a:off x="0" y="0"/>
+          <a:ext cx="0" cy="0"/>
+          <a:chOff x="0" y="0"/>
+          <a:chExt cx="0" cy="0"/>
+        </a:xfrm>
+      </p:grpSpPr>
+      <p:grpSp>
+        <p:nvGrpSpPr>
+          <p:cNvPr id="54" name="组合 53">
+            <a:extLst>
+              <a:ext uri="{FF2B5EF4-FFF2-40B4-BE49-F238E27FC236}">
+                <a16:creationId xmlns:a16="http://schemas.microsoft.com/office/drawing/2014/main" id="{906AD899-576F-4B92-9DD3-44B55CB73EB2}"/>
+              </a:ext>
+            </a:extLst>
+          </p:cNvPr>
+          <p:cNvGrpSpPr/>
+          <p:nvPr/>
+        </p:nvGrpSpPr>
+        <p:grpSpPr>
+          <a:xfrm>
+            <a:off x="1597906" y="238271"/>
+            <a:ext cx="2942074" cy="2671417"/>
+            <a:chOff x="1597906" y="238271"/>
+            <a:chExt cx="2942074" cy="2671417"/>
+          </a:xfrm>
+        </p:grpSpPr>
+        <p:sp>
+          <p:nvSpPr>
+            <p:cNvPr id="17" name="文本框 16">
+              <a:extLst>
+                <a:ext uri="{FF2B5EF4-FFF2-40B4-BE49-F238E27FC236}">
+                  <a16:creationId xmlns:a16="http://schemas.microsoft.com/office/drawing/2014/main" id="{954F3B49-A275-4137-ACB5-FC53C1EDD737}"/>
+                </a:ext>
+              </a:extLst>
+            </p:cNvPr>
+            <p:cNvSpPr txBox="1"/>
+            <p:nvPr/>
+          </p:nvSpPr>
+          <p:spPr>
+            <a:xfrm>
+              <a:off x="3740184" y="2152572"/>
+              <a:ext cx="742950" cy="230832"/>
+            </a:xfrm>
+            <a:prstGeom prst="rect">
+              <a:avLst/>
+            </a:prstGeom>
+            <a:noFill/>
+          </p:spPr>
+          <p:txBody>
+            <a:bodyPr wrap="square" rtlCol="0">
+              <a:spAutoFit/>
+            </a:bodyPr>
+            <a:lstStyle/>
+            <a:p>
+              <a:r>
+                <a:rPr lang="en-US" altLang="zh-CN" sz="900" dirty="0" err="1"/>
+                <a:t>setName</a:t>
+              </a:r>
+              <a:r>
+                <a:rPr lang="en-US" altLang="zh-CN" sz="900" dirty="0"/>
+                <a:t>()</a:t>
+              </a:r>
+              <a:endParaRPr lang="zh-CN" altLang="en-US" sz="900" dirty="0"/>
+            </a:p>
+          </p:txBody>
+        </p:sp>
+        <p:pic>
+          <p:nvPicPr>
+            <p:cNvPr id="22" name="图片 21">
+              <a:extLst>
+                <a:ext uri="{FF2B5EF4-FFF2-40B4-BE49-F238E27FC236}">
+                  <a16:creationId xmlns:a16="http://schemas.microsoft.com/office/drawing/2014/main" id="{5D3AC194-84C3-4FDE-BBA3-E33909C72394}"/>
+                </a:ext>
+              </a:extLst>
+            </p:cNvPr>
+            <p:cNvPicPr>
+              <a:picLocks noChangeAspect="1"/>
+            </p:cNvPicPr>
+            <p:nvPr/>
+          </p:nvPicPr>
+          <p:blipFill>
+            <a:blip r:embed="rId2">
+              <a:extLst>
+                <a:ext uri="{28A0092B-C50C-407E-A947-70E740481C1C}">
+                  <a14:useLocalDpi xmlns:a14="http://schemas.microsoft.com/office/drawing/2010/main" val="0"/>
+                </a:ext>
+              </a:extLst>
+            </a:blip>
+            <a:stretch>
+              <a:fillRect/>
+            </a:stretch>
+          </p:blipFill>
+          <p:spPr>
+            <a:xfrm>
+              <a:off x="2646038" y="238271"/>
+              <a:ext cx="705102" cy="705102"/>
+            </a:xfrm>
+            <a:prstGeom prst="rect">
+              <a:avLst/>
+            </a:prstGeom>
+          </p:spPr>
+        </p:pic>
+        <p:sp>
+          <p:nvSpPr>
+            <p:cNvPr id="23" name="文本框 22">
+              <a:extLst>
+                <a:ext uri="{FF2B5EF4-FFF2-40B4-BE49-F238E27FC236}">
+                  <a16:creationId xmlns:a16="http://schemas.microsoft.com/office/drawing/2014/main" id="{26F2001C-F6E0-4DE4-B056-A5C87E044B21}"/>
+                </a:ext>
+              </a:extLst>
+            </p:cNvPr>
+            <p:cNvSpPr txBox="1"/>
+            <p:nvPr/>
+          </p:nvSpPr>
+          <p:spPr>
+            <a:xfrm>
+              <a:off x="2667847" y="809105"/>
+              <a:ext cx="661484" cy="230832"/>
+            </a:xfrm>
+            <a:prstGeom prst="rect">
+              <a:avLst/>
+            </a:prstGeom>
+            <a:noFill/>
+          </p:spPr>
+          <p:txBody>
+            <a:bodyPr wrap="square" rtlCol="0">
+              <a:spAutoFit/>
+            </a:bodyPr>
+            <a:lstStyle/>
+            <a:p>
+              <a:pPr algn="ctr"/>
+              <a:r>
+                <a:rPr lang="zh-CN" altLang="en-US" sz="900" dirty="0"/>
+                <a:t>浏览器</a:t>
+              </a:r>
+            </a:p>
+          </p:txBody>
+        </p:sp>
+        <p:grpSp>
+          <p:nvGrpSpPr>
+            <p:cNvPr id="36" name="组合 35">
+              <a:extLst>
+                <a:ext uri="{FF2B5EF4-FFF2-40B4-BE49-F238E27FC236}">
+                  <a16:creationId xmlns:a16="http://schemas.microsoft.com/office/drawing/2014/main" id="{DBACEC83-969A-4136-8135-035259541E2E}"/>
+                </a:ext>
+              </a:extLst>
+            </p:cNvPr>
+            <p:cNvGrpSpPr/>
+            <p:nvPr/>
+          </p:nvGrpSpPr>
+          <p:grpSpPr>
+            <a:xfrm>
+              <a:off x="1597906" y="1279188"/>
+              <a:ext cx="1029087" cy="860033"/>
+              <a:chOff x="958345" y="1295792"/>
+              <a:chExt cx="1029087" cy="860033"/>
+            </a:xfrm>
+          </p:grpSpPr>
+          <p:sp>
+            <p:nvSpPr>
+              <p:cNvPr id="7" name="矩形 6">
+                <a:extLst>
+                  <a:ext uri="{FF2B5EF4-FFF2-40B4-BE49-F238E27FC236}">
+                    <a16:creationId xmlns:a16="http://schemas.microsoft.com/office/drawing/2014/main" id="{4B1BB7BB-F242-40FB-A8DC-ECB544B13305}"/>
+                  </a:ext>
+                </a:extLst>
+              </p:cNvPr>
+              <p:cNvSpPr/>
+              <p:nvPr/>
+            </p:nvSpPr>
+            <p:spPr>
+              <a:xfrm>
+                <a:off x="1003142" y="1295792"/>
+                <a:ext cx="984290" cy="860033"/>
+              </a:xfrm>
+              <a:prstGeom prst="rect">
+                <a:avLst/>
+              </a:prstGeom>
+              <a:solidFill>
+                <a:schemeClr val="bg1"/>
+              </a:solidFill>
+            </p:spPr>
+            <p:style>
+              <a:lnRef idx="2">
+                <a:schemeClr val="accent1">
+                  <a:shade val="50000"/>
+                </a:schemeClr>
+              </a:lnRef>
+              <a:fillRef idx="1">
+                <a:schemeClr val="accent1"/>
+              </a:fillRef>
+              <a:effectRef idx="0">
+                <a:schemeClr val="accent1"/>
+              </a:effectRef>
+              <a:fontRef idx="minor">
+                <a:schemeClr val="lt1"/>
+              </a:fontRef>
+            </p:style>
+            <p:txBody>
+              <a:bodyPr rtlCol="0" anchor="ctr"/>
+              <a:lstStyle/>
+              <a:p>
+                <a:pPr algn="ctr"/>
+                <a:endParaRPr lang="zh-CN" altLang="en-US" sz="900" dirty="0">
+                  <a:solidFill>
+                    <a:schemeClr val="tx1"/>
+                  </a:solidFill>
+                </a:endParaRPr>
+              </a:p>
+            </p:txBody>
+          </p:sp>
+          <p:sp>
+            <p:nvSpPr>
+              <p:cNvPr id="24" name="文本框 23">
+                <a:extLst>
+                  <a:ext uri="{FF2B5EF4-FFF2-40B4-BE49-F238E27FC236}">
+                    <a16:creationId xmlns:a16="http://schemas.microsoft.com/office/drawing/2014/main" id="{34E284AB-5DA0-47A6-BE98-D1BB21A8A6B8}"/>
+                  </a:ext>
+                </a:extLst>
+              </p:cNvPr>
+              <p:cNvSpPr txBox="1"/>
+              <p:nvPr/>
+            </p:nvSpPr>
+            <p:spPr>
+              <a:xfrm>
+                <a:off x="958345" y="1571208"/>
+                <a:ext cx="497689" cy="230832"/>
+              </a:xfrm>
+              <a:prstGeom prst="rect">
+                <a:avLst/>
+              </a:prstGeom>
+              <a:noFill/>
+            </p:spPr>
+            <p:txBody>
+              <a:bodyPr wrap="square" rtlCol="0">
+                <a:spAutoFit/>
+              </a:bodyPr>
+              <a:lstStyle/>
+              <a:p>
+                <a:pPr lvl="0" algn="ctr"/>
+                <a:r>
+                  <a:rPr lang="zh-CN" altLang="en-US" sz="900" dirty="0">
+                    <a:solidFill>
+                      <a:prstClr val="black"/>
+                    </a:solidFill>
+                  </a:rPr>
+                  <a:t>视图</a:t>
+                </a:r>
+                <a:endParaRPr lang="en-US" altLang="zh-CN" sz="900" dirty="0">
+                  <a:solidFill>
+                    <a:prstClr val="black"/>
+                  </a:solidFill>
+                </a:endParaRPr>
+              </a:p>
+            </p:txBody>
+          </p:sp>
+          <p:sp>
+            <p:nvSpPr>
+              <p:cNvPr id="25" name="流程图: 文档 24">
+                <a:extLst>
+                  <a:ext uri="{FF2B5EF4-FFF2-40B4-BE49-F238E27FC236}">
+                    <a16:creationId xmlns:a16="http://schemas.microsoft.com/office/drawing/2014/main" id="{42BB0C7E-2D5D-47F9-BF2D-32130F68670A}"/>
+                  </a:ext>
+                </a:extLst>
+              </p:cNvPr>
+              <p:cNvSpPr/>
+              <p:nvPr/>
+            </p:nvSpPr>
+            <p:spPr>
+              <a:xfrm>
+                <a:off x="1429692" y="1522330"/>
+                <a:ext cx="419669" cy="406956"/>
+              </a:xfrm>
+              <a:prstGeom prst="flowChartDocument">
+                <a:avLst/>
+              </a:prstGeom>
+              <a:solidFill>
+                <a:schemeClr val="bg1"/>
+              </a:solidFill>
+            </p:spPr>
+            <p:style>
+              <a:lnRef idx="2">
+                <a:schemeClr val="accent1">
+                  <a:shade val="50000"/>
+                </a:schemeClr>
+              </a:lnRef>
+              <a:fillRef idx="1">
+                <a:schemeClr val="accent1"/>
+              </a:fillRef>
+              <a:effectRef idx="0">
+                <a:schemeClr val="accent1"/>
+              </a:effectRef>
+              <a:fontRef idx="minor">
+                <a:schemeClr val="lt1"/>
+              </a:fontRef>
+            </p:style>
+            <p:txBody>
+              <a:bodyPr rtlCol="0" anchor="ctr"/>
+              <a:lstStyle/>
+              <a:p>
+                <a:pPr algn="ctr"/>
+                <a:r>
+                  <a:rPr lang="en-US" altLang="zh-CN" sz="900" dirty="0">
+                    <a:solidFill>
+                      <a:schemeClr val="tx1"/>
+                    </a:solidFill>
+                  </a:rPr>
+                  <a:t>JSP</a:t>
+                </a:r>
+                <a:endParaRPr lang="zh-CN" altLang="en-US" sz="900" dirty="0">
+                  <a:solidFill>
+                    <a:schemeClr val="tx1"/>
+                  </a:solidFill>
+                </a:endParaRPr>
+              </a:p>
+            </p:txBody>
+          </p:sp>
+        </p:grpSp>
+        <p:grpSp>
+          <p:nvGrpSpPr>
+            <p:cNvPr id="32" name="组合 31">
+              <a:extLst>
+                <a:ext uri="{FF2B5EF4-FFF2-40B4-BE49-F238E27FC236}">
+                  <a16:creationId xmlns:a16="http://schemas.microsoft.com/office/drawing/2014/main" id="{67476FD8-6703-485E-BE4C-D42E8061CDC7}"/>
+                </a:ext>
+              </a:extLst>
+            </p:cNvPr>
+            <p:cNvGrpSpPr/>
+            <p:nvPr/>
+          </p:nvGrpSpPr>
+          <p:grpSpPr>
+            <a:xfrm>
+              <a:off x="3329331" y="1261309"/>
+              <a:ext cx="1210649" cy="860033"/>
+              <a:chOff x="4834247" y="1291751"/>
+              <a:chExt cx="1210649" cy="860033"/>
+            </a:xfrm>
+          </p:grpSpPr>
+          <p:sp>
+            <p:nvSpPr>
+              <p:cNvPr id="26" name="矩形 25">
+                <a:extLst>
+                  <a:ext uri="{FF2B5EF4-FFF2-40B4-BE49-F238E27FC236}">
+                    <a16:creationId xmlns:a16="http://schemas.microsoft.com/office/drawing/2014/main" id="{D9AF351E-3717-423B-BBC4-E32519B01806}"/>
+                  </a:ext>
+                </a:extLst>
+              </p:cNvPr>
+              <p:cNvSpPr/>
+              <p:nvPr/>
+            </p:nvSpPr>
+            <p:spPr>
+              <a:xfrm>
+                <a:off x="4834247" y="1291751"/>
+                <a:ext cx="1156978" cy="860033"/>
+              </a:xfrm>
+              <a:prstGeom prst="rect">
+                <a:avLst/>
+              </a:prstGeom>
+              <a:solidFill>
+                <a:schemeClr val="bg1"/>
+              </a:solidFill>
+            </p:spPr>
+            <p:style>
+              <a:lnRef idx="2">
+                <a:schemeClr val="accent1">
+                  <a:shade val="50000"/>
+                </a:schemeClr>
+              </a:lnRef>
+              <a:fillRef idx="1">
+                <a:schemeClr val="accent1"/>
+              </a:fillRef>
+              <a:effectRef idx="0">
+                <a:schemeClr val="accent1"/>
+              </a:effectRef>
+              <a:fontRef idx="minor">
+                <a:schemeClr val="lt1"/>
+              </a:fontRef>
+            </p:style>
+            <p:txBody>
+              <a:bodyPr rtlCol="0" anchor="ctr"/>
+              <a:lstStyle/>
+              <a:p>
+                <a:pPr algn="ctr"/>
+                <a:endParaRPr lang="zh-CN" altLang="en-US" sz="900" dirty="0">
+                  <a:solidFill>
+                    <a:schemeClr val="tx1"/>
+                  </a:solidFill>
+                </a:endParaRPr>
+              </a:p>
+            </p:txBody>
+          </p:sp>
+          <p:sp>
+            <p:nvSpPr>
+              <p:cNvPr id="27" name="文本框 26">
+                <a:extLst>
+                  <a:ext uri="{FF2B5EF4-FFF2-40B4-BE49-F238E27FC236}">
+                    <a16:creationId xmlns:a16="http://schemas.microsoft.com/office/drawing/2014/main" id="{47423AC4-4227-43F9-96C7-6553A264BAFE}"/>
+                  </a:ext>
+                </a:extLst>
+              </p:cNvPr>
+              <p:cNvSpPr txBox="1"/>
+              <p:nvPr/>
+            </p:nvSpPr>
+            <p:spPr>
+              <a:xfrm>
+                <a:off x="5474946" y="1627659"/>
+                <a:ext cx="569950" cy="230832"/>
+              </a:xfrm>
+              <a:prstGeom prst="rect">
+                <a:avLst/>
+              </a:prstGeom>
+              <a:noFill/>
+            </p:spPr>
+            <p:txBody>
+              <a:bodyPr wrap="square" rtlCol="0">
+                <a:spAutoFit/>
+              </a:bodyPr>
+              <a:lstStyle/>
+              <a:p>
+                <a:pPr algn="ctr"/>
+                <a:r>
+                  <a:rPr lang="zh-CN" altLang="en-US" sz="900" dirty="0"/>
+                  <a:t>控制器</a:t>
+                </a:r>
+                <a:endParaRPr lang="en-US" altLang="zh-CN" sz="900" dirty="0"/>
+              </a:p>
+            </p:txBody>
+          </p:sp>
+          <p:sp>
+            <p:nvSpPr>
+              <p:cNvPr id="28" name="流程图: 过程 27">
+                <a:extLst>
+                  <a:ext uri="{FF2B5EF4-FFF2-40B4-BE49-F238E27FC236}">
+                    <a16:creationId xmlns:a16="http://schemas.microsoft.com/office/drawing/2014/main" id="{CB042E09-9D89-474A-BB1E-CE7F15800942}"/>
+                  </a:ext>
+                </a:extLst>
+              </p:cNvPr>
+              <p:cNvSpPr/>
+              <p:nvPr/>
+            </p:nvSpPr>
+            <p:spPr>
+              <a:xfrm>
+                <a:off x="4886325" y="1403350"/>
+                <a:ext cx="730250" cy="167858"/>
+              </a:xfrm>
+              <a:prstGeom prst="flowChartProcess">
+                <a:avLst/>
+              </a:prstGeom>
+              <a:solidFill>
+                <a:schemeClr val="bg1"/>
+              </a:solidFill>
+            </p:spPr>
+            <p:style>
+              <a:lnRef idx="2">
+                <a:schemeClr val="accent1">
+                  <a:shade val="50000"/>
+                </a:schemeClr>
+              </a:lnRef>
+              <a:fillRef idx="1">
+                <a:schemeClr val="accent1"/>
+              </a:fillRef>
+              <a:effectRef idx="0">
+                <a:schemeClr val="accent1"/>
+              </a:effectRef>
+              <a:fontRef idx="minor">
+                <a:schemeClr val="lt1"/>
+              </a:fontRef>
+            </p:style>
+            <p:txBody>
+              <a:bodyPr rtlCol="0" anchor="ctr"/>
+              <a:lstStyle/>
+              <a:p>
+                <a:pPr algn="ctr"/>
+                <a:r>
+                  <a:rPr lang="zh-CN" altLang="en-US" sz="900" dirty="0">
+                    <a:solidFill>
+                      <a:schemeClr val="tx1"/>
+                    </a:solidFill>
+                  </a:rPr>
+                  <a:t>过滤器</a:t>
+                </a:r>
+              </a:p>
+            </p:txBody>
+          </p:sp>
+          <p:sp>
+            <p:nvSpPr>
+              <p:cNvPr id="29" name="流程图: 过程 28">
+                <a:extLst>
+                  <a:ext uri="{FF2B5EF4-FFF2-40B4-BE49-F238E27FC236}">
+                    <a16:creationId xmlns:a16="http://schemas.microsoft.com/office/drawing/2014/main" id="{581E1895-9B94-46CD-9872-FB5BE9229B42}"/>
+                  </a:ext>
+                </a:extLst>
+              </p:cNvPr>
+              <p:cNvSpPr/>
+              <p:nvPr/>
+            </p:nvSpPr>
+            <p:spPr>
+              <a:xfrm>
+                <a:off x="4988060" y="1624192"/>
+                <a:ext cx="569950" cy="187325"/>
+              </a:xfrm>
+              <a:prstGeom prst="flowChartProcess">
+                <a:avLst/>
+              </a:prstGeom>
+              <a:solidFill>
+                <a:schemeClr val="bg1"/>
+              </a:solidFill>
+            </p:spPr>
+            <p:style>
+              <a:lnRef idx="2">
+                <a:schemeClr val="accent1">
+                  <a:shade val="50000"/>
+                </a:schemeClr>
+              </a:lnRef>
+              <a:fillRef idx="1">
+                <a:schemeClr val="accent1"/>
+              </a:fillRef>
+              <a:effectRef idx="0">
+                <a:schemeClr val="accent1"/>
+              </a:effectRef>
+              <a:fontRef idx="minor">
+                <a:schemeClr val="lt1"/>
+              </a:fontRef>
+            </p:style>
+            <p:txBody>
+              <a:bodyPr rtlCol="0" anchor="ctr"/>
+              <a:lstStyle/>
+              <a:p>
+                <a:pPr algn="ctr"/>
+                <a:endParaRPr lang="zh-CN" altLang="en-US" sz="900" dirty="0">
+                  <a:solidFill>
+                    <a:schemeClr val="tx1"/>
+                  </a:solidFill>
+                </a:endParaRPr>
+              </a:p>
+            </p:txBody>
+          </p:sp>
+          <p:sp>
+            <p:nvSpPr>
+              <p:cNvPr id="30" name="流程图: 过程 29">
+                <a:extLst>
+                  <a:ext uri="{FF2B5EF4-FFF2-40B4-BE49-F238E27FC236}">
+                    <a16:creationId xmlns:a16="http://schemas.microsoft.com/office/drawing/2014/main" id="{48BC2AA7-726D-46EA-9FB2-3CDB487314BA}"/>
+                  </a:ext>
+                </a:extLst>
+              </p:cNvPr>
+              <p:cNvSpPr/>
+              <p:nvPr/>
+            </p:nvSpPr>
+            <p:spPr>
+              <a:xfrm>
+                <a:off x="4946528" y="1680643"/>
+                <a:ext cx="569950" cy="187325"/>
+              </a:xfrm>
+              <a:prstGeom prst="flowChartProcess">
+                <a:avLst/>
+              </a:prstGeom>
+              <a:solidFill>
+                <a:schemeClr val="bg1"/>
+              </a:solidFill>
+            </p:spPr>
+            <p:style>
+              <a:lnRef idx="2">
+                <a:schemeClr val="accent1">
+                  <a:shade val="50000"/>
+                </a:schemeClr>
+              </a:lnRef>
+              <a:fillRef idx="1">
+                <a:schemeClr val="accent1"/>
+              </a:fillRef>
+              <a:effectRef idx="0">
+                <a:schemeClr val="accent1"/>
+              </a:effectRef>
+              <a:fontRef idx="minor">
+                <a:schemeClr val="lt1"/>
+              </a:fontRef>
+            </p:style>
+            <p:txBody>
+              <a:bodyPr rtlCol="0" anchor="ctr"/>
+              <a:lstStyle/>
+              <a:p>
+                <a:pPr algn="ctr"/>
+                <a:endParaRPr lang="zh-CN" altLang="en-US" sz="900" dirty="0">
+                  <a:solidFill>
+                    <a:schemeClr val="tx1"/>
+                  </a:solidFill>
+                </a:endParaRPr>
+              </a:p>
+            </p:txBody>
+          </p:sp>
+          <p:sp>
+            <p:nvSpPr>
+              <p:cNvPr id="31" name="流程图: 过程 30">
+                <a:extLst>
+                  <a:ext uri="{FF2B5EF4-FFF2-40B4-BE49-F238E27FC236}">
+                    <a16:creationId xmlns:a16="http://schemas.microsoft.com/office/drawing/2014/main" id="{43024592-A33D-49DA-8700-9E45FCE97D26}"/>
+                  </a:ext>
+                </a:extLst>
+              </p:cNvPr>
+              <p:cNvSpPr/>
+              <p:nvPr/>
+            </p:nvSpPr>
+            <p:spPr>
+              <a:xfrm>
+                <a:off x="4904996" y="1739647"/>
+                <a:ext cx="569950" cy="187325"/>
+              </a:xfrm>
+              <a:prstGeom prst="flowChartProcess">
+                <a:avLst/>
+              </a:prstGeom>
+              <a:solidFill>
+                <a:schemeClr val="bg1"/>
+              </a:solidFill>
+            </p:spPr>
+            <p:style>
+              <a:lnRef idx="2">
+                <a:schemeClr val="accent1">
+                  <a:shade val="50000"/>
+                </a:schemeClr>
+              </a:lnRef>
+              <a:fillRef idx="1">
+                <a:schemeClr val="accent1"/>
+              </a:fillRef>
+              <a:effectRef idx="0">
+                <a:schemeClr val="accent1"/>
+              </a:effectRef>
+              <a:fontRef idx="minor">
+                <a:schemeClr val="lt1"/>
+              </a:fontRef>
+            </p:style>
+            <p:txBody>
+              <a:bodyPr rtlCol="0" anchor="ctr"/>
+              <a:lstStyle/>
+              <a:p>
+                <a:pPr algn="ctr"/>
+                <a:r>
+                  <a:rPr lang="zh-CN" altLang="en-US" sz="900" dirty="0">
+                    <a:solidFill>
+                      <a:schemeClr val="tx1"/>
+                    </a:solidFill>
+                  </a:rPr>
+                  <a:t>拦截器</a:t>
+                </a:r>
+              </a:p>
+            </p:txBody>
+          </p:sp>
+        </p:grpSp>
+        <p:grpSp>
+          <p:nvGrpSpPr>
+            <p:cNvPr id="35" name="组合 34">
+              <a:extLst>
+                <a:ext uri="{FF2B5EF4-FFF2-40B4-BE49-F238E27FC236}">
+                  <a16:creationId xmlns:a16="http://schemas.microsoft.com/office/drawing/2014/main" id="{7378920B-5F40-4678-AB45-981136BD74B6}"/>
+                </a:ext>
+              </a:extLst>
+            </p:cNvPr>
+            <p:cNvGrpSpPr/>
+            <p:nvPr/>
+          </p:nvGrpSpPr>
+          <p:grpSpPr>
+            <a:xfrm>
+              <a:off x="2025488" y="2457250"/>
+              <a:ext cx="1946202" cy="452438"/>
+              <a:chOff x="2016125" y="2790918"/>
+              <a:chExt cx="1946202" cy="452438"/>
+            </a:xfrm>
+          </p:grpSpPr>
+          <p:sp>
+            <p:nvSpPr>
+              <p:cNvPr id="5" name="矩形 4">
+                <a:extLst>
+                  <a:ext uri="{FF2B5EF4-FFF2-40B4-BE49-F238E27FC236}">
+                    <a16:creationId xmlns:a16="http://schemas.microsoft.com/office/drawing/2014/main" id="{0317FA47-CEBE-419E-A003-46782D3A2D47}"/>
+                  </a:ext>
+                </a:extLst>
+              </p:cNvPr>
+              <p:cNvSpPr/>
+              <p:nvPr/>
+            </p:nvSpPr>
+            <p:spPr>
+              <a:xfrm>
+                <a:off x="2016125" y="2790918"/>
+                <a:ext cx="1946202" cy="436815"/>
+              </a:xfrm>
+              <a:prstGeom prst="rect">
+                <a:avLst/>
+              </a:prstGeom>
+              <a:solidFill>
+                <a:schemeClr val="bg1"/>
+              </a:solidFill>
+            </p:spPr>
+            <p:style>
+              <a:lnRef idx="2">
+                <a:schemeClr val="accent1">
+                  <a:shade val="50000"/>
+                </a:schemeClr>
+              </a:lnRef>
+              <a:fillRef idx="1">
+                <a:schemeClr val="accent1"/>
+              </a:fillRef>
+              <a:effectRef idx="0">
+                <a:schemeClr val="accent1"/>
+              </a:effectRef>
+              <a:fontRef idx="minor">
+                <a:schemeClr val="lt1"/>
+              </a:fontRef>
+            </p:style>
+            <p:txBody>
+              <a:bodyPr rtlCol="0" anchor="ctr"/>
+              <a:lstStyle/>
+              <a:p>
+                <a:pPr algn="ctr"/>
+                <a:endParaRPr lang="zh-CN" altLang="en-US" sz="900" dirty="0">
+                  <a:solidFill>
+                    <a:schemeClr val="tx1"/>
+                  </a:solidFill>
+                </a:endParaRPr>
+              </a:p>
+            </p:txBody>
+          </p:sp>
+          <p:sp>
+            <p:nvSpPr>
+              <p:cNvPr id="33" name="文本框 32">
+                <a:extLst>
+                  <a:ext uri="{FF2B5EF4-FFF2-40B4-BE49-F238E27FC236}">
+                    <a16:creationId xmlns:a16="http://schemas.microsoft.com/office/drawing/2014/main" id="{35A0055F-8DFE-40FA-B29C-4BF0C7E7B6E9}"/>
+                  </a:ext>
+                </a:extLst>
+              </p:cNvPr>
+              <p:cNvSpPr txBox="1"/>
+              <p:nvPr/>
+            </p:nvSpPr>
+            <p:spPr>
+              <a:xfrm>
+                <a:off x="2713614" y="3012524"/>
+                <a:ext cx="569950" cy="230832"/>
+              </a:xfrm>
+              <a:prstGeom prst="rect">
+                <a:avLst/>
+              </a:prstGeom>
+              <a:noFill/>
+            </p:spPr>
+            <p:txBody>
+              <a:bodyPr wrap="square" rtlCol="0">
+                <a:spAutoFit/>
+              </a:bodyPr>
+              <a:lstStyle/>
+              <a:p>
+                <a:pPr algn="ctr"/>
+                <a:r>
+                  <a:rPr lang="zh-CN" altLang="en-US" sz="900" dirty="0"/>
+                  <a:t>模型</a:t>
+                </a:r>
+                <a:endParaRPr lang="en-US" altLang="zh-CN" sz="900" dirty="0"/>
+              </a:p>
+            </p:txBody>
+          </p:sp>
+          <p:sp>
+            <p:nvSpPr>
+              <p:cNvPr id="34" name="流程图: 过程 33">
+                <a:extLst>
+                  <a:ext uri="{FF2B5EF4-FFF2-40B4-BE49-F238E27FC236}">
+                    <a16:creationId xmlns:a16="http://schemas.microsoft.com/office/drawing/2014/main" id="{A8531215-08CB-4B90-AEF6-0569927759E3}"/>
+                  </a:ext>
+                </a:extLst>
+              </p:cNvPr>
+              <p:cNvSpPr/>
+              <p:nvPr/>
+            </p:nvSpPr>
+            <p:spPr>
+              <a:xfrm>
+                <a:off x="2194521" y="2842381"/>
+                <a:ext cx="1581150" cy="174427"/>
+              </a:xfrm>
+              <a:prstGeom prst="flowChartProcess">
+                <a:avLst/>
+              </a:prstGeom>
+              <a:solidFill>
+                <a:schemeClr val="bg1"/>
+              </a:solidFill>
+            </p:spPr>
+            <p:style>
+              <a:lnRef idx="2">
+                <a:schemeClr val="accent1">
+                  <a:shade val="50000"/>
+                </a:schemeClr>
+              </a:lnRef>
+              <a:fillRef idx="1">
+                <a:schemeClr val="accent1"/>
+              </a:fillRef>
+              <a:effectRef idx="0">
+                <a:schemeClr val="accent1"/>
+              </a:effectRef>
+              <a:fontRef idx="minor">
+                <a:schemeClr val="lt1"/>
+              </a:fontRef>
+            </p:style>
+            <p:txBody>
+              <a:bodyPr rtlCol="0" anchor="ctr"/>
+              <a:lstStyle/>
+              <a:p>
+                <a:pPr algn="ctr"/>
+                <a:r>
+                  <a:rPr lang="en-US" altLang="zh-CN" sz="900" dirty="0">
+                    <a:solidFill>
+                      <a:schemeClr val="tx1"/>
+                    </a:solidFill>
+                  </a:rPr>
+                  <a:t>Action</a:t>
+                </a:r>
+                <a:endParaRPr lang="zh-CN" altLang="en-US" sz="900" dirty="0">
+                  <a:solidFill>
+                    <a:schemeClr val="tx1"/>
+                  </a:solidFill>
+                </a:endParaRPr>
+              </a:p>
+            </p:txBody>
+          </p:sp>
+        </p:grpSp>
+        <p:cxnSp>
+          <p:nvCxnSpPr>
+            <p:cNvPr id="40" name="连接符: 肘形 39">
+              <a:extLst>
+                <a:ext uri="{FF2B5EF4-FFF2-40B4-BE49-F238E27FC236}">
+                  <a16:creationId xmlns:a16="http://schemas.microsoft.com/office/drawing/2014/main" id="{E4066E15-D380-4367-B798-ECBC7D7C2325}"/>
+                </a:ext>
+              </a:extLst>
+            </p:cNvPr>
+            <p:cNvCxnSpPr>
+              <a:stCxn id="25" idx="0"/>
+              <a:endCxn id="22" idx="1"/>
+            </p:cNvCxnSpPr>
+            <p:nvPr/>
+          </p:nvCxnSpPr>
+          <p:spPr>
+            <a:xfrm rot="5400000" flipH="1" flipV="1">
+              <a:off x="2005111" y="864799"/>
+              <a:ext cx="914904" cy="366950"/>
+            </a:xfrm>
+            <a:prstGeom prst="bentConnector2">
+              <a:avLst/>
+            </a:prstGeom>
+            <a:ln>
+              <a:tailEnd type="triangle"/>
+            </a:ln>
+          </p:spPr>
+          <p:style>
+            <a:lnRef idx="1">
+              <a:schemeClr val="accent1"/>
+            </a:lnRef>
+            <a:fillRef idx="0">
+              <a:schemeClr val="accent1"/>
+            </a:fillRef>
+            <a:effectRef idx="0">
+              <a:schemeClr val="accent1"/>
+            </a:effectRef>
+            <a:fontRef idx="minor">
+              <a:schemeClr val="tx1"/>
+            </a:fontRef>
+          </p:style>
+        </p:cxnSp>
+        <p:cxnSp>
+          <p:nvCxnSpPr>
+            <p:cNvPr id="42" name="连接符: 肘形 41">
+              <a:extLst>
+                <a:ext uri="{FF2B5EF4-FFF2-40B4-BE49-F238E27FC236}">
+                  <a16:creationId xmlns:a16="http://schemas.microsoft.com/office/drawing/2014/main" id="{48809B09-CC29-4F0D-B9A5-FF0B25CE199A}"/>
+                </a:ext>
+              </a:extLst>
+            </p:cNvPr>
+            <p:cNvCxnSpPr>
+              <a:stCxn id="22" idx="3"/>
+              <a:endCxn id="28" idx="0"/>
+            </p:cNvCxnSpPr>
+            <p:nvPr/>
+          </p:nvCxnSpPr>
+          <p:spPr>
+            <a:xfrm>
+              <a:off x="3351140" y="590822"/>
+              <a:ext cx="395394" cy="782086"/>
+            </a:xfrm>
+            <a:prstGeom prst="bentConnector2">
+              <a:avLst/>
+            </a:prstGeom>
+            <a:ln>
+              <a:tailEnd type="triangle"/>
+            </a:ln>
+          </p:spPr>
+          <p:style>
+            <a:lnRef idx="1">
+              <a:schemeClr val="accent1"/>
+            </a:lnRef>
+            <a:fillRef idx="0">
+              <a:schemeClr val="accent1"/>
+            </a:fillRef>
+            <a:effectRef idx="0">
+              <a:schemeClr val="accent1"/>
+            </a:effectRef>
+            <a:fontRef idx="minor">
+              <a:schemeClr val="tx1"/>
+            </a:fontRef>
+          </p:style>
+        </p:cxnSp>
+        <p:cxnSp>
+          <p:nvCxnSpPr>
+            <p:cNvPr id="44" name="直接箭头连接符 43">
+              <a:extLst>
+                <a:ext uri="{FF2B5EF4-FFF2-40B4-BE49-F238E27FC236}">
+                  <a16:creationId xmlns:a16="http://schemas.microsoft.com/office/drawing/2014/main" id="{6FF3F351-468E-4391-893D-8AF71C1157CA}"/>
+                </a:ext>
+              </a:extLst>
+            </p:cNvPr>
+            <p:cNvCxnSpPr>
+              <a:stCxn id="28" idx="2"/>
+              <a:endCxn id="31" idx="0"/>
+            </p:cNvCxnSpPr>
+            <p:nvPr/>
+          </p:nvCxnSpPr>
+          <p:spPr>
+            <a:xfrm flipH="1">
+              <a:off x="3685055" y="1540766"/>
+              <a:ext cx="61479" cy="168439"/>
+            </a:xfrm>
+            <a:prstGeom prst="straightConnector1">
+              <a:avLst/>
+            </a:prstGeom>
+            <a:ln>
+              <a:tailEnd type="triangle"/>
+            </a:ln>
+          </p:spPr>
+          <p:style>
+            <a:lnRef idx="1">
+              <a:schemeClr val="accent1"/>
+            </a:lnRef>
+            <a:fillRef idx="0">
+              <a:schemeClr val="accent1"/>
+            </a:fillRef>
+            <a:effectRef idx="0">
+              <a:schemeClr val="accent1"/>
+            </a:effectRef>
+            <a:fontRef idx="minor">
+              <a:schemeClr val="tx1"/>
+            </a:fontRef>
+          </p:style>
+        </p:cxnSp>
+        <p:cxnSp>
+          <p:nvCxnSpPr>
+            <p:cNvPr id="46" name="直接箭头连接符 45">
+              <a:extLst>
+                <a:ext uri="{FF2B5EF4-FFF2-40B4-BE49-F238E27FC236}">
+                  <a16:creationId xmlns:a16="http://schemas.microsoft.com/office/drawing/2014/main" id="{8E938E96-D681-4A64-92DD-1F2178A7F01C}"/>
+                </a:ext>
+              </a:extLst>
+            </p:cNvPr>
+            <p:cNvCxnSpPr>
+              <a:stCxn id="25" idx="2"/>
+            </p:cNvCxnSpPr>
+            <p:nvPr/>
+          </p:nvCxnSpPr>
+          <p:spPr>
+            <a:xfrm flipH="1">
+              <a:off x="2279087" y="1885778"/>
+              <a:ext cx="1" cy="622935"/>
+            </a:xfrm>
+            <a:prstGeom prst="straightConnector1">
+              <a:avLst/>
+            </a:prstGeom>
+            <a:ln>
+              <a:tailEnd type="triangle"/>
+            </a:ln>
+          </p:spPr>
+          <p:style>
+            <a:lnRef idx="1">
+              <a:schemeClr val="accent1"/>
+            </a:lnRef>
+            <a:fillRef idx="0">
+              <a:schemeClr val="accent1"/>
+            </a:fillRef>
+            <a:effectRef idx="0">
+              <a:schemeClr val="accent1"/>
+            </a:effectRef>
+            <a:fontRef idx="minor">
+              <a:schemeClr val="tx1"/>
+            </a:fontRef>
+          </p:style>
+        </p:cxnSp>
+        <p:cxnSp>
+          <p:nvCxnSpPr>
+            <p:cNvPr id="48" name="连接符: 肘形 47">
+              <a:extLst>
+                <a:ext uri="{FF2B5EF4-FFF2-40B4-BE49-F238E27FC236}">
+                  <a16:creationId xmlns:a16="http://schemas.microsoft.com/office/drawing/2014/main" id="{562CE8BE-A068-49E2-A1EC-0760E536C42B}"/>
+                </a:ext>
+              </a:extLst>
+            </p:cNvPr>
+            <p:cNvCxnSpPr>
+              <a:stCxn id="31" idx="1"/>
+              <a:endCxn id="25" idx="3"/>
+            </p:cNvCxnSpPr>
+            <p:nvPr/>
+          </p:nvCxnSpPr>
+          <p:spPr>
+            <a:xfrm rot="10800000">
+              <a:off x="2488922" y="1709204"/>
+              <a:ext cx="911158" cy="93664"/>
+            </a:xfrm>
+            <a:prstGeom prst="bentConnector3">
+              <a:avLst/>
+            </a:prstGeom>
+            <a:ln>
+              <a:tailEnd type="triangle"/>
+            </a:ln>
+          </p:spPr>
+          <p:style>
+            <a:lnRef idx="1">
+              <a:schemeClr val="accent1"/>
+            </a:lnRef>
+            <a:fillRef idx="0">
+              <a:schemeClr val="accent1"/>
+            </a:fillRef>
+            <a:effectRef idx="0">
+              <a:schemeClr val="accent1"/>
+            </a:effectRef>
+            <a:fontRef idx="minor">
+              <a:schemeClr val="tx1"/>
+            </a:fontRef>
+          </p:style>
+        </p:cxnSp>
+        <p:cxnSp>
+          <p:nvCxnSpPr>
+            <p:cNvPr id="50" name="直接箭头连接符 49">
+              <a:extLst>
+                <a:ext uri="{FF2B5EF4-FFF2-40B4-BE49-F238E27FC236}">
+                  <a16:creationId xmlns:a16="http://schemas.microsoft.com/office/drawing/2014/main" id="{95731081-1F26-4E78-80D3-E1038327F62C}"/>
+                </a:ext>
+              </a:extLst>
+            </p:cNvPr>
+            <p:cNvCxnSpPr/>
+            <p:nvPr/>
+          </p:nvCxnSpPr>
+          <p:spPr>
+            <a:xfrm>
+              <a:off x="3548837" y="1885778"/>
+              <a:ext cx="0" cy="622935"/>
+            </a:xfrm>
+            <a:prstGeom prst="straightConnector1">
+              <a:avLst/>
+            </a:prstGeom>
+            <a:ln>
+              <a:tailEnd type="triangle"/>
+            </a:ln>
+          </p:spPr>
+          <p:style>
+            <a:lnRef idx="1">
+              <a:schemeClr val="accent1"/>
+            </a:lnRef>
+            <a:fillRef idx="0">
+              <a:schemeClr val="accent1"/>
+            </a:fillRef>
+            <a:effectRef idx="0">
+              <a:schemeClr val="accent1"/>
+            </a:effectRef>
+            <a:fontRef idx="minor">
+              <a:schemeClr val="tx1"/>
+            </a:fontRef>
+          </p:style>
+        </p:cxnSp>
+        <p:cxnSp>
+          <p:nvCxnSpPr>
+            <p:cNvPr id="51" name="直接箭头连接符 50">
+              <a:extLst>
+                <a:ext uri="{FF2B5EF4-FFF2-40B4-BE49-F238E27FC236}">
+                  <a16:creationId xmlns:a16="http://schemas.microsoft.com/office/drawing/2014/main" id="{F4E99417-7B89-4E3A-BB8F-E58945C8F3F6}"/>
+                </a:ext>
+              </a:extLst>
+            </p:cNvPr>
+            <p:cNvCxnSpPr/>
+            <p:nvPr/>
+          </p:nvCxnSpPr>
+          <p:spPr>
+            <a:xfrm>
+              <a:off x="3767306" y="1885778"/>
+              <a:ext cx="0" cy="622935"/>
+            </a:xfrm>
+            <a:prstGeom prst="straightConnector1">
+              <a:avLst/>
+            </a:prstGeom>
+            <a:ln>
+              <a:tailEnd type="triangle"/>
+            </a:ln>
+          </p:spPr>
+          <p:style>
+            <a:lnRef idx="1">
+              <a:schemeClr val="accent1"/>
+            </a:lnRef>
+            <a:fillRef idx="0">
+              <a:schemeClr val="accent1"/>
+            </a:fillRef>
+            <a:effectRef idx="0">
+              <a:schemeClr val="accent1"/>
+            </a:effectRef>
+            <a:fontRef idx="minor">
+              <a:schemeClr val="tx1"/>
+            </a:fontRef>
+          </p:style>
+        </p:cxnSp>
+        <p:sp>
+          <p:nvSpPr>
+            <p:cNvPr id="52" name="文本框 51">
+              <a:extLst>
+                <a:ext uri="{FF2B5EF4-FFF2-40B4-BE49-F238E27FC236}">
+                  <a16:creationId xmlns:a16="http://schemas.microsoft.com/office/drawing/2014/main" id="{313128ED-4DD1-49C3-A128-475A657A4E90}"/>
+                </a:ext>
+              </a:extLst>
+            </p:cNvPr>
+            <p:cNvSpPr txBox="1"/>
+            <p:nvPr/>
+          </p:nvSpPr>
+          <p:spPr>
+            <a:xfrm>
+              <a:off x="2991401" y="2141347"/>
+              <a:ext cx="742950" cy="230832"/>
+            </a:xfrm>
+            <a:prstGeom prst="rect">
+              <a:avLst/>
+            </a:prstGeom>
+            <a:noFill/>
+          </p:spPr>
+          <p:txBody>
+            <a:bodyPr wrap="square" rtlCol="0">
+              <a:spAutoFit/>
+            </a:bodyPr>
+            <a:lstStyle/>
+            <a:p>
+              <a:r>
+                <a:rPr lang="en-US" altLang="zh-CN" sz="900" dirty="0"/>
+                <a:t>execute()</a:t>
+              </a:r>
+              <a:endParaRPr lang="zh-CN" altLang="en-US" sz="900" dirty="0"/>
+            </a:p>
+          </p:txBody>
+        </p:sp>
+        <p:sp>
+          <p:nvSpPr>
+            <p:cNvPr id="53" name="文本框 52">
+              <a:extLst>
+                <a:ext uri="{FF2B5EF4-FFF2-40B4-BE49-F238E27FC236}">
+                  <a16:creationId xmlns:a16="http://schemas.microsoft.com/office/drawing/2014/main" id="{94666572-FEE8-4A42-95C9-4645EDA3CD1A}"/>
+                </a:ext>
+              </a:extLst>
+            </p:cNvPr>
+            <p:cNvSpPr txBox="1"/>
+            <p:nvPr/>
+          </p:nvSpPr>
+          <p:spPr>
+            <a:xfrm>
+              <a:off x="1613577" y="2155145"/>
+              <a:ext cx="742950" cy="230832"/>
+            </a:xfrm>
+            <a:prstGeom prst="rect">
+              <a:avLst/>
+            </a:prstGeom>
+            <a:noFill/>
+          </p:spPr>
+          <p:txBody>
+            <a:bodyPr wrap="square" rtlCol="0">
+              <a:spAutoFit/>
+            </a:bodyPr>
+            <a:lstStyle/>
+            <a:p>
+              <a:r>
+                <a:rPr lang="en-US" altLang="zh-CN" sz="900" dirty="0" err="1"/>
+                <a:t>getName</a:t>
+              </a:r>
+              <a:r>
+                <a:rPr lang="en-US" altLang="zh-CN" sz="900" dirty="0"/>
+                <a:t>()</a:t>
+              </a:r>
+              <a:endParaRPr lang="zh-CN" altLang="en-US" sz="900" dirty="0"/>
+            </a:p>
+          </p:txBody>
+        </p:sp>
+      </p:grpSp>
+    </p:spTree>
+    <p:extLst>
+      <p:ext uri="{BB962C8B-B14F-4D97-AF65-F5344CB8AC3E}">
+        <p14:creationId xmlns:p14="http://schemas.microsoft.com/office/powerpoint/2010/main" val="466426422"/>
+      </p:ext>
+    </p:extLst>
+  </p:cSld>
+  <p:clrMapOvr>
+    <a:masterClrMapping/>
+  </p:clrMapOvr>
+</p:sld>
+</file>
+
+<file path=ppt/slides/slide16.xml><?xml version="1.0" encoding="utf-8"?>
+<p:sld xmlns:a="http://schemas.openxmlformats.org/drawingml/2006/main" xmlns:r="http://schemas.openxmlformats.org/officeDocument/2006/relationships" xmlns:p="http://schemas.openxmlformats.org/presentationml/2006/main">
+  <p:cSld>
+    <p:spTree>
+      <p:nvGrpSpPr>
+        <p:cNvPr id="1" name=""/>
+        <p:cNvGrpSpPr/>
+        <p:nvPr/>
+      </p:nvGrpSpPr>
+      <p:grpSpPr>
+        <a:xfrm>
+          <a:off x="0" y="0"/>
+          <a:ext cx="0" cy="0"/>
+          <a:chOff x="0" y="0"/>
+          <a:chExt cx="0" cy="0"/>
+        </a:xfrm>
+      </p:grpSpPr>
+      <p:grpSp>
+        <p:nvGrpSpPr>
+          <p:cNvPr id="41" name="组合 40">
+            <a:extLst>
+              <a:ext uri="{FF2B5EF4-FFF2-40B4-BE49-F238E27FC236}">
+                <a16:creationId xmlns:a16="http://schemas.microsoft.com/office/drawing/2014/main" id="{AFEE860B-3E34-43BD-93B9-2DF1E956F86F}"/>
+              </a:ext>
+            </a:extLst>
+          </p:cNvPr>
+          <p:cNvGrpSpPr/>
+          <p:nvPr/>
+        </p:nvGrpSpPr>
+        <p:grpSpPr>
+          <a:xfrm>
+            <a:off x="344839" y="233718"/>
+            <a:ext cx="6048492" cy="3275292"/>
+            <a:chOff x="344839" y="233718"/>
+            <a:chExt cx="6048492" cy="3275292"/>
+          </a:xfrm>
+        </p:grpSpPr>
+        <p:sp>
+          <p:nvSpPr>
+            <p:cNvPr id="2" name="流程图: 过程 1">
+              <a:extLst>
+                <a:ext uri="{FF2B5EF4-FFF2-40B4-BE49-F238E27FC236}">
+                  <a16:creationId xmlns:a16="http://schemas.microsoft.com/office/drawing/2014/main" id="{C9E35230-D69B-44A7-ABE4-A0706E14F251}"/>
+                </a:ext>
+              </a:extLst>
+            </p:cNvPr>
+            <p:cNvSpPr/>
+            <p:nvPr/>
+          </p:nvSpPr>
+          <p:spPr>
+            <a:xfrm>
+              <a:off x="344839" y="233718"/>
+              <a:ext cx="988812" cy="227292"/>
+            </a:xfrm>
+            <a:prstGeom prst="flowChartProcess">
+              <a:avLst/>
+            </a:prstGeom>
+            <a:solidFill>
+              <a:schemeClr val="bg1"/>
+            </a:solidFill>
+          </p:spPr>
+          <p:style>
+            <a:lnRef idx="2">
+              <a:schemeClr val="accent1">
+                <a:shade val="50000"/>
+              </a:schemeClr>
+            </a:lnRef>
+            <a:fillRef idx="1">
+              <a:schemeClr val="accent1"/>
+            </a:fillRef>
+            <a:effectRef idx="0">
+              <a:schemeClr val="accent1"/>
+            </a:effectRef>
+            <a:fontRef idx="minor">
+              <a:schemeClr val="lt1"/>
+            </a:fontRef>
+          </p:style>
+          <p:txBody>
+            <a:bodyPr rtlCol="0" anchor="ctr"/>
+            <a:lstStyle/>
+            <a:p>
+              <a:pPr algn="ctr"/>
+              <a:r>
+                <a:rPr lang="zh-CN" altLang="en-US" sz="900" dirty="0">
+                  <a:solidFill>
+                    <a:schemeClr val="tx1"/>
+                  </a:solidFill>
+                </a:rPr>
+                <a:t>浏览器</a:t>
+              </a:r>
+            </a:p>
+          </p:txBody>
+        </p:sp>
+        <p:sp>
+          <p:nvSpPr>
+            <p:cNvPr id="3" name="流程图: 过程 2">
+              <a:extLst>
+                <a:ext uri="{FF2B5EF4-FFF2-40B4-BE49-F238E27FC236}">
+                  <a16:creationId xmlns:a16="http://schemas.microsoft.com/office/drawing/2014/main" id="{B2ACD263-8908-4A27-841B-CA50C920AD4B}"/>
+                </a:ext>
+              </a:extLst>
+            </p:cNvPr>
+            <p:cNvSpPr/>
+            <p:nvPr/>
+          </p:nvSpPr>
+          <p:spPr>
+            <a:xfrm>
+              <a:off x="1609759" y="233718"/>
+              <a:ext cx="988812" cy="227292"/>
+            </a:xfrm>
+            <a:prstGeom prst="flowChartProcess">
+              <a:avLst/>
+            </a:prstGeom>
+            <a:solidFill>
+              <a:schemeClr val="bg1"/>
+            </a:solidFill>
+          </p:spPr>
+          <p:style>
+            <a:lnRef idx="2">
+              <a:schemeClr val="accent1">
+                <a:shade val="50000"/>
+              </a:schemeClr>
+            </a:lnRef>
+            <a:fillRef idx="1">
+              <a:schemeClr val="accent1"/>
+            </a:fillRef>
+            <a:effectRef idx="0">
+              <a:schemeClr val="accent1"/>
+            </a:effectRef>
+            <a:fontRef idx="minor">
+              <a:schemeClr val="lt1"/>
+            </a:fontRef>
+          </p:style>
+          <p:txBody>
+            <a:bodyPr rtlCol="0" anchor="ctr"/>
+            <a:lstStyle/>
+            <a:p>
+              <a:pPr algn="ctr"/>
+              <a:r>
+                <a:rPr lang="en-US" altLang="zh-CN" sz="900" dirty="0">
+                  <a:solidFill>
+                    <a:schemeClr val="tx1"/>
+                  </a:solidFill>
+                </a:rPr>
+                <a:t>Web</a:t>
+              </a:r>
+              <a:r>
+                <a:rPr lang="zh-CN" altLang="en-US" sz="900" dirty="0">
+                  <a:solidFill>
+                    <a:schemeClr val="tx1"/>
+                  </a:solidFill>
+                </a:rPr>
+                <a:t>容器</a:t>
+              </a:r>
+            </a:p>
+          </p:txBody>
+        </p:sp>
+        <p:sp>
+          <p:nvSpPr>
+            <p:cNvPr id="4" name="流程图: 过程 3">
+              <a:extLst>
+                <a:ext uri="{FF2B5EF4-FFF2-40B4-BE49-F238E27FC236}">
+                  <a16:creationId xmlns:a16="http://schemas.microsoft.com/office/drawing/2014/main" id="{9C654FDF-2BBB-4680-9D07-4FFD93636016}"/>
+                </a:ext>
+              </a:extLst>
+            </p:cNvPr>
+            <p:cNvSpPr/>
+            <p:nvPr/>
+          </p:nvSpPr>
+          <p:spPr>
+            <a:xfrm>
+              <a:off x="2874679" y="233718"/>
+              <a:ext cx="988812" cy="227292"/>
+            </a:xfrm>
+            <a:prstGeom prst="flowChartProcess">
+              <a:avLst/>
+            </a:prstGeom>
+            <a:solidFill>
+              <a:schemeClr val="bg1"/>
+            </a:solidFill>
+          </p:spPr>
+          <p:style>
+            <a:lnRef idx="2">
+              <a:schemeClr val="accent1">
+                <a:shade val="50000"/>
+              </a:schemeClr>
+            </a:lnRef>
+            <a:fillRef idx="1">
+              <a:schemeClr val="accent1"/>
+            </a:fillRef>
+            <a:effectRef idx="0">
+              <a:schemeClr val="accent1"/>
+            </a:effectRef>
+            <a:fontRef idx="minor">
+              <a:schemeClr val="lt1"/>
+            </a:fontRef>
+          </p:style>
+          <p:txBody>
+            <a:bodyPr rtlCol="0" anchor="ctr"/>
+            <a:lstStyle/>
+            <a:p>
+              <a:pPr algn="ctr"/>
+              <a:r>
+                <a:rPr lang="en-US" altLang="zh-CN" sz="900" dirty="0">
+                  <a:solidFill>
+                    <a:schemeClr val="tx1"/>
+                  </a:solidFill>
+                </a:rPr>
+                <a:t>Struts2</a:t>
+              </a:r>
+              <a:r>
+                <a:rPr lang="zh-CN" altLang="en-US" sz="900" dirty="0">
+                  <a:solidFill>
+                    <a:schemeClr val="tx1"/>
+                  </a:solidFill>
+                </a:rPr>
+                <a:t>过滤器</a:t>
+              </a:r>
+            </a:p>
+          </p:txBody>
+        </p:sp>
+        <p:sp>
+          <p:nvSpPr>
+            <p:cNvPr id="5" name="流程图: 过程 4">
+              <a:extLst>
+                <a:ext uri="{FF2B5EF4-FFF2-40B4-BE49-F238E27FC236}">
+                  <a16:creationId xmlns:a16="http://schemas.microsoft.com/office/drawing/2014/main" id="{EBC7A6F1-BEF7-4715-B6E6-597FDC091856}"/>
+                </a:ext>
+              </a:extLst>
+            </p:cNvPr>
+            <p:cNvSpPr/>
+            <p:nvPr/>
+          </p:nvSpPr>
+          <p:spPr>
+            <a:xfrm>
+              <a:off x="4139599" y="233718"/>
+              <a:ext cx="988812" cy="227292"/>
+            </a:xfrm>
+            <a:prstGeom prst="flowChartProcess">
+              <a:avLst/>
+            </a:prstGeom>
+            <a:solidFill>
+              <a:schemeClr val="bg1"/>
+            </a:solidFill>
+          </p:spPr>
+          <p:style>
+            <a:lnRef idx="2">
+              <a:schemeClr val="accent1">
+                <a:shade val="50000"/>
+              </a:schemeClr>
+            </a:lnRef>
+            <a:fillRef idx="1">
+              <a:schemeClr val="accent1"/>
+            </a:fillRef>
+            <a:effectRef idx="0">
+              <a:schemeClr val="accent1"/>
+            </a:effectRef>
+            <a:fontRef idx="minor">
+              <a:schemeClr val="lt1"/>
+            </a:fontRef>
+          </p:style>
+          <p:txBody>
+            <a:bodyPr rtlCol="0" anchor="ctr"/>
+            <a:lstStyle/>
+            <a:p>
+              <a:pPr algn="ctr"/>
+              <a:r>
+                <a:rPr lang="en-US" altLang="zh-CN" sz="900" dirty="0">
+                  <a:solidFill>
+                    <a:schemeClr val="tx1"/>
+                  </a:solidFill>
+                </a:rPr>
+                <a:t>Action</a:t>
+              </a:r>
+              <a:endParaRPr lang="zh-CN" altLang="en-US" sz="900" dirty="0">
+                <a:solidFill>
+                  <a:schemeClr val="tx1"/>
+                </a:solidFill>
+              </a:endParaRPr>
+            </a:p>
+          </p:txBody>
+        </p:sp>
+        <p:sp>
+          <p:nvSpPr>
+            <p:cNvPr id="6" name="流程图: 过程 5">
+              <a:extLst>
+                <a:ext uri="{FF2B5EF4-FFF2-40B4-BE49-F238E27FC236}">
+                  <a16:creationId xmlns:a16="http://schemas.microsoft.com/office/drawing/2014/main" id="{64B87F86-3CF4-43FC-ADDE-BD4575D91A38}"/>
+                </a:ext>
+              </a:extLst>
+            </p:cNvPr>
+            <p:cNvSpPr/>
+            <p:nvPr/>
+          </p:nvSpPr>
+          <p:spPr>
+            <a:xfrm>
+              <a:off x="5404519" y="233718"/>
+              <a:ext cx="988812" cy="227292"/>
+            </a:xfrm>
+            <a:prstGeom prst="flowChartProcess">
+              <a:avLst/>
+            </a:prstGeom>
+            <a:solidFill>
+              <a:schemeClr val="bg1"/>
+            </a:solidFill>
+          </p:spPr>
+          <p:style>
+            <a:lnRef idx="2">
+              <a:schemeClr val="accent1">
+                <a:shade val="50000"/>
+              </a:schemeClr>
+            </a:lnRef>
+            <a:fillRef idx="1">
+              <a:schemeClr val="accent1"/>
+            </a:fillRef>
+            <a:effectRef idx="0">
+              <a:schemeClr val="accent1"/>
+            </a:effectRef>
+            <a:fontRef idx="minor">
+              <a:schemeClr val="lt1"/>
+            </a:fontRef>
+          </p:style>
+          <p:txBody>
+            <a:bodyPr rtlCol="0" anchor="ctr"/>
+            <a:lstStyle/>
+            <a:p>
+              <a:pPr algn="ctr"/>
+              <a:r>
+                <a:rPr lang="en-US" altLang="zh-CN" sz="900" dirty="0" err="1">
+                  <a:solidFill>
+                    <a:schemeClr val="tx1"/>
+                  </a:solidFill>
+                </a:rPr>
+                <a:t>Success.jsp</a:t>
+              </a:r>
+              <a:endParaRPr lang="zh-CN" altLang="en-US" sz="900" dirty="0">
+                <a:solidFill>
+                  <a:schemeClr val="tx1"/>
+                </a:solidFill>
+              </a:endParaRPr>
+            </a:p>
+          </p:txBody>
+        </p:sp>
+        <p:cxnSp>
+          <p:nvCxnSpPr>
+            <p:cNvPr id="8" name="直接连接符 7">
+              <a:extLst>
+                <a:ext uri="{FF2B5EF4-FFF2-40B4-BE49-F238E27FC236}">
+                  <a16:creationId xmlns:a16="http://schemas.microsoft.com/office/drawing/2014/main" id="{4F57C280-4E3F-46C2-9879-6FA5F8F0ECFB}"/>
+                </a:ext>
+              </a:extLst>
+            </p:cNvPr>
+            <p:cNvCxnSpPr>
+              <a:stCxn id="2" idx="2"/>
+            </p:cNvCxnSpPr>
+            <p:nvPr/>
+          </p:nvCxnSpPr>
+          <p:spPr>
+            <a:xfrm>
+              <a:off x="839245" y="461010"/>
+              <a:ext cx="0" cy="3048000"/>
+            </a:xfrm>
+            <a:prstGeom prst="line">
+              <a:avLst/>
+            </a:prstGeom>
+            <a:ln>
+              <a:prstDash val="dash"/>
+            </a:ln>
+          </p:spPr>
+          <p:style>
+            <a:lnRef idx="1">
+              <a:schemeClr val="accent1"/>
+            </a:lnRef>
+            <a:fillRef idx="0">
+              <a:schemeClr val="accent1"/>
+            </a:fillRef>
+            <a:effectRef idx="0">
+              <a:schemeClr val="accent1"/>
+            </a:effectRef>
+            <a:fontRef idx="minor">
+              <a:schemeClr val="tx1"/>
+            </a:fontRef>
+          </p:style>
+        </p:cxnSp>
+        <p:cxnSp>
+          <p:nvCxnSpPr>
+            <p:cNvPr id="9" name="直接连接符 8">
+              <a:extLst>
+                <a:ext uri="{FF2B5EF4-FFF2-40B4-BE49-F238E27FC236}">
+                  <a16:creationId xmlns:a16="http://schemas.microsoft.com/office/drawing/2014/main" id="{D087C54B-B5A3-499F-86E1-D4429324E33A}"/>
+                </a:ext>
+              </a:extLst>
+            </p:cNvPr>
+            <p:cNvCxnSpPr/>
+            <p:nvPr/>
+          </p:nvCxnSpPr>
+          <p:spPr>
+            <a:xfrm>
+              <a:off x="2104165" y="461010"/>
+              <a:ext cx="0" cy="3048000"/>
+            </a:xfrm>
+            <a:prstGeom prst="line">
+              <a:avLst/>
+            </a:prstGeom>
+            <a:ln>
+              <a:prstDash val="dash"/>
+            </a:ln>
+          </p:spPr>
+          <p:style>
+            <a:lnRef idx="1">
+              <a:schemeClr val="accent1"/>
+            </a:lnRef>
+            <a:fillRef idx="0">
+              <a:schemeClr val="accent1"/>
+            </a:fillRef>
+            <a:effectRef idx="0">
+              <a:schemeClr val="accent1"/>
+            </a:effectRef>
+            <a:fontRef idx="minor">
+              <a:schemeClr val="tx1"/>
+            </a:fontRef>
+          </p:style>
+        </p:cxnSp>
+        <p:cxnSp>
+          <p:nvCxnSpPr>
+            <p:cNvPr id="10" name="直接连接符 9">
+              <a:extLst>
+                <a:ext uri="{FF2B5EF4-FFF2-40B4-BE49-F238E27FC236}">
+                  <a16:creationId xmlns:a16="http://schemas.microsoft.com/office/drawing/2014/main" id="{AA3FEB1A-8EA8-4397-8F7F-6373AB6747D5}"/>
+                </a:ext>
+              </a:extLst>
+            </p:cNvPr>
+            <p:cNvCxnSpPr/>
+            <p:nvPr/>
+          </p:nvCxnSpPr>
+          <p:spPr>
+            <a:xfrm>
+              <a:off x="3369085" y="461010"/>
+              <a:ext cx="0" cy="3048000"/>
+            </a:xfrm>
+            <a:prstGeom prst="line">
+              <a:avLst/>
+            </a:prstGeom>
+            <a:ln>
+              <a:prstDash val="dash"/>
+            </a:ln>
+          </p:spPr>
+          <p:style>
+            <a:lnRef idx="1">
+              <a:schemeClr val="accent1"/>
+            </a:lnRef>
+            <a:fillRef idx="0">
+              <a:schemeClr val="accent1"/>
+            </a:fillRef>
+            <a:effectRef idx="0">
+              <a:schemeClr val="accent1"/>
+            </a:effectRef>
+            <a:fontRef idx="minor">
+              <a:schemeClr val="tx1"/>
+            </a:fontRef>
+          </p:style>
+        </p:cxnSp>
+        <p:cxnSp>
+          <p:nvCxnSpPr>
+            <p:cNvPr id="11" name="直接连接符 10">
+              <a:extLst>
+                <a:ext uri="{FF2B5EF4-FFF2-40B4-BE49-F238E27FC236}">
+                  <a16:creationId xmlns:a16="http://schemas.microsoft.com/office/drawing/2014/main" id="{8CD3CB00-2BEF-4618-AA42-BB2873C9CFCD}"/>
+                </a:ext>
+              </a:extLst>
+            </p:cNvPr>
+            <p:cNvCxnSpPr/>
+            <p:nvPr/>
+          </p:nvCxnSpPr>
+          <p:spPr>
+            <a:xfrm>
+              <a:off x="4634005" y="461010"/>
+              <a:ext cx="0" cy="3048000"/>
+            </a:xfrm>
+            <a:prstGeom prst="line">
+              <a:avLst/>
+            </a:prstGeom>
+            <a:ln>
+              <a:prstDash val="dash"/>
+            </a:ln>
+          </p:spPr>
+          <p:style>
+            <a:lnRef idx="1">
+              <a:schemeClr val="accent1"/>
+            </a:lnRef>
+            <a:fillRef idx="0">
+              <a:schemeClr val="accent1"/>
+            </a:fillRef>
+            <a:effectRef idx="0">
+              <a:schemeClr val="accent1"/>
+            </a:effectRef>
+            <a:fontRef idx="minor">
+              <a:schemeClr val="tx1"/>
+            </a:fontRef>
+          </p:style>
+        </p:cxnSp>
+        <p:cxnSp>
+          <p:nvCxnSpPr>
+            <p:cNvPr id="12" name="直接连接符 11">
+              <a:extLst>
+                <a:ext uri="{FF2B5EF4-FFF2-40B4-BE49-F238E27FC236}">
+                  <a16:creationId xmlns:a16="http://schemas.microsoft.com/office/drawing/2014/main" id="{7955449D-854D-4C8C-84F7-05D1AC845F6B}"/>
+                </a:ext>
+              </a:extLst>
+            </p:cNvPr>
+            <p:cNvCxnSpPr/>
+            <p:nvPr/>
+          </p:nvCxnSpPr>
+          <p:spPr>
+            <a:xfrm>
+              <a:off x="5903780" y="461010"/>
+              <a:ext cx="0" cy="3048000"/>
+            </a:xfrm>
+            <a:prstGeom prst="line">
+              <a:avLst/>
+            </a:prstGeom>
+            <a:ln>
+              <a:prstDash val="dash"/>
+            </a:ln>
+          </p:spPr>
+          <p:style>
+            <a:lnRef idx="1">
+              <a:schemeClr val="accent1"/>
+            </a:lnRef>
+            <a:fillRef idx="0">
+              <a:schemeClr val="accent1"/>
+            </a:fillRef>
+            <a:effectRef idx="0">
+              <a:schemeClr val="accent1"/>
+            </a:effectRef>
+            <a:fontRef idx="minor">
+              <a:schemeClr val="tx1"/>
+            </a:fontRef>
+          </p:style>
+        </p:cxnSp>
+        <p:sp>
+          <p:nvSpPr>
+            <p:cNvPr id="13" name="矩形 12">
+              <a:extLst>
+                <a:ext uri="{FF2B5EF4-FFF2-40B4-BE49-F238E27FC236}">
+                  <a16:creationId xmlns:a16="http://schemas.microsoft.com/office/drawing/2014/main" id="{A8A2CD4C-37A9-4242-8760-22504F8F5670}"/>
+                </a:ext>
+              </a:extLst>
+            </p:cNvPr>
+            <p:cNvSpPr/>
+            <p:nvPr/>
+          </p:nvSpPr>
+          <p:spPr>
+            <a:xfrm>
+              <a:off x="796814" y="688302"/>
+              <a:ext cx="75154" cy="323850"/>
+            </a:xfrm>
+            <a:prstGeom prst="rect">
+              <a:avLst/>
+            </a:prstGeom>
+            <a:solidFill>
+              <a:schemeClr val="bg1"/>
+            </a:solidFill>
+          </p:spPr>
+          <p:style>
+            <a:lnRef idx="2">
+              <a:schemeClr val="accent1">
+                <a:shade val="50000"/>
+              </a:schemeClr>
+            </a:lnRef>
+            <a:fillRef idx="1">
+              <a:schemeClr val="accent1"/>
+            </a:fillRef>
+            <a:effectRef idx="0">
+              <a:schemeClr val="accent1"/>
+            </a:effectRef>
+            <a:fontRef idx="minor">
+              <a:schemeClr val="lt1"/>
+            </a:fontRef>
+          </p:style>
+          <p:txBody>
+            <a:bodyPr rtlCol="0" anchor="ctr"/>
+            <a:lstStyle/>
+            <a:p>
+              <a:pPr algn="ctr"/>
+              <a:endParaRPr lang="zh-CN" altLang="en-US"/>
+            </a:p>
+          </p:txBody>
+        </p:sp>
+        <p:sp>
+          <p:nvSpPr>
+            <p:cNvPr id="14" name="文本框 13">
+              <a:extLst>
+                <a:ext uri="{FF2B5EF4-FFF2-40B4-BE49-F238E27FC236}">
+                  <a16:creationId xmlns:a16="http://schemas.microsoft.com/office/drawing/2014/main" id="{19F2DB6A-E30B-47C3-87FA-30C704C57F00}"/>
+                </a:ext>
+              </a:extLst>
+            </p:cNvPr>
+            <p:cNvSpPr txBox="1"/>
+            <p:nvPr/>
+          </p:nvSpPr>
+          <p:spPr>
+            <a:xfrm>
+              <a:off x="1017368" y="459240"/>
+              <a:ext cx="922017" cy="230832"/>
+            </a:xfrm>
+            <a:prstGeom prst="rect">
+              <a:avLst/>
+            </a:prstGeom>
+            <a:noFill/>
+          </p:spPr>
+          <p:txBody>
+            <a:bodyPr wrap="square" rtlCol="0">
+              <a:spAutoFit/>
+            </a:bodyPr>
+            <a:lstStyle/>
+            <a:p>
+              <a:pPr algn="ctr"/>
+              <a:r>
+                <a:rPr lang="zh-CN" altLang="en-US" sz="900" dirty="0"/>
+                <a:t>请求</a:t>
+              </a:r>
+            </a:p>
+          </p:txBody>
+        </p:sp>
+        <p:sp>
+          <p:nvSpPr>
+            <p:cNvPr id="15" name="矩形 14">
+              <a:extLst>
+                <a:ext uri="{FF2B5EF4-FFF2-40B4-BE49-F238E27FC236}">
+                  <a16:creationId xmlns:a16="http://schemas.microsoft.com/office/drawing/2014/main" id="{51B8575D-FA4D-4264-8327-ADC723372C29}"/>
+                </a:ext>
+              </a:extLst>
+            </p:cNvPr>
+            <p:cNvSpPr/>
+            <p:nvPr/>
+          </p:nvSpPr>
+          <p:spPr>
+            <a:xfrm>
+              <a:off x="2057428" y="688302"/>
+              <a:ext cx="82746" cy="668058"/>
+            </a:xfrm>
+            <a:prstGeom prst="rect">
+              <a:avLst/>
+            </a:prstGeom>
+            <a:solidFill>
+              <a:schemeClr val="bg1"/>
+            </a:solidFill>
+          </p:spPr>
+          <p:style>
+            <a:lnRef idx="2">
+              <a:schemeClr val="accent1">
+                <a:shade val="50000"/>
+              </a:schemeClr>
+            </a:lnRef>
+            <a:fillRef idx="1">
+              <a:schemeClr val="accent1"/>
+            </a:fillRef>
+            <a:effectRef idx="0">
+              <a:schemeClr val="accent1"/>
+            </a:effectRef>
+            <a:fontRef idx="minor">
+              <a:schemeClr val="lt1"/>
+            </a:fontRef>
+          </p:style>
+          <p:txBody>
+            <a:bodyPr rtlCol="0" anchor="ctr"/>
+            <a:lstStyle/>
+            <a:p>
+              <a:pPr algn="ctr"/>
+              <a:endParaRPr lang="zh-CN" altLang="en-US"/>
+            </a:p>
+          </p:txBody>
+        </p:sp>
+        <p:cxnSp>
+          <p:nvCxnSpPr>
+            <p:cNvPr id="17" name="直接箭头连接符 16">
+              <a:extLst>
+                <a:ext uri="{FF2B5EF4-FFF2-40B4-BE49-F238E27FC236}">
+                  <a16:creationId xmlns:a16="http://schemas.microsoft.com/office/drawing/2014/main" id="{A55E0B9C-FBE8-42F2-BFAC-EA5AE8C9607C}"/>
+                </a:ext>
+              </a:extLst>
+            </p:cNvPr>
+            <p:cNvCxnSpPr>
+              <a:stCxn id="13" idx="0"/>
+              <a:endCxn id="15" idx="0"/>
+            </p:cNvCxnSpPr>
+            <p:nvPr/>
+          </p:nvCxnSpPr>
+          <p:spPr>
+            <a:xfrm>
+              <a:off x="834391" y="688302"/>
+              <a:ext cx="1264410" cy="0"/>
+            </a:xfrm>
+            <a:prstGeom prst="straightConnector1">
+              <a:avLst/>
+            </a:prstGeom>
+            <a:ln>
+              <a:tailEnd type="triangle"/>
+            </a:ln>
+          </p:spPr>
+          <p:style>
+            <a:lnRef idx="1">
+              <a:schemeClr val="accent1"/>
+            </a:lnRef>
+            <a:fillRef idx="0">
+              <a:schemeClr val="accent1"/>
+            </a:fillRef>
+            <a:effectRef idx="0">
+              <a:schemeClr val="accent1"/>
+            </a:effectRef>
+            <a:fontRef idx="minor">
+              <a:schemeClr val="tx1"/>
+            </a:fontRef>
+          </p:style>
+        </p:cxnSp>
+        <p:sp>
+          <p:nvSpPr>
+            <p:cNvPr id="18" name="矩形 17">
+              <a:extLst>
+                <a:ext uri="{FF2B5EF4-FFF2-40B4-BE49-F238E27FC236}">
+                  <a16:creationId xmlns:a16="http://schemas.microsoft.com/office/drawing/2014/main" id="{F94AF56D-199F-454C-818D-89CA3135065C}"/>
+                </a:ext>
+              </a:extLst>
+            </p:cNvPr>
+            <p:cNvSpPr/>
+            <p:nvPr/>
+          </p:nvSpPr>
+          <p:spPr>
+            <a:xfrm>
+              <a:off x="3316982" y="1022330"/>
+              <a:ext cx="92921" cy="1450359"/>
+            </a:xfrm>
+            <a:prstGeom prst="rect">
+              <a:avLst/>
+            </a:prstGeom>
+            <a:solidFill>
+              <a:schemeClr val="bg1"/>
+            </a:solidFill>
+          </p:spPr>
+          <p:style>
+            <a:lnRef idx="2">
+              <a:schemeClr val="accent1">
+                <a:shade val="50000"/>
+              </a:schemeClr>
+            </a:lnRef>
+            <a:fillRef idx="1">
+              <a:schemeClr val="accent1"/>
+            </a:fillRef>
+            <a:effectRef idx="0">
+              <a:schemeClr val="accent1"/>
+            </a:effectRef>
+            <a:fontRef idx="minor">
+              <a:schemeClr val="lt1"/>
+            </a:fontRef>
+          </p:style>
+          <p:txBody>
+            <a:bodyPr rtlCol="0" anchor="ctr"/>
+            <a:lstStyle/>
+            <a:p>
+              <a:pPr algn="ctr"/>
+              <a:endParaRPr lang="zh-CN" altLang="en-US"/>
+            </a:p>
+          </p:txBody>
+        </p:sp>
+        <p:cxnSp>
+          <p:nvCxnSpPr>
+            <p:cNvPr id="20" name="直接箭头连接符 19">
+              <a:extLst>
+                <a:ext uri="{FF2B5EF4-FFF2-40B4-BE49-F238E27FC236}">
+                  <a16:creationId xmlns:a16="http://schemas.microsoft.com/office/drawing/2014/main" id="{1FE21C04-47E7-4F19-BB60-DAF035A06277}"/>
+                </a:ext>
+              </a:extLst>
+            </p:cNvPr>
+            <p:cNvCxnSpPr>
+              <a:cxnSpLocks/>
+              <a:stCxn id="15" idx="3"/>
+              <a:endCxn id="18" idx="0"/>
+            </p:cNvCxnSpPr>
+            <p:nvPr/>
+          </p:nvCxnSpPr>
+          <p:spPr>
+            <a:xfrm flipV="1">
+              <a:off x="2140174" y="1022330"/>
+              <a:ext cx="1223269" cy="1"/>
+            </a:xfrm>
+            <a:prstGeom prst="straightConnector1">
+              <a:avLst/>
+            </a:prstGeom>
+            <a:ln>
+              <a:tailEnd type="triangle"/>
+            </a:ln>
+          </p:spPr>
+          <p:style>
+            <a:lnRef idx="1">
+              <a:schemeClr val="accent1"/>
+            </a:lnRef>
+            <a:fillRef idx="0">
+              <a:schemeClr val="accent1"/>
+            </a:fillRef>
+            <a:effectRef idx="0">
+              <a:schemeClr val="accent1"/>
+            </a:effectRef>
+            <a:fontRef idx="minor">
+              <a:schemeClr val="tx1"/>
+            </a:fontRef>
+          </p:style>
+        </p:cxnSp>
+        <p:sp>
+          <p:nvSpPr>
+            <p:cNvPr id="21" name="文本框 20">
+              <a:extLst>
+                <a:ext uri="{FF2B5EF4-FFF2-40B4-BE49-F238E27FC236}">
+                  <a16:creationId xmlns:a16="http://schemas.microsoft.com/office/drawing/2014/main" id="{89E7EABA-9AC5-4D9E-8B22-78349D11221C}"/>
+                </a:ext>
+              </a:extLst>
+            </p:cNvPr>
+            <p:cNvSpPr txBox="1"/>
+            <p:nvPr/>
+          </p:nvSpPr>
+          <p:spPr>
+            <a:xfrm>
+              <a:off x="2288256" y="821190"/>
+              <a:ext cx="922017" cy="230832"/>
+            </a:xfrm>
+            <a:prstGeom prst="rect">
+              <a:avLst/>
+            </a:prstGeom>
+            <a:noFill/>
+          </p:spPr>
+          <p:txBody>
+            <a:bodyPr wrap="square" rtlCol="0">
+              <a:spAutoFit/>
+            </a:bodyPr>
+            <a:lstStyle/>
+            <a:p>
+              <a:pPr algn="ctr"/>
+              <a:r>
+                <a:rPr lang="en-US" altLang="zh-CN" sz="900" dirty="0" err="1"/>
+                <a:t>doFilter</a:t>
+              </a:r>
+              <a:r>
+                <a:rPr lang="en-US" altLang="zh-CN" sz="900" dirty="0"/>
+                <a:t>()</a:t>
+              </a:r>
+              <a:endParaRPr lang="zh-CN" altLang="en-US" sz="900" dirty="0"/>
+            </a:p>
+          </p:txBody>
+        </p:sp>
+        <p:sp>
+          <p:nvSpPr>
+            <p:cNvPr id="22" name="矩形 21">
+              <a:extLst>
+                <a:ext uri="{FF2B5EF4-FFF2-40B4-BE49-F238E27FC236}">
+                  <a16:creationId xmlns:a16="http://schemas.microsoft.com/office/drawing/2014/main" id="{2ADDDCD7-3B5F-4EEA-BD7B-17B58F54C298}"/>
+                </a:ext>
+              </a:extLst>
+            </p:cNvPr>
+            <p:cNvSpPr/>
+            <p:nvPr/>
+          </p:nvSpPr>
+          <p:spPr>
+            <a:xfrm>
+              <a:off x="4604714" y="1423659"/>
+              <a:ext cx="75154" cy="323850"/>
+            </a:xfrm>
+            <a:prstGeom prst="rect">
+              <a:avLst/>
+            </a:prstGeom>
+            <a:solidFill>
+              <a:schemeClr val="bg1"/>
+            </a:solidFill>
+          </p:spPr>
+          <p:style>
+            <a:lnRef idx="2">
+              <a:schemeClr val="accent1">
+                <a:shade val="50000"/>
+              </a:schemeClr>
+            </a:lnRef>
+            <a:fillRef idx="1">
+              <a:schemeClr val="accent1"/>
+            </a:fillRef>
+            <a:effectRef idx="0">
+              <a:schemeClr val="accent1"/>
+            </a:effectRef>
+            <a:fontRef idx="minor">
+              <a:schemeClr val="lt1"/>
+            </a:fontRef>
+          </p:style>
+          <p:txBody>
+            <a:bodyPr rtlCol="0" anchor="ctr"/>
+            <a:lstStyle/>
+            <a:p>
+              <a:pPr algn="ctr"/>
+              <a:endParaRPr lang="zh-CN" altLang="en-US"/>
+            </a:p>
+          </p:txBody>
+        </p:sp>
+        <p:cxnSp>
+          <p:nvCxnSpPr>
+            <p:cNvPr id="25" name="直接箭头连接符 24">
+              <a:extLst>
+                <a:ext uri="{FF2B5EF4-FFF2-40B4-BE49-F238E27FC236}">
+                  <a16:creationId xmlns:a16="http://schemas.microsoft.com/office/drawing/2014/main" id="{F62941BF-F19F-486C-A605-16FE56599726}"/>
+                </a:ext>
+              </a:extLst>
+            </p:cNvPr>
+            <p:cNvCxnSpPr>
+              <a:cxnSpLocks/>
+              <a:endCxn id="22" idx="0"/>
+            </p:cNvCxnSpPr>
+            <p:nvPr/>
+          </p:nvCxnSpPr>
+          <p:spPr>
+            <a:xfrm>
+              <a:off x="3345049" y="1423658"/>
+              <a:ext cx="1297242" cy="1"/>
+            </a:xfrm>
+            <a:prstGeom prst="straightConnector1">
+              <a:avLst/>
+            </a:prstGeom>
+            <a:ln>
+              <a:tailEnd type="triangle"/>
+            </a:ln>
+          </p:spPr>
+          <p:style>
+            <a:lnRef idx="1">
+              <a:schemeClr val="accent1"/>
+            </a:lnRef>
+            <a:fillRef idx="0">
+              <a:schemeClr val="accent1"/>
+            </a:fillRef>
+            <a:effectRef idx="0">
+              <a:schemeClr val="accent1"/>
+            </a:effectRef>
+            <a:fontRef idx="minor">
+              <a:schemeClr val="tx1"/>
+            </a:fontRef>
+          </p:style>
+        </p:cxnSp>
+        <p:cxnSp>
+          <p:nvCxnSpPr>
+            <p:cNvPr id="30" name="直接箭头连接符 29">
+              <a:extLst>
+                <a:ext uri="{FF2B5EF4-FFF2-40B4-BE49-F238E27FC236}">
+                  <a16:creationId xmlns:a16="http://schemas.microsoft.com/office/drawing/2014/main" id="{53876409-4245-4BD4-B1D4-70C9A72B19E4}"/>
+                </a:ext>
+              </a:extLst>
+            </p:cNvPr>
+            <p:cNvCxnSpPr>
+              <a:stCxn id="22" idx="2"/>
+              <a:endCxn id="18" idx="3"/>
+            </p:cNvCxnSpPr>
+            <p:nvPr/>
+          </p:nvCxnSpPr>
+          <p:spPr>
+            <a:xfrm flipH="1">
+              <a:off x="3409903" y="1747509"/>
+              <a:ext cx="1232388" cy="1"/>
+            </a:xfrm>
+            <a:prstGeom prst="straightConnector1">
+              <a:avLst/>
+            </a:prstGeom>
+            <a:ln>
+              <a:prstDash val="dash"/>
+              <a:tailEnd type="triangle"/>
+            </a:ln>
+          </p:spPr>
+          <p:style>
+            <a:lnRef idx="1">
+              <a:schemeClr val="accent1"/>
+            </a:lnRef>
+            <a:fillRef idx="0">
+              <a:schemeClr val="accent1"/>
+            </a:fillRef>
+            <a:effectRef idx="0">
+              <a:schemeClr val="accent1"/>
+            </a:effectRef>
+            <a:fontRef idx="minor">
+              <a:schemeClr val="tx1"/>
+            </a:fontRef>
+          </p:style>
+        </p:cxnSp>
+        <p:sp>
+          <p:nvSpPr>
+            <p:cNvPr id="31" name="矩形 30">
+              <a:extLst>
+                <a:ext uri="{FF2B5EF4-FFF2-40B4-BE49-F238E27FC236}">
+                  <a16:creationId xmlns:a16="http://schemas.microsoft.com/office/drawing/2014/main" id="{E688D6B2-3FBE-4008-8BAF-CD6D75CE78CB}"/>
+                </a:ext>
+              </a:extLst>
+            </p:cNvPr>
+            <p:cNvSpPr/>
+            <p:nvPr/>
+          </p:nvSpPr>
+          <p:spPr>
+            <a:xfrm>
+              <a:off x="5858108" y="2299932"/>
+              <a:ext cx="82746" cy="668058"/>
+            </a:xfrm>
+            <a:prstGeom prst="rect">
+              <a:avLst/>
+            </a:prstGeom>
+            <a:solidFill>
+              <a:schemeClr val="bg1"/>
+            </a:solidFill>
+          </p:spPr>
+          <p:style>
+            <a:lnRef idx="2">
+              <a:schemeClr val="accent1">
+                <a:shade val="50000"/>
+              </a:schemeClr>
+            </a:lnRef>
+            <a:fillRef idx="1">
+              <a:schemeClr val="accent1"/>
+            </a:fillRef>
+            <a:effectRef idx="0">
+              <a:schemeClr val="accent1"/>
+            </a:effectRef>
+            <a:fontRef idx="minor">
+              <a:schemeClr val="lt1"/>
+            </a:fontRef>
+          </p:style>
+          <p:txBody>
+            <a:bodyPr rtlCol="0" anchor="ctr"/>
+            <a:lstStyle/>
+            <a:p>
+              <a:pPr algn="ctr"/>
+              <a:endParaRPr lang="zh-CN" altLang="en-US"/>
+            </a:p>
+          </p:txBody>
+        </p:sp>
+        <p:cxnSp>
+          <p:nvCxnSpPr>
+            <p:cNvPr id="33" name="直接箭头连接符 32">
+              <a:extLst>
+                <a:ext uri="{FF2B5EF4-FFF2-40B4-BE49-F238E27FC236}">
+                  <a16:creationId xmlns:a16="http://schemas.microsoft.com/office/drawing/2014/main" id="{12696962-61C5-48F3-A249-70CFAD981597}"/>
+                </a:ext>
+              </a:extLst>
+            </p:cNvPr>
+            <p:cNvCxnSpPr/>
+            <p:nvPr/>
+          </p:nvCxnSpPr>
+          <p:spPr>
+            <a:xfrm>
+              <a:off x="3398377" y="2305050"/>
+              <a:ext cx="2500548" cy="0"/>
+            </a:xfrm>
+            <a:prstGeom prst="straightConnector1">
+              <a:avLst/>
+            </a:prstGeom>
+            <a:ln>
+              <a:tailEnd type="triangle"/>
+            </a:ln>
+          </p:spPr>
+          <p:style>
+            <a:lnRef idx="1">
+              <a:schemeClr val="accent1"/>
+            </a:lnRef>
+            <a:fillRef idx="0">
+              <a:schemeClr val="accent1"/>
+            </a:fillRef>
+            <a:effectRef idx="0">
+              <a:schemeClr val="accent1"/>
+            </a:effectRef>
+            <a:fontRef idx="minor">
+              <a:schemeClr val="tx1"/>
+            </a:fontRef>
+          </p:style>
+        </p:cxnSp>
+        <p:cxnSp>
+          <p:nvCxnSpPr>
+            <p:cNvPr id="35" name="直接箭头连接符 34">
+              <a:extLst>
+                <a:ext uri="{FF2B5EF4-FFF2-40B4-BE49-F238E27FC236}">
+                  <a16:creationId xmlns:a16="http://schemas.microsoft.com/office/drawing/2014/main" id="{BBC3018E-6E00-46BF-BCBC-D8CEAEC8A4A1}"/>
+                </a:ext>
+              </a:extLst>
+            </p:cNvPr>
+            <p:cNvCxnSpPr>
+              <a:stCxn id="31" idx="2"/>
+            </p:cNvCxnSpPr>
+            <p:nvPr/>
+          </p:nvCxnSpPr>
+          <p:spPr>
+            <a:xfrm flipH="1">
+              <a:off x="871968" y="2967990"/>
+              <a:ext cx="5027513" cy="0"/>
+            </a:xfrm>
+            <a:prstGeom prst="straightConnector1">
+              <a:avLst/>
+            </a:prstGeom>
+            <a:ln>
+              <a:tailEnd type="triangle"/>
+            </a:ln>
+          </p:spPr>
+          <p:style>
+            <a:lnRef idx="1">
+              <a:schemeClr val="accent1"/>
+            </a:lnRef>
+            <a:fillRef idx="0">
+              <a:schemeClr val="accent1"/>
+            </a:fillRef>
+            <a:effectRef idx="0">
+              <a:schemeClr val="accent1"/>
+            </a:effectRef>
+            <a:fontRef idx="minor">
+              <a:schemeClr val="tx1"/>
+            </a:fontRef>
+          </p:style>
+        </p:cxnSp>
+        <p:sp>
+          <p:nvSpPr>
+            <p:cNvPr id="36" name="矩形 35">
+              <a:extLst>
+                <a:ext uri="{FF2B5EF4-FFF2-40B4-BE49-F238E27FC236}">
+                  <a16:creationId xmlns:a16="http://schemas.microsoft.com/office/drawing/2014/main" id="{267A1118-5F27-4106-B22E-74E918752BC0}"/>
+                </a:ext>
+              </a:extLst>
+            </p:cNvPr>
+            <p:cNvSpPr/>
+            <p:nvPr/>
+          </p:nvSpPr>
+          <p:spPr>
+            <a:xfrm>
+              <a:off x="799178" y="2879052"/>
+              <a:ext cx="75154" cy="323850"/>
+            </a:xfrm>
+            <a:prstGeom prst="rect">
+              <a:avLst/>
+            </a:prstGeom>
+            <a:solidFill>
+              <a:schemeClr val="bg1"/>
+            </a:solidFill>
+          </p:spPr>
+          <p:style>
+            <a:lnRef idx="2">
+              <a:schemeClr val="accent1">
+                <a:shade val="50000"/>
+              </a:schemeClr>
+            </a:lnRef>
+            <a:fillRef idx="1">
+              <a:schemeClr val="accent1"/>
+            </a:fillRef>
+            <a:effectRef idx="0">
+              <a:schemeClr val="accent1"/>
+            </a:effectRef>
+            <a:fontRef idx="minor">
+              <a:schemeClr val="lt1"/>
+            </a:fontRef>
+          </p:style>
+          <p:txBody>
+            <a:bodyPr rtlCol="0" anchor="ctr"/>
+            <a:lstStyle/>
+            <a:p>
+              <a:pPr algn="ctr"/>
+              <a:endParaRPr lang="zh-CN" altLang="en-US"/>
+            </a:p>
+          </p:txBody>
+        </p:sp>
+        <p:sp>
+          <p:nvSpPr>
+            <p:cNvPr id="37" name="文本框 36">
+              <a:extLst>
+                <a:ext uri="{FF2B5EF4-FFF2-40B4-BE49-F238E27FC236}">
+                  <a16:creationId xmlns:a16="http://schemas.microsoft.com/office/drawing/2014/main" id="{D4083C8C-0407-4322-AEBF-8E994F7BDD2E}"/>
+                </a:ext>
+              </a:extLst>
+            </p:cNvPr>
+            <p:cNvSpPr txBox="1"/>
+            <p:nvPr/>
+          </p:nvSpPr>
+          <p:spPr>
+            <a:xfrm>
+              <a:off x="3560945" y="1182648"/>
+              <a:ext cx="922017" cy="230832"/>
+            </a:xfrm>
+            <a:prstGeom prst="rect">
+              <a:avLst/>
+            </a:prstGeom>
+            <a:noFill/>
+          </p:spPr>
+          <p:txBody>
+            <a:bodyPr wrap="square" rtlCol="0">
+              <a:spAutoFit/>
+            </a:bodyPr>
+            <a:lstStyle/>
+            <a:p>
+              <a:pPr algn="ctr"/>
+              <a:r>
+                <a:rPr lang="en-US" altLang="zh-CN" sz="900" dirty="0"/>
+                <a:t>Execute()</a:t>
+              </a:r>
+              <a:endParaRPr lang="zh-CN" altLang="en-US" sz="900" dirty="0"/>
+            </a:p>
+          </p:txBody>
+        </p:sp>
+        <p:sp>
+          <p:nvSpPr>
+            <p:cNvPr id="38" name="文本框 37">
+              <a:extLst>
+                <a:ext uri="{FF2B5EF4-FFF2-40B4-BE49-F238E27FC236}">
+                  <a16:creationId xmlns:a16="http://schemas.microsoft.com/office/drawing/2014/main" id="{572855E5-FD34-4D2D-8672-3770379338C3}"/>
+                </a:ext>
+              </a:extLst>
+            </p:cNvPr>
+            <p:cNvSpPr txBox="1"/>
+            <p:nvPr/>
+          </p:nvSpPr>
+          <p:spPr>
+            <a:xfrm>
+              <a:off x="3504041" y="1512597"/>
+              <a:ext cx="922017" cy="230832"/>
+            </a:xfrm>
+            <a:prstGeom prst="rect">
+              <a:avLst/>
+            </a:prstGeom>
+            <a:noFill/>
+          </p:spPr>
+          <p:txBody>
+            <a:bodyPr wrap="square" rtlCol="0">
+              <a:spAutoFit/>
+            </a:bodyPr>
+            <a:lstStyle/>
+            <a:p>
+              <a:pPr algn="ctr"/>
+              <a:r>
+                <a:rPr lang="en-US" altLang="zh-CN" sz="900" dirty="0"/>
+                <a:t>success</a:t>
+              </a:r>
+              <a:endParaRPr lang="zh-CN" altLang="en-US" sz="900" dirty="0"/>
+            </a:p>
+          </p:txBody>
+        </p:sp>
+        <p:sp>
+          <p:nvSpPr>
+            <p:cNvPr id="39" name="文本框 38">
+              <a:extLst>
+                <a:ext uri="{FF2B5EF4-FFF2-40B4-BE49-F238E27FC236}">
+                  <a16:creationId xmlns:a16="http://schemas.microsoft.com/office/drawing/2014/main" id="{4C71F92A-D2F1-4ED3-BB65-4BEA68345BF5}"/>
+                </a:ext>
+              </a:extLst>
+            </p:cNvPr>
+            <p:cNvSpPr txBox="1"/>
+            <p:nvPr/>
+          </p:nvSpPr>
+          <p:spPr>
+            <a:xfrm>
+              <a:off x="4154114" y="2123033"/>
+              <a:ext cx="922017" cy="230832"/>
+            </a:xfrm>
+            <a:prstGeom prst="rect">
+              <a:avLst/>
+            </a:prstGeom>
+            <a:noFill/>
+          </p:spPr>
+          <p:txBody>
+            <a:bodyPr wrap="square" rtlCol="0">
+              <a:spAutoFit/>
+            </a:bodyPr>
+            <a:lstStyle/>
+            <a:p>
+              <a:pPr algn="ctr"/>
+              <a:r>
+                <a:rPr lang="en-US" altLang="zh-CN" sz="900" dirty="0"/>
+                <a:t>message</a:t>
+              </a:r>
+              <a:endParaRPr lang="zh-CN" altLang="en-US" sz="900" dirty="0"/>
+            </a:p>
+          </p:txBody>
+        </p:sp>
+        <p:sp>
+          <p:nvSpPr>
+            <p:cNvPr id="40" name="文本框 39">
+              <a:extLst>
+                <a:ext uri="{FF2B5EF4-FFF2-40B4-BE49-F238E27FC236}">
+                  <a16:creationId xmlns:a16="http://schemas.microsoft.com/office/drawing/2014/main" id="{C3ACB9F4-3EE3-4E6A-AB14-C80E405EB551}"/>
+                </a:ext>
+              </a:extLst>
+            </p:cNvPr>
+            <p:cNvSpPr txBox="1"/>
+            <p:nvPr/>
+          </p:nvSpPr>
+          <p:spPr>
+            <a:xfrm>
+              <a:off x="2902433" y="2737158"/>
+              <a:ext cx="922017" cy="230832"/>
+            </a:xfrm>
+            <a:prstGeom prst="rect">
+              <a:avLst/>
+            </a:prstGeom>
+            <a:noFill/>
+          </p:spPr>
+          <p:txBody>
+            <a:bodyPr wrap="square" rtlCol="0">
+              <a:spAutoFit/>
+            </a:bodyPr>
+            <a:lstStyle/>
+            <a:p>
+              <a:pPr algn="ctr"/>
+              <a:r>
+                <a:rPr lang="zh-CN" altLang="en-US" sz="900" dirty="0"/>
+                <a:t>返回</a:t>
+              </a:r>
+            </a:p>
+          </p:txBody>
+        </p:sp>
+      </p:grpSp>
+    </p:spTree>
+    <p:extLst>
+      <p:ext uri="{BB962C8B-B14F-4D97-AF65-F5344CB8AC3E}">
+        <p14:creationId xmlns:p14="http://schemas.microsoft.com/office/powerpoint/2010/main" val="1137650802"/>
+      </p:ext>
+    </p:extLst>
+  </p:cSld>
+  <p:clrMapOvr>
+    <a:masterClrMapping/>
+  </p:clrMapOvr>
+</p:sld>
+</file>
+
+<file path=ppt/slides/slide17.xml><?xml version="1.0" encoding="utf-8"?>
+<p:sld xmlns:a="http://schemas.openxmlformats.org/drawingml/2006/main" xmlns:r="http://schemas.openxmlformats.org/officeDocument/2006/relationships" xmlns:p="http://schemas.openxmlformats.org/presentationml/2006/main">
+  <p:cSld>
+    <p:spTree>
+      <p:nvGrpSpPr>
+        <p:cNvPr id="1" name=""/>
+        <p:cNvGrpSpPr/>
+        <p:nvPr/>
+      </p:nvGrpSpPr>
+      <p:grpSpPr>
+        <a:xfrm>
+          <a:off x="0" y="0"/>
+          <a:ext cx="0" cy="0"/>
+          <a:chOff x="0" y="0"/>
+          <a:chExt cx="0" cy="0"/>
+        </a:xfrm>
+      </p:grpSpPr>
+      <p:grpSp>
+        <p:nvGrpSpPr>
+          <p:cNvPr id="11" name="组合 10">
+            <a:extLst>
+              <a:ext uri="{FF2B5EF4-FFF2-40B4-BE49-F238E27FC236}">
+                <a16:creationId xmlns:a16="http://schemas.microsoft.com/office/drawing/2014/main" id="{A16ADCCE-8257-49D5-9344-626E81D461BF}"/>
+              </a:ext>
+            </a:extLst>
+          </p:cNvPr>
+          <p:cNvGrpSpPr/>
+          <p:nvPr/>
+        </p:nvGrpSpPr>
+        <p:grpSpPr>
+          <a:xfrm>
+            <a:off x="535827" y="413518"/>
+            <a:ext cx="5445630" cy="3015482"/>
+            <a:chOff x="535827" y="413518"/>
+            <a:chExt cx="5445630" cy="3015482"/>
+          </a:xfrm>
+        </p:grpSpPr>
+        <p:sp>
+          <p:nvSpPr>
+            <p:cNvPr id="2" name="矩形 1">
+              <a:extLst>
+                <a:ext uri="{FF2B5EF4-FFF2-40B4-BE49-F238E27FC236}">
+                  <a16:creationId xmlns:a16="http://schemas.microsoft.com/office/drawing/2014/main" id="{554130E2-9511-4264-A013-49ACA295D8B8}"/>
+                </a:ext>
+              </a:extLst>
+            </p:cNvPr>
+            <p:cNvSpPr/>
+            <p:nvPr/>
+          </p:nvSpPr>
+          <p:spPr>
+            <a:xfrm>
+              <a:off x="535827" y="413518"/>
+              <a:ext cx="5445630" cy="3015482"/>
+            </a:xfrm>
+            <a:prstGeom prst="rect">
+              <a:avLst/>
+            </a:prstGeom>
+            <a:solidFill>
+              <a:schemeClr val="bg1"/>
+            </a:solidFill>
+          </p:spPr>
+          <p:style>
+            <a:lnRef idx="2">
+              <a:schemeClr val="accent1">
+                <a:shade val="50000"/>
+              </a:schemeClr>
+            </a:lnRef>
+            <a:fillRef idx="1">
+              <a:schemeClr val="accent1"/>
+            </a:fillRef>
+            <a:effectRef idx="0">
+              <a:schemeClr val="accent1"/>
+            </a:effectRef>
+            <a:fontRef idx="minor">
+              <a:schemeClr val="lt1"/>
+            </a:fontRef>
+          </p:style>
+          <p:txBody>
+            <a:bodyPr rtlCol="0" anchor="ctr"/>
+            <a:lstStyle/>
+            <a:p>
+              <a:pPr algn="ctr"/>
+              <a:endParaRPr lang="zh-CN" altLang="en-US"/>
+            </a:p>
+          </p:txBody>
+        </p:sp>
+        <p:sp>
+          <p:nvSpPr>
+            <p:cNvPr id="3" name="矩形 2">
+              <a:extLst>
+                <a:ext uri="{FF2B5EF4-FFF2-40B4-BE49-F238E27FC236}">
+                  <a16:creationId xmlns:a16="http://schemas.microsoft.com/office/drawing/2014/main" id="{5A06BFED-DC36-4571-A3DF-36C163335480}"/>
+                </a:ext>
+              </a:extLst>
+            </p:cNvPr>
+            <p:cNvSpPr/>
+            <p:nvPr/>
+          </p:nvSpPr>
+          <p:spPr>
+            <a:xfrm>
+              <a:off x="658135" y="2463638"/>
+              <a:ext cx="5206838" cy="856158"/>
+            </a:xfrm>
+            <a:prstGeom prst="rect">
+              <a:avLst/>
+            </a:prstGeom>
+            <a:solidFill>
+              <a:schemeClr val="bg1"/>
+            </a:solidFill>
+          </p:spPr>
+          <p:style>
+            <a:lnRef idx="2">
+              <a:schemeClr val="accent1">
+                <a:shade val="50000"/>
+              </a:schemeClr>
+            </a:lnRef>
+            <a:fillRef idx="1">
+              <a:schemeClr val="accent1"/>
+            </a:fillRef>
+            <a:effectRef idx="0">
+              <a:schemeClr val="accent1"/>
+            </a:effectRef>
+            <a:fontRef idx="minor">
+              <a:schemeClr val="lt1"/>
+            </a:fontRef>
+          </p:style>
+          <p:txBody>
+            <a:bodyPr rtlCol="0" anchor="ctr"/>
+            <a:lstStyle/>
+            <a:p>
+              <a:pPr algn="ctr"/>
+              <a:r>
+                <a:rPr lang="en-US" altLang="zh-CN" sz="900" dirty="0">
+                  <a:solidFill>
+                    <a:schemeClr val="tx1"/>
+                  </a:solidFill>
+                </a:rPr>
+                <a:t>Spring Core</a:t>
+              </a:r>
+              <a:endParaRPr lang="zh-CN" altLang="en-US" sz="900" dirty="0">
+                <a:solidFill>
+                  <a:schemeClr val="tx1"/>
+                </a:solidFill>
+              </a:endParaRPr>
+            </a:p>
+          </p:txBody>
+        </p:sp>
+        <p:sp>
+          <p:nvSpPr>
+            <p:cNvPr id="4" name="矩形 3">
+              <a:extLst>
+                <a:ext uri="{FF2B5EF4-FFF2-40B4-BE49-F238E27FC236}">
+                  <a16:creationId xmlns:a16="http://schemas.microsoft.com/office/drawing/2014/main" id="{1E46AD0F-3729-4FF3-94DF-10514DA3CCC1}"/>
+                </a:ext>
+              </a:extLst>
+            </p:cNvPr>
+            <p:cNvSpPr/>
+            <p:nvPr/>
+          </p:nvSpPr>
+          <p:spPr>
+            <a:xfrm>
+              <a:off x="4956397" y="483410"/>
+              <a:ext cx="914400" cy="1892865"/>
+            </a:xfrm>
+            <a:prstGeom prst="rect">
+              <a:avLst/>
+            </a:prstGeom>
+            <a:solidFill>
+              <a:schemeClr val="bg1"/>
+            </a:solidFill>
+          </p:spPr>
+          <p:style>
+            <a:lnRef idx="2">
+              <a:schemeClr val="accent1">
+                <a:shade val="50000"/>
+              </a:schemeClr>
+            </a:lnRef>
+            <a:fillRef idx="1">
+              <a:schemeClr val="accent1"/>
+            </a:fillRef>
+            <a:effectRef idx="0">
+              <a:schemeClr val="accent1"/>
+            </a:effectRef>
+            <a:fontRef idx="minor">
+              <a:schemeClr val="lt1"/>
+            </a:fontRef>
+          </p:style>
+          <p:txBody>
+            <a:bodyPr rtlCol="0" anchor="ctr"/>
+            <a:lstStyle/>
+            <a:p>
+              <a:pPr algn="ctr"/>
+              <a:r>
+                <a:rPr lang="en-US" altLang="zh-CN" sz="900" dirty="0">
+                  <a:solidFill>
+                    <a:schemeClr val="tx1"/>
+                  </a:solidFill>
+                </a:rPr>
+                <a:t>Spring Web MVC</a:t>
+              </a:r>
+              <a:endParaRPr lang="zh-CN" altLang="en-US" sz="900" dirty="0">
+                <a:solidFill>
+                  <a:schemeClr val="tx1"/>
+                </a:solidFill>
+              </a:endParaRPr>
+            </a:p>
+          </p:txBody>
+        </p:sp>
+        <p:sp>
+          <p:nvSpPr>
+            <p:cNvPr id="5" name="矩形 4">
+              <a:extLst>
+                <a:ext uri="{FF2B5EF4-FFF2-40B4-BE49-F238E27FC236}">
+                  <a16:creationId xmlns:a16="http://schemas.microsoft.com/office/drawing/2014/main" id="{DE02343B-C4E3-4FE6-B3AE-18867741A07D}"/>
+                </a:ext>
+              </a:extLst>
+            </p:cNvPr>
+            <p:cNvSpPr/>
+            <p:nvPr/>
+          </p:nvSpPr>
+          <p:spPr>
+            <a:xfrm>
+              <a:off x="658135" y="483410"/>
+              <a:ext cx="914400" cy="1892865"/>
+            </a:xfrm>
+            <a:prstGeom prst="rect">
+              <a:avLst/>
+            </a:prstGeom>
+            <a:solidFill>
+              <a:schemeClr val="bg1"/>
+            </a:solidFill>
+          </p:spPr>
+          <p:style>
+            <a:lnRef idx="2">
+              <a:schemeClr val="accent1">
+                <a:shade val="50000"/>
+              </a:schemeClr>
+            </a:lnRef>
+            <a:fillRef idx="1">
+              <a:schemeClr val="accent1"/>
+            </a:fillRef>
+            <a:effectRef idx="0">
+              <a:schemeClr val="accent1"/>
+            </a:effectRef>
+            <a:fontRef idx="minor">
+              <a:schemeClr val="lt1"/>
+            </a:fontRef>
+          </p:style>
+          <p:txBody>
+            <a:bodyPr rtlCol="0" anchor="ctr"/>
+            <a:lstStyle/>
+            <a:p>
+              <a:pPr algn="ctr"/>
+              <a:r>
+                <a:rPr lang="en-US" altLang="zh-CN" sz="900" dirty="0">
+                  <a:solidFill>
+                    <a:schemeClr val="tx1"/>
+                  </a:solidFill>
+                </a:rPr>
+                <a:t>Spring AOP</a:t>
+              </a:r>
+              <a:endParaRPr lang="zh-CN" altLang="en-US" sz="900" dirty="0">
+                <a:solidFill>
+                  <a:schemeClr val="tx1"/>
+                </a:solidFill>
+              </a:endParaRPr>
+            </a:p>
+          </p:txBody>
+        </p:sp>
+        <p:sp>
+          <p:nvSpPr>
+            <p:cNvPr id="6" name="矩形 5">
+              <a:extLst>
+                <a:ext uri="{FF2B5EF4-FFF2-40B4-BE49-F238E27FC236}">
+                  <a16:creationId xmlns:a16="http://schemas.microsoft.com/office/drawing/2014/main" id="{94B134FC-F71E-41D2-894A-BED922F76FF9}"/>
+                </a:ext>
+              </a:extLst>
+            </p:cNvPr>
+            <p:cNvSpPr/>
+            <p:nvPr/>
+          </p:nvSpPr>
+          <p:spPr>
+            <a:xfrm>
+              <a:off x="1694843" y="483410"/>
+              <a:ext cx="1549238" cy="949345"/>
+            </a:xfrm>
+            <a:prstGeom prst="rect">
+              <a:avLst/>
+            </a:prstGeom>
+            <a:solidFill>
+              <a:schemeClr val="bg1"/>
+            </a:solidFill>
+          </p:spPr>
+          <p:style>
+            <a:lnRef idx="2">
+              <a:schemeClr val="accent1">
+                <a:shade val="50000"/>
+              </a:schemeClr>
+            </a:lnRef>
+            <a:fillRef idx="1">
+              <a:schemeClr val="accent1"/>
+            </a:fillRef>
+            <a:effectRef idx="0">
+              <a:schemeClr val="accent1"/>
+            </a:effectRef>
+            <a:fontRef idx="minor">
+              <a:schemeClr val="lt1"/>
+            </a:fontRef>
+          </p:style>
+          <p:txBody>
+            <a:bodyPr rtlCol="0" anchor="ctr"/>
+            <a:lstStyle/>
+            <a:p>
+              <a:pPr algn="ctr"/>
+              <a:r>
+                <a:rPr lang="en-US" altLang="zh-CN" sz="900" dirty="0">
+                  <a:solidFill>
+                    <a:schemeClr val="tx1"/>
+                  </a:solidFill>
+                </a:rPr>
+                <a:t>Spring ORM</a:t>
+              </a:r>
+              <a:endParaRPr lang="zh-CN" altLang="en-US" sz="900" dirty="0">
+                <a:solidFill>
+                  <a:schemeClr val="tx1"/>
+                </a:solidFill>
+              </a:endParaRPr>
+            </a:p>
+          </p:txBody>
+        </p:sp>
+        <p:sp>
+          <p:nvSpPr>
+            <p:cNvPr id="7" name="矩形 6">
+              <a:extLst>
+                <a:ext uri="{FF2B5EF4-FFF2-40B4-BE49-F238E27FC236}">
+                  <a16:creationId xmlns:a16="http://schemas.microsoft.com/office/drawing/2014/main" id="{3DE07B84-4164-47E2-AB28-8287B5A0DCF4}"/>
+                </a:ext>
+              </a:extLst>
+            </p:cNvPr>
+            <p:cNvSpPr/>
+            <p:nvPr/>
+          </p:nvSpPr>
+          <p:spPr>
+            <a:xfrm>
+              <a:off x="3354741" y="483410"/>
+              <a:ext cx="1479348" cy="949345"/>
+            </a:xfrm>
+            <a:prstGeom prst="rect">
+              <a:avLst/>
+            </a:prstGeom>
+            <a:solidFill>
+              <a:schemeClr val="bg1"/>
+            </a:solidFill>
+          </p:spPr>
+          <p:style>
+            <a:lnRef idx="2">
+              <a:schemeClr val="accent1">
+                <a:shade val="50000"/>
+              </a:schemeClr>
+            </a:lnRef>
+            <a:fillRef idx="1">
+              <a:schemeClr val="accent1"/>
+            </a:fillRef>
+            <a:effectRef idx="0">
+              <a:schemeClr val="accent1"/>
+            </a:effectRef>
+            <a:fontRef idx="minor">
+              <a:schemeClr val="lt1"/>
+            </a:fontRef>
+          </p:style>
+          <p:txBody>
+            <a:bodyPr rtlCol="0" anchor="ctr"/>
+            <a:lstStyle/>
+            <a:p>
+              <a:pPr algn="ctr"/>
+              <a:r>
+                <a:rPr lang="en-US" altLang="zh-CN" sz="900" dirty="0">
+                  <a:solidFill>
+                    <a:schemeClr val="tx1"/>
+                  </a:solidFill>
+                </a:rPr>
+                <a:t>Spring Web</a:t>
+              </a:r>
+            </a:p>
+            <a:p>
+              <a:pPr algn="ctr"/>
+              <a:r>
+                <a:rPr lang="en-US" altLang="zh-CN" sz="900" dirty="0" err="1">
+                  <a:solidFill>
+                    <a:schemeClr val="tx1"/>
+                  </a:solidFill>
+                </a:rPr>
+                <a:t>WebApplicationContext</a:t>
+              </a:r>
+              <a:endParaRPr lang="zh-CN" altLang="en-US" sz="900" dirty="0">
+                <a:solidFill>
+                  <a:schemeClr val="tx1"/>
+                </a:solidFill>
+              </a:endParaRPr>
+            </a:p>
+          </p:txBody>
+        </p:sp>
+        <p:sp>
+          <p:nvSpPr>
+            <p:cNvPr id="8" name="矩形 7">
+              <a:extLst>
+                <a:ext uri="{FF2B5EF4-FFF2-40B4-BE49-F238E27FC236}">
+                  <a16:creationId xmlns:a16="http://schemas.microsoft.com/office/drawing/2014/main" id="{76DBA323-E8E3-462A-AC29-AF2F0E6751F8}"/>
+                </a:ext>
+              </a:extLst>
+            </p:cNvPr>
+            <p:cNvSpPr/>
+            <p:nvPr/>
+          </p:nvSpPr>
+          <p:spPr>
+            <a:xfrm>
+              <a:off x="1694843" y="1461876"/>
+              <a:ext cx="1549238" cy="949345"/>
+            </a:xfrm>
+            <a:prstGeom prst="rect">
+              <a:avLst/>
+            </a:prstGeom>
+            <a:solidFill>
+              <a:schemeClr val="bg1"/>
+            </a:solidFill>
+          </p:spPr>
+          <p:style>
+            <a:lnRef idx="2">
+              <a:schemeClr val="accent1">
+                <a:shade val="50000"/>
+              </a:schemeClr>
+            </a:lnRef>
+            <a:fillRef idx="1">
+              <a:schemeClr val="accent1"/>
+            </a:fillRef>
+            <a:effectRef idx="0">
+              <a:schemeClr val="accent1"/>
+            </a:effectRef>
+            <a:fontRef idx="minor">
+              <a:schemeClr val="lt1"/>
+            </a:fontRef>
+          </p:style>
+          <p:txBody>
+            <a:bodyPr rtlCol="0" anchor="ctr"/>
+            <a:lstStyle/>
+            <a:p>
+              <a:pPr algn="ctr"/>
+              <a:r>
+                <a:rPr lang="en-US" altLang="zh-CN" sz="900" dirty="0">
+                  <a:solidFill>
+                    <a:schemeClr val="tx1"/>
+                  </a:solidFill>
+                </a:rPr>
+                <a:t>Spring DAO</a:t>
+              </a:r>
+              <a:endParaRPr lang="zh-CN" altLang="en-US" sz="900" dirty="0">
+                <a:solidFill>
+                  <a:schemeClr val="tx1"/>
+                </a:solidFill>
+              </a:endParaRPr>
+            </a:p>
+          </p:txBody>
+        </p:sp>
+        <p:sp>
+          <p:nvSpPr>
+            <p:cNvPr id="10" name="矩形 9">
+              <a:extLst>
+                <a:ext uri="{FF2B5EF4-FFF2-40B4-BE49-F238E27FC236}">
+                  <a16:creationId xmlns:a16="http://schemas.microsoft.com/office/drawing/2014/main" id="{D0935E14-8BE2-437D-8608-B24713DD9085}"/>
+                </a:ext>
+              </a:extLst>
+            </p:cNvPr>
+            <p:cNvSpPr/>
+            <p:nvPr/>
+          </p:nvSpPr>
+          <p:spPr>
+            <a:xfrm>
+              <a:off x="3366389" y="1473524"/>
+              <a:ext cx="1479348" cy="949345"/>
+            </a:xfrm>
+            <a:prstGeom prst="rect">
+              <a:avLst/>
+            </a:prstGeom>
+            <a:solidFill>
+              <a:schemeClr val="bg1"/>
+            </a:solidFill>
+          </p:spPr>
+          <p:style>
+            <a:lnRef idx="2">
+              <a:schemeClr val="accent1">
+                <a:shade val="50000"/>
+              </a:schemeClr>
+            </a:lnRef>
+            <a:fillRef idx="1">
+              <a:schemeClr val="accent1"/>
+            </a:fillRef>
+            <a:effectRef idx="0">
+              <a:schemeClr val="accent1"/>
+            </a:effectRef>
+            <a:fontRef idx="minor">
+              <a:schemeClr val="lt1"/>
+            </a:fontRef>
+          </p:style>
+          <p:txBody>
+            <a:bodyPr rtlCol="0" anchor="ctr"/>
+            <a:lstStyle/>
+            <a:p>
+              <a:pPr algn="ctr"/>
+              <a:r>
+                <a:rPr lang="en-US" altLang="zh-CN" sz="900" dirty="0">
+                  <a:solidFill>
+                    <a:schemeClr val="tx1"/>
+                  </a:solidFill>
+                </a:rPr>
+                <a:t>Spring Context Application context</a:t>
+              </a:r>
+              <a:endParaRPr lang="zh-CN" altLang="en-US" sz="900" dirty="0">
+                <a:solidFill>
+                  <a:schemeClr val="tx1"/>
+                </a:solidFill>
+              </a:endParaRPr>
+            </a:p>
+          </p:txBody>
+        </p:sp>
+      </p:grpSp>
+    </p:spTree>
+    <p:extLst>
+      <p:ext uri="{BB962C8B-B14F-4D97-AF65-F5344CB8AC3E}">
+        <p14:creationId xmlns:p14="http://schemas.microsoft.com/office/powerpoint/2010/main" val="3974157961"/>
+      </p:ext>
+    </p:extLst>
+  </p:cSld>
+  <p:clrMapOvr>
+    <a:masterClrMapping/>
+  </p:clrMapOvr>
+</p:sld>
+</file>
+
+<file path=ppt/slides/slide18.xml><?xml version="1.0" encoding="utf-8"?>
 <p:sld xmlns:a="http://schemas.openxmlformats.org/drawingml/2006/main" xmlns:r="http://schemas.openxmlformats.org/officeDocument/2006/relationships" xmlns:p="http://schemas.openxmlformats.org/presentationml/2006/main">
   <p:cSld>
     <p:spTree>
@@ -6128,7 +11866,7 @@
 </p:sld>
 </file>
 
-<file path=ppt/slides/slide13.xml><?xml version="1.0" encoding="utf-8"?>
+<file path=ppt/slides/slide19.xml><?xml version="1.0" encoding="utf-8"?>
 <p:sld xmlns:a="http://schemas.openxmlformats.org/drawingml/2006/main" xmlns:r="http://schemas.openxmlformats.org/officeDocument/2006/relationships" xmlns:p="http://schemas.openxmlformats.org/presentationml/2006/main">
   <p:cSld>
     <p:spTree>
@@ -7139,7 +12877,614 @@
 </p:sld>
 </file>
 
-<file path=ppt/slides/slide14.xml><?xml version="1.0" encoding="utf-8"?>
+<file path=ppt/slides/slide2.xml><?xml version="1.0" encoding="utf-8"?>
+<p:sld xmlns:a="http://schemas.openxmlformats.org/drawingml/2006/main" xmlns:r="http://schemas.openxmlformats.org/officeDocument/2006/relationships" xmlns:p="http://schemas.openxmlformats.org/presentationml/2006/main">
+  <p:cSld>
+    <p:spTree>
+      <p:nvGrpSpPr>
+        <p:cNvPr id="1" name=""/>
+        <p:cNvGrpSpPr/>
+        <p:nvPr/>
+      </p:nvGrpSpPr>
+      <p:grpSpPr>
+        <a:xfrm>
+          <a:off x="0" y="0"/>
+          <a:ext cx="0" cy="0"/>
+          <a:chOff x="0" y="0"/>
+          <a:chExt cx="0" cy="0"/>
+        </a:xfrm>
+      </p:grpSpPr>
+      <p:grpSp>
+        <p:nvGrpSpPr>
+          <p:cNvPr id="24" name="组合 23"/>
+          <p:cNvGrpSpPr/>
+          <p:nvPr/>
+        </p:nvGrpSpPr>
+        <p:grpSpPr>
+          <a:xfrm>
+            <a:off x="979092" y="1268000"/>
+            <a:ext cx="3135348" cy="1488233"/>
+            <a:chOff x="979092" y="1268000"/>
+            <a:chExt cx="3135348" cy="1488233"/>
+          </a:xfrm>
+        </p:grpSpPr>
+        <p:grpSp>
+          <p:nvGrpSpPr>
+            <p:cNvPr id="22" name="组合 21"/>
+            <p:cNvGrpSpPr/>
+            <p:nvPr/>
+          </p:nvGrpSpPr>
+          <p:grpSpPr>
+            <a:xfrm>
+              <a:off x="979092" y="1268000"/>
+              <a:ext cx="3135348" cy="1488233"/>
+              <a:chOff x="979092" y="1268000"/>
+              <a:chExt cx="3135348" cy="1488233"/>
+            </a:xfrm>
+          </p:grpSpPr>
+          <p:pic>
+            <p:nvPicPr>
+              <p:cNvPr id="3" name="图片 2"/>
+              <p:cNvPicPr>
+                <a:picLocks noChangeAspect="1"/>
+              </p:cNvPicPr>
+              <p:nvPr/>
+            </p:nvPicPr>
+            <p:blipFill>
+              <a:blip r:embed="rId2">
+                <a:extLst>
+                  <a:ext uri="{28A0092B-C50C-407E-A947-70E740481C1C}">
+                    <a14:useLocalDpi xmlns:a14="http://schemas.microsoft.com/office/drawing/2010/main" val="0"/>
+                  </a:ext>
+                </a:extLst>
+              </a:blip>
+              <a:stretch>
+                <a:fillRect/>
+              </a:stretch>
+            </p:blipFill>
+            <p:spPr>
+              <a:xfrm>
+                <a:off x="979092" y="1346723"/>
+                <a:ext cx="705102" cy="705102"/>
+              </a:xfrm>
+              <a:prstGeom prst="rect">
+                <a:avLst/>
+              </a:prstGeom>
+            </p:spPr>
+          </p:pic>
+          <p:pic>
+            <p:nvPicPr>
+              <p:cNvPr id="4" name="图片 3"/>
+              <p:cNvPicPr>
+                <a:picLocks noChangeAspect="1"/>
+              </p:cNvPicPr>
+              <p:nvPr/>
+            </p:nvPicPr>
+            <p:blipFill>
+              <a:blip r:embed="rId3">
+                <a:extLst>
+                  <a:ext uri="{28A0092B-C50C-407E-A947-70E740481C1C}">
+                    <a14:useLocalDpi xmlns:a14="http://schemas.microsoft.com/office/drawing/2010/main" val="0"/>
+                  </a:ext>
+                </a:extLst>
+              </a:blip>
+              <a:stretch>
+                <a:fillRect/>
+              </a:stretch>
+            </p:blipFill>
+            <p:spPr>
+              <a:xfrm>
+                <a:off x="2272621" y="1346723"/>
+                <a:ext cx="626696" cy="626696"/>
+              </a:xfrm>
+              <a:prstGeom prst="rect">
+                <a:avLst/>
+              </a:prstGeom>
+            </p:spPr>
+          </p:pic>
+          <p:pic>
+            <p:nvPicPr>
+              <p:cNvPr id="5" name="图片 4"/>
+              <p:cNvPicPr>
+                <a:picLocks noChangeAspect="1"/>
+              </p:cNvPicPr>
+              <p:nvPr/>
+            </p:nvPicPr>
+            <p:blipFill>
+              <a:blip r:embed="rId3">
+                <a:extLst>
+                  <a:ext uri="{28A0092B-C50C-407E-A947-70E740481C1C}">
+                    <a14:useLocalDpi xmlns:a14="http://schemas.microsoft.com/office/drawing/2010/main" val="0"/>
+                  </a:ext>
+                </a:extLst>
+              </a:blip>
+              <a:stretch>
+                <a:fillRect/>
+              </a:stretch>
+            </p:blipFill>
+            <p:spPr>
+              <a:xfrm>
+                <a:off x="3487744" y="1346723"/>
+                <a:ext cx="626696" cy="626696"/>
+              </a:xfrm>
+              <a:prstGeom prst="rect">
+                <a:avLst/>
+              </a:prstGeom>
+            </p:spPr>
+          </p:pic>
+          <p:pic>
+            <p:nvPicPr>
+              <p:cNvPr id="6" name="图片 5"/>
+              <p:cNvPicPr>
+                <a:picLocks noChangeAspect="1"/>
+              </p:cNvPicPr>
+              <p:nvPr/>
+            </p:nvPicPr>
+            <p:blipFill>
+              <a:blip r:embed="rId3">
+                <a:extLst>
+                  <a:ext uri="{28A0092B-C50C-407E-A947-70E740481C1C}">
+                    <a14:useLocalDpi xmlns:a14="http://schemas.microsoft.com/office/drawing/2010/main" val="0"/>
+                  </a:ext>
+                </a:extLst>
+              </a:blip>
+              <a:stretch>
+                <a:fillRect/>
+              </a:stretch>
+            </p:blipFill>
+            <p:spPr>
+              <a:xfrm>
+                <a:off x="1645925" y="2129537"/>
+                <a:ext cx="626696" cy="626696"/>
+              </a:xfrm>
+              <a:prstGeom prst="rect">
+                <a:avLst/>
+              </a:prstGeom>
+            </p:spPr>
+          </p:pic>
+          <p:sp>
+            <p:nvSpPr>
+              <p:cNvPr id="7" name="文本框 6"/>
+              <p:cNvSpPr txBox="1"/>
+              <p:nvPr/>
+            </p:nvSpPr>
+            <p:spPr>
+              <a:xfrm>
+                <a:off x="1705910" y="2344469"/>
+                <a:ext cx="506725" cy="369332"/>
+              </a:xfrm>
+              <a:prstGeom prst="rect">
+                <a:avLst/>
+              </a:prstGeom>
+              <a:noFill/>
+            </p:spPr>
+            <p:txBody>
+              <a:bodyPr wrap="square" rtlCol="0">
+                <a:spAutoFit/>
+              </a:bodyPr>
+              <a:lstStyle/>
+              <a:p>
+                <a:pPr algn="ctr"/>
+                <a:r>
+                  <a:rPr lang="zh-CN" altLang="en-US" sz="900" dirty="0"/>
+                  <a:t>结果页面</a:t>
+                </a:r>
+              </a:p>
+            </p:txBody>
+          </p:sp>
+          <p:sp>
+            <p:nvSpPr>
+              <p:cNvPr id="8" name="文本框 7"/>
+              <p:cNvSpPr txBox="1"/>
+              <p:nvPr/>
+            </p:nvSpPr>
+            <p:spPr>
+              <a:xfrm>
+                <a:off x="1000901" y="1917557"/>
+                <a:ext cx="661484" cy="230832"/>
+              </a:xfrm>
+              <a:prstGeom prst="rect">
+                <a:avLst/>
+              </a:prstGeom>
+              <a:noFill/>
+            </p:spPr>
+            <p:txBody>
+              <a:bodyPr wrap="square" rtlCol="0">
+                <a:spAutoFit/>
+              </a:bodyPr>
+              <a:lstStyle/>
+              <a:p>
+                <a:pPr algn="ctr"/>
+                <a:r>
+                  <a:rPr lang="zh-CN" altLang="en-US" sz="900" dirty="0"/>
+                  <a:t>浏览器</a:t>
+                </a:r>
+              </a:p>
+            </p:txBody>
+          </p:sp>
+          <p:sp>
+            <p:nvSpPr>
+              <p:cNvPr id="9" name="文本框 8"/>
+              <p:cNvSpPr txBox="1"/>
+              <p:nvPr/>
+            </p:nvSpPr>
+            <p:spPr>
+              <a:xfrm>
+                <a:off x="1645925" y="1730180"/>
+                <a:ext cx="661484" cy="230832"/>
+              </a:xfrm>
+              <a:prstGeom prst="rect">
+                <a:avLst/>
+              </a:prstGeom>
+              <a:noFill/>
+            </p:spPr>
+            <p:txBody>
+              <a:bodyPr wrap="square" rtlCol="0">
+                <a:spAutoFit/>
+              </a:bodyPr>
+              <a:lstStyle/>
+              <a:p>
+                <a:pPr algn="ctr"/>
+                <a:r>
+                  <a:rPr lang="zh-CN" altLang="en-US" sz="900" dirty="0"/>
+                  <a:t>页面请求</a:t>
+                </a:r>
+              </a:p>
+            </p:txBody>
+          </p:sp>
+          <p:sp>
+            <p:nvSpPr>
+              <p:cNvPr id="10" name="文本框 9"/>
+              <p:cNvSpPr txBox="1"/>
+              <p:nvPr/>
+            </p:nvSpPr>
+            <p:spPr>
+              <a:xfrm>
+                <a:off x="2804780" y="1860319"/>
+                <a:ext cx="777502" cy="369332"/>
+              </a:xfrm>
+              <a:prstGeom prst="rect">
+                <a:avLst/>
+              </a:prstGeom>
+              <a:noFill/>
+            </p:spPr>
+            <p:txBody>
+              <a:bodyPr wrap="square" rtlCol="0">
+                <a:spAutoFit/>
+              </a:bodyPr>
+              <a:lstStyle/>
+              <a:p>
+                <a:pPr algn="ctr"/>
+                <a:r>
+                  <a:rPr lang="zh-CN" altLang="en-US" sz="900" dirty="0"/>
+                  <a:t>原样插入到包含页面</a:t>
+                </a:r>
+              </a:p>
+            </p:txBody>
+          </p:sp>
+          <p:sp>
+            <p:nvSpPr>
+              <p:cNvPr id="11" name="文本框 10"/>
+              <p:cNvSpPr txBox="1"/>
+              <p:nvPr/>
+            </p:nvSpPr>
+            <p:spPr>
+              <a:xfrm>
+                <a:off x="2862789" y="1268000"/>
+                <a:ext cx="661484" cy="230832"/>
+              </a:xfrm>
+              <a:prstGeom prst="rect">
+                <a:avLst/>
+              </a:prstGeom>
+              <a:noFill/>
+            </p:spPr>
+            <p:txBody>
+              <a:bodyPr wrap="square" rtlCol="0">
+                <a:spAutoFit/>
+              </a:bodyPr>
+              <a:lstStyle/>
+              <a:p>
+                <a:pPr algn="ctr"/>
+                <a:r>
+                  <a:rPr lang="zh-CN" altLang="en-US" sz="900" dirty="0"/>
+                  <a:t>包含</a:t>
+                </a:r>
+              </a:p>
+            </p:txBody>
+          </p:sp>
+          <p:sp>
+            <p:nvSpPr>
+              <p:cNvPr id="12" name="文本框 11"/>
+              <p:cNvSpPr txBox="1"/>
+              <p:nvPr/>
+            </p:nvSpPr>
+            <p:spPr>
+              <a:xfrm>
+                <a:off x="3505137" y="1591680"/>
+                <a:ext cx="609303" cy="369332"/>
+              </a:xfrm>
+              <a:prstGeom prst="rect">
+                <a:avLst/>
+              </a:prstGeom>
+              <a:noFill/>
+            </p:spPr>
+            <p:txBody>
+              <a:bodyPr wrap="square" rtlCol="0">
+                <a:spAutoFit/>
+              </a:bodyPr>
+              <a:lstStyle/>
+              <a:p>
+                <a:pPr algn="ctr"/>
+                <a:r>
+                  <a:rPr lang="zh-CN" altLang="en-US" sz="900" dirty="0"/>
+                  <a:t>被包含文件</a:t>
+                </a:r>
+              </a:p>
+            </p:txBody>
+          </p:sp>
+          <p:cxnSp>
+            <p:nvCxnSpPr>
+              <p:cNvPr id="14" name="直接箭头连接符 13"/>
+              <p:cNvCxnSpPr/>
+              <p:nvPr/>
+            </p:nvCxnSpPr>
+            <p:spPr>
+              <a:xfrm>
+                <a:off x="1684194" y="1699274"/>
+                <a:ext cx="684356" cy="0"/>
+              </a:xfrm>
+              <a:prstGeom prst="straightConnector1">
+                <a:avLst/>
+              </a:prstGeom>
+              <a:ln w="19050">
+                <a:tailEnd type="triangle"/>
+              </a:ln>
+            </p:spPr>
+            <p:style>
+              <a:lnRef idx="1">
+                <a:schemeClr val="accent1"/>
+              </a:lnRef>
+              <a:fillRef idx="0">
+                <a:schemeClr val="accent1"/>
+              </a:fillRef>
+              <a:effectRef idx="0">
+                <a:schemeClr val="accent1"/>
+              </a:effectRef>
+              <a:fontRef idx="minor">
+                <a:schemeClr val="tx1"/>
+              </a:fontRef>
+            </p:style>
+          </p:cxnSp>
+          <p:cxnSp>
+            <p:nvCxnSpPr>
+              <p:cNvPr id="15" name="直接箭头连接符 14"/>
+              <p:cNvCxnSpPr/>
+              <p:nvPr/>
+            </p:nvCxnSpPr>
+            <p:spPr>
+              <a:xfrm>
+                <a:off x="2862789" y="1582804"/>
+                <a:ext cx="684356" cy="0"/>
+              </a:xfrm>
+              <a:prstGeom prst="straightConnector1">
+                <a:avLst/>
+              </a:prstGeom>
+              <a:ln w="19050">
+                <a:tailEnd type="triangle"/>
+              </a:ln>
+            </p:spPr>
+            <p:style>
+              <a:lnRef idx="1">
+                <a:schemeClr val="accent1"/>
+              </a:lnRef>
+              <a:fillRef idx="0">
+                <a:schemeClr val="accent1"/>
+              </a:fillRef>
+              <a:effectRef idx="0">
+                <a:schemeClr val="accent1"/>
+              </a:effectRef>
+              <a:fontRef idx="minor">
+                <a:schemeClr val="tx1"/>
+              </a:fontRef>
+            </p:style>
+          </p:cxnSp>
+          <p:cxnSp>
+            <p:nvCxnSpPr>
+              <p:cNvPr id="16" name="直接箭头连接符 15"/>
+              <p:cNvCxnSpPr/>
+              <p:nvPr/>
+            </p:nvCxnSpPr>
+            <p:spPr>
+              <a:xfrm>
+                <a:off x="2862789" y="1776346"/>
+                <a:ext cx="684356" cy="0"/>
+              </a:xfrm>
+              <a:prstGeom prst="straightConnector1">
+                <a:avLst/>
+              </a:prstGeom>
+              <a:ln w="19050">
+                <a:headEnd type="triangle"/>
+                <a:tailEnd type="none"/>
+              </a:ln>
+            </p:spPr>
+            <p:style>
+              <a:lnRef idx="1">
+                <a:schemeClr val="accent1"/>
+              </a:lnRef>
+              <a:fillRef idx="0">
+                <a:schemeClr val="accent1"/>
+              </a:fillRef>
+              <a:effectRef idx="0">
+                <a:schemeClr val="accent1"/>
+              </a:effectRef>
+              <a:fontRef idx="minor">
+                <a:schemeClr val="tx1"/>
+              </a:fontRef>
+            </p:style>
+          </p:cxnSp>
+          <p:sp>
+            <p:nvSpPr>
+              <p:cNvPr id="17" name="文本框 16"/>
+              <p:cNvSpPr txBox="1"/>
+              <p:nvPr/>
+            </p:nvSpPr>
+            <p:spPr>
+              <a:xfrm>
+                <a:off x="2289143" y="1388644"/>
+                <a:ext cx="609303" cy="584775"/>
+              </a:xfrm>
+              <a:prstGeom prst="rect">
+                <a:avLst/>
+              </a:prstGeom>
+              <a:noFill/>
+            </p:spPr>
+            <p:txBody>
+              <a:bodyPr wrap="square" rtlCol="0">
+                <a:spAutoFit/>
+              </a:bodyPr>
+              <a:lstStyle/>
+              <a:p>
+                <a:pPr algn="ctr"/>
+                <a:r>
+                  <a:rPr lang="zh-CN" altLang="en-US" sz="800" dirty="0"/>
+                  <a:t>包含</a:t>
+                </a:r>
+                <a:r>
+                  <a:rPr lang="en-US" altLang="zh-CN" sz="800" dirty="0"/>
+                  <a:t>include</a:t>
+                </a:r>
+                <a:r>
+                  <a:rPr lang="zh-CN" altLang="en-US" sz="800" dirty="0"/>
+                  <a:t>指令的</a:t>
+                </a:r>
+                <a:r>
+                  <a:rPr lang="en-US" altLang="zh-CN" sz="800" dirty="0"/>
+                  <a:t>JSP</a:t>
+                </a:r>
+                <a:r>
+                  <a:rPr lang="zh-CN" altLang="en-US" sz="800" dirty="0"/>
+                  <a:t>页面</a:t>
+                </a:r>
+              </a:p>
+            </p:txBody>
+          </p:sp>
+          <p:cxnSp>
+            <p:nvCxnSpPr>
+              <p:cNvPr id="19" name="肘形连接符 18"/>
+              <p:cNvCxnSpPr>
+                <a:stCxn id="17" idx="2"/>
+                <a:endCxn id="6" idx="3"/>
+              </p:cNvCxnSpPr>
+              <p:nvPr/>
+            </p:nvCxnSpPr>
+            <p:spPr>
+              <a:xfrm rot="5400000">
+                <a:off x="2198475" y="2047565"/>
+                <a:ext cx="469466" cy="321174"/>
+              </a:xfrm>
+              <a:prstGeom prst="bentConnector2">
+                <a:avLst/>
+              </a:prstGeom>
+              <a:ln w="19050">
+                <a:tailEnd type="triangle"/>
+              </a:ln>
+            </p:spPr>
+            <p:style>
+              <a:lnRef idx="1">
+                <a:schemeClr val="accent1"/>
+              </a:lnRef>
+              <a:fillRef idx="0">
+                <a:schemeClr val="accent1"/>
+              </a:fillRef>
+              <a:effectRef idx="0">
+                <a:schemeClr val="accent1"/>
+              </a:effectRef>
+              <a:fontRef idx="minor">
+                <a:schemeClr val="tx1"/>
+              </a:fontRef>
+            </p:style>
+          </p:cxnSp>
+          <p:cxnSp>
+            <p:nvCxnSpPr>
+              <p:cNvPr id="21" name="肘形连接符 20"/>
+              <p:cNvCxnSpPr>
+                <a:stCxn id="6" idx="1"/>
+                <a:endCxn id="8" idx="2"/>
+              </p:cNvCxnSpPr>
+              <p:nvPr/>
+            </p:nvCxnSpPr>
+            <p:spPr>
+              <a:xfrm rot="10800000">
+                <a:off x="1331643" y="2148389"/>
+                <a:ext cx="314282" cy="294496"/>
+              </a:xfrm>
+              <a:prstGeom prst="bentConnector2">
+                <a:avLst/>
+              </a:prstGeom>
+              <a:ln w="19050">
+                <a:tailEnd type="triangle"/>
+              </a:ln>
+            </p:spPr>
+            <p:style>
+              <a:lnRef idx="1">
+                <a:schemeClr val="accent1"/>
+              </a:lnRef>
+              <a:fillRef idx="0">
+                <a:schemeClr val="accent1"/>
+              </a:fillRef>
+              <a:effectRef idx="0">
+                <a:schemeClr val="accent1"/>
+              </a:effectRef>
+              <a:fontRef idx="minor">
+                <a:schemeClr val="tx1"/>
+              </a:fontRef>
+            </p:style>
+          </p:cxnSp>
+        </p:grpSp>
+        <p:sp>
+          <p:nvSpPr>
+            <p:cNvPr id="23" name="文本框 22"/>
+            <p:cNvSpPr txBox="1"/>
+            <p:nvPr/>
+          </p:nvSpPr>
+          <p:spPr>
+            <a:xfrm>
+              <a:off x="2577920" y="2219490"/>
+              <a:ext cx="679450" cy="230832"/>
+            </a:xfrm>
+            <a:prstGeom prst="rect">
+              <a:avLst/>
+            </a:prstGeom>
+            <a:noFill/>
+          </p:spPr>
+          <p:txBody>
+            <a:bodyPr wrap="square" rtlCol="0">
+              <a:spAutoFit/>
+            </a:bodyPr>
+            <a:lstStyle/>
+            <a:p>
+              <a:r>
+                <a:rPr lang="zh-CN" altLang="en-US" sz="900" dirty="0"/>
+                <a:t>编译执行</a:t>
+              </a:r>
+            </a:p>
+          </p:txBody>
+        </p:sp>
+      </p:grpSp>
+    </p:spTree>
+    <p:extLst>
+      <p:ext uri="{BB962C8B-B14F-4D97-AF65-F5344CB8AC3E}">
+        <p14:creationId xmlns:p14="http://schemas.microsoft.com/office/powerpoint/2010/main" val="2883569722"/>
+      </p:ext>
+    </p:extLst>
+  </p:cSld>
+  <p:clrMapOvr>
+    <a:masterClrMapping/>
+  </p:clrMapOvr>
+</p:sld>
+</file>
+
+<file path=ppt/slides/slide20.xml><?xml version="1.0" encoding="utf-8"?>
 <p:sld xmlns:a="http://schemas.openxmlformats.org/drawingml/2006/main" xmlns:r="http://schemas.openxmlformats.org/officeDocument/2006/relationships" xmlns:p="http://schemas.openxmlformats.org/presentationml/2006/main">
   <p:cSld>
     <p:spTree>
@@ -8153,7 +14498,7 @@
 </p:sld>
 </file>
 
-<file path=ppt/slides/slide15.xml><?xml version="1.0" encoding="utf-8"?>
+<file path=ppt/slides/slide21.xml><?xml version="1.0" encoding="utf-8"?>
 <p:sld xmlns:a="http://schemas.openxmlformats.org/drawingml/2006/main" xmlns:r="http://schemas.openxmlformats.org/officeDocument/2006/relationships" xmlns:p="http://schemas.openxmlformats.org/presentationml/2006/main">
   <p:cSld>
     <p:spTree>
@@ -9707,7 +16052,7 @@
 </p:sld>
 </file>
 
-<file path=ppt/slides/slide16.xml><?xml version="1.0" encoding="utf-8"?>
+<file path=ppt/slides/slide22.xml><?xml version="1.0" encoding="utf-8"?>
 <p:sld xmlns:a="http://schemas.openxmlformats.org/drawingml/2006/main" xmlns:r="http://schemas.openxmlformats.org/officeDocument/2006/relationships" xmlns:p="http://schemas.openxmlformats.org/presentationml/2006/main">
   <p:cSld>
     <p:spTree>
@@ -10155,613 +16500,6 @@
     <p:extLst>
       <p:ext uri="{BB962C8B-B14F-4D97-AF65-F5344CB8AC3E}">
         <p14:creationId xmlns:p14="http://schemas.microsoft.com/office/powerpoint/2010/main" val="1055667938"/>
-      </p:ext>
-    </p:extLst>
-  </p:cSld>
-  <p:clrMapOvr>
-    <a:masterClrMapping/>
-  </p:clrMapOvr>
-</p:sld>
-</file>
-
-<file path=ppt/slides/slide2.xml><?xml version="1.0" encoding="utf-8"?>
-<p:sld xmlns:a="http://schemas.openxmlformats.org/drawingml/2006/main" xmlns:r="http://schemas.openxmlformats.org/officeDocument/2006/relationships" xmlns:p="http://schemas.openxmlformats.org/presentationml/2006/main">
-  <p:cSld>
-    <p:spTree>
-      <p:nvGrpSpPr>
-        <p:cNvPr id="1" name=""/>
-        <p:cNvGrpSpPr/>
-        <p:nvPr/>
-      </p:nvGrpSpPr>
-      <p:grpSpPr>
-        <a:xfrm>
-          <a:off x="0" y="0"/>
-          <a:ext cx="0" cy="0"/>
-          <a:chOff x="0" y="0"/>
-          <a:chExt cx="0" cy="0"/>
-        </a:xfrm>
-      </p:grpSpPr>
-      <p:grpSp>
-        <p:nvGrpSpPr>
-          <p:cNvPr id="24" name="组合 23"/>
-          <p:cNvGrpSpPr/>
-          <p:nvPr/>
-        </p:nvGrpSpPr>
-        <p:grpSpPr>
-          <a:xfrm>
-            <a:off x="979092" y="1268000"/>
-            <a:ext cx="3135348" cy="1488233"/>
-            <a:chOff x="979092" y="1268000"/>
-            <a:chExt cx="3135348" cy="1488233"/>
-          </a:xfrm>
-        </p:grpSpPr>
-        <p:grpSp>
-          <p:nvGrpSpPr>
-            <p:cNvPr id="22" name="组合 21"/>
-            <p:cNvGrpSpPr/>
-            <p:nvPr/>
-          </p:nvGrpSpPr>
-          <p:grpSpPr>
-            <a:xfrm>
-              <a:off x="979092" y="1268000"/>
-              <a:ext cx="3135348" cy="1488233"/>
-              <a:chOff x="979092" y="1268000"/>
-              <a:chExt cx="3135348" cy="1488233"/>
-            </a:xfrm>
-          </p:grpSpPr>
-          <p:pic>
-            <p:nvPicPr>
-              <p:cNvPr id="3" name="图片 2"/>
-              <p:cNvPicPr>
-                <a:picLocks noChangeAspect="1"/>
-              </p:cNvPicPr>
-              <p:nvPr/>
-            </p:nvPicPr>
-            <p:blipFill>
-              <a:blip r:embed="rId2">
-                <a:extLst>
-                  <a:ext uri="{28A0092B-C50C-407E-A947-70E740481C1C}">
-                    <a14:useLocalDpi xmlns:a14="http://schemas.microsoft.com/office/drawing/2010/main" val="0"/>
-                  </a:ext>
-                </a:extLst>
-              </a:blip>
-              <a:stretch>
-                <a:fillRect/>
-              </a:stretch>
-            </p:blipFill>
-            <p:spPr>
-              <a:xfrm>
-                <a:off x="979092" y="1346723"/>
-                <a:ext cx="705102" cy="705102"/>
-              </a:xfrm>
-              <a:prstGeom prst="rect">
-                <a:avLst/>
-              </a:prstGeom>
-            </p:spPr>
-          </p:pic>
-          <p:pic>
-            <p:nvPicPr>
-              <p:cNvPr id="4" name="图片 3"/>
-              <p:cNvPicPr>
-                <a:picLocks noChangeAspect="1"/>
-              </p:cNvPicPr>
-              <p:nvPr/>
-            </p:nvPicPr>
-            <p:blipFill>
-              <a:blip r:embed="rId3">
-                <a:extLst>
-                  <a:ext uri="{28A0092B-C50C-407E-A947-70E740481C1C}">
-                    <a14:useLocalDpi xmlns:a14="http://schemas.microsoft.com/office/drawing/2010/main" val="0"/>
-                  </a:ext>
-                </a:extLst>
-              </a:blip>
-              <a:stretch>
-                <a:fillRect/>
-              </a:stretch>
-            </p:blipFill>
-            <p:spPr>
-              <a:xfrm>
-                <a:off x="2272621" y="1346723"/>
-                <a:ext cx="626696" cy="626696"/>
-              </a:xfrm>
-              <a:prstGeom prst="rect">
-                <a:avLst/>
-              </a:prstGeom>
-            </p:spPr>
-          </p:pic>
-          <p:pic>
-            <p:nvPicPr>
-              <p:cNvPr id="5" name="图片 4"/>
-              <p:cNvPicPr>
-                <a:picLocks noChangeAspect="1"/>
-              </p:cNvPicPr>
-              <p:nvPr/>
-            </p:nvPicPr>
-            <p:blipFill>
-              <a:blip r:embed="rId3">
-                <a:extLst>
-                  <a:ext uri="{28A0092B-C50C-407E-A947-70E740481C1C}">
-                    <a14:useLocalDpi xmlns:a14="http://schemas.microsoft.com/office/drawing/2010/main" val="0"/>
-                  </a:ext>
-                </a:extLst>
-              </a:blip>
-              <a:stretch>
-                <a:fillRect/>
-              </a:stretch>
-            </p:blipFill>
-            <p:spPr>
-              <a:xfrm>
-                <a:off x="3487744" y="1346723"/>
-                <a:ext cx="626696" cy="626696"/>
-              </a:xfrm>
-              <a:prstGeom prst="rect">
-                <a:avLst/>
-              </a:prstGeom>
-            </p:spPr>
-          </p:pic>
-          <p:pic>
-            <p:nvPicPr>
-              <p:cNvPr id="6" name="图片 5"/>
-              <p:cNvPicPr>
-                <a:picLocks noChangeAspect="1"/>
-              </p:cNvPicPr>
-              <p:nvPr/>
-            </p:nvPicPr>
-            <p:blipFill>
-              <a:blip r:embed="rId3">
-                <a:extLst>
-                  <a:ext uri="{28A0092B-C50C-407E-A947-70E740481C1C}">
-                    <a14:useLocalDpi xmlns:a14="http://schemas.microsoft.com/office/drawing/2010/main" val="0"/>
-                  </a:ext>
-                </a:extLst>
-              </a:blip>
-              <a:stretch>
-                <a:fillRect/>
-              </a:stretch>
-            </p:blipFill>
-            <p:spPr>
-              <a:xfrm>
-                <a:off x="1645925" y="2129537"/>
-                <a:ext cx="626696" cy="626696"/>
-              </a:xfrm>
-              <a:prstGeom prst="rect">
-                <a:avLst/>
-              </a:prstGeom>
-            </p:spPr>
-          </p:pic>
-          <p:sp>
-            <p:nvSpPr>
-              <p:cNvPr id="7" name="文本框 6"/>
-              <p:cNvSpPr txBox="1"/>
-              <p:nvPr/>
-            </p:nvSpPr>
-            <p:spPr>
-              <a:xfrm>
-                <a:off x="1705910" y="2344469"/>
-                <a:ext cx="506725" cy="369332"/>
-              </a:xfrm>
-              <a:prstGeom prst="rect">
-                <a:avLst/>
-              </a:prstGeom>
-              <a:noFill/>
-            </p:spPr>
-            <p:txBody>
-              <a:bodyPr wrap="square" rtlCol="0">
-                <a:spAutoFit/>
-              </a:bodyPr>
-              <a:lstStyle/>
-              <a:p>
-                <a:pPr algn="ctr"/>
-                <a:r>
-                  <a:rPr lang="zh-CN" altLang="en-US" sz="900" dirty="0"/>
-                  <a:t>结果页面</a:t>
-                </a:r>
-              </a:p>
-            </p:txBody>
-          </p:sp>
-          <p:sp>
-            <p:nvSpPr>
-              <p:cNvPr id="8" name="文本框 7"/>
-              <p:cNvSpPr txBox="1"/>
-              <p:nvPr/>
-            </p:nvSpPr>
-            <p:spPr>
-              <a:xfrm>
-                <a:off x="1000901" y="1917557"/>
-                <a:ext cx="661484" cy="230832"/>
-              </a:xfrm>
-              <a:prstGeom prst="rect">
-                <a:avLst/>
-              </a:prstGeom>
-              <a:noFill/>
-            </p:spPr>
-            <p:txBody>
-              <a:bodyPr wrap="square" rtlCol="0">
-                <a:spAutoFit/>
-              </a:bodyPr>
-              <a:lstStyle/>
-              <a:p>
-                <a:pPr algn="ctr"/>
-                <a:r>
-                  <a:rPr lang="zh-CN" altLang="en-US" sz="900" dirty="0"/>
-                  <a:t>浏览器</a:t>
-                </a:r>
-              </a:p>
-            </p:txBody>
-          </p:sp>
-          <p:sp>
-            <p:nvSpPr>
-              <p:cNvPr id="9" name="文本框 8"/>
-              <p:cNvSpPr txBox="1"/>
-              <p:nvPr/>
-            </p:nvSpPr>
-            <p:spPr>
-              <a:xfrm>
-                <a:off x="1645925" y="1730180"/>
-                <a:ext cx="661484" cy="230832"/>
-              </a:xfrm>
-              <a:prstGeom prst="rect">
-                <a:avLst/>
-              </a:prstGeom>
-              <a:noFill/>
-            </p:spPr>
-            <p:txBody>
-              <a:bodyPr wrap="square" rtlCol="0">
-                <a:spAutoFit/>
-              </a:bodyPr>
-              <a:lstStyle/>
-              <a:p>
-                <a:pPr algn="ctr"/>
-                <a:r>
-                  <a:rPr lang="zh-CN" altLang="en-US" sz="900" dirty="0"/>
-                  <a:t>页面请求</a:t>
-                </a:r>
-              </a:p>
-            </p:txBody>
-          </p:sp>
-          <p:sp>
-            <p:nvSpPr>
-              <p:cNvPr id="10" name="文本框 9"/>
-              <p:cNvSpPr txBox="1"/>
-              <p:nvPr/>
-            </p:nvSpPr>
-            <p:spPr>
-              <a:xfrm>
-                <a:off x="2804780" y="1860319"/>
-                <a:ext cx="777502" cy="369332"/>
-              </a:xfrm>
-              <a:prstGeom prst="rect">
-                <a:avLst/>
-              </a:prstGeom>
-              <a:noFill/>
-            </p:spPr>
-            <p:txBody>
-              <a:bodyPr wrap="square" rtlCol="0">
-                <a:spAutoFit/>
-              </a:bodyPr>
-              <a:lstStyle/>
-              <a:p>
-                <a:pPr algn="ctr"/>
-                <a:r>
-                  <a:rPr lang="zh-CN" altLang="en-US" sz="900" dirty="0"/>
-                  <a:t>原样插入到包含页面</a:t>
-                </a:r>
-              </a:p>
-            </p:txBody>
-          </p:sp>
-          <p:sp>
-            <p:nvSpPr>
-              <p:cNvPr id="11" name="文本框 10"/>
-              <p:cNvSpPr txBox="1"/>
-              <p:nvPr/>
-            </p:nvSpPr>
-            <p:spPr>
-              <a:xfrm>
-                <a:off x="2862789" y="1268000"/>
-                <a:ext cx="661484" cy="230832"/>
-              </a:xfrm>
-              <a:prstGeom prst="rect">
-                <a:avLst/>
-              </a:prstGeom>
-              <a:noFill/>
-            </p:spPr>
-            <p:txBody>
-              <a:bodyPr wrap="square" rtlCol="0">
-                <a:spAutoFit/>
-              </a:bodyPr>
-              <a:lstStyle/>
-              <a:p>
-                <a:pPr algn="ctr"/>
-                <a:r>
-                  <a:rPr lang="zh-CN" altLang="en-US" sz="900" dirty="0"/>
-                  <a:t>包含</a:t>
-                </a:r>
-              </a:p>
-            </p:txBody>
-          </p:sp>
-          <p:sp>
-            <p:nvSpPr>
-              <p:cNvPr id="12" name="文本框 11"/>
-              <p:cNvSpPr txBox="1"/>
-              <p:nvPr/>
-            </p:nvSpPr>
-            <p:spPr>
-              <a:xfrm>
-                <a:off x="3505137" y="1591680"/>
-                <a:ext cx="609303" cy="369332"/>
-              </a:xfrm>
-              <a:prstGeom prst="rect">
-                <a:avLst/>
-              </a:prstGeom>
-              <a:noFill/>
-            </p:spPr>
-            <p:txBody>
-              <a:bodyPr wrap="square" rtlCol="0">
-                <a:spAutoFit/>
-              </a:bodyPr>
-              <a:lstStyle/>
-              <a:p>
-                <a:pPr algn="ctr"/>
-                <a:r>
-                  <a:rPr lang="zh-CN" altLang="en-US" sz="900" dirty="0"/>
-                  <a:t>被包含文件</a:t>
-                </a:r>
-              </a:p>
-            </p:txBody>
-          </p:sp>
-          <p:cxnSp>
-            <p:nvCxnSpPr>
-              <p:cNvPr id="14" name="直接箭头连接符 13"/>
-              <p:cNvCxnSpPr/>
-              <p:nvPr/>
-            </p:nvCxnSpPr>
-            <p:spPr>
-              <a:xfrm>
-                <a:off x="1684194" y="1699274"/>
-                <a:ext cx="684356" cy="0"/>
-              </a:xfrm>
-              <a:prstGeom prst="straightConnector1">
-                <a:avLst/>
-              </a:prstGeom>
-              <a:ln w="19050">
-                <a:tailEnd type="triangle"/>
-              </a:ln>
-            </p:spPr>
-            <p:style>
-              <a:lnRef idx="1">
-                <a:schemeClr val="accent1"/>
-              </a:lnRef>
-              <a:fillRef idx="0">
-                <a:schemeClr val="accent1"/>
-              </a:fillRef>
-              <a:effectRef idx="0">
-                <a:schemeClr val="accent1"/>
-              </a:effectRef>
-              <a:fontRef idx="minor">
-                <a:schemeClr val="tx1"/>
-              </a:fontRef>
-            </p:style>
-          </p:cxnSp>
-          <p:cxnSp>
-            <p:nvCxnSpPr>
-              <p:cNvPr id="15" name="直接箭头连接符 14"/>
-              <p:cNvCxnSpPr/>
-              <p:nvPr/>
-            </p:nvCxnSpPr>
-            <p:spPr>
-              <a:xfrm>
-                <a:off x="2862789" y="1582804"/>
-                <a:ext cx="684356" cy="0"/>
-              </a:xfrm>
-              <a:prstGeom prst="straightConnector1">
-                <a:avLst/>
-              </a:prstGeom>
-              <a:ln w="19050">
-                <a:tailEnd type="triangle"/>
-              </a:ln>
-            </p:spPr>
-            <p:style>
-              <a:lnRef idx="1">
-                <a:schemeClr val="accent1"/>
-              </a:lnRef>
-              <a:fillRef idx="0">
-                <a:schemeClr val="accent1"/>
-              </a:fillRef>
-              <a:effectRef idx="0">
-                <a:schemeClr val="accent1"/>
-              </a:effectRef>
-              <a:fontRef idx="minor">
-                <a:schemeClr val="tx1"/>
-              </a:fontRef>
-            </p:style>
-          </p:cxnSp>
-          <p:cxnSp>
-            <p:nvCxnSpPr>
-              <p:cNvPr id="16" name="直接箭头连接符 15"/>
-              <p:cNvCxnSpPr/>
-              <p:nvPr/>
-            </p:nvCxnSpPr>
-            <p:spPr>
-              <a:xfrm>
-                <a:off x="2862789" y="1776346"/>
-                <a:ext cx="684356" cy="0"/>
-              </a:xfrm>
-              <a:prstGeom prst="straightConnector1">
-                <a:avLst/>
-              </a:prstGeom>
-              <a:ln w="19050">
-                <a:headEnd type="triangle"/>
-                <a:tailEnd type="none"/>
-              </a:ln>
-            </p:spPr>
-            <p:style>
-              <a:lnRef idx="1">
-                <a:schemeClr val="accent1"/>
-              </a:lnRef>
-              <a:fillRef idx="0">
-                <a:schemeClr val="accent1"/>
-              </a:fillRef>
-              <a:effectRef idx="0">
-                <a:schemeClr val="accent1"/>
-              </a:effectRef>
-              <a:fontRef idx="minor">
-                <a:schemeClr val="tx1"/>
-              </a:fontRef>
-            </p:style>
-          </p:cxnSp>
-          <p:sp>
-            <p:nvSpPr>
-              <p:cNvPr id="17" name="文本框 16"/>
-              <p:cNvSpPr txBox="1"/>
-              <p:nvPr/>
-            </p:nvSpPr>
-            <p:spPr>
-              <a:xfrm>
-                <a:off x="2289143" y="1388644"/>
-                <a:ext cx="609303" cy="584775"/>
-              </a:xfrm>
-              <a:prstGeom prst="rect">
-                <a:avLst/>
-              </a:prstGeom>
-              <a:noFill/>
-            </p:spPr>
-            <p:txBody>
-              <a:bodyPr wrap="square" rtlCol="0">
-                <a:spAutoFit/>
-              </a:bodyPr>
-              <a:lstStyle/>
-              <a:p>
-                <a:pPr algn="ctr"/>
-                <a:r>
-                  <a:rPr lang="zh-CN" altLang="en-US" sz="800" dirty="0"/>
-                  <a:t>包含</a:t>
-                </a:r>
-                <a:r>
-                  <a:rPr lang="en-US" altLang="zh-CN" sz="800" dirty="0"/>
-                  <a:t>include</a:t>
-                </a:r>
-                <a:r>
-                  <a:rPr lang="zh-CN" altLang="en-US" sz="800" dirty="0"/>
-                  <a:t>指令的</a:t>
-                </a:r>
-                <a:r>
-                  <a:rPr lang="en-US" altLang="zh-CN" sz="800" dirty="0"/>
-                  <a:t>JSP</a:t>
-                </a:r>
-                <a:r>
-                  <a:rPr lang="zh-CN" altLang="en-US" sz="800" dirty="0"/>
-                  <a:t>页面</a:t>
-                </a:r>
-              </a:p>
-            </p:txBody>
-          </p:sp>
-          <p:cxnSp>
-            <p:nvCxnSpPr>
-              <p:cNvPr id="19" name="肘形连接符 18"/>
-              <p:cNvCxnSpPr>
-                <a:stCxn id="17" idx="2"/>
-                <a:endCxn id="6" idx="3"/>
-              </p:cNvCxnSpPr>
-              <p:nvPr/>
-            </p:nvCxnSpPr>
-            <p:spPr>
-              <a:xfrm rot="5400000">
-                <a:off x="2198475" y="2047565"/>
-                <a:ext cx="469466" cy="321174"/>
-              </a:xfrm>
-              <a:prstGeom prst="bentConnector2">
-                <a:avLst/>
-              </a:prstGeom>
-              <a:ln w="19050">
-                <a:tailEnd type="triangle"/>
-              </a:ln>
-            </p:spPr>
-            <p:style>
-              <a:lnRef idx="1">
-                <a:schemeClr val="accent1"/>
-              </a:lnRef>
-              <a:fillRef idx="0">
-                <a:schemeClr val="accent1"/>
-              </a:fillRef>
-              <a:effectRef idx="0">
-                <a:schemeClr val="accent1"/>
-              </a:effectRef>
-              <a:fontRef idx="minor">
-                <a:schemeClr val="tx1"/>
-              </a:fontRef>
-            </p:style>
-          </p:cxnSp>
-          <p:cxnSp>
-            <p:nvCxnSpPr>
-              <p:cNvPr id="21" name="肘形连接符 20"/>
-              <p:cNvCxnSpPr>
-                <a:stCxn id="6" idx="1"/>
-                <a:endCxn id="8" idx="2"/>
-              </p:cNvCxnSpPr>
-              <p:nvPr/>
-            </p:nvCxnSpPr>
-            <p:spPr>
-              <a:xfrm rot="10800000">
-                <a:off x="1331643" y="2148389"/>
-                <a:ext cx="314282" cy="294496"/>
-              </a:xfrm>
-              <a:prstGeom prst="bentConnector2">
-                <a:avLst/>
-              </a:prstGeom>
-              <a:ln w="19050">
-                <a:tailEnd type="triangle"/>
-              </a:ln>
-            </p:spPr>
-            <p:style>
-              <a:lnRef idx="1">
-                <a:schemeClr val="accent1"/>
-              </a:lnRef>
-              <a:fillRef idx="0">
-                <a:schemeClr val="accent1"/>
-              </a:fillRef>
-              <a:effectRef idx="0">
-                <a:schemeClr val="accent1"/>
-              </a:effectRef>
-              <a:fontRef idx="minor">
-                <a:schemeClr val="tx1"/>
-              </a:fontRef>
-            </p:style>
-          </p:cxnSp>
-        </p:grpSp>
-        <p:sp>
-          <p:nvSpPr>
-            <p:cNvPr id="23" name="文本框 22"/>
-            <p:cNvSpPr txBox="1"/>
-            <p:nvPr/>
-          </p:nvSpPr>
-          <p:spPr>
-            <a:xfrm>
-              <a:off x="2577920" y="2219490"/>
-              <a:ext cx="679450" cy="230832"/>
-            </a:xfrm>
-            <a:prstGeom prst="rect">
-              <a:avLst/>
-            </a:prstGeom>
-            <a:noFill/>
-          </p:spPr>
-          <p:txBody>
-            <a:bodyPr wrap="square" rtlCol="0">
-              <a:spAutoFit/>
-            </a:bodyPr>
-            <a:lstStyle/>
-            <a:p>
-              <a:r>
-                <a:rPr lang="zh-CN" altLang="en-US" sz="900" dirty="0"/>
-                <a:t>编译执行</a:t>
-              </a:r>
-            </a:p>
-          </p:txBody>
-        </p:sp>
-      </p:grpSp>
-    </p:spTree>
-    <p:extLst>
-      <p:ext uri="{BB962C8B-B14F-4D97-AF65-F5344CB8AC3E}">
-        <p14:creationId xmlns:p14="http://schemas.microsoft.com/office/powerpoint/2010/main" val="2883569722"/>
       </p:ext>
     </p:extLst>
   </p:cSld>
@@ -15902,4 +21640,299 @@
     </a:ext>
   </a:extLst>
 </a:theme>
+</file>
+
+<file path=ppt/theme/theme2.xml><?xml version="1.0" encoding="utf-8"?>
+<a:theme xmlns:a="http://schemas.openxmlformats.org/drawingml/2006/main" name="Office 主题​​">
+  <a:themeElements>
+    <a:clrScheme name="Office">
+      <a:dk1>
+        <a:sysClr val="windowText" lastClr="000000"/>
+      </a:dk1>
+      <a:lt1>
+        <a:sysClr val="window" lastClr="FFFFFF"/>
+      </a:lt1>
+      <a:dk2>
+        <a:srgbClr val="44546A"/>
+      </a:dk2>
+      <a:lt2>
+        <a:srgbClr val="E7E6E6"/>
+      </a:lt2>
+      <a:accent1>
+        <a:srgbClr val="4472C4"/>
+      </a:accent1>
+      <a:accent2>
+        <a:srgbClr val="ED7D31"/>
+      </a:accent2>
+      <a:accent3>
+        <a:srgbClr val="A5A5A5"/>
+      </a:accent3>
+      <a:accent4>
+        <a:srgbClr val="FFC000"/>
+      </a:accent4>
+      <a:accent5>
+        <a:srgbClr val="5B9BD5"/>
+      </a:accent5>
+      <a:accent6>
+        <a:srgbClr val="70AD47"/>
+      </a:accent6>
+      <a:hlink>
+        <a:srgbClr val="0563C1"/>
+      </a:hlink>
+      <a:folHlink>
+        <a:srgbClr val="954F72"/>
+      </a:folHlink>
+    </a:clrScheme>
+    <a:fontScheme name="Office">
+      <a:majorFont>
+        <a:latin typeface="等线 Light" panose="020F0302020204030204"/>
+        <a:ea typeface=""/>
+        <a:cs typeface=""/>
+        <a:font script="Jpan" typeface="游ゴシック Light"/>
+        <a:font script="Hang" typeface="맑은 고딕"/>
+        <a:font script="Hans" typeface="等线 Light"/>
+        <a:font script="Hant" typeface="新細明體"/>
+        <a:font script="Arab" typeface="Times New Roman"/>
+        <a:font script="Hebr" typeface="Times New Roman"/>
+        <a:font script="Thai" typeface="Angsana New"/>
+        <a:font script="Ethi" typeface="Nyala"/>
+        <a:font script="Beng" typeface="Vrinda"/>
+        <a:font script="Gujr" typeface="Shruti"/>
+        <a:font script="Khmr" typeface="MoolBoran"/>
+        <a:font script="Knda" typeface="Tunga"/>
+        <a:font script="Guru" typeface="Raavi"/>
+        <a:font script="Cans" typeface="Euphemia"/>
+        <a:font script="Cher" typeface="Plantagenet Cherokee"/>
+        <a:font script="Yiii" typeface="Microsoft Yi Baiti"/>
+        <a:font script="Tibt" typeface="Microsoft Himalaya"/>
+        <a:font script="Thaa" typeface="MV Boli"/>
+        <a:font script="Deva" typeface="Mangal"/>
+        <a:font script="Telu" typeface="Gautami"/>
+        <a:font script="Taml" typeface="Latha"/>
+        <a:font script="Syrc" typeface="Estrangelo Edessa"/>
+        <a:font script="Orya" typeface="Kalinga"/>
+        <a:font script="Mlym" typeface="Kartika"/>
+        <a:font script="Laoo" typeface="DokChampa"/>
+        <a:font script="Sinh" typeface="Iskoola Pota"/>
+        <a:font script="Mong" typeface="Mongolian Baiti"/>
+        <a:font script="Viet" typeface="Times New Roman"/>
+        <a:font script="Uigh" typeface="Microsoft Uighur"/>
+        <a:font script="Geor" typeface="Sylfaen"/>
+        <a:font script="Armn" typeface="Arial"/>
+        <a:font script="Bugi" typeface="Leelawadee UI"/>
+        <a:font script="Bopo" typeface="Microsoft JhengHei"/>
+        <a:font script="Java" typeface="Javanese Text"/>
+        <a:font script="Lisu" typeface="Segoe UI"/>
+        <a:font script="Mymr" typeface="Myanmar Text"/>
+        <a:font script="Nkoo" typeface="Ebrima"/>
+        <a:font script="Olck" typeface="Nirmala UI"/>
+        <a:font script="Osma" typeface="Ebrima"/>
+        <a:font script="Phag" typeface="Phagspa"/>
+        <a:font script="Syrn" typeface="Estrangelo Edessa"/>
+        <a:font script="Syrj" typeface="Estrangelo Edessa"/>
+        <a:font script="Syre" typeface="Estrangelo Edessa"/>
+        <a:font script="Sora" typeface="Nirmala UI"/>
+        <a:font script="Tale" typeface="Microsoft Tai Le"/>
+        <a:font script="Talu" typeface="Microsoft New Tai Lue"/>
+        <a:font script="Tfng" typeface="Ebrima"/>
+      </a:majorFont>
+      <a:minorFont>
+        <a:latin typeface="等线" panose="020F0502020204030204"/>
+        <a:ea typeface=""/>
+        <a:cs typeface=""/>
+        <a:font script="Jpan" typeface="游ゴシック"/>
+        <a:font script="Hang" typeface="맑은 고딕"/>
+        <a:font script="Hans" typeface="等线"/>
+        <a:font script="Hant" typeface="新細明體"/>
+        <a:font script="Arab" typeface="Arial"/>
+        <a:font script="Hebr" typeface="Arial"/>
+        <a:font script="Thai" typeface="Cordia New"/>
+        <a:font script="Ethi" typeface="Nyala"/>
+        <a:font script="Beng" typeface="Vrinda"/>
+        <a:font script="Gujr" typeface="Shruti"/>
+        <a:font script="Khmr" typeface="DaunPenh"/>
+        <a:font script="Knda" typeface="Tunga"/>
+        <a:font script="Guru" typeface="Raavi"/>
+        <a:font script="Cans" typeface="Euphemia"/>
+        <a:font script="Cher" typeface="Plantagenet Cherokee"/>
+        <a:font script="Yiii" typeface="Microsoft Yi Baiti"/>
+        <a:font script="Tibt" typeface="Microsoft Himalaya"/>
+        <a:font script="Thaa" typeface="MV Boli"/>
+        <a:font script="Deva" typeface="Mangal"/>
+        <a:font script="Telu" typeface="Gautami"/>
+        <a:font script="Taml" typeface="Latha"/>
+        <a:font script="Syrc" typeface="Estrangelo Edessa"/>
+        <a:font script="Orya" typeface="Kalinga"/>
+        <a:font script="Mlym" typeface="Kartika"/>
+        <a:font script="Laoo" typeface="DokChampa"/>
+        <a:font script="Sinh" typeface="Iskoola Pota"/>
+        <a:font script="Mong" typeface="Mongolian Baiti"/>
+        <a:font script="Viet" typeface="Arial"/>
+        <a:font script="Uigh" typeface="Microsoft Uighur"/>
+        <a:font script="Geor" typeface="Sylfaen"/>
+        <a:font script="Armn" typeface="Arial"/>
+        <a:font script="Bugi" typeface="Leelawadee UI"/>
+        <a:font script="Bopo" typeface="Microsoft JhengHei"/>
+        <a:font script="Java" typeface="Javanese Text"/>
+        <a:font script="Lisu" typeface="Segoe UI"/>
+        <a:font script="Mymr" typeface="Myanmar Text"/>
+        <a:font script="Nkoo" typeface="Ebrima"/>
+        <a:font script="Olck" typeface="Nirmala UI"/>
+        <a:font script="Osma" typeface="Ebrima"/>
+        <a:font script="Phag" typeface="Phagspa"/>
+        <a:font script="Syrn" typeface="Estrangelo Edessa"/>
+        <a:font script="Syrj" typeface="Estrangelo Edessa"/>
+        <a:font script="Syre" typeface="Estrangelo Edessa"/>
+        <a:font script="Sora" typeface="Nirmala UI"/>
+        <a:font script="Tale" typeface="Microsoft Tai Le"/>
+        <a:font script="Talu" typeface="Microsoft New Tai Lue"/>
+        <a:font script="Tfng" typeface="Ebrima"/>
+      </a:minorFont>
+    </a:fontScheme>
+    <a:fmtScheme name="Office">
+      <a:fillStyleLst>
+        <a:solidFill>
+          <a:schemeClr val="phClr"/>
+        </a:solidFill>
+        <a:gradFill rotWithShape="1">
+          <a:gsLst>
+            <a:gs pos="0">
+              <a:schemeClr val="phClr">
+                <a:lumMod val="110000"/>
+                <a:satMod val="105000"/>
+                <a:tint val="67000"/>
+              </a:schemeClr>
+            </a:gs>
+            <a:gs pos="50000">
+              <a:schemeClr val="phClr">
+                <a:lumMod val="105000"/>
+                <a:satMod val="103000"/>
+                <a:tint val="73000"/>
+              </a:schemeClr>
+            </a:gs>
+            <a:gs pos="100000">
+              <a:schemeClr val="phClr">
+                <a:lumMod val="105000"/>
+                <a:satMod val="109000"/>
+                <a:tint val="81000"/>
+              </a:schemeClr>
+            </a:gs>
+          </a:gsLst>
+          <a:lin ang="5400000" scaled="0"/>
+        </a:gradFill>
+        <a:gradFill rotWithShape="1">
+          <a:gsLst>
+            <a:gs pos="0">
+              <a:schemeClr val="phClr">
+                <a:satMod val="103000"/>
+                <a:lumMod val="102000"/>
+                <a:tint val="94000"/>
+              </a:schemeClr>
+            </a:gs>
+            <a:gs pos="50000">
+              <a:schemeClr val="phClr">
+                <a:satMod val="110000"/>
+                <a:lumMod val="100000"/>
+                <a:shade val="100000"/>
+              </a:schemeClr>
+            </a:gs>
+            <a:gs pos="100000">
+              <a:schemeClr val="phClr">
+                <a:lumMod val="99000"/>
+                <a:satMod val="120000"/>
+                <a:shade val="78000"/>
+              </a:schemeClr>
+            </a:gs>
+          </a:gsLst>
+          <a:lin ang="5400000" scaled="0"/>
+        </a:gradFill>
+      </a:fillStyleLst>
+      <a:lnStyleLst>
+        <a:ln w="6350" cap="flat" cmpd="sng" algn="ctr">
+          <a:solidFill>
+            <a:schemeClr val="phClr"/>
+          </a:solidFill>
+          <a:prstDash val="solid"/>
+          <a:miter lim="800000"/>
+        </a:ln>
+        <a:ln w="12700" cap="flat" cmpd="sng" algn="ctr">
+          <a:solidFill>
+            <a:schemeClr val="phClr"/>
+          </a:solidFill>
+          <a:prstDash val="solid"/>
+          <a:miter lim="800000"/>
+        </a:ln>
+        <a:ln w="19050" cap="flat" cmpd="sng" algn="ctr">
+          <a:solidFill>
+            <a:schemeClr val="phClr"/>
+          </a:solidFill>
+          <a:prstDash val="solid"/>
+          <a:miter lim="800000"/>
+        </a:ln>
+      </a:lnStyleLst>
+      <a:effectStyleLst>
+        <a:effectStyle>
+          <a:effectLst/>
+        </a:effectStyle>
+        <a:effectStyle>
+          <a:effectLst/>
+        </a:effectStyle>
+        <a:effectStyle>
+          <a:effectLst>
+            <a:outerShdw blurRad="57150" dist="19050" dir="5400000" algn="ctr" rotWithShape="0">
+              <a:srgbClr val="000000">
+                <a:alpha val="63000"/>
+              </a:srgbClr>
+            </a:outerShdw>
+          </a:effectLst>
+        </a:effectStyle>
+      </a:effectStyleLst>
+      <a:bgFillStyleLst>
+        <a:solidFill>
+          <a:schemeClr val="phClr"/>
+        </a:solidFill>
+        <a:solidFill>
+          <a:schemeClr val="phClr">
+            <a:tint val="95000"/>
+            <a:satMod val="170000"/>
+          </a:schemeClr>
+        </a:solidFill>
+        <a:gradFill rotWithShape="1">
+          <a:gsLst>
+            <a:gs pos="0">
+              <a:schemeClr val="phClr">
+                <a:tint val="93000"/>
+                <a:satMod val="150000"/>
+                <a:shade val="98000"/>
+                <a:lumMod val="102000"/>
+              </a:schemeClr>
+            </a:gs>
+            <a:gs pos="50000">
+              <a:schemeClr val="phClr">
+                <a:tint val="98000"/>
+                <a:satMod val="130000"/>
+                <a:shade val="90000"/>
+                <a:lumMod val="103000"/>
+              </a:schemeClr>
+            </a:gs>
+            <a:gs pos="100000">
+              <a:schemeClr val="phClr">
+                <a:shade val="63000"/>
+                <a:satMod val="120000"/>
+              </a:schemeClr>
+            </a:gs>
+          </a:gsLst>
+          <a:lin ang="5400000" scaled="0"/>
+        </a:gradFill>
+      </a:bgFillStyleLst>
+    </a:fmtScheme>
+  </a:themeElements>
+  <a:objectDefaults/>
+  <a:extraClrSchemeLst/>
+  <a:extLst>
+    <a:ext uri="{05A4C25C-085E-4340-85A3-A5531E510DB2}">
+      <thm15:themeFamily xmlns:thm15="http://schemas.microsoft.com/office/thememl/2012/main" name="Office Theme" id="{62F939B6-93AF-4DB8-9C6B-D6C7DFDC589F}" vid="{4A3C46E8-61CC-4603-A589-7422A47A8E4A}"/>
+    </a:ext>
+  </a:extLst>
+</a:theme>
 </file>